--- a/Documentazione/Gestione appartamenti.pptx
+++ b/Documentazione/Gestione appartamenti.pptx
@@ -21,6 +21,8 @@
     <p:sldId id="269" r:id="rId15"/>
     <p:sldId id="270" r:id="rId16"/>
     <p:sldId id="271" r:id="rId17"/>
+    <p:sldId id="272" r:id="rId18"/>
+    <p:sldId id="273" r:id="rId19"/>
   </p:sldIdLst>
   <p:sldSz cx="12192000" cy="6858000"/>
   <p:notesSz cx="6858000" cy="9144000"/>
@@ -119,6 +121,11 @@
       </a:defRPr>
     </a:lvl9pPr>
   </p:defaultTextStyle>
+  <p:extLst>
+    <p:ext uri="{EFAFB233-063F-42B5-8137-9DF3F51BA10A}">
+      <p15:sldGuideLst xmlns:p15="http://schemas.microsoft.com/office/powerpoint/2012/main"/>
+    </p:ext>
+  </p:extLst>
 </p:presentation>
 </file>
 
@@ -1433,7 +1440,7 @@
             <a:fld id="{71766878-3199-4EAB-94E7-2D6D11070E14}" type="slidenum">
               <a:rPr lang="en-US" dirty="0"/>
               <a:pPr/>
-              <a:t>‹#›</a:t>
+              <a:t>‹N›</a:t>
             </a:fld>
             <a:endParaRPr lang="en-US" dirty="0"/>
           </a:p>
@@ -1636,7 +1643,7 @@
           <a:p>
             <a:fld id="{71766878-3199-4EAB-94E7-2D6D11070E14}" type="slidenum">
               <a:rPr lang="en-US" dirty="0"/>
-              <a:t>‹#›</a:t>
+              <a:t>‹N›</a:t>
             </a:fld>
             <a:endParaRPr lang="en-US" dirty="0"/>
           </a:p>
@@ -1811,7 +1818,7 @@
           <a:p>
             <a:fld id="{71766878-3199-4EAB-94E7-2D6D11070E14}" type="slidenum">
               <a:rPr lang="en-US" dirty="0"/>
-              <a:t>‹#›</a:t>
+              <a:t>‹N›</a:t>
             </a:fld>
             <a:endParaRPr lang="en-US" dirty="0"/>
           </a:p>
@@ -1976,7 +1983,7 @@
           <a:p>
             <a:fld id="{71766878-3199-4EAB-94E7-2D6D11070E14}" type="slidenum">
               <a:rPr lang="en-US" dirty="0"/>
-              <a:t>‹#›</a:t>
+              <a:t>‹N›</a:t>
             </a:fld>
             <a:endParaRPr lang="en-US" dirty="0"/>
           </a:p>
@@ -2275,7 +2282,7 @@
             <a:fld id="{71766878-3199-4EAB-94E7-2D6D11070E14}" type="slidenum">
               <a:rPr lang="en-US" dirty="0"/>
               <a:pPr/>
-              <a:t>‹#›</a:t>
+              <a:t>‹N›</a:t>
             </a:fld>
             <a:endParaRPr lang="en-US" dirty="0"/>
           </a:p>
@@ -3445,7 +3452,7 @@
           <a:p>
             <a:fld id="{71766878-3199-4EAB-94E7-2D6D11070E14}" type="slidenum">
               <a:rPr lang="en-US" dirty="0"/>
-              <a:t>‹#›</a:t>
+              <a:t>‹N›</a:t>
             </a:fld>
             <a:endParaRPr lang="en-US" dirty="0"/>
           </a:p>
@@ -3830,7 +3837,7 @@
           <a:p>
             <a:fld id="{71766878-3199-4EAB-94E7-2D6D11070E14}" type="slidenum">
               <a:rPr lang="en-US" dirty="0"/>
-              <a:t>‹#›</a:t>
+              <a:t>‹N›</a:t>
             </a:fld>
             <a:endParaRPr lang="en-US" dirty="0"/>
           </a:p>
@@ -3948,7 +3955,7 @@
           <a:p>
             <a:fld id="{71766878-3199-4EAB-94E7-2D6D11070E14}" type="slidenum">
               <a:rPr lang="en-US" dirty="0"/>
-              <a:t>‹#›</a:t>
+              <a:t>‹N›</a:t>
             </a:fld>
             <a:endParaRPr lang="en-US" dirty="0"/>
           </a:p>
@@ -4038,7 +4045,7 @@
           <a:p>
             <a:fld id="{71766878-3199-4EAB-94E7-2D6D11070E14}" type="slidenum">
               <a:rPr lang="en-US" dirty="0"/>
-              <a:t>‹#›</a:t>
+              <a:t>‹N›</a:t>
             </a:fld>
             <a:endParaRPr lang="en-US" dirty="0"/>
           </a:p>
@@ -4806,7 +4813,7 @@
           <a:p>
             <a:fld id="{71766878-3199-4EAB-94E7-2D6D11070E14}" type="slidenum">
               <a:rPr lang="en-US" dirty="0"/>
-              <a:t>‹#›</a:t>
+              <a:t>‹N›</a:t>
             </a:fld>
             <a:endParaRPr lang="en-US" dirty="0"/>
           </a:p>
@@ -5641,7 +5648,7 @@
           <a:p>
             <a:fld id="{71766878-3199-4EAB-94E7-2D6D11070E14}" type="slidenum">
               <a:rPr lang="en-US" dirty="0"/>
-              <a:t>‹#›</a:t>
+              <a:t>‹N›</a:t>
             </a:fld>
             <a:endParaRPr lang="en-US" dirty="0"/>
           </a:p>
@@ -5893,7 +5900,7 @@
             <a:fld id="{71766878-3199-4EAB-94E7-2D6D11070E14}" type="slidenum">
               <a:rPr lang="en-US" dirty="0"/>
               <a:pPr/>
-              <a:t>‹#›</a:t>
+              <a:t>‹N›</a:t>
             </a:fld>
             <a:endParaRPr lang="en-US" dirty="0"/>
           </a:p>
@@ -6812,7 +6819,7 @@
           <p:cNvPr id="2" name="Title 1">
             <a:extLst>
               <a:ext uri="{FF2B5EF4-FFF2-40B4-BE49-F238E27FC236}">
-                <a16:creationId xmlns:a16="http://schemas.microsoft.com/office/drawing/2014/main" id="{2AFFBDE9-A4CA-46D1-9E11-2DC4C4FA8C05}"/>
+                <a16:creationId xmlns:a16="http://schemas.microsoft.com/office/drawing/2014/main" xmlns="" id="{2AFFBDE9-A4CA-46D1-9E11-2DC4C4FA8C05}"/>
               </a:ext>
             </a:extLst>
           </p:cNvPr>
@@ -6840,7 +6847,7 @@
               <a:rPr lang="en-US" dirty="0" err="1"/>
               <a:t>appartamenti</a:t>
             </a:r>
-            <a:endParaRPr lang="en-CH" dirty="0"/>
+            <a:endParaRPr lang="aa-ET" dirty="0"/>
           </a:p>
         </p:txBody>
       </p:sp>
@@ -6849,7 +6856,7 @@
           <p:cNvPr id="3" name="Subtitle 2">
             <a:extLst>
               <a:ext uri="{FF2B5EF4-FFF2-40B4-BE49-F238E27FC236}">
-                <a16:creationId xmlns:a16="http://schemas.microsoft.com/office/drawing/2014/main" id="{69A35D7D-6EAB-4E49-BCB0-CA3D7601342A}"/>
+                <a16:creationId xmlns:a16="http://schemas.microsoft.com/office/drawing/2014/main" xmlns="" id="{69A35D7D-6EAB-4E49-BCB0-CA3D7601342A}"/>
               </a:ext>
             </a:extLst>
           </p:cNvPr>
@@ -6882,7 +6889,7 @@
               <a:rPr lang="en-US" dirty="0"/>
               <a:t> &amp; alessandro spagnuolo</a:t>
             </a:r>
-            <a:endParaRPr lang="en-CH" dirty="0"/>
+            <a:endParaRPr lang="aa-ET" dirty="0"/>
           </a:p>
         </p:txBody>
       </p:sp>
@@ -6921,7 +6928,7 @@
           <p:cNvPr id="2" name="Title 1">
             <a:extLst>
               <a:ext uri="{FF2B5EF4-FFF2-40B4-BE49-F238E27FC236}">
-                <a16:creationId xmlns:a16="http://schemas.microsoft.com/office/drawing/2014/main" id="{745769F7-C105-4AAB-B6FF-730224B220EC}"/>
+                <a16:creationId xmlns:a16="http://schemas.microsoft.com/office/drawing/2014/main" xmlns="" id="{745769F7-C105-4AAB-B6FF-730224B220EC}"/>
               </a:ext>
             </a:extLst>
           </p:cNvPr>
@@ -6941,7 +6948,7 @@
               <a:rPr lang="en-US" dirty="0" err="1"/>
               <a:t>implementazione</a:t>
             </a:r>
-            <a:endParaRPr lang="en-CH" dirty="0"/>
+            <a:endParaRPr lang="aa-ET" dirty="0"/>
           </a:p>
         </p:txBody>
       </p:sp>
@@ -6950,7 +6957,7 @@
           <p:cNvPr id="3" name="Content Placeholder 2">
             <a:extLst>
               <a:ext uri="{FF2B5EF4-FFF2-40B4-BE49-F238E27FC236}">
-                <a16:creationId xmlns:a16="http://schemas.microsoft.com/office/drawing/2014/main" id="{9A4D723D-5067-46F2-95C0-9B2036900E5A}"/>
+                <a16:creationId xmlns:a16="http://schemas.microsoft.com/office/drawing/2014/main" xmlns="" id="{9A4D723D-5067-46F2-95C0-9B2036900E5A}"/>
               </a:ext>
             </a:extLst>
           </p:cNvPr>
@@ -6961,7 +6968,12 @@
             <p:ph idx="1"/>
           </p:nvPr>
         </p:nvSpPr>
-        <p:spPr/>
+        <p:spPr>
+          <a:xfrm>
+            <a:off x="1251678" y="2596552"/>
+            <a:ext cx="10178322" cy="3593591"/>
+          </a:xfrm>
+        </p:spPr>
         <p:txBody>
           <a:bodyPr/>
           <a:lstStyle/>
@@ -7089,7 +7101,7 @@
           <p:cNvPr id="4" name="Picture 3">
             <a:extLst>
               <a:ext uri="{FF2B5EF4-FFF2-40B4-BE49-F238E27FC236}">
-                <a16:creationId xmlns:a16="http://schemas.microsoft.com/office/drawing/2014/main" id="{AD62B0EB-ABD0-4E03-B099-73A72B2886A6}"/>
+                <a16:creationId xmlns:a16="http://schemas.microsoft.com/office/drawing/2014/main" xmlns="" id="{AD62B0EB-ABD0-4E03-B099-73A72B2886A6}"/>
               </a:ext>
             </a:extLst>
           </p:cNvPr>
@@ -7113,6 +7125,227 @@
           </a:prstGeom>
         </p:spPr>
       </p:pic>
+      <p:grpSp>
+        <p:nvGrpSpPr>
+          <p:cNvPr id="9" name="Gruppo 8"/>
+          <p:cNvGrpSpPr/>
+          <p:nvPr/>
+        </p:nvGrpSpPr>
+        <p:grpSpPr>
+          <a:xfrm>
+            <a:off x="7237986" y="3183986"/>
+            <a:ext cx="3856007" cy="1338828"/>
+            <a:chOff x="6340839" y="1984914"/>
+            <a:chExt cx="3856007" cy="1338828"/>
+          </a:xfrm>
+        </p:grpSpPr>
+        <p:sp>
+          <p:nvSpPr>
+            <p:cNvPr id="5" name="CasellaDiTesto 4"/>
+            <p:cNvSpPr txBox="1"/>
+            <p:nvPr/>
+          </p:nvSpPr>
+          <p:spPr>
+            <a:xfrm>
+              <a:off x="6340839" y="1984914"/>
+              <a:ext cx="3856007" cy="1338828"/>
+            </a:xfrm>
+            <a:prstGeom prst="rect">
+              <a:avLst/>
+            </a:prstGeom>
+            <a:noFill/>
+          </p:spPr>
+          <p:txBody>
+            <a:bodyPr wrap="square" rtlCol="0">
+              <a:spAutoFit/>
+            </a:bodyPr>
+            <a:lstStyle/>
+            <a:p>
+              <a:pPr marL="285750" indent="-285750">
+                <a:lnSpc>
+                  <a:spcPct val="150000"/>
+                </a:lnSpc>
+                <a:buFont typeface="Arial" panose="020B0604020202020204" pitchFamily="34" charset="0"/>
+                <a:buChar char="•"/>
+              </a:pPr>
+              <a:r>
+                <a:rPr lang="en-US" dirty="0"/>
+                <a:t>MySQL 	 </a:t>
+              </a:r>
+              <a:r>
+                <a:rPr lang="en-US" dirty="0" smtClean="0"/>
+                <a:t>	PHP</a:t>
+              </a:r>
+              <a:endParaRPr lang="en-US" dirty="0"/>
+            </a:p>
+            <a:p>
+              <a:pPr marL="285750" indent="-285750">
+                <a:lnSpc>
+                  <a:spcPct val="150000"/>
+                </a:lnSpc>
+                <a:buFont typeface="Arial" panose="020B0604020202020204" pitchFamily="34" charset="0"/>
+                <a:buChar char="•"/>
+              </a:pPr>
+              <a:r>
+                <a:rPr lang="en-US" dirty="0"/>
+                <a:t>PHP	             JavaScript</a:t>
+              </a:r>
+            </a:p>
+            <a:p>
+              <a:pPr marL="285750" indent="-285750">
+                <a:lnSpc>
+                  <a:spcPct val="150000"/>
+                </a:lnSpc>
+                <a:buFont typeface="Arial" panose="020B0604020202020204" pitchFamily="34" charset="0"/>
+                <a:buChar char="•"/>
+              </a:pPr>
+              <a:r>
+                <a:rPr lang="en-US" dirty="0"/>
+                <a:t>JavaScript              HTML</a:t>
+              </a:r>
+              <a:endParaRPr lang="de-CH" dirty="0"/>
+            </a:p>
+          </p:txBody>
+        </p:sp>
+        <p:sp>
+          <p:nvSpPr>
+            <p:cNvPr id="6" name="Arrow: Right 6">
+              <a:extLst>
+                <a:ext uri="{FF2B5EF4-FFF2-40B4-BE49-F238E27FC236}">
+                  <a16:creationId xmlns:a16="http://schemas.microsoft.com/office/drawing/2014/main" xmlns="" id="{8865A070-66B9-4430-92BB-55C85D7B1409}"/>
+                </a:ext>
+              </a:extLst>
+            </p:cNvPr>
+            <p:cNvSpPr/>
+            <p:nvPr/>
+          </p:nvSpPr>
+          <p:spPr>
+            <a:xfrm>
+              <a:off x="7561001" y="2112580"/>
+              <a:ext cx="593835" cy="173421"/>
+            </a:xfrm>
+            <a:prstGeom prst="rightArrow">
+              <a:avLst/>
+            </a:prstGeom>
+          </p:spPr>
+          <p:style>
+            <a:lnRef idx="2">
+              <a:schemeClr val="accent1">
+                <a:shade val="50000"/>
+              </a:schemeClr>
+            </a:lnRef>
+            <a:fillRef idx="1">
+              <a:schemeClr val="accent1"/>
+            </a:fillRef>
+            <a:effectRef idx="0">
+              <a:schemeClr val="accent1"/>
+            </a:effectRef>
+            <a:fontRef idx="minor">
+              <a:schemeClr val="lt1"/>
+            </a:fontRef>
+          </p:style>
+          <p:txBody>
+            <a:bodyPr rtlCol="0" anchor="ctr"/>
+            <a:lstStyle/>
+            <a:p>
+              <a:pPr algn="ctr"/>
+              <a:endParaRPr lang="aa-ET"/>
+            </a:p>
+          </p:txBody>
+        </p:sp>
+        <p:sp>
+          <p:nvSpPr>
+            <p:cNvPr id="7" name="Arrow: Right 7">
+              <a:extLst>
+                <a:ext uri="{FF2B5EF4-FFF2-40B4-BE49-F238E27FC236}">
+                  <a16:creationId xmlns:a16="http://schemas.microsoft.com/office/drawing/2014/main" xmlns="" id="{F19334B0-46C2-489E-B1FA-7B27BC027A70}"/>
+                </a:ext>
+              </a:extLst>
+            </p:cNvPr>
+            <p:cNvSpPr/>
+            <p:nvPr/>
+          </p:nvSpPr>
+          <p:spPr>
+            <a:xfrm>
+              <a:off x="7437505" y="2543221"/>
+              <a:ext cx="593835" cy="173421"/>
+            </a:xfrm>
+            <a:prstGeom prst="rightArrow">
+              <a:avLst/>
+            </a:prstGeom>
+          </p:spPr>
+          <p:style>
+            <a:lnRef idx="2">
+              <a:schemeClr val="accent1">
+                <a:shade val="50000"/>
+              </a:schemeClr>
+            </a:lnRef>
+            <a:fillRef idx="1">
+              <a:schemeClr val="accent1"/>
+            </a:fillRef>
+            <a:effectRef idx="0">
+              <a:schemeClr val="accent1"/>
+            </a:effectRef>
+            <a:fontRef idx="minor">
+              <a:schemeClr val="lt1"/>
+            </a:fontRef>
+          </p:style>
+          <p:txBody>
+            <a:bodyPr rtlCol="0" anchor="ctr"/>
+            <a:lstStyle/>
+            <a:p>
+              <a:pPr algn="ctr"/>
+              <a:endParaRPr lang="aa-ET"/>
+            </a:p>
+          </p:txBody>
+        </p:sp>
+        <p:sp>
+          <p:nvSpPr>
+            <p:cNvPr id="8" name="Arrow: Right 8">
+              <a:extLst>
+                <a:ext uri="{FF2B5EF4-FFF2-40B4-BE49-F238E27FC236}">
+                  <a16:creationId xmlns:a16="http://schemas.microsoft.com/office/drawing/2014/main" xmlns="" id="{4C0EBDB6-5935-4FBB-9A80-7526A9EFF7DE}"/>
+                </a:ext>
+              </a:extLst>
+            </p:cNvPr>
+            <p:cNvSpPr/>
+            <p:nvPr/>
+          </p:nvSpPr>
+          <p:spPr>
+            <a:xfrm>
+              <a:off x="7844778" y="2973862"/>
+              <a:ext cx="593835" cy="173421"/>
+            </a:xfrm>
+            <a:prstGeom prst="rightArrow">
+              <a:avLst/>
+            </a:prstGeom>
+          </p:spPr>
+          <p:style>
+            <a:lnRef idx="2">
+              <a:schemeClr val="accent1">
+                <a:shade val="50000"/>
+              </a:schemeClr>
+            </a:lnRef>
+            <a:fillRef idx="1">
+              <a:schemeClr val="accent1"/>
+            </a:fillRef>
+            <a:effectRef idx="0">
+              <a:schemeClr val="accent1"/>
+            </a:effectRef>
+            <a:fontRef idx="minor">
+              <a:schemeClr val="lt1"/>
+            </a:fontRef>
+          </p:style>
+          <p:txBody>
+            <a:bodyPr rtlCol="0" anchor="ctr"/>
+            <a:lstStyle/>
+            <a:p>
+              <a:pPr algn="ctr"/>
+              <a:endParaRPr lang="aa-ET"/>
+            </a:p>
+          </p:txBody>
+        </p:sp>
+      </p:grpSp>
     </p:spTree>
     <p:extLst>
       <p:ext uri="{BB962C8B-B14F-4D97-AF65-F5344CB8AC3E}">
@@ -7148,7 +7381,7 @@
           <p:cNvPr id="2" name="Title 1">
             <a:extLst>
               <a:ext uri="{FF2B5EF4-FFF2-40B4-BE49-F238E27FC236}">
-                <a16:creationId xmlns:a16="http://schemas.microsoft.com/office/drawing/2014/main" id="{A099A1FB-912E-4F48-B788-D0FB9686CCD9}"/>
+                <a16:creationId xmlns:a16="http://schemas.microsoft.com/office/drawing/2014/main" xmlns="" id="{A099A1FB-912E-4F48-B788-D0FB9686CCD9}"/>
               </a:ext>
             </a:extLst>
           </p:cNvPr>
@@ -7181,32 +7414,7 @@
               <a:rPr lang="en-US" dirty="0" err="1"/>
               <a:t>principale</a:t>
             </a:r>
-            <a:endParaRPr lang="en-CH" dirty="0"/>
-          </a:p>
-        </p:txBody>
-      </p:sp>
-      <p:sp>
-        <p:nvSpPr>
-          <p:cNvPr id="3" name="Content Placeholder 2">
-            <a:extLst>
-              <a:ext uri="{FF2B5EF4-FFF2-40B4-BE49-F238E27FC236}">
-                <a16:creationId xmlns:a16="http://schemas.microsoft.com/office/drawing/2014/main" id="{ACD89AA8-2025-4A49-AD74-E08E95BF262D}"/>
-              </a:ext>
-            </a:extLst>
-          </p:cNvPr>
-          <p:cNvSpPr>
-            <a:spLocks noGrp="1"/>
-          </p:cNvSpPr>
-          <p:nvPr>
-            <p:ph idx="1"/>
-          </p:nvPr>
-        </p:nvSpPr>
-        <p:spPr/>
-        <p:txBody>
-          <a:bodyPr/>
-          <a:lstStyle/>
-          <a:p>
-            <a:endParaRPr lang="en-CH" dirty="0"/>
+            <a:endParaRPr lang="aa-ET" dirty="0"/>
           </a:p>
         </p:txBody>
       </p:sp>
@@ -7215,7 +7423,7 @@
           <p:cNvPr id="4" name="Picture 3">
             <a:extLst>
               <a:ext uri="{FF2B5EF4-FFF2-40B4-BE49-F238E27FC236}">
-                <a16:creationId xmlns:a16="http://schemas.microsoft.com/office/drawing/2014/main" id="{E450221D-5284-4478-958B-9AB99F505C7B}"/>
+                <a16:creationId xmlns:a16="http://schemas.microsoft.com/office/drawing/2014/main" xmlns="" id="{E450221D-5284-4478-958B-9AB99F505C7B}"/>
               </a:ext>
             </a:extLst>
           </p:cNvPr>
@@ -7239,6 +7447,318 @@
           </a:prstGeom>
         </p:spPr>
       </p:pic>
+      <p:sp>
+        <p:nvSpPr>
+          <p:cNvPr id="12" name="Content Placeholder 2">
+            <a:extLst>
+              <a:ext uri="{FF2B5EF4-FFF2-40B4-BE49-F238E27FC236}">
+                <a16:creationId xmlns:a16="http://schemas.microsoft.com/office/drawing/2014/main" xmlns="" id="{ACD89AA8-2025-4A49-AD74-E08E95BF262D}"/>
+              </a:ext>
+            </a:extLst>
+          </p:cNvPr>
+          <p:cNvSpPr>
+            <a:spLocks noGrp="1"/>
+          </p:cNvSpPr>
+          <p:nvPr>
+            <p:ph idx="1"/>
+          </p:nvPr>
+        </p:nvSpPr>
+        <p:spPr>
+          <a:xfrm>
+            <a:off x="1251678" y="2286001"/>
+            <a:ext cx="10178322" cy="3593591"/>
+          </a:xfrm>
+        </p:spPr>
+        <p:txBody>
+          <a:bodyPr>
+            <a:normAutofit lnSpcReduction="10000"/>
+          </a:bodyPr>
+          <a:lstStyle/>
+          <a:p>
+            <a:r>
+              <a:rPr lang="en-US" dirty="0" err="1" smtClean="0"/>
+              <a:t>Accertazione</a:t>
+            </a:r>
+            <a:r>
+              <a:rPr lang="en-US" dirty="0" smtClean="0"/>
+              <a:t> </a:t>
+            </a:r>
+            <a:r>
+              <a:rPr lang="en-US" dirty="0" err="1" smtClean="0"/>
+              <a:t>dell’utente</a:t>
+            </a:r>
+            <a:r>
+              <a:rPr lang="en-US" dirty="0" smtClean="0"/>
+              <a:t> </a:t>
+            </a:r>
+            <a:r>
+              <a:rPr lang="en-US" dirty="0" err="1" smtClean="0"/>
+              <a:t>connesso</a:t>
+            </a:r>
+            <a:r>
+              <a:rPr lang="en-US" dirty="0" smtClean="0"/>
+              <a:t> </a:t>
+            </a:r>
+            <a:r>
+              <a:rPr lang="en-US" dirty="0" smtClean="0">
+                <a:sym typeface="Wingdings" panose="05000000000000000000" pitchFamily="2" charset="2"/>
+              </a:rPr>
+              <a:t> Header </a:t>
+            </a:r>
+            <a:r>
+              <a:rPr lang="en-US" dirty="0" err="1" smtClean="0">
+                <a:sym typeface="Wingdings" panose="05000000000000000000" pitchFamily="2" charset="2"/>
+              </a:rPr>
+              <a:t>dinamico</a:t>
+            </a:r>
+            <a:endParaRPr lang="en-US" dirty="0" smtClean="0">
+              <a:sym typeface="Wingdings" panose="05000000000000000000" pitchFamily="2" charset="2"/>
+            </a:endParaRPr>
+          </a:p>
+          <a:p>
+            <a:r>
+              <a:rPr lang="en-US" dirty="0" err="1"/>
+              <a:t>Filtri</a:t>
+            </a:r>
+            <a:r>
+              <a:rPr lang="en-US" dirty="0"/>
+              <a:t> di </a:t>
+            </a:r>
+            <a:r>
+              <a:rPr lang="en-US" dirty="0" err="1"/>
+              <a:t>ricerca</a:t>
+            </a:r>
+            <a:r>
+              <a:rPr lang="en-US" dirty="0"/>
+              <a:t> in base a:</a:t>
+            </a:r>
+          </a:p>
+          <a:p>
+            <a:pPr lvl="1"/>
+            <a:r>
+              <a:rPr lang="en-US" dirty="0" err="1"/>
+              <a:t>Periodi</a:t>
+            </a:r>
+            <a:r>
+              <a:rPr lang="en-US" dirty="0"/>
+              <a:t> di </a:t>
+            </a:r>
+            <a:r>
+              <a:rPr lang="en-US" dirty="0" err="1"/>
+              <a:t>disponibilità</a:t>
+            </a:r>
+            <a:r>
+              <a:rPr lang="en-US" dirty="0"/>
+              <a:t>: da, a</a:t>
+            </a:r>
+          </a:p>
+          <a:p>
+            <a:pPr lvl="1"/>
+            <a:r>
+              <a:rPr lang="en-US" dirty="0" err="1"/>
+              <a:t>Prezzo</a:t>
+            </a:r>
+            <a:r>
+              <a:rPr lang="en-US" dirty="0"/>
+              <a:t> Massimo</a:t>
+            </a:r>
+          </a:p>
+          <a:p>
+            <a:pPr lvl="1"/>
+            <a:r>
+              <a:rPr lang="en-US" dirty="0" err="1"/>
+              <a:t>Numero</a:t>
+            </a:r>
+            <a:r>
+              <a:rPr lang="en-US" dirty="0"/>
+              <a:t> di </a:t>
+            </a:r>
+            <a:r>
+              <a:rPr lang="en-US" dirty="0" err="1"/>
+              <a:t>locali</a:t>
+            </a:r>
+            <a:r>
+              <a:rPr lang="en-US" dirty="0"/>
+              <a:t> </a:t>
+            </a:r>
+          </a:p>
+          <a:p>
+            <a:r>
+              <a:rPr lang="en-US" dirty="0" err="1" smtClean="0"/>
+              <a:t>Lettura</a:t>
+            </a:r>
+            <a:r>
+              <a:rPr lang="en-US" dirty="0" smtClean="0"/>
+              <a:t> </a:t>
+            </a:r>
+            <a:r>
+              <a:rPr lang="en-US" dirty="0" err="1" smtClean="0"/>
+              <a:t>degli</a:t>
+            </a:r>
+            <a:r>
+              <a:rPr lang="en-US" dirty="0" smtClean="0"/>
+              <a:t> </a:t>
+            </a:r>
+            <a:r>
+              <a:rPr lang="en-US" dirty="0" err="1" smtClean="0"/>
+              <a:t>ultimi</a:t>
+            </a:r>
+            <a:r>
+              <a:rPr lang="en-US" dirty="0" smtClean="0"/>
+              <a:t> 6 </a:t>
+            </a:r>
+            <a:r>
+              <a:rPr lang="en-US" dirty="0" err="1" smtClean="0"/>
+              <a:t>appartamenti</a:t>
+            </a:r>
+            <a:r>
+              <a:rPr lang="en-US" dirty="0" smtClean="0"/>
+              <a:t> </a:t>
+            </a:r>
+            <a:r>
+              <a:rPr lang="en-US" dirty="0" err="1" smtClean="0"/>
+              <a:t>immessi</a:t>
+            </a:r>
+            <a:endParaRPr lang="en-US" dirty="0"/>
+          </a:p>
+          <a:p>
+            <a:pPr marL="0" indent="0">
+              <a:buNone/>
+            </a:pPr>
+            <a:r>
+              <a:rPr lang="en-US" dirty="0"/>
+              <a:t> </a:t>
+            </a:r>
+            <a:r>
+              <a:rPr lang="en-US" dirty="0" smtClean="0"/>
+              <a:t>- o -</a:t>
+            </a:r>
+            <a:endParaRPr lang="en-US" dirty="0" smtClean="0"/>
+          </a:p>
+          <a:p>
+            <a:r>
+              <a:rPr lang="en-US" dirty="0" err="1" smtClean="0"/>
+              <a:t>Lettura</a:t>
+            </a:r>
+            <a:r>
+              <a:rPr lang="en-US" dirty="0" smtClean="0"/>
+              <a:t> </a:t>
+            </a:r>
+            <a:r>
+              <a:rPr lang="en-US" dirty="0" err="1" smtClean="0"/>
+              <a:t>degli</a:t>
+            </a:r>
+            <a:r>
+              <a:rPr lang="en-US" dirty="0" smtClean="0"/>
+              <a:t> </a:t>
+            </a:r>
+            <a:r>
+              <a:rPr lang="en-US" dirty="0" err="1" smtClean="0"/>
+              <a:t>appartamenti</a:t>
+            </a:r>
+            <a:r>
+              <a:rPr lang="en-US" dirty="0" smtClean="0"/>
+              <a:t> </a:t>
+            </a:r>
+            <a:r>
+              <a:rPr lang="en-US" dirty="0" err="1" smtClean="0"/>
+              <a:t>tramite</a:t>
+            </a:r>
+            <a:r>
+              <a:rPr lang="en-US" dirty="0" smtClean="0"/>
+              <a:t> </a:t>
+            </a:r>
+            <a:r>
+              <a:rPr lang="en-US" dirty="0" err="1" smtClean="0"/>
+              <a:t>il</a:t>
+            </a:r>
+            <a:r>
+              <a:rPr lang="en-US" dirty="0" smtClean="0"/>
+              <a:t> file “</a:t>
+            </a:r>
+            <a:r>
+              <a:rPr lang="en-US" dirty="0" err="1" smtClean="0"/>
+              <a:t>filter.php</a:t>
+            </a:r>
+            <a:r>
+              <a:rPr lang="en-US" dirty="0" smtClean="0"/>
+              <a:t>”</a:t>
+            </a:r>
+            <a:endParaRPr lang="en-US" dirty="0"/>
+          </a:p>
+          <a:p>
+            <a:r>
+              <a:rPr lang="en-US" dirty="0" err="1" smtClean="0"/>
+              <a:t>Ogni</a:t>
+            </a:r>
+            <a:r>
+              <a:rPr lang="en-US" dirty="0" smtClean="0"/>
+              <a:t> </a:t>
+            </a:r>
+            <a:r>
+              <a:rPr lang="en-US" dirty="0" err="1" smtClean="0"/>
+              <a:t>appartamento</a:t>
+            </a:r>
+            <a:r>
+              <a:rPr lang="en-US" dirty="0" smtClean="0"/>
+              <a:t> a </a:t>
+            </a:r>
+            <a:r>
+              <a:rPr lang="en-US" dirty="0" err="1" smtClean="0"/>
+              <a:t>schermo</a:t>
+            </a:r>
+            <a:r>
+              <a:rPr lang="en-US" dirty="0" smtClean="0"/>
+              <a:t>, </a:t>
+            </a:r>
+            <a:r>
+              <a:rPr lang="en-US" dirty="0" err="1" smtClean="0"/>
+              <a:t>reindirizza</a:t>
+            </a:r>
+            <a:r>
+              <a:rPr lang="en-US" dirty="0" smtClean="0"/>
+              <a:t> con un link ad </a:t>
+            </a:r>
+            <a:r>
+              <a:rPr lang="en-US" dirty="0" err="1" smtClean="0"/>
+              <a:t>il</a:t>
+            </a:r>
+            <a:r>
+              <a:rPr lang="en-US" dirty="0" smtClean="0"/>
+              <a:t> </a:t>
+            </a:r>
+            <a:r>
+              <a:rPr lang="en-US" dirty="0" err="1" smtClean="0"/>
+              <a:t>suo</a:t>
+            </a:r>
+            <a:r>
+              <a:rPr lang="en-US" dirty="0" smtClean="0"/>
+              <a:t> </a:t>
+            </a:r>
+            <a:r>
+              <a:rPr lang="en-US" dirty="0" err="1" smtClean="0"/>
+              <a:t>appartamento</a:t>
+            </a:r>
+            <a:r>
+              <a:rPr lang="en-US" dirty="0" smtClean="0"/>
+              <a:t> </a:t>
+            </a:r>
+            <a:r>
+              <a:rPr lang="en-US" dirty="0" err="1" smtClean="0"/>
+              <a:t>nel</a:t>
+            </a:r>
+            <a:r>
+              <a:rPr lang="en-US" dirty="0" smtClean="0"/>
+              <a:t> </a:t>
+            </a:r>
+            <a:r>
+              <a:rPr lang="en-US" dirty="0" err="1" smtClean="0"/>
+              <a:t>dettaglio</a:t>
+            </a:r>
+            <a:endParaRPr lang="en-US" dirty="0"/>
+          </a:p>
+        </p:txBody>
+      </p:sp>
     </p:spTree>
     <p:extLst>
       <p:ext uri="{BB962C8B-B14F-4D97-AF65-F5344CB8AC3E}">
@@ -7274,7 +7794,7 @@
           <p:cNvPr id="2" name="Title 1">
             <a:extLst>
               <a:ext uri="{FF2B5EF4-FFF2-40B4-BE49-F238E27FC236}">
-                <a16:creationId xmlns:a16="http://schemas.microsoft.com/office/drawing/2014/main" id="{A099A1FB-912E-4F48-B788-D0FB9686CCD9}"/>
+                <a16:creationId xmlns:a16="http://schemas.microsoft.com/office/drawing/2014/main" xmlns="" id="{A099A1FB-912E-4F48-B788-D0FB9686CCD9}"/>
               </a:ext>
             </a:extLst>
           </p:cNvPr>
@@ -7318,48 +7838,7 @@
               <a:rPr lang="en-US" dirty="0" err="1"/>
               <a:t>appartamento</a:t>
             </a:r>
-            <a:endParaRPr lang="en-CH" dirty="0"/>
-          </a:p>
-        </p:txBody>
-      </p:sp>
-      <p:sp>
-        <p:nvSpPr>
-          <p:cNvPr id="3" name="Content Placeholder 2">
-            <a:extLst>
-              <a:ext uri="{FF2B5EF4-FFF2-40B4-BE49-F238E27FC236}">
-                <a16:creationId xmlns:a16="http://schemas.microsoft.com/office/drawing/2014/main" id="{ACD89AA8-2025-4A49-AD74-E08E95BF262D}"/>
-              </a:ext>
-            </a:extLst>
-          </p:cNvPr>
-          <p:cNvSpPr>
-            <a:spLocks noGrp="1"/>
-          </p:cNvSpPr>
-          <p:nvPr>
-            <p:ph idx="1"/>
-          </p:nvPr>
-        </p:nvSpPr>
-        <p:spPr/>
-        <p:txBody>
-          <a:bodyPr/>
-          <a:lstStyle/>
-          <a:p>
-            <a:r>
-              <a:rPr lang="en-US" dirty="0"/>
-              <a:t>MySQL 	 PHP</a:t>
-            </a:r>
-          </a:p>
-          <a:p>
-            <a:r>
-              <a:rPr lang="en-US" dirty="0"/>
-              <a:t>PHP	             JavaScript</a:t>
-            </a:r>
-          </a:p>
-          <a:p>
-            <a:r>
-              <a:rPr lang="en-US" dirty="0"/>
-              <a:t>JavaScript              HTML 	</a:t>
-            </a:r>
-            <a:endParaRPr lang="en-CH" dirty="0"/>
+            <a:endParaRPr lang="aa-ET" dirty="0"/>
           </a:p>
         </p:txBody>
       </p:sp>
@@ -7368,7 +7847,7 @@
           <p:cNvPr id="4" name="Picture 3">
             <a:extLst>
               <a:ext uri="{FF2B5EF4-FFF2-40B4-BE49-F238E27FC236}">
-                <a16:creationId xmlns:a16="http://schemas.microsoft.com/office/drawing/2014/main" id="{E450221D-5284-4478-958B-9AB99F505C7B}"/>
+                <a16:creationId xmlns:a16="http://schemas.microsoft.com/office/drawing/2014/main" xmlns="" id="{E450221D-5284-4478-958B-9AB99F505C7B}"/>
               </a:ext>
             </a:extLst>
           </p:cNvPr>
@@ -7394,10 +7873,10 @@
       </p:pic>
       <p:sp>
         <p:nvSpPr>
-          <p:cNvPr id="7" name="Arrow: Right 6">
+          <p:cNvPr id="10" name="Rectangle 9">
             <a:extLst>
               <a:ext uri="{FF2B5EF4-FFF2-40B4-BE49-F238E27FC236}">
-                <a16:creationId xmlns:a16="http://schemas.microsoft.com/office/drawing/2014/main" id="{8865A070-66B9-4430-92BB-55C85D7B1409}"/>
+                <a16:creationId xmlns:a16="http://schemas.microsoft.com/office/drawing/2014/main" xmlns="" id="{F2FFA754-688E-48B6-BD7E-5F6FA49B316B}"/>
               </a:ext>
             </a:extLst>
           </p:cNvPr>
@@ -7406,145 +7885,7 @@
         </p:nvSpPr>
         <p:spPr>
           <a:xfrm>
-            <a:off x="2454164" y="2435772"/>
-            <a:ext cx="593835" cy="173421"/>
-          </a:xfrm>
-          <a:prstGeom prst="rightArrow">
-            <a:avLst/>
-          </a:prstGeom>
-        </p:spPr>
-        <p:style>
-          <a:lnRef idx="2">
-            <a:schemeClr val="accent1">
-              <a:shade val="50000"/>
-            </a:schemeClr>
-          </a:lnRef>
-          <a:fillRef idx="1">
-            <a:schemeClr val="accent1"/>
-          </a:fillRef>
-          <a:effectRef idx="0">
-            <a:schemeClr val="accent1"/>
-          </a:effectRef>
-          <a:fontRef idx="minor">
-            <a:schemeClr val="lt1"/>
-          </a:fontRef>
-        </p:style>
-        <p:txBody>
-          <a:bodyPr rtlCol="0" anchor="ctr"/>
-          <a:lstStyle/>
-          <a:p>
-            <a:pPr algn="ctr"/>
-            <a:endParaRPr lang="en-CH"/>
-          </a:p>
-        </p:txBody>
-      </p:sp>
-      <p:sp>
-        <p:nvSpPr>
-          <p:cNvPr id="8" name="Arrow: Right 7">
-            <a:extLst>
-              <a:ext uri="{FF2B5EF4-FFF2-40B4-BE49-F238E27FC236}">
-                <a16:creationId xmlns:a16="http://schemas.microsoft.com/office/drawing/2014/main" id="{F19334B0-46C2-489E-B1FA-7B27BC027A70}"/>
-              </a:ext>
-            </a:extLst>
-          </p:cNvPr>
-          <p:cNvSpPr/>
-          <p:nvPr/>
-        </p:nvSpPr>
-        <p:spPr>
-          <a:xfrm>
-            <a:off x="2330668" y="2866413"/>
-            <a:ext cx="593835" cy="173421"/>
-          </a:xfrm>
-          <a:prstGeom prst="rightArrow">
-            <a:avLst/>
-          </a:prstGeom>
-        </p:spPr>
-        <p:style>
-          <a:lnRef idx="2">
-            <a:schemeClr val="accent1">
-              <a:shade val="50000"/>
-            </a:schemeClr>
-          </a:lnRef>
-          <a:fillRef idx="1">
-            <a:schemeClr val="accent1"/>
-          </a:fillRef>
-          <a:effectRef idx="0">
-            <a:schemeClr val="accent1"/>
-          </a:effectRef>
-          <a:fontRef idx="minor">
-            <a:schemeClr val="lt1"/>
-          </a:fontRef>
-        </p:style>
-        <p:txBody>
-          <a:bodyPr rtlCol="0" anchor="ctr"/>
-          <a:lstStyle/>
-          <a:p>
-            <a:pPr algn="ctr"/>
-            <a:endParaRPr lang="en-CH"/>
-          </a:p>
-        </p:txBody>
-      </p:sp>
-      <p:sp>
-        <p:nvSpPr>
-          <p:cNvPr id="9" name="Arrow: Right 8">
-            <a:extLst>
-              <a:ext uri="{FF2B5EF4-FFF2-40B4-BE49-F238E27FC236}">
-                <a16:creationId xmlns:a16="http://schemas.microsoft.com/office/drawing/2014/main" id="{4C0EBDB6-5935-4FBB-9A80-7526A9EFF7DE}"/>
-              </a:ext>
-            </a:extLst>
-          </p:cNvPr>
-          <p:cNvSpPr/>
-          <p:nvPr/>
-        </p:nvSpPr>
-        <p:spPr>
-          <a:xfrm>
-            <a:off x="2737941" y="3297054"/>
-            <a:ext cx="593835" cy="173421"/>
-          </a:xfrm>
-          <a:prstGeom prst="rightArrow">
-            <a:avLst/>
-          </a:prstGeom>
-        </p:spPr>
-        <p:style>
-          <a:lnRef idx="2">
-            <a:schemeClr val="accent1">
-              <a:shade val="50000"/>
-            </a:schemeClr>
-          </a:lnRef>
-          <a:fillRef idx="1">
-            <a:schemeClr val="accent1"/>
-          </a:fillRef>
-          <a:effectRef idx="0">
-            <a:schemeClr val="accent1"/>
-          </a:effectRef>
-          <a:fontRef idx="minor">
-            <a:schemeClr val="lt1"/>
-          </a:fontRef>
-        </p:style>
-        <p:txBody>
-          <a:bodyPr rtlCol="0" anchor="ctr"/>
-          <a:lstStyle/>
-          <a:p>
-            <a:pPr algn="ctr"/>
-            <a:endParaRPr lang="en-CH"/>
-          </a:p>
-        </p:txBody>
-      </p:sp>
-      <p:sp>
-        <p:nvSpPr>
-          <p:cNvPr id="10" name="Rectangle 9">
-            <a:extLst>
-              <a:ext uri="{FF2B5EF4-FFF2-40B4-BE49-F238E27FC236}">
-                <a16:creationId xmlns:a16="http://schemas.microsoft.com/office/drawing/2014/main" id="{F2FFA754-688E-48B6-BD7E-5F6FA49B316B}"/>
-              </a:ext>
-            </a:extLst>
-          </p:cNvPr>
-          <p:cNvSpPr/>
-          <p:nvPr/>
-        </p:nvSpPr>
-        <p:spPr>
-          <a:xfrm>
-            <a:off x="6504099" y="2271779"/>
+            <a:off x="6445018" y="2106369"/>
             <a:ext cx="6096000" cy="3416320"/>
           </a:xfrm>
           <a:prstGeom prst="rect">
@@ -7558,11 +7899,11 @@
           <a:lstStyle/>
           <a:p>
             <a:r>
-              <a:rPr lang="en-CH" dirty="0"/>
+              <a:rPr lang="aa-ET" dirty="0"/>
               <a:t>$</a:t>
             </a:r>
             <a:r>
-              <a:rPr lang="en-CH" dirty="0" err="1"/>
+              <a:rPr lang="aa-ET" dirty="0" err="1"/>
               <a:t>nomeSpesa</a:t>
             </a:r>
             <a:r>
@@ -7586,82 +7927,82 @@
           </a:p>
           <a:p>
             <a:r>
-              <a:rPr lang="en-CH" dirty="0"/>
+              <a:rPr lang="aa-ET" dirty="0"/>
               <a:t>$</a:t>
             </a:r>
             <a:r>
-              <a:rPr lang="en-CH" dirty="0" err="1"/>
+              <a:rPr lang="aa-ET" dirty="0" err="1"/>
               <a:t>sql</a:t>
             </a:r>
             <a:r>
-              <a:rPr lang="en-CH" dirty="0"/>
+              <a:rPr lang="aa-ET" dirty="0"/>
               <a:t> = "select </a:t>
             </a:r>
             <a:r>
-              <a:rPr lang="en-CH" dirty="0" err="1"/>
+              <a:rPr lang="aa-ET" dirty="0" err="1"/>
               <a:t>nome</a:t>
             </a:r>
             <a:r>
-              <a:rPr lang="en-CH" dirty="0"/>
+              <a:rPr lang="aa-ET" dirty="0"/>
               <a:t>, </a:t>
             </a:r>
             <a:r>
-              <a:rPr lang="en-CH" dirty="0" err="1"/>
+              <a:rPr lang="aa-ET" dirty="0" err="1"/>
               <a:t>prezzo</a:t>
             </a:r>
             <a:r>
-              <a:rPr lang="en-CH" dirty="0"/>
+              <a:rPr lang="aa-ET" dirty="0"/>
               <a:t> from </a:t>
             </a:r>
             <a:r>
-              <a:rPr lang="en-CH" dirty="0" err="1"/>
+              <a:rPr lang="aa-ET" dirty="0" err="1"/>
               <a:t>spesa</a:t>
             </a:r>
             <a:r>
-              <a:rPr lang="en-CH" dirty="0"/>
+              <a:rPr lang="aa-ET" dirty="0"/>
               <a:t> where </a:t>
             </a:r>
             <a:r>
-              <a:rPr lang="en-CH" dirty="0" err="1"/>
+              <a:rPr lang="aa-ET" dirty="0" err="1"/>
               <a:t>id_appartamento</a:t>
             </a:r>
             <a:r>
-              <a:rPr lang="en-CH" dirty="0"/>
+              <a:rPr lang="aa-ET" dirty="0"/>
               <a:t>= '".$id."'";</a:t>
             </a:r>
           </a:p>
           <a:p>
             <a:r>
-              <a:rPr lang="en-CH" dirty="0"/>
+              <a:rPr lang="aa-ET" dirty="0"/>
               <a:t>$r = $conn-&gt;query($</a:t>
             </a:r>
             <a:r>
-              <a:rPr lang="en-CH" dirty="0" err="1"/>
+              <a:rPr lang="aa-ET" dirty="0" err="1"/>
               <a:t>sql</a:t>
             </a:r>
             <a:r>
-              <a:rPr lang="en-CH" dirty="0"/>
+              <a:rPr lang="aa-ET" dirty="0"/>
               <a:t>);</a:t>
             </a:r>
           </a:p>
           <a:p>
             <a:r>
-              <a:rPr lang="en-CH" dirty="0"/>
+              <a:rPr lang="aa-ET" dirty="0"/>
               <a:t>if ($r-&gt;</a:t>
             </a:r>
             <a:r>
-              <a:rPr lang="en-CH" dirty="0" err="1"/>
+              <a:rPr lang="aa-ET" dirty="0" err="1"/>
               <a:t>num_rows</a:t>
             </a:r>
             <a:r>
-              <a:rPr lang="en-CH" dirty="0"/>
+              <a:rPr lang="aa-ET" dirty="0"/>
               <a:t> &gt; 0) {</a:t>
             </a:r>
             <a:endParaRPr lang="en-US" dirty="0"/>
           </a:p>
           <a:p>
             <a:r>
-              <a:rPr lang="en-CH" dirty="0"/>
+              <a:rPr lang="aa-ET" dirty="0"/>
               <a:t>//output </a:t>
             </a:r>
             <a:r>
@@ -7692,91 +8033,91 @@
               <a:rPr lang="en-US" dirty="0" err="1"/>
               <a:t>riga</a:t>
             </a:r>
-            <a:endParaRPr lang="en-CH" dirty="0"/>
-          </a:p>
-          <a:p>
-            <a:r>
-              <a:rPr lang="en-CH" dirty="0"/>
+            <a:endParaRPr lang="aa-ET" dirty="0"/>
+          </a:p>
+          <a:p>
+            <a:r>
+              <a:rPr lang="aa-ET" dirty="0"/>
               <a:t>	while($row = $r-&gt;</a:t>
             </a:r>
             <a:r>
-              <a:rPr lang="en-CH" dirty="0" err="1"/>
+              <a:rPr lang="aa-ET" dirty="0" err="1"/>
               <a:t>fetch_assoc</a:t>
             </a:r>
             <a:r>
-              <a:rPr lang="en-CH" dirty="0"/>
+              <a:rPr lang="aa-ET" dirty="0"/>
               <a:t>()) {</a:t>
             </a:r>
           </a:p>
           <a:p>
             <a:r>
-              <a:rPr lang="en-CH" dirty="0"/>
+              <a:rPr lang="aa-ET" dirty="0"/>
               <a:t>		</a:t>
             </a:r>
             <a:r>
-              <a:rPr lang="en-CH" dirty="0" err="1"/>
+              <a:rPr lang="aa-ET" dirty="0" err="1"/>
               <a:t>array_push</a:t>
             </a:r>
             <a:r>
-              <a:rPr lang="en-CH" dirty="0"/>
+              <a:rPr lang="aa-ET" dirty="0"/>
               <a:t>($</a:t>
             </a:r>
             <a:r>
-              <a:rPr lang="en-CH" dirty="0" err="1"/>
+              <a:rPr lang="aa-ET" dirty="0" err="1"/>
               <a:t>nomeSpesa</a:t>
             </a:r>
             <a:r>
-              <a:rPr lang="en-CH" dirty="0"/>
+              <a:rPr lang="aa-ET" dirty="0"/>
               <a:t>,$row['</a:t>
             </a:r>
             <a:r>
-              <a:rPr lang="en-CH" dirty="0" err="1"/>
+              <a:rPr lang="aa-ET" dirty="0" err="1"/>
               <a:t>nome</a:t>
             </a:r>
             <a:r>
-              <a:rPr lang="en-CH" dirty="0"/>
+              <a:rPr lang="aa-ET" dirty="0"/>
               <a:t>']);</a:t>
             </a:r>
           </a:p>
           <a:p>
             <a:r>
-              <a:rPr lang="en-CH" dirty="0"/>
+              <a:rPr lang="aa-ET" dirty="0"/>
               <a:t>		</a:t>
             </a:r>
             <a:r>
-              <a:rPr lang="en-CH" dirty="0" err="1"/>
+              <a:rPr lang="aa-ET" dirty="0" err="1"/>
               <a:t>array_push</a:t>
             </a:r>
             <a:r>
-              <a:rPr lang="en-CH" dirty="0"/>
+              <a:rPr lang="aa-ET" dirty="0"/>
               <a:t>($</a:t>
             </a:r>
             <a:r>
-              <a:rPr lang="en-CH" dirty="0" err="1"/>
+              <a:rPr lang="aa-ET" dirty="0" err="1"/>
               <a:t>prezzoSpesa</a:t>
             </a:r>
             <a:r>
-              <a:rPr lang="en-CH" dirty="0"/>
+              <a:rPr lang="aa-ET" dirty="0"/>
               <a:t>,$row['</a:t>
             </a:r>
             <a:r>
-              <a:rPr lang="en-CH" dirty="0" err="1"/>
+              <a:rPr lang="aa-ET" dirty="0" err="1"/>
               <a:t>prezzo</a:t>
             </a:r>
             <a:r>
-              <a:rPr lang="en-CH" dirty="0"/>
+              <a:rPr lang="aa-ET" dirty="0"/>
               <a:t>']);</a:t>
             </a:r>
           </a:p>
           <a:p>
             <a:r>
-              <a:rPr lang="en-CH" dirty="0"/>
+              <a:rPr lang="aa-ET" dirty="0"/>
               <a:t>	}</a:t>
             </a:r>
           </a:p>
           <a:p>
             <a:r>
-              <a:rPr lang="en-CH" dirty="0"/>
+              <a:rPr lang="aa-ET" dirty="0"/>
               <a:t>}</a:t>
             </a:r>
           </a:p>
@@ -7787,7 +8128,7 @@
           <p:cNvPr id="11" name="Rectangle 10">
             <a:extLst>
               <a:ext uri="{FF2B5EF4-FFF2-40B4-BE49-F238E27FC236}">
-                <a16:creationId xmlns:a16="http://schemas.microsoft.com/office/drawing/2014/main" id="{58913EBB-CC37-45FC-B1EA-8C53E87ED168}"/>
+                <a16:creationId xmlns:a16="http://schemas.microsoft.com/office/drawing/2014/main" xmlns="" id="{58913EBB-CC37-45FC-B1EA-8C53E87ED168}"/>
               </a:ext>
             </a:extLst>
           </p:cNvPr>
@@ -7796,7 +8137,7 @@
         </p:nvSpPr>
         <p:spPr>
           <a:xfrm>
-            <a:off x="1153054" y="4384284"/>
+            <a:off x="1191336" y="3593029"/>
             <a:ext cx="4666662" cy="369332"/>
           </a:xfrm>
           <a:prstGeom prst="rect">
@@ -7810,23 +8151,23 @@
           <a:lstStyle/>
           <a:p>
             <a:r>
-              <a:rPr lang="en-CH" dirty="0"/>
+              <a:rPr lang="aa-ET" dirty="0"/>
               <a:t>&lt;td&gt;</a:t>
             </a:r>
             <a:r>
-              <a:rPr lang="en-CH" dirty="0" err="1"/>
+              <a:rPr lang="aa-ET" dirty="0" err="1"/>
               <a:t>Accessori</a:t>
             </a:r>
             <a:r>
-              <a:rPr lang="en-CH" dirty="0"/>
+              <a:rPr lang="aa-ET" dirty="0"/>
               <a:t>:&lt;div id="</a:t>
             </a:r>
             <a:r>
-              <a:rPr lang="en-CH" dirty="0" err="1"/>
+              <a:rPr lang="aa-ET" dirty="0" err="1"/>
               <a:t>accessori</a:t>
             </a:r>
             <a:r>
-              <a:rPr lang="en-CH" dirty="0"/>
+              <a:rPr lang="aa-ET" dirty="0"/>
               <a:t>"&gt;&lt;/div&gt;&lt;/td&gt;</a:t>
             </a:r>
           </a:p>
@@ -7837,7 +8178,7 @@
           <p:cNvPr id="12" name="Rectangle 11">
             <a:extLst>
               <a:ext uri="{FF2B5EF4-FFF2-40B4-BE49-F238E27FC236}">
-                <a16:creationId xmlns:a16="http://schemas.microsoft.com/office/drawing/2014/main" id="{E723CF2F-C2CA-4D9D-8814-C2A599B6F4C7}"/>
+                <a16:creationId xmlns:a16="http://schemas.microsoft.com/office/drawing/2014/main" xmlns="" id="{E723CF2F-C2CA-4D9D-8814-C2A599B6F4C7}"/>
               </a:ext>
             </a:extLst>
           </p:cNvPr>
@@ -7860,99 +8201,99 @@
           <a:lstStyle/>
           <a:p>
             <a:r>
-              <a:rPr lang="en-CH" dirty="0"/>
+              <a:rPr lang="aa-ET" dirty="0"/>
               <a:t>for(var </a:t>
             </a:r>
             <a:r>
-              <a:rPr lang="en-CH" dirty="0" err="1"/>
+              <a:rPr lang="aa-ET" dirty="0" err="1"/>
               <a:t>i</a:t>
             </a:r>
             <a:r>
-              <a:rPr lang="en-CH" dirty="0"/>
+              <a:rPr lang="aa-ET" dirty="0"/>
               <a:t> = 0; </a:t>
             </a:r>
             <a:r>
-              <a:rPr lang="en-CH" dirty="0" err="1"/>
+              <a:rPr lang="aa-ET" dirty="0" err="1"/>
               <a:t>i</a:t>
             </a:r>
             <a:r>
-              <a:rPr lang="en-CH" dirty="0"/>
+              <a:rPr lang="aa-ET" dirty="0"/>
               <a:t> &lt; </a:t>
             </a:r>
             <a:r>
-              <a:rPr lang="en-CH" dirty="0" err="1"/>
+              <a:rPr lang="aa-ET" dirty="0" err="1"/>
               <a:t>accessori.length</a:t>
             </a:r>
             <a:r>
-              <a:rPr lang="en-CH" dirty="0"/>
+              <a:rPr lang="aa-ET" dirty="0"/>
               <a:t>; </a:t>
             </a:r>
             <a:r>
-              <a:rPr lang="en-CH" dirty="0" err="1"/>
+              <a:rPr lang="aa-ET" dirty="0" err="1"/>
               <a:t>i</a:t>
             </a:r>
             <a:r>
-              <a:rPr lang="en-CH" dirty="0"/>
+              <a:rPr lang="aa-ET" dirty="0"/>
               <a:t>++){</a:t>
             </a:r>
           </a:p>
           <a:p>
             <a:r>
-              <a:rPr lang="en-CH" dirty="0"/>
+              <a:rPr lang="aa-ET" dirty="0"/>
               <a:t>	</a:t>
             </a:r>
             <a:r>
-              <a:rPr lang="en-CH" dirty="0" err="1"/>
+              <a:rPr lang="aa-ET" dirty="0" err="1"/>
               <a:t>document.getElementById</a:t>
             </a:r>
             <a:r>
-              <a:rPr lang="en-CH" dirty="0"/>
+              <a:rPr lang="aa-ET" dirty="0"/>
               <a:t>("</a:t>
             </a:r>
             <a:r>
-              <a:rPr lang="en-CH" dirty="0" err="1"/>
+              <a:rPr lang="aa-ET" dirty="0" err="1"/>
               <a:t>accessori</a:t>
             </a:r>
             <a:r>
-              <a:rPr lang="en-CH" dirty="0"/>
+              <a:rPr lang="aa-ET" dirty="0"/>
               <a:t>").</a:t>
             </a:r>
             <a:r>
-              <a:rPr lang="en-CH" dirty="0" err="1"/>
+              <a:rPr lang="aa-ET" dirty="0" err="1"/>
               <a:t>innerHTML</a:t>
             </a:r>
             <a:r>
-              <a:rPr lang="en-CH" dirty="0"/>
+              <a:rPr lang="aa-ET" dirty="0"/>
               <a:t> += "&lt;span&gt;"+</a:t>
             </a:r>
             <a:r>
-              <a:rPr lang="en-CH" dirty="0" err="1"/>
+              <a:rPr lang="aa-ET" dirty="0" err="1"/>
               <a:t>accessori</a:t>
             </a:r>
             <a:r>
-              <a:rPr lang="en-CH" dirty="0"/>
+              <a:rPr lang="aa-ET" dirty="0"/>
               <a:t>[</a:t>
             </a:r>
             <a:r>
-              <a:rPr lang="en-CH" dirty="0" err="1"/>
+              <a:rPr lang="aa-ET" dirty="0" err="1"/>
               <a:t>i</a:t>
             </a:r>
             <a:r>
-              <a:rPr lang="en-CH" dirty="0"/>
+              <a:rPr lang="aa-ET" dirty="0"/>
               <a:t>]+"&lt;/span&gt;&lt;</a:t>
             </a:r>
             <a:r>
-              <a:rPr lang="en-CH" dirty="0" err="1"/>
+              <a:rPr lang="aa-ET" dirty="0" err="1"/>
               <a:t>br</a:t>
             </a:r>
             <a:r>
-              <a:rPr lang="en-CH" dirty="0"/>
+              <a:rPr lang="aa-ET" dirty="0"/>
               <a:t>&gt;";</a:t>
             </a:r>
           </a:p>
           <a:p>
             <a:r>
-              <a:rPr lang="en-CH" dirty="0"/>
+              <a:rPr lang="aa-ET" dirty="0"/>
               <a:t>}</a:t>
             </a:r>
           </a:p>
@@ -7963,7 +8304,7 @@
           <p:cNvPr id="13" name="TextBox 12">
             <a:extLst>
               <a:ext uri="{FF2B5EF4-FFF2-40B4-BE49-F238E27FC236}">
-                <a16:creationId xmlns:a16="http://schemas.microsoft.com/office/drawing/2014/main" id="{B5068F37-DEE7-4619-B727-1FAF8460DA96}"/>
+                <a16:creationId xmlns:a16="http://schemas.microsoft.com/office/drawing/2014/main" xmlns="" id="{B5068F37-DEE7-4619-B727-1FAF8460DA96}"/>
               </a:ext>
             </a:extLst>
           </p:cNvPr>
@@ -7972,7 +8313,7 @@
         </p:nvSpPr>
         <p:spPr>
           <a:xfrm>
-            <a:off x="5917079" y="2288480"/>
+            <a:off x="5857998" y="2123070"/>
             <a:ext cx="587020" cy="369332"/>
           </a:xfrm>
           <a:prstGeom prst="rect">
@@ -7994,7 +8335,7 @@
               </a:rPr>
               <a:t>PHP</a:t>
             </a:r>
-            <a:endParaRPr lang="en-CH" dirty="0">
+            <a:endParaRPr lang="aa-ET" dirty="0">
               <a:solidFill>
                 <a:srgbClr val="FF0000"/>
               </a:solidFill>
@@ -8007,7 +8348,7 @@
           <p:cNvPr id="14" name="TextBox 13">
             <a:extLst>
               <a:ext uri="{FF2B5EF4-FFF2-40B4-BE49-F238E27FC236}">
-                <a16:creationId xmlns:a16="http://schemas.microsoft.com/office/drawing/2014/main" id="{C00E8B8B-340B-4C66-9946-0D8EABE32657}"/>
+                <a16:creationId xmlns:a16="http://schemas.microsoft.com/office/drawing/2014/main" xmlns="" id="{C00E8B8B-340B-4C66-9946-0D8EABE32657}"/>
               </a:ext>
             </a:extLst>
           </p:cNvPr>
@@ -8016,7 +8357,7 @@
         </p:nvSpPr>
         <p:spPr>
           <a:xfrm>
-            <a:off x="1181959" y="3988798"/>
+            <a:off x="1220241" y="3197543"/>
             <a:ext cx="785793" cy="369332"/>
           </a:xfrm>
           <a:prstGeom prst="rect">
@@ -8038,7 +8379,7 @@
               </a:rPr>
               <a:t>HTML</a:t>
             </a:r>
-            <a:endParaRPr lang="en-CH" dirty="0">
+            <a:endParaRPr lang="aa-ET" dirty="0">
               <a:solidFill>
                 <a:srgbClr val="FF0000"/>
               </a:solidFill>
@@ -8051,7 +8392,7 @@
           <p:cNvPr id="15" name="TextBox 14">
             <a:extLst>
               <a:ext uri="{FF2B5EF4-FFF2-40B4-BE49-F238E27FC236}">
-                <a16:creationId xmlns:a16="http://schemas.microsoft.com/office/drawing/2014/main" id="{B04BC077-78AE-4D4C-8F15-680B14BD7AE9}"/>
+                <a16:creationId xmlns:a16="http://schemas.microsoft.com/office/drawing/2014/main" xmlns="" id="{B04BC077-78AE-4D4C-8F15-680B14BD7AE9}"/>
               </a:ext>
             </a:extLst>
           </p:cNvPr>
@@ -8082,7 +8423,7 @@
               </a:rPr>
               <a:t>JavaScript</a:t>
             </a:r>
-            <a:endParaRPr lang="en-CH" dirty="0">
+            <a:endParaRPr lang="aa-ET" dirty="0">
               <a:solidFill>
                 <a:srgbClr val="FF0000"/>
               </a:solidFill>
@@ -8095,7 +8436,7 @@
           <p:cNvPr id="16" name="Rectangle 15">
             <a:extLst>
               <a:ext uri="{FF2B5EF4-FFF2-40B4-BE49-F238E27FC236}">
-                <a16:creationId xmlns:a16="http://schemas.microsoft.com/office/drawing/2014/main" id="{304762BD-7BDC-4C97-9538-07C22B003EF7}"/>
+                <a16:creationId xmlns:a16="http://schemas.microsoft.com/office/drawing/2014/main" xmlns="" id="{304762BD-7BDC-4C97-9538-07C22B003EF7}"/>
               </a:ext>
             </a:extLst>
           </p:cNvPr>
@@ -8118,23 +8459,23 @@
           <a:lstStyle/>
           <a:p>
             <a:r>
-              <a:rPr lang="en-CH" dirty="0"/>
+              <a:rPr lang="aa-ET" dirty="0"/>
               <a:t>var </a:t>
             </a:r>
             <a:r>
-              <a:rPr lang="en-CH" dirty="0" err="1"/>
+              <a:rPr lang="aa-ET" dirty="0" err="1"/>
               <a:t>accessori</a:t>
             </a:r>
             <a:r>
-              <a:rPr lang="en-CH" dirty="0"/>
+              <a:rPr lang="aa-ET" dirty="0"/>
               <a:t> = ['&lt;?php echo implode("','",$</a:t>
             </a:r>
             <a:r>
-              <a:rPr lang="en-CH" dirty="0" err="1"/>
+              <a:rPr lang="aa-ET" dirty="0" err="1"/>
               <a:t>accessori</a:t>
             </a:r>
             <a:r>
-              <a:rPr lang="en-CH" dirty="0"/>
+              <a:rPr lang="aa-ET" dirty="0"/>
               <a:t>);?&gt;'];</a:t>
             </a:r>
           </a:p>
@@ -8175,7 +8516,7 @@
           <p:cNvPr id="2" name="Title 1">
             <a:extLst>
               <a:ext uri="{FF2B5EF4-FFF2-40B4-BE49-F238E27FC236}">
-                <a16:creationId xmlns:a16="http://schemas.microsoft.com/office/drawing/2014/main" id="{A099A1FB-912E-4F48-B788-D0FB9686CCD9}"/>
+                <a16:creationId xmlns:a16="http://schemas.microsoft.com/office/drawing/2014/main" xmlns="" id="{A099A1FB-912E-4F48-B788-D0FB9686CCD9}"/>
               </a:ext>
             </a:extLst>
           </p:cNvPr>
@@ -8211,7 +8552,7 @@
               <a:rPr lang="en-US" dirty="0" err="1"/>
               <a:t>Registrazione</a:t>
             </a:r>
-            <a:endParaRPr lang="en-CH" dirty="0"/>
+            <a:endParaRPr lang="aa-ET" dirty="0"/>
           </a:p>
         </p:txBody>
       </p:sp>
@@ -8220,7 +8561,7 @@
           <p:cNvPr id="3" name="Content Placeholder 2">
             <a:extLst>
               <a:ext uri="{FF2B5EF4-FFF2-40B4-BE49-F238E27FC236}">
-                <a16:creationId xmlns:a16="http://schemas.microsoft.com/office/drawing/2014/main" id="{ACD89AA8-2025-4A49-AD74-E08E95BF262D}"/>
+                <a16:creationId xmlns:a16="http://schemas.microsoft.com/office/drawing/2014/main" xmlns="" id="{ACD89AA8-2025-4A49-AD74-E08E95BF262D}"/>
               </a:ext>
             </a:extLst>
           </p:cNvPr>
@@ -8374,7 +8715,7 @@
           <p:cNvPr id="4" name="Picture 3">
             <a:extLst>
               <a:ext uri="{FF2B5EF4-FFF2-40B4-BE49-F238E27FC236}">
-                <a16:creationId xmlns:a16="http://schemas.microsoft.com/office/drawing/2014/main" id="{E450221D-5284-4478-958B-9AB99F505C7B}"/>
+                <a16:creationId xmlns:a16="http://schemas.microsoft.com/office/drawing/2014/main" xmlns="" id="{E450221D-5284-4478-958B-9AB99F505C7B}"/>
               </a:ext>
             </a:extLst>
           </p:cNvPr>
@@ -8433,7 +8774,7 @@
           <p:cNvPr id="2" name="Title 1">
             <a:extLst>
               <a:ext uri="{FF2B5EF4-FFF2-40B4-BE49-F238E27FC236}">
-                <a16:creationId xmlns:a16="http://schemas.microsoft.com/office/drawing/2014/main" id="{A099A1FB-912E-4F48-B788-D0FB9686CCD9}"/>
+                <a16:creationId xmlns:a16="http://schemas.microsoft.com/office/drawing/2014/main" xmlns="" id="{A099A1FB-912E-4F48-B788-D0FB9686CCD9}"/>
               </a:ext>
             </a:extLst>
           </p:cNvPr>
@@ -8462,7 +8803,7 @@
               <a:rPr lang="en-US" dirty="0"/>
               <a:t> di login</a:t>
             </a:r>
-            <a:endParaRPr lang="en-CH" dirty="0"/>
+            <a:endParaRPr lang="aa-ET" dirty="0"/>
           </a:p>
         </p:txBody>
       </p:sp>
@@ -8471,7 +8812,7 @@
           <p:cNvPr id="3" name="Content Placeholder 2">
             <a:extLst>
               <a:ext uri="{FF2B5EF4-FFF2-40B4-BE49-F238E27FC236}">
-                <a16:creationId xmlns:a16="http://schemas.microsoft.com/office/drawing/2014/main" id="{ACD89AA8-2025-4A49-AD74-E08E95BF262D}"/>
+                <a16:creationId xmlns:a16="http://schemas.microsoft.com/office/drawing/2014/main" xmlns="" id="{ACD89AA8-2025-4A49-AD74-E08E95BF262D}"/>
               </a:ext>
             </a:extLst>
           </p:cNvPr>
@@ -8551,7 +8892,7 @@
           <p:cNvPr id="4" name="Picture 3">
             <a:extLst>
               <a:ext uri="{FF2B5EF4-FFF2-40B4-BE49-F238E27FC236}">
-                <a16:creationId xmlns:a16="http://schemas.microsoft.com/office/drawing/2014/main" id="{E450221D-5284-4478-958B-9AB99F505C7B}"/>
+                <a16:creationId xmlns:a16="http://schemas.microsoft.com/office/drawing/2014/main" xmlns="" id="{E450221D-5284-4478-958B-9AB99F505C7B}"/>
               </a:ext>
             </a:extLst>
           </p:cNvPr>
@@ -8580,7 +8921,7 @@
           <p:cNvPr id="5" name="Rectangle 4">
             <a:extLst>
               <a:ext uri="{FF2B5EF4-FFF2-40B4-BE49-F238E27FC236}">
-                <a16:creationId xmlns:a16="http://schemas.microsoft.com/office/drawing/2014/main" id="{8FE25B4F-6B57-4EC9-8A63-587234E46869}"/>
+                <a16:creationId xmlns:a16="http://schemas.microsoft.com/office/drawing/2014/main" xmlns="" id="{8FE25B4F-6B57-4EC9-8A63-587234E46869}"/>
               </a:ext>
             </a:extLst>
           </p:cNvPr>
@@ -8603,31 +8944,31 @@
           <a:lstStyle/>
           <a:p>
             <a:r>
-              <a:rPr lang="en-CH" dirty="0"/>
+              <a:rPr lang="aa-ET" dirty="0"/>
               <a:t>$</a:t>
             </a:r>
             <a:r>
-              <a:rPr lang="en-CH" dirty="0" err="1"/>
+              <a:rPr lang="aa-ET" dirty="0" err="1"/>
               <a:t>sql</a:t>
             </a:r>
             <a:r>
-              <a:rPr lang="en-CH" dirty="0"/>
+              <a:rPr lang="aa-ET" dirty="0"/>
               <a:t> = "select username from </a:t>
             </a:r>
             <a:r>
-              <a:rPr lang="en-CH" dirty="0" err="1"/>
+              <a:rPr lang="aa-ET" dirty="0" err="1"/>
               <a:t>utente</a:t>
             </a:r>
             <a:r>
-              <a:rPr lang="en-CH" dirty="0"/>
+              <a:rPr lang="aa-ET" dirty="0"/>
               <a:t> where username = '".$username."' and password = '".$password."' and </a:t>
             </a:r>
             <a:r>
-              <a:rPr lang="en-CH" dirty="0" err="1"/>
+              <a:rPr lang="aa-ET" dirty="0" err="1"/>
               <a:t>stato</a:t>
             </a:r>
             <a:r>
-              <a:rPr lang="en-CH" dirty="0"/>
+              <a:rPr lang="aa-ET" dirty="0"/>
               <a:t> = </a:t>
             </a:r>
             <a:r>
@@ -8635,7 +8976,7 @@
               <a:t>1</a:t>
             </a:r>
             <a:r>
-              <a:rPr lang="en-CH" dirty="0"/>
+              <a:rPr lang="aa-ET" dirty="0"/>
               <a:t>";</a:t>
             </a:r>
           </a:p>
@@ -8676,7 +9017,7 @@
           <p:cNvPr id="2" name="Title 1">
             <a:extLst>
               <a:ext uri="{FF2B5EF4-FFF2-40B4-BE49-F238E27FC236}">
-                <a16:creationId xmlns:a16="http://schemas.microsoft.com/office/drawing/2014/main" id="{A099A1FB-912E-4F48-B788-D0FB9686CCD9}"/>
+                <a16:creationId xmlns:a16="http://schemas.microsoft.com/office/drawing/2014/main" xmlns="" id="{A099A1FB-912E-4F48-B788-D0FB9686CCD9}"/>
               </a:ext>
             </a:extLst>
           </p:cNvPr>
@@ -8720,7 +9061,7 @@
               <a:rPr lang="en-US" dirty="0" err="1"/>
               <a:t>appartamento</a:t>
             </a:r>
-            <a:endParaRPr lang="en-CH" dirty="0"/>
+            <a:endParaRPr lang="aa-ET" dirty="0"/>
           </a:p>
         </p:txBody>
       </p:sp>
@@ -8729,7 +9070,7 @@
           <p:cNvPr id="3" name="Content Placeholder 2">
             <a:extLst>
               <a:ext uri="{FF2B5EF4-FFF2-40B4-BE49-F238E27FC236}">
-                <a16:creationId xmlns:a16="http://schemas.microsoft.com/office/drawing/2014/main" id="{ACD89AA8-2025-4A49-AD74-E08E95BF262D}"/>
+                <a16:creationId xmlns:a16="http://schemas.microsoft.com/office/drawing/2014/main" xmlns="" id="{ACD89AA8-2025-4A49-AD74-E08E95BF262D}"/>
               </a:ext>
             </a:extLst>
           </p:cNvPr>
@@ -8804,7 +9145,7 @@
               <a:rPr lang="en-US" dirty="0"/>
               <a:t> </a:t>
             </a:r>
-            <a:endParaRPr lang="en-CH" dirty="0"/>
+            <a:endParaRPr lang="aa-ET" dirty="0"/>
           </a:p>
         </p:txBody>
       </p:sp>
@@ -8813,7 +9154,7 @@
           <p:cNvPr id="4" name="Picture 3">
             <a:extLst>
               <a:ext uri="{FF2B5EF4-FFF2-40B4-BE49-F238E27FC236}">
-                <a16:creationId xmlns:a16="http://schemas.microsoft.com/office/drawing/2014/main" id="{E450221D-5284-4478-958B-9AB99F505C7B}"/>
+                <a16:creationId xmlns:a16="http://schemas.microsoft.com/office/drawing/2014/main" xmlns="" id="{E450221D-5284-4478-958B-9AB99F505C7B}"/>
               </a:ext>
             </a:extLst>
           </p:cNvPr>
@@ -8842,7 +9183,7 @@
           <p:cNvPr id="5" name="Arrow: Right 4">
             <a:extLst>
               <a:ext uri="{FF2B5EF4-FFF2-40B4-BE49-F238E27FC236}">
-                <a16:creationId xmlns:a16="http://schemas.microsoft.com/office/drawing/2014/main" id="{91F0879A-B0AD-4F14-8A95-3F00A09DB6DB}"/>
+                <a16:creationId xmlns:a16="http://schemas.microsoft.com/office/drawing/2014/main" xmlns="" id="{91F0879A-B0AD-4F14-8A95-3F00A09DB6DB}"/>
               </a:ext>
             </a:extLst>
           </p:cNvPr>
@@ -8879,7 +9220,7 @@
           <a:lstStyle/>
           <a:p>
             <a:pPr algn="ctr"/>
-            <a:endParaRPr lang="en-CH"/>
+            <a:endParaRPr lang="aa-ET"/>
           </a:p>
         </p:txBody>
       </p:sp>
@@ -8888,7 +9229,7 @@
           <p:cNvPr id="6" name="Arrow: Right 5">
             <a:extLst>
               <a:ext uri="{FF2B5EF4-FFF2-40B4-BE49-F238E27FC236}">
-                <a16:creationId xmlns:a16="http://schemas.microsoft.com/office/drawing/2014/main" id="{3E9614C0-4EB0-4EFA-9544-FE35FD42809B}"/>
+                <a16:creationId xmlns:a16="http://schemas.microsoft.com/office/drawing/2014/main" xmlns="" id="{3E9614C0-4EB0-4EFA-9544-FE35FD42809B}"/>
               </a:ext>
             </a:extLst>
           </p:cNvPr>
@@ -8925,7 +9266,7 @@
           <a:lstStyle/>
           <a:p>
             <a:pPr algn="ctr"/>
-            <a:endParaRPr lang="en-CH"/>
+            <a:endParaRPr lang="aa-ET"/>
           </a:p>
         </p:txBody>
       </p:sp>
@@ -8934,7 +9275,7 @@
           <p:cNvPr id="7" name="Rectangle 6">
             <a:extLst>
               <a:ext uri="{FF2B5EF4-FFF2-40B4-BE49-F238E27FC236}">
-                <a16:creationId xmlns:a16="http://schemas.microsoft.com/office/drawing/2014/main" id="{3580278A-965B-4B8D-B349-3558B9B0DA05}"/>
+                <a16:creationId xmlns:a16="http://schemas.microsoft.com/office/drawing/2014/main" xmlns="" id="{3580278A-965B-4B8D-B349-3558B9B0DA05}"/>
               </a:ext>
             </a:extLst>
           </p:cNvPr>
@@ -8957,59 +9298,59 @@
           <a:lstStyle/>
           <a:p>
             <a:r>
-              <a:rPr lang="en-CH" dirty="0"/>
+              <a:rPr lang="aa-ET" dirty="0"/>
               <a:t>$total = count($_FILES['</a:t>
             </a:r>
             <a:r>
-              <a:rPr lang="en-CH" dirty="0" err="1"/>
+              <a:rPr lang="aa-ET" dirty="0" err="1"/>
               <a:t>Foto</a:t>
             </a:r>
             <a:r>
-              <a:rPr lang="en-CH" dirty="0"/>
+              <a:rPr lang="aa-ET" dirty="0"/>
               <a:t>']['name']);</a:t>
             </a:r>
           </a:p>
           <a:p>
             <a:r>
-              <a:rPr lang="en-CH" dirty="0"/>
+              <a:rPr lang="aa-ET" dirty="0"/>
               <a:t>for($</a:t>
             </a:r>
             <a:r>
-              <a:rPr lang="en-CH" dirty="0" err="1"/>
+              <a:rPr lang="aa-ET" dirty="0" err="1"/>
               <a:t>i</a:t>
             </a:r>
             <a:r>
-              <a:rPr lang="en-CH" dirty="0"/>
+              <a:rPr lang="aa-ET" dirty="0"/>
               <a:t>=0; $</a:t>
             </a:r>
             <a:r>
-              <a:rPr lang="en-CH" dirty="0" err="1"/>
+              <a:rPr lang="aa-ET" dirty="0" err="1"/>
               <a:t>i</a:t>
             </a:r>
             <a:r>
-              <a:rPr lang="en-CH" dirty="0"/>
+              <a:rPr lang="aa-ET" dirty="0"/>
               <a:t>&lt;$total; $</a:t>
             </a:r>
             <a:r>
-              <a:rPr lang="en-CH" dirty="0" err="1"/>
+              <a:rPr lang="aa-ET" dirty="0" err="1"/>
               <a:t>i</a:t>
             </a:r>
             <a:r>
-              <a:rPr lang="en-CH" dirty="0"/>
+              <a:rPr lang="aa-ET" dirty="0"/>
               <a:t>++) {</a:t>
             </a:r>
           </a:p>
           <a:p>
             <a:r>
-              <a:rPr lang="en-CH" dirty="0"/>
+              <a:rPr lang="aa-ET" dirty="0"/>
               <a:t>	$</a:t>
             </a:r>
             <a:r>
-              <a:rPr lang="en-CH" dirty="0" err="1"/>
+              <a:rPr lang="aa-ET" dirty="0" err="1"/>
               <a:t>foto</a:t>
             </a:r>
             <a:r>
-              <a:rPr lang="en-CH" dirty="0"/>
+              <a:rPr lang="aa-ET" dirty="0"/>
               <a:t> = </a:t>
             </a:r>
             <a:r>
@@ -9017,43 +9358,43 @@
               <a:t>	</a:t>
             </a:r>
             <a:r>
-              <a:rPr lang="en-CH" dirty="0" err="1"/>
+              <a:rPr lang="aa-ET" dirty="0" err="1"/>
               <a:t>addslashes</a:t>
             </a:r>
             <a:r>
-              <a:rPr lang="en-CH" dirty="0"/>
+              <a:rPr lang="aa-ET" dirty="0"/>
               <a:t>(</a:t>
             </a:r>
             <a:r>
-              <a:rPr lang="en-CH" dirty="0" err="1"/>
+              <a:rPr lang="aa-ET" dirty="0" err="1"/>
               <a:t>file_get_contents</a:t>
             </a:r>
             <a:r>
-              <a:rPr lang="en-CH" dirty="0"/>
+              <a:rPr lang="aa-ET" dirty="0"/>
               <a:t>($_FILES['</a:t>
             </a:r>
             <a:r>
-              <a:rPr lang="en-CH" dirty="0" err="1"/>
+              <a:rPr lang="aa-ET" dirty="0" err="1"/>
               <a:t>Foto</a:t>
             </a:r>
             <a:r>
-              <a:rPr lang="en-CH" dirty="0"/>
+              <a:rPr lang="aa-ET" dirty="0"/>
               <a:t>']['</a:t>
             </a:r>
             <a:r>
-              <a:rPr lang="en-CH" dirty="0" err="1"/>
+              <a:rPr lang="aa-ET" dirty="0" err="1"/>
               <a:t>tmp_name</a:t>
             </a:r>
             <a:r>
-              <a:rPr lang="en-CH" dirty="0"/>
+              <a:rPr lang="aa-ET" dirty="0"/>
               <a:t>'][$</a:t>
             </a:r>
             <a:r>
-              <a:rPr lang="en-CH" dirty="0" err="1"/>
+              <a:rPr lang="aa-ET" dirty="0" err="1"/>
               <a:t>i</a:t>
             </a:r>
             <a:r>
-              <a:rPr lang="en-CH" dirty="0"/>
+              <a:rPr lang="aa-ET" dirty="0"/>
               <a:t>]));</a:t>
             </a:r>
           </a:p>
@@ -9063,47 +9404,47 @@
               <a:t>	</a:t>
             </a:r>
             <a:r>
-              <a:rPr lang="en-CH" dirty="0"/>
+              <a:rPr lang="aa-ET" dirty="0"/>
               <a:t>$</a:t>
             </a:r>
             <a:r>
-              <a:rPr lang="en-CH" dirty="0" err="1"/>
+              <a:rPr lang="aa-ET" dirty="0" err="1"/>
               <a:t>sql</a:t>
             </a:r>
             <a:r>
-              <a:rPr lang="en-CH" dirty="0"/>
+              <a:rPr lang="aa-ET" dirty="0"/>
               <a:t> = "INSERT INTO </a:t>
             </a:r>
             <a:r>
-              <a:rPr lang="en-CH" dirty="0" err="1"/>
+              <a:rPr lang="aa-ET" dirty="0" err="1"/>
               <a:t>foto</a:t>
             </a:r>
             <a:r>
-              <a:rPr lang="en-CH" dirty="0"/>
+              <a:rPr lang="aa-ET" dirty="0"/>
               <a:t>(</a:t>
             </a:r>
             <a:r>
-              <a:rPr lang="en-CH" dirty="0" err="1"/>
+              <a:rPr lang="aa-ET" dirty="0" err="1"/>
               <a:t>foto</a:t>
             </a:r>
             <a:r>
-              <a:rPr lang="en-CH" dirty="0"/>
+              <a:rPr lang="aa-ET" dirty="0"/>
               <a:t>, </a:t>
             </a:r>
             <a:r>
-              <a:rPr lang="en-CH" dirty="0" err="1"/>
+              <a:rPr lang="aa-ET" dirty="0" err="1"/>
               <a:t>id_appartamento</a:t>
             </a:r>
             <a:r>
-              <a:rPr lang="en-CH" dirty="0"/>
+              <a:rPr lang="aa-ET" dirty="0"/>
               <a:t>) VALUES ('{$</a:t>
             </a:r>
             <a:r>
-              <a:rPr lang="en-CH" dirty="0" err="1"/>
+              <a:rPr lang="aa-ET" dirty="0" err="1"/>
               <a:t>foto</a:t>
             </a:r>
             <a:r>
-              <a:rPr lang="en-CH" dirty="0"/>
+              <a:rPr lang="aa-ET" dirty="0"/>
               <a:t>}', $id)";</a:t>
             </a:r>
           </a:p>
@@ -9113,123 +9454,123 @@
               <a:t>	</a:t>
             </a:r>
             <a:r>
-              <a:rPr lang="en-CH" dirty="0"/>
+              <a:rPr lang="aa-ET" dirty="0"/>
               <a:t>//</a:t>
             </a:r>
             <a:r>
-              <a:rPr lang="en-CH" dirty="0" err="1"/>
+              <a:rPr lang="aa-ET" dirty="0" err="1"/>
               <a:t>controllo</a:t>
             </a:r>
             <a:r>
-              <a:rPr lang="en-CH" dirty="0"/>
+              <a:rPr lang="aa-ET" dirty="0"/>
               <a:t> </a:t>
             </a:r>
             <a:r>
-              <a:rPr lang="en-CH" dirty="0" err="1"/>
+              <a:rPr lang="aa-ET" dirty="0" err="1"/>
               <a:t>che</a:t>
             </a:r>
             <a:r>
-              <a:rPr lang="en-CH" dirty="0"/>
+              <a:rPr lang="aa-ET" dirty="0"/>
               <a:t> la query non </a:t>
             </a:r>
             <a:r>
-              <a:rPr lang="en-CH" dirty="0" err="1"/>
+              <a:rPr lang="aa-ET" dirty="0" err="1"/>
               <a:t>dia</a:t>
             </a:r>
             <a:r>
-              <a:rPr lang="en-CH" dirty="0"/>
+              <a:rPr lang="aa-ET" dirty="0"/>
               <a:t> </a:t>
             </a:r>
             <a:r>
-              <a:rPr lang="en-CH" dirty="0" err="1"/>
+              <a:rPr lang="aa-ET" dirty="0" err="1"/>
               <a:t>errori</a:t>
             </a:r>
-            <a:endParaRPr lang="en-CH" dirty="0"/>
-          </a:p>
-          <a:p>
-            <a:r>
-              <a:rPr lang="en-CH" dirty="0"/>
+            <a:endParaRPr lang="aa-ET" dirty="0"/>
+          </a:p>
+          <a:p>
+            <a:r>
+              <a:rPr lang="aa-ET" dirty="0"/>
               <a:t>	if ($conn-&gt;query($</a:t>
             </a:r>
             <a:r>
-              <a:rPr lang="en-CH" dirty="0" err="1"/>
+              <a:rPr lang="aa-ET" dirty="0" err="1"/>
               <a:t>sql</a:t>
             </a:r>
             <a:r>
-              <a:rPr lang="en-CH" dirty="0"/>
+              <a:rPr lang="aa-ET" dirty="0"/>
               <a:t>) === TRUE) {			  </a:t>
             </a:r>
           </a:p>
           <a:p>
             <a:r>
-              <a:rPr lang="en-CH" dirty="0"/>
+              <a:rPr lang="aa-ET" dirty="0"/>
               <a:t>	}</a:t>
             </a:r>
           </a:p>
           <a:p>
             <a:r>
-              <a:rPr lang="en-CH" dirty="0"/>
+              <a:rPr lang="aa-ET" dirty="0"/>
               <a:t>	  //</a:t>
             </a:r>
             <a:r>
-              <a:rPr lang="en-CH" dirty="0" err="1"/>
+              <a:rPr lang="aa-ET" dirty="0" err="1"/>
               <a:t>altrimenti</a:t>
             </a:r>
             <a:r>
-              <a:rPr lang="en-CH" dirty="0"/>
+              <a:rPr lang="aa-ET" dirty="0"/>
               <a:t> </a:t>
             </a:r>
             <a:r>
-              <a:rPr lang="en-CH" dirty="0" err="1"/>
+              <a:rPr lang="aa-ET" dirty="0" err="1"/>
               <a:t>stampo</a:t>
             </a:r>
             <a:r>
-              <a:rPr lang="en-CH" dirty="0"/>
+              <a:rPr lang="aa-ET" dirty="0"/>
               <a:t> </a:t>
             </a:r>
             <a:r>
-              <a:rPr lang="en-CH" dirty="0" err="1"/>
+              <a:rPr lang="aa-ET" dirty="0" err="1"/>
               <a:t>l'errore</a:t>
             </a:r>
             <a:endParaRPr lang="en-US" dirty="0"/>
           </a:p>
           <a:p>
             <a:r>
-              <a:rPr lang="en-CH" dirty="0"/>
+              <a:rPr lang="aa-ET" dirty="0"/>
               <a:t>	else {</a:t>
             </a:r>
           </a:p>
           <a:p>
             <a:r>
-              <a:rPr lang="en-CH" dirty="0"/>
+              <a:rPr lang="aa-ET" dirty="0"/>
               <a:t>		echo "Error: " . $</a:t>
             </a:r>
             <a:r>
-              <a:rPr lang="en-CH" dirty="0" err="1"/>
+              <a:rPr lang="aa-ET" dirty="0" err="1"/>
               <a:t>sql</a:t>
             </a:r>
             <a:r>
-              <a:rPr lang="en-CH" dirty="0"/>
+              <a:rPr lang="aa-ET" dirty="0"/>
               <a:t> . "&lt;</a:t>
             </a:r>
             <a:r>
-              <a:rPr lang="en-CH" dirty="0" err="1"/>
+              <a:rPr lang="aa-ET" dirty="0" err="1"/>
               <a:t>br</a:t>
             </a:r>
             <a:r>
-              <a:rPr lang="en-CH" dirty="0"/>
+              <a:rPr lang="aa-ET" dirty="0"/>
               <a:t>&gt;" . $conn-&gt;error;</a:t>
             </a:r>
           </a:p>
           <a:p>
             <a:r>
-              <a:rPr lang="en-CH" dirty="0"/>
+              <a:rPr lang="aa-ET" dirty="0"/>
               <a:t>	}</a:t>
             </a:r>
           </a:p>
           <a:p>
             <a:r>
-              <a:rPr lang="en-CH" dirty="0"/>
+              <a:rPr lang="aa-ET" dirty="0"/>
               <a:t>}</a:t>
             </a:r>
           </a:p>
@@ -9270,7 +9611,7 @@
           <p:cNvPr id="2" name="Title 1">
             <a:extLst>
               <a:ext uri="{FF2B5EF4-FFF2-40B4-BE49-F238E27FC236}">
-                <a16:creationId xmlns:a16="http://schemas.microsoft.com/office/drawing/2014/main" id="{A099A1FB-912E-4F48-B788-D0FB9686CCD9}"/>
+                <a16:creationId xmlns:a16="http://schemas.microsoft.com/office/drawing/2014/main" xmlns="" id="{A099A1FB-912E-4F48-B788-D0FB9686CCD9}"/>
               </a:ext>
             </a:extLst>
           </p:cNvPr>
@@ -9314,7 +9655,7 @@
               <a:rPr lang="en-US" dirty="0" err="1"/>
               <a:t>riservazioni</a:t>
             </a:r>
-            <a:endParaRPr lang="en-CH" dirty="0"/>
+            <a:endParaRPr lang="aa-ET" dirty="0"/>
           </a:p>
         </p:txBody>
       </p:sp>
@@ -9323,7 +9664,7 @@
           <p:cNvPr id="3" name="Content Placeholder 2">
             <a:extLst>
               <a:ext uri="{FF2B5EF4-FFF2-40B4-BE49-F238E27FC236}">
-                <a16:creationId xmlns:a16="http://schemas.microsoft.com/office/drawing/2014/main" id="{ACD89AA8-2025-4A49-AD74-E08E95BF262D}"/>
+                <a16:creationId xmlns:a16="http://schemas.microsoft.com/office/drawing/2014/main" xmlns="" id="{ACD89AA8-2025-4A49-AD74-E08E95BF262D}"/>
               </a:ext>
             </a:extLst>
           </p:cNvPr>
@@ -9334,12 +9675,32 @@
             <p:ph idx="1"/>
           </p:nvPr>
         </p:nvSpPr>
-        <p:spPr/>
+        <p:spPr>
+          <a:xfrm>
+            <a:off x="1243052" y="3329797"/>
+            <a:ext cx="10178322" cy="2251493"/>
+          </a:xfrm>
+        </p:spPr>
         <p:txBody>
           <a:bodyPr/>
           <a:lstStyle/>
           <a:p>
-            <a:endParaRPr lang="en-CH"/>
+            <a:r>
+              <a:rPr lang="it-CH" dirty="0" smtClean="0"/>
+              <a:t>In base all’utente, verranno mostrati gli appartamenti che possiede.</a:t>
+            </a:r>
+          </a:p>
+          <a:p>
+            <a:r>
+              <a:rPr lang="it-CH" dirty="0" smtClean="0"/>
+              <a:t>Con il bottone «Cerca riservazioni» è possibile analizzare le riservazioni già presenti per quel appartamento.</a:t>
+            </a:r>
+          </a:p>
+          <a:p>
+            <a:r>
+              <a:rPr lang="it-CH" dirty="0" smtClean="0"/>
+              <a:t>Dopo aver analizzato un appartamento a piacimento, è possibile aggiungere una riservazione aggiuntiva.</a:t>
+            </a:r>
           </a:p>
         </p:txBody>
       </p:sp>
@@ -9348,7 +9709,7 @@
           <p:cNvPr id="4" name="Picture 3">
             <a:extLst>
               <a:ext uri="{FF2B5EF4-FFF2-40B4-BE49-F238E27FC236}">
-                <a16:creationId xmlns:a16="http://schemas.microsoft.com/office/drawing/2014/main" id="{E450221D-5284-4478-958B-9AB99F505C7B}"/>
+                <a16:creationId xmlns:a16="http://schemas.microsoft.com/office/drawing/2014/main" xmlns="" id="{E450221D-5284-4478-958B-9AB99F505C7B}"/>
               </a:ext>
             </a:extLst>
           </p:cNvPr>
@@ -9385,6 +9746,124 @@
 </p:sld>
 </file>
 
+<file path=ppt/slides/slide17.xml><?xml version="1.0" encoding="utf-8"?>
+<p:sld xmlns:a="http://schemas.openxmlformats.org/drawingml/2006/main" xmlns:r="http://schemas.openxmlformats.org/officeDocument/2006/relationships" xmlns:p="http://schemas.openxmlformats.org/presentationml/2006/main">
+  <p:cSld>
+    <p:spTree>
+      <p:nvGrpSpPr>
+        <p:cNvPr id="1" name=""/>
+        <p:cNvGrpSpPr/>
+        <p:nvPr/>
+      </p:nvGrpSpPr>
+      <p:grpSpPr>
+        <a:xfrm>
+          <a:off x="0" y="0"/>
+          <a:ext cx="0" cy="0"/>
+          <a:chOff x="0" y="0"/>
+          <a:chExt cx="0" cy="0"/>
+        </a:xfrm>
+      </p:grpSpPr>
+      <p:sp>
+        <p:nvSpPr>
+          <p:cNvPr id="2" name="Title 1">
+            <a:extLst>
+              <a:ext uri="{FF2B5EF4-FFF2-40B4-BE49-F238E27FC236}">
+                <a16:creationId xmlns:a16="http://schemas.microsoft.com/office/drawing/2014/main" xmlns="" id="{2AFFBDE9-A4CA-46D1-9E11-2DC4C4FA8C05}"/>
+              </a:ext>
+            </a:extLst>
+          </p:cNvPr>
+          <p:cNvSpPr>
+            <a:spLocks noGrp="1"/>
+          </p:cNvSpPr>
+          <p:nvPr>
+            <p:ph type="ctrTitle"/>
+          </p:nvPr>
+        </p:nvSpPr>
+        <p:spPr/>
+        <p:txBody>
+          <a:bodyPr/>
+          <a:lstStyle/>
+          <a:p>
+            <a:r>
+              <a:rPr lang="en-US" dirty="0" err="1" smtClean="0"/>
+              <a:t>ConsideRazioni</a:t>
+            </a:r>
+            <a:endParaRPr lang="aa-ET" dirty="0"/>
+          </a:p>
+        </p:txBody>
+      </p:sp>
+    </p:spTree>
+    <p:extLst>
+      <p:ext uri="{BB962C8B-B14F-4D97-AF65-F5344CB8AC3E}">
+        <p14:creationId xmlns:p14="http://schemas.microsoft.com/office/powerpoint/2010/main" val="846541886"/>
+      </p:ext>
+    </p:extLst>
+  </p:cSld>
+  <p:clrMapOvr>
+    <a:masterClrMapping/>
+  </p:clrMapOvr>
+</p:sld>
+</file>
+
+<file path=ppt/slides/slide18.xml><?xml version="1.0" encoding="utf-8"?>
+<p:sld xmlns:a="http://schemas.openxmlformats.org/drawingml/2006/main" xmlns:r="http://schemas.openxmlformats.org/officeDocument/2006/relationships" xmlns:p="http://schemas.openxmlformats.org/presentationml/2006/main">
+  <p:cSld>
+    <p:spTree>
+      <p:nvGrpSpPr>
+        <p:cNvPr id="1" name=""/>
+        <p:cNvGrpSpPr/>
+        <p:nvPr/>
+      </p:nvGrpSpPr>
+      <p:grpSpPr>
+        <a:xfrm>
+          <a:off x="0" y="0"/>
+          <a:ext cx="0" cy="0"/>
+          <a:chOff x="0" y="0"/>
+          <a:chExt cx="0" cy="0"/>
+        </a:xfrm>
+      </p:grpSpPr>
+      <p:sp>
+        <p:nvSpPr>
+          <p:cNvPr id="2" name="Title 1">
+            <a:extLst>
+              <a:ext uri="{FF2B5EF4-FFF2-40B4-BE49-F238E27FC236}">
+                <a16:creationId xmlns:a16="http://schemas.microsoft.com/office/drawing/2014/main" xmlns="" id="{2AFFBDE9-A4CA-46D1-9E11-2DC4C4FA8C05}"/>
+              </a:ext>
+            </a:extLst>
+          </p:cNvPr>
+          <p:cNvSpPr>
+            <a:spLocks noGrp="1"/>
+          </p:cNvSpPr>
+          <p:nvPr>
+            <p:ph type="ctrTitle"/>
+          </p:nvPr>
+        </p:nvSpPr>
+        <p:spPr/>
+        <p:txBody>
+          <a:bodyPr/>
+          <a:lstStyle/>
+          <a:p>
+            <a:r>
+              <a:rPr lang="en-US" dirty="0" smtClean="0"/>
+              <a:t>GRAZIE</a:t>
+            </a:r>
+            <a:endParaRPr lang="aa-ET" dirty="0"/>
+          </a:p>
+        </p:txBody>
+      </p:sp>
+    </p:spTree>
+    <p:extLst>
+      <p:ext uri="{BB962C8B-B14F-4D97-AF65-F5344CB8AC3E}">
+        <p14:creationId xmlns:p14="http://schemas.microsoft.com/office/powerpoint/2010/main" val="1843626034"/>
+      </p:ext>
+    </p:extLst>
+  </p:cSld>
+  <p:clrMapOvr>
+    <a:masterClrMapping/>
+  </p:clrMapOvr>
+</p:sld>
+</file>
+
 <file path=ppt/slides/slide2.xml><?xml version="1.0" encoding="utf-8"?>
 <p:sld xmlns:a="http://schemas.openxmlformats.org/drawingml/2006/main" xmlns:r="http://schemas.openxmlformats.org/officeDocument/2006/relationships" xmlns:p="http://schemas.openxmlformats.org/presentationml/2006/main">
   <p:cSld>
@@ -9407,7 +9886,7 @@
           <p:cNvPr id="2" name="Title 1">
             <a:extLst>
               <a:ext uri="{FF2B5EF4-FFF2-40B4-BE49-F238E27FC236}">
-                <a16:creationId xmlns:a16="http://schemas.microsoft.com/office/drawing/2014/main" id="{47CF6173-F168-431D-8389-8B43DCCADF0D}"/>
+                <a16:creationId xmlns:a16="http://schemas.microsoft.com/office/drawing/2014/main" xmlns="" id="{47CF6173-F168-431D-8389-8B43DCCADF0D}"/>
               </a:ext>
             </a:extLst>
           </p:cNvPr>
@@ -9427,7 +9906,7 @@
               <a:rPr lang="en-US" dirty="0" err="1"/>
               <a:t>indice</a:t>
             </a:r>
-            <a:endParaRPr lang="en-CH" dirty="0"/>
+            <a:endParaRPr lang="aa-ET" dirty="0"/>
           </a:p>
         </p:txBody>
       </p:sp>
@@ -9436,7 +9915,7 @@
           <p:cNvPr id="6" name="Content Placeholder 5">
             <a:extLst>
               <a:ext uri="{FF2B5EF4-FFF2-40B4-BE49-F238E27FC236}">
-                <a16:creationId xmlns:a16="http://schemas.microsoft.com/office/drawing/2014/main" id="{2C866883-B63D-4782-A77E-6F765425BEAA}"/>
+                <a16:creationId xmlns:a16="http://schemas.microsoft.com/office/drawing/2014/main" xmlns="" id="{2C866883-B63D-4782-A77E-6F765425BEAA}"/>
               </a:ext>
             </a:extLst>
           </p:cNvPr>
@@ -9484,7 +9963,7 @@
               <a:rPr lang="en-US" dirty="0" err="1"/>
               <a:t>Implementazione</a:t>
             </a:r>
-            <a:endParaRPr lang="en-CH" dirty="0"/>
+            <a:endParaRPr lang="aa-ET" dirty="0"/>
           </a:p>
         </p:txBody>
       </p:sp>
@@ -9493,7 +9972,7 @@
           <p:cNvPr id="7" name="Picture 6">
             <a:extLst>
               <a:ext uri="{FF2B5EF4-FFF2-40B4-BE49-F238E27FC236}">
-                <a16:creationId xmlns:a16="http://schemas.microsoft.com/office/drawing/2014/main" id="{48A7D666-9B08-45C1-A32C-426952F51E5C}"/>
+                <a16:creationId xmlns:a16="http://schemas.microsoft.com/office/drawing/2014/main" xmlns="" id="{48A7D666-9B08-45C1-A32C-426952F51E5C}"/>
               </a:ext>
             </a:extLst>
           </p:cNvPr>
@@ -9552,7 +10031,7 @@
           <p:cNvPr id="2" name="Title 1">
             <a:extLst>
               <a:ext uri="{FF2B5EF4-FFF2-40B4-BE49-F238E27FC236}">
-                <a16:creationId xmlns:a16="http://schemas.microsoft.com/office/drawing/2014/main" id="{960700EE-215B-4EC4-8D67-E133EAC00B70}"/>
+                <a16:creationId xmlns:a16="http://schemas.microsoft.com/office/drawing/2014/main" xmlns="" id="{960700EE-215B-4EC4-8D67-E133EAC00B70}"/>
               </a:ext>
             </a:extLst>
           </p:cNvPr>
@@ -9572,7 +10051,7 @@
               <a:rPr lang="en-US" dirty="0" err="1"/>
               <a:t>scopo</a:t>
             </a:r>
-            <a:endParaRPr lang="en-CH" dirty="0"/>
+            <a:endParaRPr lang="aa-ET" dirty="0"/>
           </a:p>
         </p:txBody>
       </p:sp>
@@ -9581,7 +10060,7 @@
           <p:cNvPr id="5" name="Content Placeholder 4">
             <a:extLst>
               <a:ext uri="{FF2B5EF4-FFF2-40B4-BE49-F238E27FC236}">
-                <a16:creationId xmlns:a16="http://schemas.microsoft.com/office/drawing/2014/main" id="{F365A603-3097-4C86-904A-18B1C8A977AC}"/>
+                <a16:creationId xmlns:a16="http://schemas.microsoft.com/office/drawing/2014/main" xmlns="" id="{F365A603-3097-4C86-904A-18B1C8A977AC}"/>
               </a:ext>
             </a:extLst>
           </p:cNvPr>
@@ -9654,7 +10133,7 @@
           <p:cNvPr id="6" name="Picture 5">
             <a:extLst>
               <a:ext uri="{FF2B5EF4-FFF2-40B4-BE49-F238E27FC236}">
-                <a16:creationId xmlns:a16="http://schemas.microsoft.com/office/drawing/2014/main" id="{AAF649C8-4581-4C35-AD5C-E74E9C304FA0}"/>
+                <a16:creationId xmlns:a16="http://schemas.microsoft.com/office/drawing/2014/main" xmlns="" id="{AAF649C8-4581-4C35-AD5C-E74E9C304FA0}"/>
               </a:ext>
             </a:extLst>
           </p:cNvPr>
@@ -9683,7 +10162,7 @@
           <p:cNvPr id="1026" name="Picture 2" descr="Risultati immagini per account">
             <a:extLst>
               <a:ext uri="{FF2B5EF4-FFF2-40B4-BE49-F238E27FC236}">
-                <a16:creationId xmlns:a16="http://schemas.microsoft.com/office/drawing/2014/main" id="{631DD45E-D2AC-4BC6-80B4-F5FDCAD92F14}"/>
+                <a16:creationId xmlns:a16="http://schemas.microsoft.com/office/drawing/2014/main" xmlns="" id="{631DD45E-D2AC-4BC6-80B4-F5FDCAD92F14}"/>
               </a:ext>
             </a:extLst>
           </p:cNvPr>
@@ -9730,7 +10209,7 @@
           <p:cNvPr id="8" name="Picture 7">
             <a:extLst>
               <a:ext uri="{FF2B5EF4-FFF2-40B4-BE49-F238E27FC236}">
-                <a16:creationId xmlns:a16="http://schemas.microsoft.com/office/drawing/2014/main" id="{DA37FD9E-7577-4D41-ACD7-ED377CD205D8}"/>
+                <a16:creationId xmlns:a16="http://schemas.microsoft.com/office/drawing/2014/main" xmlns="" id="{DA37FD9E-7577-4D41-ACD7-ED377CD205D8}"/>
               </a:ext>
             </a:extLst>
           </p:cNvPr>
@@ -9789,7 +10268,7 @@
           <p:cNvPr id="2" name="Title 1">
             <a:extLst>
               <a:ext uri="{FF2B5EF4-FFF2-40B4-BE49-F238E27FC236}">
-                <a16:creationId xmlns:a16="http://schemas.microsoft.com/office/drawing/2014/main" id="{3CAF610C-2324-475E-A8CB-B47F2555B20B}"/>
+                <a16:creationId xmlns:a16="http://schemas.microsoft.com/office/drawing/2014/main" xmlns="" id="{3CAF610C-2324-475E-A8CB-B47F2555B20B}"/>
               </a:ext>
             </a:extLst>
           </p:cNvPr>
@@ -9814,7 +10293,7 @@
               <a:rPr lang="en-US" dirty="0" err="1"/>
               <a:t>tempistiche</a:t>
             </a:r>
-            <a:endParaRPr lang="en-CH" dirty="0"/>
+            <a:endParaRPr lang="aa-ET" dirty="0"/>
           </a:p>
         </p:txBody>
       </p:sp>
@@ -9823,7 +10302,7 @@
           <p:cNvPr id="3" name="Content Placeholder 2">
             <a:extLst>
               <a:ext uri="{FF2B5EF4-FFF2-40B4-BE49-F238E27FC236}">
-                <a16:creationId xmlns:a16="http://schemas.microsoft.com/office/drawing/2014/main" id="{B77D2A5B-32B1-41F4-B443-B7AC7FE31736}"/>
+                <a16:creationId xmlns:a16="http://schemas.microsoft.com/office/drawing/2014/main" xmlns="" id="{B77D2A5B-32B1-41F4-B443-B7AC7FE31736}"/>
               </a:ext>
             </a:extLst>
           </p:cNvPr>
@@ -9839,7 +10318,7 @@
           <a:bodyPr/>
           <a:lstStyle/>
           <a:p>
-            <a:endParaRPr lang="en-CH" dirty="0"/>
+            <a:endParaRPr lang="aa-ET" dirty="0"/>
           </a:p>
         </p:txBody>
       </p:sp>
@@ -9848,7 +10327,7 @@
           <p:cNvPr id="5" name="Picture 4">
             <a:extLst>
               <a:ext uri="{FF2B5EF4-FFF2-40B4-BE49-F238E27FC236}">
-                <a16:creationId xmlns:a16="http://schemas.microsoft.com/office/drawing/2014/main" id="{168D87F8-C75D-4FBE-8DBA-DFD9A425CF79}"/>
+                <a16:creationId xmlns:a16="http://schemas.microsoft.com/office/drawing/2014/main" xmlns="" id="{168D87F8-C75D-4FBE-8DBA-DFD9A425CF79}"/>
               </a:ext>
             </a:extLst>
           </p:cNvPr>
@@ -9877,7 +10356,7 @@
           <p:cNvPr id="6" name="Content Placeholder 4">
             <a:extLst>
               <a:ext uri="{FF2B5EF4-FFF2-40B4-BE49-F238E27FC236}">
-                <a16:creationId xmlns:a16="http://schemas.microsoft.com/office/drawing/2014/main" id="{8C7E422D-9CE7-4BC7-A5A6-25EF5B3ED7E2}"/>
+                <a16:creationId xmlns:a16="http://schemas.microsoft.com/office/drawing/2014/main" xmlns="" id="{8C7E422D-9CE7-4BC7-A5A6-25EF5B3ED7E2}"/>
               </a:ext>
             </a:extLst>
           </p:cNvPr>
@@ -10066,7 +10545,7 @@
           <p:cNvPr id="2" name="Title 1">
             <a:extLst>
               <a:ext uri="{FF2B5EF4-FFF2-40B4-BE49-F238E27FC236}">
-                <a16:creationId xmlns:a16="http://schemas.microsoft.com/office/drawing/2014/main" id="{07D7043A-92A3-4CEA-93E0-2A4E3D709F2F}"/>
+                <a16:creationId xmlns:a16="http://schemas.microsoft.com/office/drawing/2014/main" xmlns="" id="{07D7043A-92A3-4CEA-93E0-2A4E3D709F2F}"/>
               </a:ext>
             </a:extLst>
           </p:cNvPr>
@@ -10086,7 +10565,7 @@
               <a:rPr lang="en-US" dirty="0" err="1"/>
               <a:t>Requisiti</a:t>
             </a:r>
-            <a:endParaRPr lang="en-CH" dirty="0"/>
+            <a:endParaRPr lang="aa-ET" dirty="0"/>
           </a:p>
         </p:txBody>
       </p:sp>
@@ -10095,7 +10574,7 @@
           <p:cNvPr id="5" name="Content Placeholder 4">
             <a:extLst>
               <a:ext uri="{FF2B5EF4-FFF2-40B4-BE49-F238E27FC236}">
-                <a16:creationId xmlns:a16="http://schemas.microsoft.com/office/drawing/2014/main" id="{DB65960D-9E22-42E8-99D3-01DB1B42D991}"/>
+                <a16:creationId xmlns:a16="http://schemas.microsoft.com/office/drawing/2014/main" xmlns="" id="{DB65960D-9E22-42E8-99D3-01DB1B42D991}"/>
               </a:ext>
             </a:extLst>
           </p:cNvPr>
@@ -10126,7 +10605,7 @@
           <p:cNvPr id="4" name="Picture 3">
             <a:extLst>
               <a:ext uri="{FF2B5EF4-FFF2-40B4-BE49-F238E27FC236}">
-                <a16:creationId xmlns:a16="http://schemas.microsoft.com/office/drawing/2014/main" id="{D685C51E-2F7C-4CBA-8A8B-2F06AC4B57D8}"/>
+                <a16:creationId xmlns:a16="http://schemas.microsoft.com/office/drawing/2014/main" xmlns="" id="{D685C51E-2F7C-4CBA-8A8B-2F06AC4B57D8}"/>
               </a:ext>
             </a:extLst>
           </p:cNvPr>
@@ -10155,7 +10634,7 @@
           <p:cNvPr id="6" name="TextBox 5">
             <a:extLst>
               <a:ext uri="{FF2B5EF4-FFF2-40B4-BE49-F238E27FC236}">
-                <a16:creationId xmlns:a16="http://schemas.microsoft.com/office/drawing/2014/main" id="{E73583F6-F665-4C0C-95B2-1204CB568296}"/>
+                <a16:creationId xmlns:a16="http://schemas.microsoft.com/office/drawing/2014/main" xmlns="" id="{E73583F6-F665-4C0C-95B2-1204CB568296}"/>
               </a:ext>
             </a:extLst>
           </p:cNvPr>
@@ -10190,7 +10669,7 @@
               <a:rPr lang="en-US" dirty="0" err="1"/>
               <a:t>principale</a:t>
             </a:r>
-            <a:endParaRPr lang="en-CH" dirty="0"/>
+            <a:endParaRPr lang="aa-ET" dirty="0"/>
           </a:p>
         </p:txBody>
       </p:sp>
@@ -10199,7 +10678,7 @@
           <p:cNvPr id="7" name="Picture 6">
             <a:extLst>
               <a:ext uri="{FF2B5EF4-FFF2-40B4-BE49-F238E27FC236}">
-                <a16:creationId xmlns:a16="http://schemas.microsoft.com/office/drawing/2014/main" id="{C1801E7E-AF84-4C07-83FB-580B2E0126CD}"/>
+                <a16:creationId xmlns:a16="http://schemas.microsoft.com/office/drawing/2014/main" xmlns="" id="{C1801E7E-AF84-4C07-83FB-580B2E0126CD}"/>
               </a:ext>
             </a:extLst>
           </p:cNvPr>
@@ -10228,7 +10707,7 @@
           <p:cNvPr id="8" name="TextBox 7">
             <a:extLst>
               <a:ext uri="{FF2B5EF4-FFF2-40B4-BE49-F238E27FC236}">
-                <a16:creationId xmlns:a16="http://schemas.microsoft.com/office/drawing/2014/main" id="{304B24B3-76F3-4EFC-8E88-32B50554A005}"/>
+                <a16:creationId xmlns:a16="http://schemas.microsoft.com/office/drawing/2014/main" xmlns="" id="{304B24B3-76F3-4EFC-8E88-32B50554A005}"/>
               </a:ext>
             </a:extLst>
           </p:cNvPr>
@@ -10263,7 +10742,7 @@
               <a:rPr lang="en-US" dirty="0" err="1"/>
               <a:t>ricerca</a:t>
             </a:r>
-            <a:endParaRPr lang="en-CH" dirty="0"/>
+            <a:endParaRPr lang="aa-ET" dirty="0"/>
           </a:p>
         </p:txBody>
       </p:sp>
@@ -10272,7 +10751,7 @@
           <p:cNvPr id="9" name="Picture 8">
             <a:extLst>
               <a:ext uri="{FF2B5EF4-FFF2-40B4-BE49-F238E27FC236}">
-                <a16:creationId xmlns:a16="http://schemas.microsoft.com/office/drawing/2014/main" id="{636EBA5D-4174-43AA-9EF4-5FFEAB1C91E6}"/>
+                <a16:creationId xmlns:a16="http://schemas.microsoft.com/office/drawing/2014/main" xmlns="" id="{636EBA5D-4174-43AA-9EF4-5FFEAB1C91E6}"/>
               </a:ext>
             </a:extLst>
           </p:cNvPr>
@@ -10301,7 +10780,7 @@
           <p:cNvPr id="10" name="TextBox 9">
             <a:extLst>
               <a:ext uri="{FF2B5EF4-FFF2-40B4-BE49-F238E27FC236}">
-                <a16:creationId xmlns:a16="http://schemas.microsoft.com/office/drawing/2014/main" id="{62EAD19E-9A2A-43A9-9DD2-72812500B3C3}"/>
+                <a16:creationId xmlns:a16="http://schemas.microsoft.com/office/drawing/2014/main" xmlns="" id="{62EAD19E-9A2A-43A9-9DD2-72812500B3C3}"/>
               </a:ext>
             </a:extLst>
           </p:cNvPr>
@@ -10336,7 +10815,7 @@
               <a:rPr lang="en-US" dirty="0" err="1"/>
               <a:t>utente</a:t>
             </a:r>
-            <a:endParaRPr lang="en-CH" dirty="0"/>
+            <a:endParaRPr lang="aa-ET" dirty="0"/>
           </a:p>
         </p:txBody>
       </p:sp>
@@ -10375,7 +10854,7 @@
           <p:cNvPr id="2" name="Title 1">
             <a:extLst>
               <a:ext uri="{FF2B5EF4-FFF2-40B4-BE49-F238E27FC236}">
-                <a16:creationId xmlns:a16="http://schemas.microsoft.com/office/drawing/2014/main" id="{FB989FBD-90AF-4CDE-BA76-A129E9CDC634}"/>
+                <a16:creationId xmlns:a16="http://schemas.microsoft.com/office/drawing/2014/main" xmlns="" id="{FB989FBD-90AF-4CDE-BA76-A129E9CDC634}"/>
               </a:ext>
             </a:extLst>
           </p:cNvPr>
@@ -10395,7 +10874,7 @@
               <a:rPr lang="en-US" dirty="0" err="1"/>
               <a:t>Progettazione</a:t>
             </a:r>
-            <a:endParaRPr lang="en-CH" dirty="0"/>
+            <a:endParaRPr lang="aa-ET" dirty="0"/>
           </a:p>
         </p:txBody>
       </p:sp>
@@ -10404,7 +10883,7 @@
           <p:cNvPr id="3" name="Content Placeholder 2">
             <a:extLst>
               <a:ext uri="{FF2B5EF4-FFF2-40B4-BE49-F238E27FC236}">
-                <a16:creationId xmlns:a16="http://schemas.microsoft.com/office/drawing/2014/main" id="{082D1D18-F9AE-4D47-94FF-7AB45F5A787B}"/>
+                <a16:creationId xmlns:a16="http://schemas.microsoft.com/office/drawing/2014/main" xmlns="" id="{082D1D18-F9AE-4D47-94FF-7AB45F5A787B}"/>
               </a:ext>
             </a:extLst>
           </p:cNvPr>
@@ -10439,7 +10918,7 @@
               <a:rPr lang="en-US" dirty="0"/>
               <a:t>Schema E-R database</a:t>
             </a:r>
-            <a:endParaRPr lang="en-CH" dirty="0"/>
+            <a:endParaRPr lang="aa-ET" dirty="0"/>
           </a:p>
         </p:txBody>
       </p:sp>
@@ -10448,7 +10927,7 @@
           <p:cNvPr id="4" name="Picture 3">
             <a:extLst>
               <a:ext uri="{FF2B5EF4-FFF2-40B4-BE49-F238E27FC236}">
-                <a16:creationId xmlns:a16="http://schemas.microsoft.com/office/drawing/2014/main" id="{2253C7E4-9666-4B08-8D83-150A048D4DDF}"/>
+                <a16:creationId xmlns:a16="http://schemas.microsoft.com/office/drawing/2014/main" xmlns="" id="{2253C7E4-9666-4B08-8D83-150A048D4DDF}"/>
               </a:ext>
             </a:extLst>
           </p:cNvPr>
@@ -10477,7 +10956,7 @@
           <p:cNvPr id="2050" name="Picture 2" descr="Risultati immagini per database">
             <a:extLst>
               <a:ext uri="{FF2B5EF4-FFF2-40B4-BE49-F238E27FC236}">
-                <a16:creationId xmlns:a16="http://schemas.microsoft.com/office/drawing/2014/main" id="{2F72B7F7-AE3C-4021-8418-C208F12F8C67}"/>
+                <a16:creationId xmlns:a16="http://schemas.microsoft.com/office/drawing/2014/main" xmlns="" id="{2F72B7F7-AE3C-4021-8418-C208F12F8C67}"/>
               </a:ext>
             </a:extLst>
           </p:cNvPr>
@@ -10554,7 +11033,7 @@
           <p:cNvPr id="2" name="Title 1">
             <a:extLst>
               <a:ext uri="{FF2B5EF4-FFF2-40B4-BE49-F238E27FC236}">
-                <a16:creationId xmlns:a16="http://schemas.microsoft.com/office/drawing/2014/main" id="{3FDDD426-DA2C-4187-ACBB-8EB393BA6176}"/>
+                <a16:creationId xmlns:a16="http://schemas.microsoft.com/office/drawing/2014/main" xmlns="" id="{3FDDD426-DA2C-4187-ACBB-8EB393BA6176}"/>
               </a:ext>
             </a:extLst>
           </p:cNvPr>
@@ -10574,7 +11053,7 @@
               <a:rPr lang="en-US" dirty="0"/>
               <a:t>Mockup</a:t>
             </a:r>
-            <a:endParaRPr lang="en-CH" dirty="0"/>
+            <a:endParaRPr lang="aa-ET" dirty="0"/>
           </a:p>
         </p:txBody>
       </p:sp>
@@ -10583,7 +11062,7 @@
           <p:cNvPr id="4" name="Picture 3">
             <a:extLst>
               <a:ext uri="{FF2B5EF4-FFF2-40B4-BE49-F238E27FC236}">
-                <a16:creationId xmlns:a16="http://schemas.microsoft.com/office/drawing/2014/main" id="{F59F9067-8F4A-4E1D-960B-1C8D31C14D48}"/>
+                <a16:creationId xmlns:a16="http://schemas.microsoft.com/office/drawing/2014/main" xmlns="" id="{F59F9067-8F4A-4E1D-960B-1C8D31C14D48}"/>
               </a:ext>
             </a:extLst>
           </p:cNvPr>
@@ -10612,7 +11091,7 @@
           <p:cNvPr id="11" name="Picture 2" descr="https://raw.githubusercontent.com/Dominelli/GestioneAppartamenti/master/Documentazione/img/Mockup_Index.JPG">
             <a:extLst>
               <a:ext uri="{FF2B5EF4-FFF2-40B4-BE49-F238E27FC236}">
-                <a16:creationId xmlns:a16="http://schemas.microsoft.com/office/drawing/2014/main" id="{92A9F314-0D1C-43C0-AC8E-EED3209835CD}"/>
+                <a16:creationId xmlns:a16="http://schemas.microsoft.com/office/drawing/2014/main" xmlns="" id="{92A9F314-0D1C-43C0-AC8E-EED3209835CD}"/>
               </a:ext>
             </a:extLst>
           </p:cNvPr>
@@ -10659,7 +11138,7 @@
           <p:cNvPr id="13" name="TextBox 12">
             <a:extLst>
               <a:ext uri="{FF2B5EF4-FFF2-40B4-BE49-F238E27FC236}">
-                <a16:creationId xmlns:a16="http://schemas.microsoft.com/office/drawing/2014/main" id="{8C58DEB0-5F21-415D-8D8A-DECD05791475}"/>
+                <a16:creationId xmlns:a16="http://schemas.microsoft.com/office/drawing/2014/main" xmlns="" id="{8C58DEB0-5F21-415D-8D8A-DECD05791475}"/>
               </a:ext>
             </a:extLst>
           </p:cNvPr>
@@ -10694,7 +11173,7 @@
               <a:rPr lang="en-US" dirty="0" err="1"/>
               <a:t>principale</a:t>
             </a:r>
-            <a:endParaRPr lang="en-CH" dirty="0"/>
+            <a:endParaRPr lang="aa-ET" dirty="0"/>
           </a:p>
         </p:txBody>
       </p:sp>
@@ -10703,7 +11182,7 @@
           <p:cNvPr id="14" name="Content Placeholder 8">
             <a:extLst>
               <a:ext uri="{FF2B5EF4-FFF2-40B4-BE49-F238E27FC236}">
-                <a16:creationId xmlns:a16="http://schemas.microsoft.com/office/drawing/2014/main" id="{0D09D575-C706-489A-995D-A903EA35E83C}"/>
+                <a16:creationId xmlns:a16="http://schemas.microsoft.com/office/drawing/2014/main" xmlns="" id="{0D09D575-C706-489A-995D-A903EA35E83C}"/>
               </a:ext>
             </a:extLst>
           </p:cNvPr>
@@ -10732,7 +11211,7 @@
           <p:cNvPr id="15" name="TextBox 14">
             <a:extLst>
               <a:ext uri="{FF2B5EF4-FFF2-40B4-BE49-F238E27FC236}">
-                <a16:creationId xmlns:a16="http://schemas.microsoft.com/office/drawing/2014/main" id="{9040275E-8205-48FC-8C00-35BA72752EE3}"/>
+                <a16:creationId xmlns:a16="http://schemas.microsoft.com/office/drawing/2014/main" xmlns="" id="{9040275E-8205-48FC-8C00-35BA72752EE3}"/>
               </a:ext>
             </a:extLst>
           </p:cNvPr>
@@ -10767,7 +11246,7 @@
               <a:rPr lang="en-US" dirty="0" err="1"/>
               <a:t>appartamento</a:t>
             </a:r>
-            <a:endParaRPr lang="en-CH" dirty="0"/>
+            <a:endParaRPr lang="aa-ET" dirty="0"/>
           </a:p>
         </p:txBody>
       </p:sp>
@@ -10806,7 +11285,7 @@
           <p:cNvPr id="2" name="Title 1">
             <a:extLst>
               <a:ext uri="{FF2B5EF4-FFF2-40B4-BE49-F238E27FC236}">
-                <a16:creationId xmlns:a16="http://schemas.microsoft.com/office/drawing/2014/main" id="{3FDDD426-DA2C-4187-ACBB-8EB393BA6176}"/>
+                <a16:creationId xmlns:a16="http://schemas.microsoft.com/office/drawing/2014/main" xmlns="" id="{3FDDD426-DA2C-4187-ACBB-8EB393BA6176}"/>
               </a:ext>
             </a:extLst>
           </p:cNvPr>
@@ -10826,7 +11305,7 @@
               <a:rPr lang="en-US" dirty="0"/>
               <a:t>Mockup</a:t>
             </a:r>
-            <a:endParaRPr lang="en-CH" dirty="0"/>
+            <a:endParaRPr lang="aa-ET" dirty="0"/>
           </a:p>
         </p:txBody>
       </p:sp>
@@ -10835,7 +11314,7 @@
           <p:cNvPr id="4" name="Picture 3">
             <a:extLst>
               <a:ext uri="{FF2B5EF4-FFF2-40B4-BE49-F238E27FC236}">
-                <a16:creationId xmlns:a16="http://schemas.microsoft.com/office/drawing/2014/main" id="{F59F9067-8F4A-4E1D-960B-1C8D31C14D48}"/>
+                <a16:creationId xmlns:a16="http://schemas.microsoft.com/office/drawing/2014/main" xmlns="" id="{F59F9067-8F4A-4E1D-960B-1C8D31C14D48}"/>
               </a:ext>
             </a:extLst>
           </p:cNvPr>
@@ -10864,7 +11343,7 @@
           <p:cNvPr id="13" name="Content Placeholder 5">
             <a:extLst>
               <a:ext uri="{FF2B5EF4-FFF2-40B4-BE49-F238E27FC236}">
-                <a16:creationId xmlns:a16="http://schemas.microsoft.com/office/drawing/2014/main" id="{93B51870-8A4D-4165-9BD2-83350502FC50}"/>
+                <a16:creationId xmlns:a16="http://schemas.microsoft.com/office/drawing/2014/main" xmlns="" id="{93B51870-8A4D-4165-9BD2-83350502FC50}"/>
               </a:ext>
             </a:extLst>
           </p:cNvPr>
@@ -10894,7 +11373,7 @@
           <p:cNvPr id="14" name="TextBox 13">
             <a:extLst>
               <a:ext uri="{FF2B5EF4-FFF2-40B4-BE49-F238E27FC236}">
-                <a16:creationId xmlns:a16="http://schemas.microsoft.com/office/drawing/2014/main" id="{EDD39198-69D5-4394-ABF1-EAD651671427}"/>
+                <a16:creationId xmlns:a16="http://schemas.microsoft.com/office/drawing/2014/main" xmlns="" id="{EDD39198-69D5-4394-ABF1-EAD651671427}"/>
               </a:ext>
             </a:extLst>
           </p:cNvPr>
@@ -10921,7 +11400,7 @@
               <a:rPr lang="en-US" dirty="0"/>
               <a:t>Login</a:t>
             </a:r>
-            <a:endParaRPr lang="en-CH" dirty="0"/>
+            <a:endParaRPr lang="aa-ET" dirty="0"/>
           </a:p>
         </p:txBody>
       </p:sp>
@@ -10930,7 +11409,7 @@
           <p:cNvPr id="16" name="Content Placeholder 15">
             <a:extLst>
               <a:ext uri="{FF2B5EF4-FFF2-40B4-BE49-F238E27FC236}">
-                <a16:creationId xmlns:a16="http://schemas.microsoft.com/office/drawing/2014/main" id="{3FE6DCBD-2028-4C53-92E4-1C9088F43D5D}"/>
+                <a16:creationId xmlns:a16="http://schemas.microsoft.com/office/drawing/2014/main" xmlns="" id="{3FE6DCBD-2028-4C53-92E4-1C9088F43D5D}"/>
               </a:ext>
             </a:extLst>
           </p:cNvPr>
@@ -10962,7 +11441,7 @@
           <p:cNvPr id="17" name="TextBox 16">
             <a:extLst>
               <a:ext uri="{FF2B5EF4-FFF2-40B4-BE49-F238E27FC236}">
-                <a16:creationId xmlns:a16="http://schemas.microsoft.com/office/drawing/2014/main" id="{EFAA4984-5825-474E-859D-CE54D6A27E51}"/>
+                <a16:creationId xmlns:a16="http://schemas.microsoft.com/office/drawing/2014/main" xmlns="" id="{EFAA4984-5825-474E-859D-CE54D6A27E51}"/>
               </a:ext>
             </a:extLst>
           </p:cNvPr>
@@ -10989,7 +11468,7 @@
               <a:rPr lang="en-US" dirty="0" err="1"/>
               <a:t>Registrazione</a:t>
             </a:r>
-            <a:endParaRPr lang="en-CH" dirty="0"/>
+            <a:endParaRPr lang="aa-ET" dirty="0"/>
           </a:p>
         </p:txBody>
       </p:sp>
@@ -11028,7 +11507,7 @@
           <p:cNvPr id="2" name="Title 1">
             <a:extLst>
               <a:ext uri="{FF2B5EF4-FFF2-40B4-BE49-F238E27FC236}">
-                <a16:creationId xmlns:a16="http://schemas.microsoft.com/office/drawing/2014/main" id="{1E2CC41B-B39A-4F29-BA19-330082D42778}"/>
+                <a16:creationId xmlns:a16="http://schemas.microsoft.com/office/drawing/2014/main" xmlns="" id="{1E2CC41B-B39A-4F29-BA19-330082D42778}"/>
               </a:ext>
             </a:extLst>
           </p:cNvPr>
@@ -11048,7 +11527,7 @@
               <a:rPr lang="en-US" dirty="0"/>
               <a:t>Schema e-r</a:t>
             </a:r>
-            <a:endParaRPr lang="en-CH" dirty="0"/>
+            <a:endParaRPr lang="aa-ET" dirty="0"/>
           </a:p>
         </p:txBody>
       </p:sp>
@@ -11057,7 +11536,7 @@
           <p:cNvPr id="5" name="Content Placeholder 4">
             <a:extLst>
               <a:ext uri="{FF2B5EF4-FFF2-40B4-BE49-F238E27FC236}">
-                <a16:creationId xmlns:a16="http://schemas.microsoft.com/office/drawing/2014/main" id="{D03E67DE-5F48-4C78-A142-FE29952C0046}"/>
+                <a16:creationId xmlns:a16="http://schemas.microsoft.com/office/drawing/2014/main" xmlns="" id="{D03E67DE-5F48-4C78-A142-FE29952C0046}"/>
               </a:ext>
             </a:extLst>
           </p:cNvPr>
@@ -11086,7 +11565,7 @@
           <p:cNvPr id="6" name="TextBox 5">
             <a:extLst>
               <a:ext uri="{FF2B5EF4-FFF2-40B4-BE49-F238E27FC236}">
-                <a16:creationId xmlns:a16="http://schemas.microsoft.com/office/drawing/2014/main" id="{44327F4E-6D39-4622-8C47-4AAFA4BEC4AE}"/>
+                <a16:creationId xmlns:a16="http://schemas.microsoft.com/office/drawing/2014/main" xmlns="" id="{44327F4E-6D39-4622-8C47-4AAFA4BEC4AE}"/>
               </a:ext>
             </a:extLst>
           </p:cNvPr>
@@ -11117,7 +11596,7 @@
               <a:rPr lang="en-US" dirty="0"/>
               <a:t>:</a:t>
             </a:r>
-            <a:endParaRPr lang="en-CH" dirty="0"/>
+            <a:endParaRPr lang="aa-ET" dirty="0"/>
           </a:p>
         </p:txBody>
       </p:sp>
@@ -11126,7 +11605,7 @@
           <p:cNvPr id="7" name="TextBox 6">
             <a:extLst>
               <a:ext uri="{FF2B5EF4-FFF2-40B4-BE49-F238E27FC236}">
-                <a16:creationId xmlns:a16="http://schemas.microsoft.com/office/drawing/2014/main" id="{A54B4E45-5A7B-4087-A4C7-EBCD1F3D7798}"/>
+                <a16:creationId xmlns:a16="http://schemas.microsoft.com/office/drawing/2014/main" xmlns="" id="{A54B4E45-5A7B-4087-A4C7-EBCD1F3D7798}"/>
               </a:ext>
             </a:extLst>
           </p:cNvPr>
@@ -11221,7 +11700,7 @@
               <a:rPr lang="en-US" dirty="0" err="1"/>
               <a:t>Spese</a:t>
             </a:r>
-            <a:endParaRPr lang="en-CH" dirty="0"/>
+            <a:endParaRPr lang="aa-ET" dirty="0"/>
           </a:p>
         </p:txBody>
       </p:sp>
@@ -11230,7 +11709,7 @@
           <p:cNvPr id="8" name="Picture 7">
             <a:extLst>
               <a:ext uri="{FF2B5EF4-FFF2-40B4-BE49-F238E27FC236}">
-                <a16:creationId xmlns:a16="http://schemas.microsoft.com/office/drawing/2014/main" id="{D2425D5D-BAE9-424A-B741-8C9237A9274F}"/>
+                <a16:creationId xmlns:a16="http://schemas.microsoft.com/office/drawing/2014/main" xmlns="" id="{D2425D5D-BAE9-424A-B741-8C9237A9274F}"/>
               </a:ext>
             </a:extLst>
           </p:cNvPr>

--- a/Documentazione/Gestione appartamenti.pptx
+++ b/Documentazione/Gestione appartamenti.pptx
@@ -1367,7 +1367,7 @@
             <a:fld id="{9334D819-9F07-4261-B09B-9E467E5D9002}" type="datetimeFigureOut">
               <a:rPr lang="en-US" dirty="0"/>
               <a:pPr/>
-              <a:t>5/18/2018</a:t>
+              <a:t>5/22/2018</a:t>
             </a:fld>
             <a:endParaRPr lang="en-US" dirty="0"/>
           </a:p>
@@ -1601,7 +1601,7 @@
           <a:p>
             <a:fld id="{9334D819-9F07-4261-B09B-9E467E5D9002}" type="datetimeFigureOut">
               <a:rPr lang="en-US" dirty="0"/>
-              <a:t>5/18/2018</a:t>
+              <a:t>5/22/2018</a:t>
             </a:fld>
             <a:endParaRPr lang="en-US" dirty="0"/>
           </a:p>
@@ -1776,7 +1776,7 @@
           <a:p>
             <a:fld id="{9334D819-9F07-4261-B09B-9E467E5D9002}" type="datetimeFigureOut">
               <a:rPr lang="en-US" dirty="0"/>
-              <a:t>5/18/2018</a:t>
+              <a:t>5/22/2018</a:t>
             </a:fld>
             <a:endParaRPr lang="en-US" dirty="0"/>
           </a:p>
@@ -1941,7 +1941,7 @@
           <a:p>
             <a:fld id="{9334D819-9F07-4261-B09B-9E467E5D9002}" type="datetimeFigureOut">
               <a:rPr lang="en-US" dirty="0"/>
-              <a:t>5/18/2018</a:t>
+              <a:t>5/22/2018</a:t>
             </a:fld>
             <a:endParaRPr lang="en-US" dirty="0"/>
           </a:p>
@@ -2213,7 +2213,7 @@
             <a:fld id="{9334D819-9F07-4261-B09B-9E467E5D9002}" type="datetimeFigureOut">
               <a:rPr lang="en-US" dirty="0"/>
               <a:pPr/>
-              <a:t>5/18/2018</a:t>
+              <a:t>5/22/2018</a:t>
             </a:fld>
             <a:endParaRPr lang="en-US" dirty="0"/>
           </a:p>
@@ -3410,7 +3410,7 @@
           <a:p>
             <a:fld id="{9334D819-9F07-4261-B09B-9E467E5D9002}" type="datetimeFigureOut">
               <a:rPr lang="en-US" dirty="0"/>
-              <a:t>5/18/2018</a:t>
+              <a:t>5/22/2018</a:t>
             </a:fld>
             <a:endParaRPr lang="en-US" dirty="0"/>
           </a:p>
@@ -3795,7 +3795,7 @@
           <a:p>
             <a:fld id="{9334D819-9F07-4261-B09B-9E467E5D9002}" type="datetimeFigureOut">
               <a:rPr lang="en-US" dirty="0"/>
-              <a:t>5/18/2018</a:t>
+              <a:t>5/22/2018</a:t>
             </a:fld>
             <a:endParaRPr lang="en-US" dirty="0"/>
           </a:p>
@@ -3913,7 +3913,7 @@
           <a:p>
             <a:fld id="{9334D819-9F07-4261-B09B-9E467E5D9002}" type="datetimeFigureOut">
               <a:rPr lang="en-US" dirty="0"/>
-              <a:t>5/18/2018</a:t>
+              <a:t>5/22/2018</a:t>
             </a:fld>
             <a:endParaRPr lang="en-US" dirty="0"/>
           </a:p>
@@ -4003,7 +4003,7 @@
           <a:p>
             <a:fld id="{9334D819-9F07-4261-B09B-9E467E5D9002}" type="datetimeFigureOut">
               <a:rPr lang="en-US" dirty="0"/>
-              <a:t>5/18/2018</a:t>
+              <a:t>5/22/2018</a:t>
             </a:fld>
             <a:endParaRPr lang="en-US" dirty="0"/>
           </a:p>
@@ -4761,7 +4761,7 @@
           <a:p>
             <a:fld id="{9334D819-9F07-4261-B09B-9E467E5D9002}" type="datetimeFigureOut">
               <a:rPr lang="en-US" dirty="0"/>
-              <a:t>5/18/2018</a:t>
+              <a:t>5/22/2018</a:t>
             </a:fld>
             <a:endParaRPr lang="en-US" dirty="0"/>
           </a:p>
@@ -5596,7 +5596,7 @@
           <a:p>
             <a:fld id="{9334D819-9F07-4261-B09B-9E467E5D9002}" type="datetimeFigureOut">
               <a:rPr lang="en-US" dirty="0"/>
-              <a:t>5/18/2018</a:t>
+              <a:t>5/22/2018</a:t>
             </a:fld>
             <a:endParaRPr lang="en-US" dirty="0"/>
           </a:p>
@@ -5819,7 +5819,7 @@
             <a:fld id="{9334D819-9F07-4261-B09B-9E467E5D9002}" type="datetimeFigureOut">
               <a:rPr lang="en-US" dirty="0"/>
               <a:pPr/>
-              <a:t>5/18/2018</a:t>
+              <a:t>5/22/2018</a:t>
             </a:fld>
             <a:endParaRPr lang="en-US" dirty="0"/>
           </a:p>
@@ -6819,7 +6819,7 @@
           <p:cNvPr id="2" name="Title 1">
             <a:extLst>
               <a:ext uri="{FF2B5EF4-FFF2-40B4-BE49-F238E27FC236}">
-                <a16:creationId xmlns:a16="http://schemas.microsoft.com/office/drawing/2014/main" xmlns="" id="{2AFFBDE9-A4CA-46D1-9E11-2DC4C4FA8C05}"/>
+                <a16:creationId xmlns="" xmlns:a16="http://schemas.microsoft.com/office/drawing/2014/main" id="{2AFFBDE9-A4CA-46D1-9E11-2DC4C4FA8C05}"/>
               </a:ext>
             </a:extLst>
           </p:cNvPr>
@@ -6856,7 +6856,7 @@
           <p:cNvPr id="3" name="Subtitle 2">
             <a:extLst>
               <a:ext uri="{FF2B5EF4-FFF2-40B4-BE49-F238E27FC236}">
-                <a16:creationId xmlns:a16="http://schemas.microsoft.com/office/drawing/2014/main" xmlns="" id="{69A35D7D-6EAB-4E49-BCB0-CA3D7601342A}"/>
+                <a16:creationId xmlns="" xmlns:a16="http://schemas.microsoft.com/office/drawing/2014/main" id="{69A35D7D-6EAB-4E49-BCB0-CA3D7601342A}"/>
               </a:ext>
             </a:extLst>
           </p:cNvPr>
@@ -6903,6 +6903,13 @@
   <p:clrMapOvr>
     <a:masterClrMapping/>
   </p:clrMapOvr>
+  <p:timing>
+    <p:tnLst>
+      <p:par>
+        <p:cTn id="1" dur="indefinite" restart="never" nodeType="tmRoot"/>
+      </p:par>
+    </p:tnLst>
+  </p:timing>
 </p:sld>
 </file>
 
@@ -6928,7 +6935,7 @@
           <p:cNvPr id="2" name="Title 1">
             <a:extLst>
               <a:ext uri="{FF2B5EF4-FFF2-40B4-BE49-F238E27FC236}">
-                <a16:creationId xmlns:a16="http://schemas.microsoft.com/office/drawing/2014/main" xmlns="" id="{745769F7-C105-4AAB-B6FF-730224B220EC}"/>
+                <a16:creationId xmlns="" xmlns:a16="http://schemas.microsoft.com/office/drawing/2014/main" id="{745769F7-C105-4AAB-B6FF-730224B220EC}"/>
               </a:ext>
             </a:extLst>
           </p:cNvPr>
@@ -6957,7 +6964,7 @@
           <p:cNvPr id="3" name="Content Placeholder 2">
             <a:extLst>
               <a:ext uri="{FF2B5EF4-FFF2-40B4-BE49-F238E27FC236}">
-                <a16:creationId xmlns:a16="http://schemas.microsoft.com/office/drawing/2014/main" xmlns="" id="{9A4D723D-5067-46F2-95C0-9B2036900E5A}"/>
+                <a16:creationId xmlns="" xmlns:a16="http://schemas.microsoft.com/office/drawing/2014/main" id="{9A4D723D-5067-46F2-95C0-9B2036900E5A}"/>
               </a:ext>
             </a:extLst>
           </p:cNvPr>
@@ -7101,7 +7108,7 @@
           <p:cNvPr id="4" name="Picture 3">
             <a:extLst>
               <a:ext uri="{FF2B5EF4-FFF2-40B4-BE49-F238E27FC236}">
-                <a16:creationId xmlns:a16="http://schemas.microsoft.com/office/drawing/2014/main" xmlns="" id="{AD62B0EB-ABD0-4E03-B099-73A72B2886A6}"/>
+                <a16:creationId xmlns="" xmlns:a16="http://schemas.microsoft.com/office/drawing/2014/main" id="{AD62B0EB-ABD0-4E03-B099-73A72B2886A6}"/>
               </a:ext>
             </a:extLst>
           </p:cNvPr>
@@ -7212,7 +7219,7 @@
             <p:cNvPr id="6" name="Arrow: Right 6">
               <a:extLst>
                 <a:ext uri="{FF2B5EF4-FFF2-40B4-BE49-F238E27FC236}">
-                  <a16:creationId xmlns:a16="http://schemas.microsoft.com/office/drawing/2014/main" xmlns="" id="{8865A070-66B9-4430-92BB-55C85D7B1409}"/>
+                  <a16:creationId xmlns="" xmlns:a16="http://schemas.microsoft.com/office/drawing/2014/main" id="{8865A070-66B9-4430-92BB-55C85D7B1409}"/>
                 </a:ext>
               </a:extLst>
             </p:cNvPr>
@@ -7258,7 +7265,7 @@
             <p:cNvPr id="7" name="Arrow: Right 7">
               <a:extLst>
                 <a:ext uri="{FF2B5EF4-FFF2-40B4-BE49-F238E27FC236}">
-                  <a16:creationId xmlns:a16="http://schemas.microsoft.com/office/drawing/2014/main" xmlns="" id="{F19334B0-46C2-489E-B1FA-7B27BC027A70}"/>
+                  <a16:creationId xmlns="" xmlns:a16="http://schemas.microsoft.com/office/drawing/2014/main" id="{F19334B0-46C2-489E-B1FA-7B27BC027A70}"/>
                 </a:ext>
               </a:extLst>
             </p:cNvPr>
@@ -7304,7 +7311,7 @@
             <p:cNvPr id="8" name="Arrow: Right 8">
               <a:extLst>
                 <a:ext uri="{FF2B5EF4-FFF2-40B4-BE49-F238E27FC236}">
-                  <a16:creationId xmlns:a16="http://schemas.microsoft.com/office/drawing/2014/main" xmlns="" id="{4C0EBDB6-5935-4FBB-9A80-7526A9EFF7DE}"/>
+                  <a16:creationId xmlns="" xmlns:a16="http://schemas.microsoft.com/office/drawing/2014/main" id="{4C0EBDB6-5935-4FBB-9A80-7526A9EFF7DE}"/>
                 </a:ext>
               </a:extLst>
             </p:cNvPr>
@@ -7356,6 +7363,814 @@
   <p:clrMapOvr>
     <a:masterClrMapping/>
   </p:clrMapOvr>
+  <p:transition spd="slow">
+    <p:push dir="u"/>
+  </p:transition>
+  <p:timing>
+    <p:tnLst>
+      <p:par>
+        <p:cTn id="1" dur="indefinite" restart="never" nodeType="tmRoot">
+          <p:childTnLst>
+            <p:seq concurrent="1" nextAc="seek">
+              <p:cTn id="2" dur="indefinite" nodeType="mainSeq">
+                <p:childTnLst>
+                  <p:par>
+                    <p:cTn id="3" fill="hold">
+                      <p:stCondLst>
+                        <p:cond delay="indefinite"/>
+                      </p:stCondLst>
+                      <p:childTnLst>
+                        <p:par>
+                          <p:cTn id="4" fill="hold">
+                            <p:stCondLst>
+                              <p:cond delay="0"/>
+                            </p:stCondLst>
+                            <p:childTnLst>
+                              <p:par>
+                                <p:cTn id="5" presetID="42" presetClass="entr" presetSubtype="0" fill="hold" grpId="0" nodeType="clickEffect">
+                                  <p:stCondLst>
+                                    <p:cond delay="0"/>
+                                  </p:stCondLst>
+                                  <p:childTnLst>
+                                    <p:set>
+                                      <p:cBhvr>
+                                        <p:cTn id="6" dur="1" fill="hold">
+                                          <p:stCondLst>
+                                            <p:cond delay="0"/>
+                                          </p:stCondLst>
+                                        </p:cTn>
+                                        <p:tgtEl>
+                                          <p:spTgt spid="3">
+                                            <p:txEl>
+                                              <p:pRg st="0" end="0"/>
+                                            </p:txEl>
+                                          </p:spTgt>
+                                        </p:tgtEl>
+                                        <p:attrNameLst>
+                                          <p:attrName>style.visibility</p:attrName>
+                                        </p:attrNameLst>
+                                      </p:cBhvr>
+                                      <p:to>
+                                        <p:strVal val="visible"/>
+                                      </p:to>
+                                    </p:set>
+                                    <p:animEffect transition="in" filter="fade">
+                                      <p:cBhvr>
+                                        <p:cTn id="7" dur="250"/>
+                                        <p:tgtEl>
+                                          <p:spTgt spid="3">
+                                            <p:txEl>
+                                              <p:pRg st="0" end="0"/>
+                                            </p:txEl>
+                                          </p:spTgt>
+                                        </p:tgtEl>
+                                      </p:cBhvr>
+                                    </p:animEffect>
+                                    <p:anim calcmode="lin" valueType="num">
+                                      <p:cBhvr>
+                                        <p:cTn id="8" dur="250" fill="hold"/>
+                                        <p:tgtEl>
+                                          <p:spTgt spid="3">
+                                            <p:txEl>
+                                              <p:pRg st="0" end="0"/>
+                                            </p:txEl>
+                                          </p:spTgt>
+                                        </p:tgtEl>
+                                        <p:attrNameLst>
+                                          <p:attrName>ppt_x</p:attrName>
+                                        </p:attrNameLst>
+                                      </p:cBhvr>
+                                      <p:tavLst>
+                                        <p:tav tm="0">
+                                          <p:val>
+                                            <p:strVal val="#ppt_x"/>
+                                          </p:val>
+                                        </p:tav>
+                                        <p:tav tm="100000">
+                                          <p:val>
+                                            <p:strVal val="#ppt_x"/>
+                                          </p:val>
+                                        </p:tav>
+                                      </p:tavLst>
+                                    </p:anim>
+                                    <p:anim calcmode="lin" valueType="num">
+                                      <p:cBhvr>
+                                        <p:cTn id="9" dur="250" fill="hold"/>
+                                        <p:tgtEl>
+                                          <p:spTgt spid="3">
+                                            <p:txEl>
+                                              <p:pRg st="0" end="0"/>
+                                            </p:txEl>
+                                          </p:spTgt>
+                                        </p:tgtEl>
+                                        <p:attrNameLst>
+                                          <p:attrName>ppt_y</p:attrName>
+                                        </p:attrNameLst>
+                                      </p:cBhvr>
+                                      <p:tavLst>
+                                        <p:tav tm="0">
+                                          <p:val>
+                                            <p:strVal val="#ppt_y+.1"/>
+                                          </p:val>
+                                        </p:tav>
+                                        <p:tav tm="100000">
+                                          <p:val>
+                                            <p:strVal val="#ppt_y"/>
+                                          </p:val>
+                                        </p:tav>
+                                      </p:tavLst>
+                                    </p:anim>
+                                  </p:childTnLst>
+                                </p:cTn>
+                              </p:par>
+                            </p:childTnLst>
+                          </p:cTn>
+                        </p:par>
+                      </p:childTnLst>
+                    </p:cTn>
+                  </p:par>
+                  <p:par>
+                    <p:cTn id="10" fill="hold">
+                      <p:stCondLst>
+                        <p:cond delay="indefinite"/>
+                      </p:stCondLst>
+                      <p:childTnLst>
+                        <p:par>
+                          <p:cTn id="11" fill="hold">
+                            <p:stCondLst>
+                              <p:cond delay="0"/>
+                            </p:stCondLst>
+                            <p:childTnLst>
+                              <p:par>
+                                <p:cTn id="12" presetID="42" presetClass="entr" presetSubtype="0" fill="hold" grpId="0" nodeType="clickEffect">
+                                  <p:stCondLst>
+                                    <p:cond delay="0"/>
+                                  </p:stCondLst>
+                                  <p:childTnLst>
+                                    <p:set>
+                                      <p:cBhvr>
+                                        <p:cTn id="13" dur="1" fill="hold">
+                                          <p:stCondLst>
+                                            <p:cond delay="0"/>
+                                          </p:stCondLst>
+                                        </p:cTn>
+                                        <p:tgtEl>
+                                          <p:spTgt spid="3">
+                                            <p:txEl>
+                                              <p:pRg st="1" end="1"/>
+                                            </p:txEl>
+                                          </p:spTgt>
+                                        </p:tgtEl>
+                                        <p:attrNameLst>
+                                          <p:attrName>style.visibility</p:attrName>
+                                        </p:attrNameLst>
+                                      </p:cBhvr>
+                                      <p:to>
+                                        <p:strVal val="visible"/>
+                                      </p:to>
+                                    </p:set>
+                                    <p:animEffect transition="in" filter="fade">
+                                      <p:cBhvr>
+                                        <p:cTn id="14" dur="250"/>
+                                        <p:tgtEl>
+                                          <p:spTgt spid="3">
+                                            <p:txEl>
+                                              <p:pRg st="1" end="1"/>
+                                            </p:txEl>
+                                          </p:spTgt>
+                                        </p:tgtEl>
+                                      </p:cBhvr>
+                                    </p:animEffect>
+                                    <p:anim calcmode="lin" valueType="num">
+                                      <p:cBhvr>
+                                        <p:cTn id="15" dur="250" fill="hold"/>
+                                        <p:tgtEl>
+                                          <p:spTgt spid="3">
+                                            <p:txEl>
+                                              <p:pRg st="1" end="1"/>
+                                            </p:txEl>
+                                          </p:spTgt>
+                                        </p:tgtEl>
+                                        <p:attrNameLst>
+                                          <p:attrName>ppt_x</p:attrName>
+                                        </p:attrNameLst>
+                                      </p:cBhvr>
+                                      <p:tavLst>
+                                        <p:tav tm="0">
+                                          <p:val>
+                                            <p:strVal val="#ppt_x"/>
+                                          </p:val>
+                                        </p:tav>
+                                        <p:tav tm="100000">
+                                          <p:val>
+                                            <p:strVal val="#ppt_x"/>
+                                          </p:val>
+                                        </p:tav>
+                                      </p:tavLst>
+                                    </p:anim>
+                                    <p:anim calcmode="lin" valueType="num">
+                                      <p:cBhvr>
+                                        <p:cTn id="16" dur="250" fill="hold"/>
+                                        <p:tgtEl>
+                                          <p:spTgt spid="3">
+                                            <p:txEl>
+                                              <p:pRg st="1" end="1"/>
+                                            </p:txEl>
+                                          </p:spTgt>
+                                        </p:tgtEl>
+                                        <p:attrNameLst>
+                                          <p:attrName>ppt_y</p:attrName>
+                                        </p:attrNameLst>
+                                      </p:cBhvr>
+                                      <p:tavLst>
+                                        <p:tav tm="0">
+                                          <p:val>
+                                            <p:strVal val="#ppt_y+.1"/>
+                                          </p:val>
+                                        </p:tav>
+                                        <p:tav tm="100000">
+                                          <p:val>
+                                            <p:strVal val="#ppt_y"/>
+                                          </p:val>
+                                        </p:tav>
+                                      </p:tavLst>
+                                    </p:anim>
+                                  </p:childTnLst>
+                                </p:cTn>
+                              </p:par>
+                            </p:childTnLst>
+                          </p:cTn>
+                        </p:par>
+                      </p:childTnLst>
+                    </p:cTn>
+                  </p:par>
+                  <p:par>
+                    <p:cTn id="17" fill="hold">
+                      <p:stCondLst>
+                        <p:cond delay="indefinite"/>
+                      </p:stCondLst>
+                      <p:childTnLst>
+                        <p:par>
+                          <p:cTn id="18" fill="hold">
+                            <p:stCondLst>
+                              <p:cond delay="0"/>
+                            </p:stCondLst>
+                            <p:childTnLst>
+                              <p:par>
+                                <p:cTn id="19" presetID="42" presetClass="entr" presetSubtype="0" fill="hold" grpId="0" nodeType="clickEffect">
+                                  <p:stCondLst>
+                                    <p:cond delay="0"/>
+                                  </p:stCondLst>
+                                  <p:childTnLst>
+                                    <p:set>
+                                      <p:cBhvr>
+                                        <p:cTn id="20" dur="1" fill="hold">
+                                          <p:stCondLst>
+                                            <p:cond delay="0"/>
+                                          </p:stCondLst>
+                                        </p:cTn>
+                                        <p:tgtEl>
+                                          <p:spTgt spid="3">
+                                            <p:txEl>
+                                              <p:pRg st="2" end="2"/>
+                                            </p:txEl>
+                                          </p:spTgt>
+                                        </p:tgtEl>
+                                        <p:attrNameLst>
+                                          <p:attrName>style.visibility</p:attrName>
+                                        </p:attrNameLst>
+                                      </p:cBhvr>
+                                      <p:to>
+                                        <p:strVal val="visible"/>
+                                      </p:to>
+                                    </p:set>
+                                    <p:animEffect transition="in" filter="fade">
+                                      <p:cBhvr>
+                                        <p:cTn id="21" dur="250"/>
+                                        <p:tgtEl>
+                                          <p:spTgt spid="3">
+                                            <p:txEl>
+                                              <p:pRg st="2" end="2"/>
+                                            </p:txEl>
+                                          </p:spTgt>
+                                        </p:tgtEl>
+                                      </p:cBhvr>
+                                    </p:animEffect>
+                                    <p:anim calcmode="lin" valueType="num">
+                                      <p:cBhvr>
+                                        <p:cTn id="22" dur="250" fill="hold"/>
+                                        <p:tgtEl>
+                                          <p:spTgt spid="3">
+                                            <p:txEl>
+                                              <p:pRg st="2" end="2"/>
+                                            </p:txEl>
+                                          </p:spTgt>
+                                        </p:tgtEl>
+                                        <p:attrNameLst>
+                                          <p:attrName>ppt_x</p:attrName>
+                                        </p:attrNameLst>
+                                      </p:cBhvr>
+                                      <p:tavLst>
+                                        <p:tav tm="0">
+                                          <p:val>
+                                            <p:strVal val="#ppt_x"/>
+                                          </p:val>
+                                        </p:tav>
+                                        <p:tav tm="100000">
+                                          <p:val>
+                                            <p:strVal val="#ppt_x"/>
+                                          </p:val>
+                                        </p:tav>
+                                      </p:tavLst>
+                                    </p:anim>
+                                    <p:anim calcmode="lin" valueType="num">
+                                      <p:cBhvr>
+                                        <p:cTn id="23" dur="250" fill="hold"/>
+                                        <p:tgtEl>
+                                          <p:spTgt spid="3">
+                                            <p:txEl>
+                                              <p:pRg st="2" end="2"/>
+                                            </p:txEl>
+                                          </p:spTgt>
+                                        </p:tgtEl>
+                                        <p:attrNameLst>
+                                          <p:attrName>ppt_y</p:attrName>
+                                        </p:attrNameLst>
+                                      </p:cBhvr>
+                                      <p:tavLst>
+                                        <p:tav tm="0">
+                                          <p:val>
+                                            <p:strVal val="#ppt_y+.1"/>
+                                          </p:val>
+                                        </p:tav>
+                                        <p:tav tm="100000">
+                                          <p:val>
+                                            <p:strVal val="#ppt_y"/>
+                                          </p:val>
+                                        </p:tav>
+                                      </p:tavLst>
+                                    </p:anim>
+                                  </p:childTnLst>
+                                </p:cTn>
+                              </p:par>
+                            </p:childTnLst>
+                          </p:cTn>
+                        </p:par>
+                      </p:childTnLst>
+                    </p:cTn>
+                  </p:par>
+                  <p:par>
+                    <p:cTn id="24" fill="hold">
+                      <p:stCondLst>
+                        <p:cond delay="indefinite"/>
+                      </p:stCondLst>
+                      <p:childTnLst>
+                        <p:par>
+                          <p:cTn id="25" fill="hold">
+                            <p:stCondLst>
+                              <p:cond delay="0"/>
+                            </p:stCondLst>
+                            <p:childTnLst>
+                              <p:par>
+                                <p:cTn id="26" presetID="42" presetClass="entr" presetSubtype="0" fill="hold" grpId="0" nodeType="clickEffect">
+                                  <p:stCondLst>
+                                    <p:cond delay="0"/>
+                                  </p:stCondLst>
+                                  <p:childTnLst>
+                                    <p:set>
+                                      <p:cBhvr>
+                                        <p:cTn id="27" dur="1" fill="hold">
+                                          <p:stCondLst>
+                                            <p:cond delay="0"/>
+                                          </p:stCondLst>
+                                        </p:cTn>
+                                        <p:tgtEl>
+                                          <p:spTgt spid="3">
+                                            <p:txEl>
+                                              <p:pRg st="3" end="3"/>
+                                            </p:txEl>
+                                          </p:spTgt>
+                                        </p:tgtEl>
+                                        <p:attrNameLst>
+                                          <p:attrName>style.visibility</p:attrName>
+                                        </p:attrNameLst>
+                                      </p:cBhvr>
+                                      <p:to>
+                                        <p:strVal val="visible"/>
+                                      </p:to>
+                                    </p:set>
+                                    <p:animEffect transition="in" filter="fade">
+                                      <p:cBhvr>
+                                        <p:cTn id="28" dur="250"/>
+                                        <p:tgtEl>
+                                          <p:spTgt spid="3">
+                                            <p:txEl>
+                                              <p:pRg st="3" end="3"/>
+                                            </p:txEl>
+                                          </p:spTgt>
+                                        </p:tgtEl>
+                                      </p:cBhvr>
+                                    </p:animEffect>
+                                    <p:anim calcmode="lin" valueType="num">
+                                      <p:cBhvr>
+                                        <p:cTn id="29" dur="250" fill="hold"/>
+                                        <p:tgtEl>
+                                          <p:spTgt spid="3">
+                                            <p:txEl>
+                                              <p:pRg st="3" end="3"/>
+                                            </p:txEl>
+                                          </p:spTgt>
+                                        </p:tgtEl>
+                                        <p:attrNameLst>
+                                          <p:attrName>ppt_x</p:attrName>
+                                        </p:attrNameLst>
+                                      </p:cBhvr>
+                                      <p:tavLst>
+                                        <p:tav tm="0">
+                                          <p:val>
+                                            <p:strVal val="#ppt_x"/>
+                                          </p:val>
+                                        </p:tav>
+                                        <p:tav tm="100000">
+                                          <p:val>
+                                            <p:strVal val="#ppt_x"/>
+                                          </p:val>
+                                        </p:tav>
+                                      </p:tavLst>
+                                    </p:anim>
+                                    <p:anim calcmode="lin" valueType="num">
+                                      <p:cBhvr>
+                                        <p:cTn id="30" dur="250" fill="hold"/>
+                                        <p:tgtEl>
+                                          <p:spTgt spid="3">
+                                            <p:txEl>
+                                              <p:pRg st="3" end="3"/>
+                                            </p:txEl>
+                                          </p:spTgt>
+                                        </p:tgtEl>
+                                        <p:attrNameLst>
+                                          <p:attrName>ppt_y</p:attrName>
+                                        </p:attrNameLst>
+                                      </p:cBhvr>
+                                      <p:tavLst>
+                                        <p:tav tm="0">
+                                          <p:val>
+                                            <p:strVal val="#ppt_y+.1"/>
+                                          </p:val>
+                                        </p:tav>
+                                        <p:tav tm="100000">
+                                          <p:val>
+                                            <p:strVal val="#ppt_y"/>
+                                          </p:val>
+                                        </p:tav>
+                                      </p:tavLst>
+                                    </p:anim>
+                                  </p:childTnLst>
+                                </p:cTn>
+                              </p:par>
+                            </p:childTnLst>
+                          </p:cTn>
+                        </p:par>
+                      </p:childTnLst>
+                    </p:cTn>
+                  </p:par>
+                  <p:par>
+                    <p:cTn id="31" fill="hold">
+                      <p:stCondLst>
+                        <p:cond delay="indefinite"/>
+                      </p:stCondLst>
+                      <p:childTnLst>
+                        <p:par>
+                          <p:cTn id="32" fill="hold">
+                            <p:stCondLst>
+                              <p:cond delay="0"/>
+                            </p:stCondLst>
+                            <p:childTnLst>
+                              <p:par>
+                                <p:cTn id="33" presetID="42" presetClass="entr" presetSubtype="0" fill="hold" grpId="0" nodeType="clickEffect">
+                                  <p:stCondLst>
+                                    <p:cond delay="0"/>
+                                  </p:stCondLst>
+                                  <p:childTnLst>
+                                    <p:set>
+                                      <p:cBhvr>
+                                        <p:cTn id="34" dur="1" fill="hold">
+                                          <p:stCondLst>
+                                            <p:cond delay="0"/>
+                                          </p:stCondLst>
+                                        </p:cTn>
+                                        <p:tgtEl>
+                                          <p:spTgt spid="3">
+                                            <p:txEl>
+                                              <p:pRg st="4" end="4"/>
+                                            </p:txEl>
+                                          </p:spTgt>
+                                        </p:tgtEl>
+                                        <p:attrNameLst>
+                                          <p:attrName>style.visibility</p:attrName>
+                                        </p:attrNameLst>
+                                      </p:cBhvr>
+                                      <p:to>
+                                        <p:strVal val="visible"/>
+                                      </p:to>
+                                    </p:set>
+                                    <p:animEffect transition="in" filter="fade">
+                                      <p:cBhvr>
+                                        <p:cTn id="35" dur="250"/>
+                                        <p:tgtEl>
+                                          <p:spTgt spid="3">
+                                            <p:txEl>
+                                              <p:pRg st="4" end="4"/>
+                                            </p:txEl>
+                                          </p:spTgt>
+                                        </p:tgtEl>
+                                      </p:cBhvr>
+                                    </p:animEffect>
+                                    <p:anim calcmode="lin" valueType="num">
+                                      <p:cBhvr>
+                                        <p:cTn id="36" dur="250" fill="hold"/>
+                                        <p:tgtEl>
+                                          <p:spTgt spid="3">
+                                            <p:txEl>
+                                              <p:pRg st="4" end="4"/>
+                                            </p:txEl>
+                                          </p:spTgt>
+                                        </p:tgtEl>
+                                        <p:attrNameLst>
+                                          <p:attrName>ppt_x</p:attrName>
+                                        </p:attrNameLst>
+                                      </p:cBhvr>
+                                      <p:tavLst>
+                                        <p:tav tm="0">
+                                          <p:val>
+                                            <p:strVal val="#ppt_x"/>
+                                          </p:val>
+                                        </p:tav>
+                                        <p:tav tm="100000">
+                                          <p:val>
+                                            <p:strVal val="#ppt_x"/>
+                                          </p:val>
+                                        </p:tav>
+                                      </p:tavLst>
+                                    </p:anim>
+                                    <p:anim calcmode="lin" valueType="num">
+                                      <p:cBhvr>
+                                        <p:cTn id="37" dur="250" fill="hold"/>
+                                        <p:tgtEl>
+                                          <p:spTgt spid="3">
+                                            <p:txEl>
+                                              <p:pRg st="4" end="4"/>
+                                            </p:txEl>
+                                          </p:spTgt>
+                                        </p:tgtEl>
+                                        <p:attrNameLst>
+                                          <p:attrName>ppt_y</p:attrName>
+                                        </p:attrNameLst>
+                                      </p:cBhvr>
+                                      <p:tavLst>
+                                        <p:tav tm="0">
+                                          <p:val>
+                                            <p:strVal val="#ppt_y+.1"/>
+                                          </p:val>
+                                        </p:tav>
+                                        <p:tav tm="100000">
+                                          <p:val>
+                                            <p:strVal val="#ppt_y"/>
+                                          </p:val>
+                                        </p:tav>
+                                      </p:tavLst>
+                                    </p:anim>
+                                  </p:childTnLst>
+                                </p:cTn>
+                              </p:par>
+                            </p:childTnLst>
+                          </p:cTn>
+                        </p:par>
+                      </p:childTnLst>
+                    </p:cTn>
+                  </p:par>
+                  <p:par>
+                    <p:cTn id="38" fill="hold">
+                      <p:stCondLst>
+                        <p:cond delay="indefinite"/>
+                      </p:stCondLst>
+                      <p:childTnLst>
+                        <p:par>
+                          <p:cTn id="39" fill="hold">
+                            <p:stCondLst>
+                              <p:cond delay="0"/>
+                            </p:stCondLst>
+                            <p:childTnLst>
+                              <p:par>
+                                <p:cTn id="40" presetID="42" presetClass="entr" presetSubtype="0" fill="hold" grpId="0" nodeType="clickEffect">
+                                  <p:stCondLst>
+                                    <p:cond delay="0"/>
+                                  </p:stCondLst>
+                                  <p:childTnLst>
+                                    <p:set>
+                                      <p:cBhvr>
+                                        <p:cTn id="41" dur="1" fill="hold">
+                                          <p:stCondLst>
+                                            <p:cond delay="0"/>
+                                          </p:stCondLst>
+                                        </p:cTn>
+                                        <p:tgtEl>
+                                          <p:spTgt spid="3">
+                                            <p:txEl>
+                                              <p:pRg st="5" end="5"/>
+                                            </p:txEl>
+                                          </p:spTgt>
+                                        </p:tgtEl>
+                                        <p:attrNameLst>
+                                          <p:attrName>style.visibility</p:attrName>
+                                        </p:attrNameLst>
+                                      </p:cBhvr>
+                                      <p:to>
+                                        <p:strVal val="visible"/>
+                                      </p:to>
+                                    </p:set>
+                                    <p:animEffect transition="in" filter="fade">
+                                      <p:cBhvr>
+                                        <p:cTn id="42" dur="250"/>
+                                        <p:tgtEl>
+                                          <p:spTgt spid="3">
+                                            <p:txEl>
+                                              <p:pRg st="5" end="5"/>
+                                            </p:txEl>
+                                          </p:spTgt>
+                                        </p:tgtEl>
+                                      </p:cBhvr>
+                                    </p:animEffect>
+                                    <p:anim calcmode="lin" valueType="num">
+                                      <p:cBhvr>
+                                        <p:cTn id="43" dur="250" fill="hold"/>
+                                        <p:tgtEl>
+                                          <p:spTgt spid="3">
+                                            <p:txEl>
+                                              <p:pRg st="5" end="5"/>
+                                            </p:txEl>
+                                          </p:spTgt>
+                                        </p:tgtEl>
+                                        <p:attrNameLst>
+                                          <p:attrName>ppt_x</p:attrName>
+                                        </p:attrNameLst>
+                                      </p:cBhvr>
+                                      <p:tavLst>
+                                        <p:tav tm="0">
+                                          <p:val>
+                                            <p:strVal val="#ppt_x"/>
+                                          </p:val>
+                                        </p:tav>
+                                        <p:tav tm="100000">
+                                          <p:val>
+                                            <p:strVal val="#ppt_x"/>
+                                          </p:val>
+                                        </p:tav>
+                                      </p:tavLst>
+                                    </p:anim>
+                                    <p:anim calcmode="lin" valueType="num">
+                                      <p:cBhvr>
+                                        <p:cTn id="44" dur="250" fill="hold"/>
+                                        <p:tgtEl>
+                                          <p:spTgt spid="3">
+                                            <p:txEl>
+                                              <p:pRg st="5" end="5"/>
+                                            </p:txEl>
+                                          </p:spTgt>
+                                        </p:tgtEl>
+                                        <p:attrNameLst>
+                                          <p:attrName>ppt_y</p:attrName>
+                                        </p:attrNameLst>
+                                      </p:cBhvr>
+                                      <p:tavLst>
+                                        <p:tav tm="0">
+                                          <p:val>
+                                            <p:strVal val="#ppt_y+.1"/>
+                                          </p:val>
+                                        </p:tav>
+                                        <p:tav tm="100000">
+                                          <p:val>
+                                            <p:strVal val="#ppt_y"/>
+                                          </p:val>
+                                        </p:tav>
+                                      </p:tavLst>
+                                    </p:anim>
+                                  </p:childTnLst>
+                                </p:cTn>
+                              </p:par>
+                            </p:childTnLst>
+                          </p:cTn>
+                        </p:par>
+                        <p:par>
+                          <p:cTn id="45" fill="hold">
+                            <p:stCondLst>
+                              <p:cond delay="250"/>
+                            </p:stCondLst>
+                            <p:childTnLst>
+                              <p:par>
+                                <p:cTn id="46" presetID="2" presetClass="entr" presetSubtype="2" fill="hold" nodeType="afterEffect">
+                                  <p:stCondLst>
+                                    <p:cond delay="0"/>
+                                  </p:stCondLst>
+                                  <p:childTnLst>
+                                    <p:set>
+                                      <p:cBhvr>
+                                        <p:cTn id="47" dur="1" fill="hold">
+                                          <p:stCondLst>
+                                            <p:cond delay="0"/>
+                                          </p:stCondLst>
+                                        </p:cTn>
+                                        <p:tgtEl>
+                                          <p:spTgt spid="9"/>
+                                        </p:tgtEl>
+                                        <p:attrNameLst>
+                                          <p:attrName>style.visibility</p:attrName>
+                                        </p:attrNameLst>
+                                      </p:cBhvr>
+                                      <p:to>
+                                        <p:strVal val="visible"/>
+                                      </p:to>
+                                    </p:set>
+                                    <p:anim calcmode="lin" valueType="num">
+                                      <p:cBhvr additive="base">
+                                        <p:cTn id="48" dur="500" fill="hold"/>
+                                        <p:tgtEl>
+                                          <p:spTgt spid="9"/>
+                                        </p:tgtEl>
+                                        <p:attrNameLst>
+                                          <p:attrName>ppt_x</p:attrName>
+                                        </p:attrNameLst>
+                                      </p:cBhvr>
+                                      <p:tavLst>
+                                        <p:tav tm="0">
+                                          <p:val>
+                                            <p:strVal val="1+#ppt_w/2"/>
+                                          </p:val>
+                                        </p:tav>
+                                        <p:tav tm="100000">
+                                          <p:val>
+                                            <p:strVal val="#ppt_x"/>
+                                          </p:val>
+                                        </p:tav>
+                                      </p:tavLst>
+                                    </p:anim>
+                                    <p:anim calcmode="lin" valueType="num">
+                                      <p:cBhvr additive="base">
+                                        <p:cTn id="49" dur="500" fill="hold"/>
+                                        <p:tgtEl>
+                                          <p:spTgt spid="9"/>
+                                        </p:tgtEl>
+                                        <p:attrNameLst>
+                                          <p:attrName>ppt_y</p:attrName>
+                                        </p:attrNameLst>
+                                      </p:cBhvr>
+                                      <p:tavLst>
+                                        <p:tav tm="0">
+                                          <p:val>
+                                            <p:strVal val="#ppt_y"/>
+                                          </p:val>
+                                        </p:tav>
+                                        <p:tav tm="100000">
+                                          <p:val>
+                                            <p:strVal val="#ppt_y"/>
+                                          </p:val>
+                                        </p:tav>
+                                      </p:tavLst>
+                                    </p:anim>
+                                  </p:childTnLst>
+                                </p:cTn>
+                              </p:par>
+                            </p:childTnLst>
+                          </p:cTn>
+                        </p:par>
+                      </p:childTnLst>
+                    </p:cTn>
+                  </p:par>
+                </p:childTnLst>
+              </p:cTn>
+              <p:prevCondLst>
+                <p:cond evt="onPrev" delay="0">
+                  <p:tgtEl>
+                    <p:sldTgt/>
+                  </p:tgtEl>
+                </p:cond>
+              </p:prevCondLst>
+              <p:nextCondLst>
+                <p:cond evt="onNext" delay="0">
+                  <p:tgtEl>
+                    <p:sldTgt/>
+                  </p:tgtEl>
+                </p:cond>
+              </p:nextCondLst>
+            </p:seq>
+          </p:childTnLst>
+        </p:cTn>
+      </p:par>
+    </p:tnLst>
+    <p:bldLst>
+      <p:bldP spid="3" grpId="0" build="p"/>
+    </p:bldLst>
+  </p:timing>
 </p:sld>
 </file>
 
@@ -7381,7 +8196,7 @@
           <p:cNvPr id="2" name="Title 1">
             <a:extLst>
               <a:ext uri="{FF2B5EF4-FFF2-40B4-BE49-F238E27FC236}">
-                <a16:creationId xmlns:a16="http://schemas.microsoft.com/office/drawing/2014/main" xmlns="" id="{A099A1FB-912E-4F48-B788-D0FB9686CCD9}"/>
+                <a16:creationId xmlns="" xmlns:a16="http://schemas.microsoft.com/office/drawing/2014/main" id="{A099A1FB-912E-4F48-B788-D0FB9686CCD9}"/>
               </a:ext>
             </a:extLst>
           </p:cNvPr>
@@ -7423,7 +8238,7 @@
           <p:cNvPr id="4" name="Picture 3">
             <a:extLst>
               <a:ext uri="{FF2B5EF4-FFF2-40B4-BE49-F238E27FC236}">
-                <a16:creationId xmlns:a16="http://schemas.microsoft.com/office/drawing/2014/main" xmlns="" id="{E450221D-5284-4478-958B-9AB99F505C7B}"/>
+                <a16:creationId xmlns="" xmlns:a16="http://schemas.microsoft.com/office/drawing/2014/main" id="{E450221D-5284-4478-958B-9AB99F505C7B}"/>
               </a:ext>
             </a:extLst>
           </p:cNvPr>
@@ -7452,7 +8267,7 @@
           <p:cNvPr id="12" name="Content Placeholder 2">
             <a:extLst>
               <a:ext uri="{FF2B5EF4-FFF2-40B4-BE49-F238E27FC236}">
-                <a16:creationId xmlns:a16="http://schemas.microsoft.com/office/drawing/2014/main" xmlns="" id="{ACD89AA8-2025-4A49-AD74-E08E95BF262D}"/>
+                <a16:creationId xmlns="" xmlns:a16="http://schemas.microsoft.com/office/drawing/2014/main" id="{ACD89AA8-2025-4A49-AD74-E08E95BF262D}"/>
               </a:ext>
             </a:extLst>
           </p:cNvPr>
@@ -7633,7 +8448,6 @@
               <a:rPr lang="en-US" dirty="0" smtClean="0"/>
               <a:t>- o -</a:t>
             </a:r>
-            <a:endParaRPr lang="en-US" dirty="0" smtClean="0"/>
           </a:p>
           <a:p>
             <a:r>
@@ -7769,6 +8583,915 @@
   <p:clrMapOvr>
     <a:masterClrMapping/>
   </p:clrMapOvr>
+  <p:transition spd="med">
+    <p:pull/>
+  </p:transition>
+  <p:timing>
+    <p:tnLst>
+      <p:par>
+        <p:cTn id="1" dur="indefinite" restart="never" nodeType="tmRoot">
+          <p:childTnLst>
+            <p:seq concurrent="1" nextAc="seek">
+              <p:cTn id="2" dur="indefinite" nodeType="mainSeq">
+                <p:childTnLst>
+                  <p:par>
+                    <p:cTn id="3" fill="hold">
+                      <p:stCondLst>
+                        <p:cond delay="indefinite"/>
+                      </p:stCondLst>
+                      <p:childTnLst>
+                        <p:par>
+                          <p:cTn id="4" fill="hold">
+                            <p:stCondLst>
+                              <p:cond delay="0"/>
+                            </p:stCondLst>
+                            <p:childTnLst>
+                              <p:par>
+                                <p:cTn id="5" presetID="2" presetClass="entr" presetSubtype="4" fill="hold" grpId="0" nodeType="clickEffect">
+                                  <p:stCondLst>
+                                    <p:cond delay="0"/>
+                                  </p:stCondLst>
+                                  <p:childTnLst>
+                                    <p:set>
+                                      <p:cBhvr>
+                                        <p:cTn id="6" dur="1" fill="hold">
+                                          <p:stCondLst>
+                                            <p:cond delay="0"/>
+                                          </p:stCondLst>
+                                        </p:cTn>
+                                        <p:tgtEl>
+                                          <p:spTgt spid="12">
+                                            <p:txEl>
+                                              <p:pRg st="0" end="0"/>
+                                            </p:txEl>
+                                          </p:spTgt>
+                                        </p:tgtEl>
+                                        <p:attrNameLst>
+                                          <p:attrName>style.visibility</p:attrName>
+                                        </p:attrNameLst>
+                                      </p:cBhvr>
+                                      <p:to>
+                                        <p:strVal val="visible"/>
+                                      </p:to>
+                                    </p:set>
+                                    <p:anim calcmode="lin" valueType="num">
+                                      <p:cBhvr additive="base">
+                                        <p:cTn id="7" dur="500" fill="hold"/>
+                                        <p:tgtEl>
+                                          <p:spTgt spid="12">
+                                            <p:txEl>
+                                              <p:pRg st="0" end="0"/>
+                                            </p:txEl>
+                                          </p:spTgt>
+                                        </p:tgtEl>
+                                        <p:attrNameLst>
+                                          <p:attrName>ppt_x</p:attrName>
+                                        </p:attrNameLst>
+                                      </p:cBhvr>
+                                      <p:tavLst>
+                                        <p:tav tm="0">
+                                          <p:val>
+                                            <p:strVal val="#ppt_x"/>
+                                          </p:val>
+                                        </p:tav>
+                                        <p:tav tm="100000">
+                                          <p:val>
+                                            <p:strVal val="#ppt_x"/>
+                                          </p:val>
+                                        </p:tav>
+                                      </p:tavLst>
+                                    </p:anim>
+                                    <p:anim calcmode="lin" valueType="num">
+                                      <p:cBhvr additive="base">
+                                        <p:cTn id="8" dur="500" fill="hold"/>
+                                        <p:tgtEl>
+                                          <p:spTgt spid="12">
+                                            <p:txEl>
+                                              <p:pRg st="0" end="0"/>
+                                            </p:txEl>
+                                          </p:spTgt>
+                                        </p:tgtEl>
+                                        <p:attrNameLst>
+                                          <p:attrName>ppt_y</p:attrName>
+                                        </p:attrNameLst>
+                                      </p:cBhvr>
+                                      <p:tavLst>
+                                        <p:tav tm="0">
+                                          <p:val>
+                                            <p:strVal val="1+#ppt_h/2"/>
+                                          </p:val>
+                                        </p:tav>
+                                        <p:tav tm="100000">
+                                          <p:val>
+                                            <p:strVal val="#ppt_y"/>
+                                          </p:val>
+                                        </p:tav>
+                                      </p:tavLst>
+                                    </p:anim>
+                                  </p:childTnLst>
+                                </p:cTn>
+                              </p:par>
+                            </p:childTnLst>
+                          </p:cTn>
+                        </p:par>
+                      </p:childTnLst>
+                    </p:cTn>
+                  </p:par>
+                  <p:par>
+                    <p:cTn id="9" fill="hold">
+                      <p:stCondLst>
+                        <p:cond delay="indefinite"/>
+                      </p:stCondLst>
+                      <p:childTnLst>
+                        <p:par>
+                          <p:cTn id="10" fill="hold">
+                            <p:stCondLst>
+                              <p:cond delay="0"/>
+                            </p:stCondLst>
+                            <p:childTnLst>
+                              <p:par>
+                                <p:cTn id="11" presetID="2" presetClass="entr" presetSubtype="4" fill="hold" grpId="0" nodeType="clickEffect">
+                                  <p:stCondLst>
+                                    <p:cond delay="0"/>
+                                  </p:stCondLst>
+                                  <p:childTnLst>
+                                    <p:set>
+                                      <p:cBhvr>
+                                        <p:cTn id="12" dur="1" fill="hold">
+                                          <p:stCondLst>
+                                            <p:cond delay="0"/>
+                                          </p:stCondLst>
+                                        </p:cTn>
+                                        <p:tgtEl>
+                                          <p:spTgt spid="12">
+                                            <p:txEl>
+                                              <p:pRg st="1" end="1"/>
+                                            </p:txEl>
+                                          </p:spTgt>
+                                        </p:tgtEl>
+                                        <p:attrNameLst>
+                                          <p:attrName>style.visibility</p:attrName>
+                                        </p:attrNameLst>
+                                      </p:cBhvr>
+                                      <p:to>
+                                        <p:strVal val="visible"/>
+                                      </p:to>
+                                    </p:set>
+                                    <p:anim calcmode="lin" valueType="num">
+                                      <p:cBhvr additive="base">
+                                        <p:cTn id="13" dur="500" fill="hold"/>
+                                        <p:tgtEl>
+                                          <p:spTgt spid="12">
+                                            <p:txEl>
+                                              <p:pRg st="1" end="1"/>
+                                            </p:txEl>
+                                          </p:spTgt>
+                                        </p:tgtEl>
+                                        <p:attrNameLst>
+                                          <p:attrName>ppt_x</p:attrName>
+                                        </p:attrNameLst>
+                                      </p:cBhvr>
+                                      <p:tavLst>
+                                        <p:tav tm="0">
+                                          <p:val>
+                                            <p:strVal val="#ppt_x"/>
+                                          </p:val>
+                                        </p:tav>
+                                        <p:tav tm="100000">
+                                          <p:val>
+                                            <p:strVal val="#ppt_x"/>
+                                          </p:val>
+                                        </p:tav>
+                                      </p:tavLst>
+                                    </p:anim>
+                                    <p:anim calcmode="lin" valueType="num">
+                                      <p:cBhvr additive="base">
+                                        <p:cTn id="14" dur="500" fill="hold"/>
+                                        <p:tgtEl>
+                                          <p:spTgt spid="12">
+                                            <p:txEl>
+                                              <p:pRg st="1" end="1"/>
+                                            </p:txEl>
+                                          </p:spTgt>
+                                        </p:tgtEl>
+                                        <p:attrNameLst>
+                                          <p:attrName>ppt_y</p:attrName>
+                                        </p:attrNameLst>
+                                      </p:cBhvr>
+                                      <p:tavLst>
+                                        <p:tav tm="0">
+                                          <p:val>
+                                            <p:strVal val="1+#ppt_h/2"/>
+                                          </p:val>
+                                        </p:tav>
+                                        <p:tav tm="100000">
+                                          <p:val>
+                                            <p:strVal val="#ppt_y"/>
+                                          </p:val>
+                                        </p:tav>
+                                      </p:tavLst>
+                                    </p:anim>
+                                  </p:childTnLst>
+                                </p:cTn>
+                              </p:par>
+                              <p:par>
+                                <p:cTn id="15" presetID="2" presetClass="entr" presetSubtype="4" fill="hold" grpId="0" nodeType="withEffect">
+                                  <p:stCondLst>
+                                    <p:cond delay="0"/>
+                                  </p:stCondLst>
+                                  <p:childTnLst>
+                                    <p:set>
+                                      <p:cBhvr>
+                                        <p:cTn id="16" dur="1" fill="hold">
+                                          <p:stCondLst>
+                                            <p:cond delay="0"/>
+                                          </p:stCondLst>
+                                        </p:cTn>
+                                        <p:tgtEl>
+                                          <p:spTgt spid="12">
+                                            <p:txEl>
+                                              <p:pRg st="2" end="2"/>
+                                            </p:txEl>
+                                          </p:spTgt>
+                                        </p:tgtEl>
+                                        <p:attrNameLst>
+                                          <p:attrName>style.visibility</p:attrName>
+                                        </p:attrNameLst>
+                                      </p:cBhvr>
+                                      <p:to>
+                                        <p:strVal val="visible"/>
+                                      </p:to>
+                                    </p:set>
+                                    <p:anim calcmode="lin" valueType="num">
+                                      <p:cBhvr additive="base">
+                                        <p:cTn id="17" dur="500" fill="hold"/>
+                                        <p:tgtEl>
+                                          <p:spTgt spid="12">
+                                            <p:txEl>
+                                              <p:pRg st="2" end="2"/>
+                                            </p:txEl>
+                                          </p:spTgt>
+                                        </p:tgtEl>
+                                        <p:attrNameLst>
+                                          <p:attrName>ppt_x</p:attrName>
+                                        </p:attrNameLst>
+                                      </p:cBhvr>
+                                      <p:tavLst>
+                                        <p:tav tm="0">
+                                          <p:val>
+                                            <p:strVal val="#ppt_x"/>
+                                          </p:val>
+                                        </p:tav>
+                                        <p:tav tm="100000">
+                                          <p:val>
+                                            <p:strVal val="#ppt_x"/>
+                                          </p:val>
+                                        </p:tav>
+                                      </p:tavLst>
+                                    </p:anim>
+                                    <p:anim calcmode="lin" valueType="num">
+                                      <p:cBhvr additive="base">
+                                        <p:cTn id="18" dur="500" fill="hold"/>
+                                        <p:tgtEl>
+                                          <p:spTgt spid="12">
+                                            <p:txEl>
+                                              <p:pRg st="2" end="2"/>
+                                            </p:txEl>
+                                          </p:spTgt>
+                                        </p:tgtEl>
+                                        <p:attrNameLst>
+                                          <p:attrName>ppt_y</p:attrName>
+                                        </p:attrNameLst>
+                                      </p:cBhvr>
+                                      <p:tavLst>
+                                        <p:tav tm="0">
+                                          <p:val>
+                                            <p:strVal val="1+#ppt_h/2"/>
+                                          </p:val>
+                                        </p:tav>
+                                        <p:tav tm="100000">
+                                          <p:val>
+                                            <p:strVal val="#ppt_y"/>
+                                          </p:val>
+                                        </p:tav>
+                                      </p:tavLst>
+                                    </p:anim>
+                                  </p:childTnLst>
+                                </p:cTn>
+                              </p:par>
+                              <p:par>
+                                <p:cTn id="19" presetID="2" presetClass="entr" presetSubtype="4" fill="hold" grpId="0" nodeType="withEffect">
+                                  <p:stCondLst>
+                                    <p:cond delay="0"/>
+                                  </p:stCondLst>
+                                  <p:childTnLst>
+                                    <p:set>
+                                      <p:cBhvr>
+                                        <p:cTn id="20" dur="1" fill="hold">
+                                          <p:stCondLst>
+                                            <p:cond delay="0"/>
+                                          </p:stCondLst>
+                                        </p:cTn>
+                                        <p:tgtEl>
+                                          <p:spTgt spid="12">
+                                            <p:txEl>
+                                              <p:pRg st="3" end="3"/>
+                                            </p:txEl>
+                                          </p:spTgt>
+                                        </p:tgtEl>
+                                        <p:attrNameLst>
+                                          <p:attrName>style.visibility</p:attrName>
+                                        </p:attrNameLst>
+                                      </p:cBhvr>
+                                      <p:to>
+                                        <p:strVal val="visible"/>
+                                      </p:to>
+                                    </p:set>
+                                    <p:anim calcmode="lin" valueType="num">
+                                      <p:cBhvr additive="base">
+                                        <p:cTn id="21" dur="500" fill="hold"/>
+                                        <p:tgtEl>
+                                          <p:spTgt spid="12">
+                                            <p:txEl>
+                                              <p:pRg st="3" end="3"/>
+                                            </p:txEl>
+                                          </p:spTgt>
+                                        </p:tgtEl>
+                                        <p:attrNameLst>
+                                          <p:attrName>ppt_x</p:attrName>
+                                        </p:attrNameLst>
+                                      </p:cBhvr>
+                                      <p:tavLst>
+                                        <p:tav tm="0">
+                                          <p:val>
+                                            <p:strVal val="#ppt_x"/>
+                                          </p:val>
+                                        </p:tav>
+                                        <p:tav tm="100000">
+                                          <p:val>
+                                            <p:strVal val="#ppt_x"/>
+                                          </p:val>
+                                        </p:tav>
+                                      </p:tavLst>
+                                    </p:anim>
+                                    <p:anim calcmode="lin" valueType="num">
+                                      <p:cBhvr additive="base">
+                                        <p:cTn id="22" dur="500" fill="hold"/>
+                                        <p:tgtEl>
+                                          <p:spTgt spid="12">
+                                            <p:txEl>
+                                              <p:pRg st="3" end="3"/>
+                                            </p:txEl>
+                                          </p:spTgt>
+                                        </p:tgtEl>
+                                        <p:attrNameLst>
+                                          <p:attrName>ppt_y</p:attrName>
+                                        </p:attrNameLst>
+                                      </p:cBhvr>
+                                      <p:tavLst>
+                                        <p:tav tm="0">
+                                          <p:val>
+                                            <p:strVal val="1+#ppt_h/2"/>
+                                          </p:val>
+                                        </p:tav>
+                                        <p:tav tm="100000">
+                                          <p:val>
+                                            <p:strVal val="#ppt_y"/>
+                                          </p:val>
+                                        </p:tav>
+                                      </p:tavLst>
+                                    </p:anim>
+                                  </p:childTnLst>
+                                </p:cTn>
+                              </p:par>
+                              <p:par>
+                                <p:cTn id="23" presetID="2" presetClass="entr" presetSubtype="4" fill="hold" grpId="0" nodeType="withEffect">
+                                  <p:stCondLst>
+                                    <p:cond delay="0"/>
+                                  </p:stCondLst>
+                                  <p:childTnLst>
+                                    <p:set>
+                                      <p:cBhvr>
+                                        <p:cTn id="24" dur="1" fill="hold">
+                                          <p:stCondLst>
+                                            <p:cond delay="0"/>
+                                          </p:stCondLst>
+                                        </p:cTn>
+                                        <p:tgtEl>
+                                          <p:spTgt spid="12">
+                                            <p:txEl>
+                                              <p:pRg st="4" end="4"/>
+                                            </p:txEl>
+                                          </p:spTgt>
+                                        </p:tgtEl>
+                                        <p:attrNameLst>
+                                          <p:attrName>style.visibility</p:attrName>
+                                        </p:attrNameLst>
+                                      </p:cBhvr>
+                                      <p:to>
+                                        <p:strVal val="visible"/>
+                                      </p:to>
+                                    </p:set>
+                                    <p:anim calcmode="lin" valueType="num">
+                                      <p:cBhvr additive="base">
+                                        <p:cTn id="25" dur="500" fill="hold"/>
+                                        <p:tgtEl>
+                                          <p:spTgt spid="12">
+                                            <p:txEl>
+                                              <p:pRg st="4" end="4"/>
+                                            </p:txEl>
+                                          </p:spTgt>
+                                        </p:tgtEl>
+                                        <p:attrNameLst>
+                                          <p:attrName>ppt_x</p:attrName>
+                                        </p:attrNameLst>
+                                      </p:cBhvr>
+                                      <p:tavLst>
+                                        <p:tav tm="0">
+                                          <p:val>
+                                            <p:strVal val="#ppt_x"/>
+                                          </p:val>
+                                        </p:tav>
+                                        <p:tav tm="100000">
+                                          <p:val>
+                                            <p:strVal val="#ppt_x"/>
+                                          </p:val>
+                                        </p:tav>
+                                      </p:tavLst>
+                                    </p:anim>
+                                    <p:anim calcmode="lin" valueType="num">
+                                      <p:cBhvr additive="base">
+                                        <p:cTn id="26" dur="500" fill="hold"/>
+                                        <p:tgtEl>
+                                          <p:spTgt spid="12">
+                                            <p:txEl>
+                                              <p:pRg st="4" end="4"/>
+                                            </p:txEl>
+                                          </p:spTgt>
+                                        </p:tgtEl>
+                                        <p:attrNameLst>
+                                          <p:attrName>ppt_y</p:attrName>
+                                        </p:attrNameLst>
+                                      </p:cBhvr>
+                                      <p:tavLst>
+                                        <p:tav tm="0">
+                                          <p:val>
+                                            <p:strVal val="1+#ppt_h/2"/>
+                                          </p:val>
+                                        </p:tav>
+                                        <p:tav tm="100000">
+                                          <p:val>
+                                            <p:strVal val="#ppt_y"/>
+                                          </p:val>
+                                        </p:tav>
+                                      </p:tavLst>
+                                    </p:anim>
+                                  </p:childTnLst>
+                                </p:cTn>
+                              </p:par>
+                            </p:childTnLst>
+                          </p:cTn>
+                        </p:par>
+                      </p:childTnLst>
+                    </p:cTn>
+                  </p:par>
+                  <p:par>
+                    <p:cTn id="27" fill="hold">
+                      <p:stCondLst>
+                        <p:cond delay="indefinite"/>
+                      </p:stCondLst>
+                      <p:childTnLst>
+                        <p:par>
+                          <p:cTn id="28" fill="hold">
+                            <p:stCondLst>
+                              <p:cond delay="0"/>
+                            </p:stCondLst>
+                            <p:childTnLst>
+                              <p:par>
+                                <p:cTn id="29" presetID="2" presetClass="entr" presetSubtype="4" fill="hold" grpId="0" nodeType="clickEffect">
+                                  <p:stCondLst>
+                                    <p:cond delay="0"/>
+                                  </p:stCondLst>
+                                  <p:childTnLst>
+                                    <p:set>
+                                      <p:cBhvr>
+                                        <p:cTn id="30" dur="1" fill="hold">
+                                          <p:stCondLst>
+                                            <p:cond delay="0"/>
+                                          </p:stCondLst>
+                                        </p:cTn>
+                                        <p:tgtEl>
+                                          <p:spTgt spid="12">
+                                            <p:txEl>
+                                              <p:pRg st="5" end="5"/>
+                                            </p:txEl>
+                                          </p:spTgt>
+                                        </p:tgtEl>
+                                        <p:attrNameLst>
+                                          <p:attrName>style.visibility</p:attrName>
+                                        </p:attrNameLst>
+                                      </p:cBhvr>
+                                      <p:to>
+                                        <p:strVal val="visible"/>
+                                      </p:to>
+                                    </p:set>
+                                    <p:anim calcmode="lin" valueType="num">
+                                      <p:cBhvr additive="base">
+                                        <p:cTn id="31" dur="500" fill="hold"/>
+                                        <p:tgtEl>
+                                          <p:spTgt spid="12">
+                                            <p:txEl>
+                                              <p:pRg st="5" end="5"/>
+                                            </p:txEl>
+                                          </p:spTgt>
+                                        </p:tgtEl>
+                                        <p:attrNameLst>
+                                          <p:attrName>ppt_x</p:attrName>
+                                        </p:attrNameLst>
+                                      </p:cBhvr>
+                                      <p:tavLst>
+                                        <p:tav tm="0">
+                                          <p:val>
+                                            <p:strVal val="#ppt_x"/>
+                                          </p:val>
+                                        </p:tav>
+                                        <p:tav tm="100000">
+                                          <p:val>
+                                            <p:strVal val="#ppt_x"/>
+                                          </p:val>
+                                        </p:tav>
+                                      </p:tavLst>
+                                    </p:anim>
+                                    <p:anim calcmode="lin" valueType="num">
+                                      <p:cBhvr additive="base">
+                                        <p:cTn id="32" dur="500" fill="hold"/>
+                                        <p:tgtEl>
+                                          <p:spTgt spid="12">
+                                            <p:txEl>
+                                              <p:pRg st="5" end="5"/>
+                                            </p:txEl>
+                                          </p:spTgt>
+                                        </p:tgtEl>
+                                        <p:attrNameLst>
+                                          <p:attrName>ppt_y</p:attrName>
+                                        </p:attrNameLst>
+                                      </p:cBhvr>
+                                      <p:tavLst>
+                                        <p:tav tm="0">
+                                          <p:val>
+                                            <p:strVal val="1+#ppt_h/2"/>
+                                          </p:val>
+                                        </p:tav>
+                                        <p:tav tm="100000">
+                                          <p:val>
+                                            <p:strVal val="#ppt_y"/>
+                                          </p:val>
+                                        </p:tav>
+                                      </p:tavLst>
+                                    </p:anim>
+                                  </p:childTnLst>
+                                </p:cTn>
+                              </p:par>
+                            </p:childTnLst>
+                          </p:cTn>
+                        </p:par>
+                      </p:childTnLst>
+                    </p:cTn>
+                  </p:par>
+                  <p:par>
+                    <p:cTn id="33" fill="hold">
+                      <p:stCondLst>
+                        <p:cond delay="indefinite"/>
+                      </p:stCondLst>
+                      <p:childTnLst>
+                        <p:par>
+                          <p:cTn id="34" fill="hold">
+                            <p:stCondLst>
+                              <p:cond delay="0"/>
+                            </p:stCondLst>
+                            <p:childTnLst>
+                              <p:par>
+                                <p:cTn id="35" presetID="2" presetClass="entr" presetSubtype="4" fill="hold" grpId="0" nodeType="clickEffect">
+                                  <p:stCondLst>
+                                    <p:cond delay="0"/>
+                                  </p:stCondLst>
+                                  <p:childTnLst>
+                                    <p:set>
+                                      <p:cBhvr>
+                                        <p:cTn id="36" dur="1" fill="hold">
+                                          <p:stCondLst>
+                                            <p:cond delay="0"/>
+                                          </p:stCondLst>
+                                        </p:cTn>
+                                        <p:tgtEl>
+                                          <p:spTgt spid="12">
+                                            <p:txEl>
+                                              <p:pRg st="6" end="6"/>
+                                            </p:txEl>
+                                          </p:spTgt>
+                                        </p:tgtEl>
+                                        <p:attrNameLst>
+                                          <p:attrName>style.visibility</p:attrName>
+                                        </p:attrNameLst>
+                                      </p:cBhvr>
+                                      <p:to>
+                                        <p:strVal val="visible"/>
+                                      </p:to>
+                                    </p:set>
+                                    <p:anim calcmode="lin" valueType="num">
+                                      <p:cBhvr additive="base">
+                                        <p:cTn id="37" dur="500" fill="hold"/>
+                                        <p:tgtEl>
+                                          <p:spTgt spid="12">
+                                            <p:txEl>
+                                              <p:pRg st="6" end="6"/>
+                                            </p:txEl>
+                                          </p:spTgt>
+                                        </p:tgtEl>
+                                        <p:attrNameLst>
+                                          <p:attrName>ppt_x</p:attrName>
+                                        </p:attrNameLst>
+                                      </p:cBhvr>
+                                      <p:tavLst>
+                                        <p:tav tm="0">
+                                          <p:val>
+                                            <p:strVal val="#ppt_x"/>
+                                          </p:val>
+                                        </p:tav>
+                                        <p:tav tm="100000">
+                                          <p:val>
+                                            <p:strVal val="#ppt_x"/>
+                                          </p:val>
+                                        </p:tav>
+                                      </p:tavLst>
+                                    </p:anim>
+                                    <p:anim calcmode="lin" valueType="num">
+                                      <p:cBhvr additive="base">
+                                        <p:cTn id="38" dur="500" fill="hold"/>
+                                        <p:tgtEl>
+                                          <p:spTgt spid="12">
+                                            <p:txEl>
+                                              <p:pRg st="6" end="6"/>
+                                            </p:txEl>
+                                          </p:spTgt>
+                                        </p:tgtEl>
+                                        <p:attrNameLst>
+                                          <p:attrName>ppt_y</p:attrName>
+                                        </p:attrNameLst>
+                                      </p:cBhvr>
+                                      <p:tavLst>
+                                        <p:tav tm="0">
+                                          <p:val>
+                                            <p:strVal val="1+#ppt_h/2"/>
+                                          </p:val>
+                                        </p:tav>
+                                        <p:tav tm="100000">
+                                          <p:val>
+                                            <p:strVal val="#ppt_y"/>
+                                          </p:val>
+                                        </p:tav>
+                                      </p:tavLst>
+                                    </p:anim>
+                                  </p:childTnLst>
+                                </p:cTn>
+                              </p:par>
+                            </p:childTnLst>
+                          </p:cTn>
+                        </p:par>
+                      </p:childTnLst>
+                    </p:cTn>
+                  </p:par>
+                  <p:par>
+                    <p:cTn id="39" fill="hold">
+                      <p:stCondLst>
+                        <p:cond delay="indefinite"/>
+                      </p:stCondLst>
+                      <p:childTnLst>
+                        <p:par>
+                          <p:cTn id="40" fill="hold">
+                            <p:stCondLst>
+                              <p:cond delay="0"/>
+                            </p:stCondLst>
+                            <p:childTnLst>
+                              <p:par>
+                                <p:cTn id="41" presetID="2" presetClass="entr" presetSubtype="4" fill="hold" grpId="0" nodeType="clickEffect">
+                                  <p:stCondLst>
+                                    <p:cond delay="0"/>
+                                  </p:stCondLst>
+                                  <p:childTnLst>
+                                    <p:set>
+                                      <p:cBhvr>
+                                        <p:cTn id="42" dur="1" fill="hold">
+                                          <p:stCondLst>
+                                            <p:cond delay="0"/>
+                                          </p:stCondLst>
+                                        </p:cTn>
+                                        <p:tgtEl>
+                                          <p:spTgt spid="12">
+                                            <p:txEl>
+                                              <p:pRg st="7" end="7"/>
+                                            </p:txEl>
+                                          </p:spTgt>
+                                        </p:tgtEl>
+                                        <p:attrNameLst>
+                                          <p:attrName>style.visibility</p:attrName>
+                                        </p:attrNameLst>
+                                      </p:cBhvr>
+                                      <p:to>
+                                        <p:strVal val="visible"/>
+                                      </p:to>
+                                    </p:set>
+                                    <p:anim calcmode="lin" valueType="num">
+                                      <p:cBhvr additive="base">
+                                        <p:cTn id="43" dur="500" fill="hold"/>
+                                        <p:tgtEl>
+                                          <p:spTgt spid="12">
+                                            <p:txEl>
+                                              <p:pRg st="7" end="7"/>
+                                            </p:txEl>
+                                          </p:spTgt>
+                                        </p:tgtEl>
+                                        <p:attrNameLst>
+                                          <p:attrName>ppt_x</p:attrName>
+                                        </p:attrNameLst>
+                                      </p:cBhvr>
+                                      <p:tavLst>
+                                        <p:tav tm="0">
+                                          <p:val>
+                                            <p:strVal val="#ppt_x"/>
+                                          </p:val>
+                                        </p:tav>
+                                        <p:tav tm="100000">
+                                          <p:val>
+                                            <p:strVal val="#ppt_x"/>
+                                          </p:val>
+                                        </p:tav>
+                                      </p:tavLst>
+                                    </p:anim>
+                                    <p:anim calcmode="lin" valueType="num">
+                                      <p:cBhvr additive="base">
+                                        <p:cTn id="44" dur="500" fill="hold"/>
+                                        <p:tgtEl>
+                                          <p:spTgt spid="12">
+                                            <p:txEl>
+                                              <p:pRg st="7" end="7"/>
+                                            </p:txEl>
+                                          </p:spTgt>
+                                        </p:tgtEl>
+                                        <p:attrNameLst>
+                                          <p:attrName>ppt_y</p:attrName>
+                                        </p:attrNameLst>
+                                      </p:cBhvr>
+                                      <p:tavLst>
+                                        <p:tav tm="0">
+                                          <p:val>
+                                            <p:strVal val="1+#ppt_h/2"/>
+                                          </p:val>
+                                        </p:tav>
+                                        <p:tav tm="100000">
+                                          <p:val>
+                                            <p:strVal val="#ppt_y"/>
+                                          </p:val>
+                                        </p:tav>
+                                      </p:tavLst>
+                                    </p:anim>
+                                  </p:childTnLst>
+                                </p:cTn>
+                              </p:par>
+                            </p:childTnLst>
+                          </p:cTn>
+                        </p:par>
+                      </p:childTnLst>
+                    </p:cTn>
+                  </p:par>
+                  <p:par>
+                    <p:cTn id="45" fill="hold">
+                      <p:stCondLst>
+                        <p:cond delay="indefinite"/>
+                      </p:stCondLst>
+                      <p:childTnLst>
+                        <p:par>
+                          <p:cTn id="46" fill="hold">
+                            <p:stCondLst>
+                              <p:cond delay="0"/>
+                            </p:stCondLst>
+                            <p:childTnLst>
+                              <p:par>
+                                <p:cTn id="47" presetID="2" presetClass="entr" presetSubtype="4" fill="hold" grpId="0" nodeType="clickEffect">
+                                  <p:stCondLst>
+                                    <p:cond delay="0"/>
+                                  </p:stCondLst>
+                                  <p:childTnLst>
+                                    <p:set>
+                                      <p:cBhvr>
+                                        <p:cTn id="48" dur="1" fill="hold">
+                                          <p:stCondLst>
+                                            <p:cond delay="0"/>
+                                          </p:stCondLst>
+                                        </p:cTn>
+                                        <p:tgtEl>
+                                          <p:spTgt spid="12">
+                                            <p:txEl>
+                                              <p:pRg st="8" end="8"/>
+                                            </p:txEl>
+                                          </p:spTgt>
+                                        </p:tgtEl>
+                                        <p:attrNameLst>
+                                          <p:attrName>style.visibility</p:attrName>
+                                        </p:attrNameLst>
+                                      </p:cBhvr>
+                                      <p:to>
+                                        <p:strVal val="visible"/>
+                                      </p:to>
+                                    </p:set>
+                                    <p:anim calcmode="lin" valueType="num">
+                                      <p:cBhvr additive="base">
+                                        <p:cTn id="49" dur="500" fill="hold"/>
+                                        <p:tgtEl>
+                                          <p:spTgt spid="12">
+                                            <p:txEl>
+                                              <p:pRg st="8" end="8"/>
+                                            </p:txEl>
+                                          </p:spTgt>
+                                        </p:tgtEl>
+                                        <p:attrNameLst>
+                                          <p:attrName>ppt_x</p:attrName>
+                                        </p:attrNameLst>
+                                      </p:cBhvr>
+                                      <p:tavLst>
+                                        <p:tav tm="0">
+                                          <p:val>
+                                            <p:strVal val="#ppt_x"/>
+                                          </p:val>
+                                        </p:tav>
+                                        <p:tav tm="100000">
+                                          <p:val>
+                                            <p:strVal val="#ppt_x"/>
+                                          </p:val>
+                                        </p:tav>
+                                      </p:tavLst>
+                                    </p:anim>
+                                    <p:anim calcmode="lin" valueType="num">
+                                      <p:cBhvr additive="base">
+                                        <p:cTn id="50" dur="500" fill="hold"/>
+                                        <p:tgtEl>
+                                          <p:spTgt spid="12">
+                                            <p:txEl>
+                                              <p:pRg st="8" end="8"/>
+                                            </p:txEl>
+                                          </p:spTgt>
+                                        </p:tgtEl>
+                                        <p:attrNameLst>
+                                          <p:attrName>ppt_y</p:attrName>
+                                        </p:attrNameLst>
+                                      </p:cBhvr>
+                                      <p:tavLst>
+                                        <p:tav tm="0">
+                                          <p:val>
+                                            <p:strVal val="1+#ppt_h/2"/>
+                                          </p:val>
+                                        </p:tav>
+                                        <p:tav tm="100000">
+                                          <p:val>
+                                            <p:strVal val="#ppt_y"/>
+                                          </p:val>
+                                        </p:tav>
+                                      </p:tavLst>
+                                    </p:anim>
+                                  </p:childTnLst>
+                                </p:cTn>
+                              </p:par>
+                            </p:childTnLst>
+                          </p:cTn>
+                        </p:par>
+                      </p:childTnLst>
+                    </p:cTn>
+                  </p:par>
+                </p:childTnLst>
+              </p:cTn>
+              <p:prevCondLst>
+                <p:cond evt="onPrev" delay="0">
+                  <p:tgtEl>
+                    <p:sldTgt/>
+                  </p:tgtEl>
+                </p:cond>
+              </p:prevCondLst>
+              <p:nextCondLst>
+                <p:cond evt="onNext" delay="0">
+                  <p:tgtEl>
+                    <p:sldTgt/>
+                  </p:tgtEl>
+                </p:cond>
+              </p:nextCondLst>
+            </p:seq>
+          </p:childTnLst>
+        </p:cTn>
+      </p:par>
+    </p:tnLst>
+    <p:bldLst>
+      <p:bldP spid="12" grpId="0" build="p"/>
+    </p:bldLst>
+  </p:timing>
 </p:sld>
 </file>
 
@@ -7794,7 +9517,7 @@
           <p:cNvPr id="2" name="Title 1">
             <a:extLst>
               <a:ext uri="{FF2B5EF4-FFF2-40B4-BE49-F238E27FC236}">
-                <a16:creationId xmlns:a16="http://schemas.microsoft.com/office/drawing/2014/main" xmlns="" id="{A099A1FB-912E-4F48-B788-D0FB9686CCD9}"/>
+                <a16:creationId xmlns="" xmlns:a16="http://schemas.microsoft.com/office/drawing/2014/main" id="{A099A1FB-912E-4F48-B788-D0FB9686CCD9}"/>
               </a:ext>
             </a:extLst>
           </p:cNvPr>
@@ -7847,7 +9570,7 @@
           <p:cNvPr id="4" name="Picture 3">
             <a:extLst>
               <a:ext uri="{FF2B5EF4-FFF2-40B4-BE49-F238E27FC236}">
-                <a16:creationId xmlns:a16="http://schemas.microsoft.com/office/drawing/2014/main" xmlns="" id="{E450221D-5284-4478-958B-9AB99F505C7B}"/>
+                <a16:creationId xmlns="" xmlns:a16="http://schemas.microsoft.com/office/drawing/2014/main" id="{E450221D-5284-4478-958B-9AB99F505C7B}"/>
               </a:ext>
             </a:extLst>
           </p:cNvPr>
@@ -7876,7 +9599,7 @@
           <p:cNvPr id="10" name="Rectangle 9">
             <a:extLst>
               <a:ext uri="{FF2B5EF4-FFF2-40B4-BE49-F238E27FC236}">
-                <a16:creationId xmlns:a16="http://schemas.microsoft.com/office/drawing/2014/main" xmlns="" id="{F2FFA754-688E-48B6-BD7E-5F6FA49B316B}"/>
+                <a16:creationId xmlns="" xmlns:a16="http://schemas.microsoft.com/office/drawing/2014/main" id="{F2FFA754-688E-48B6-BD7E-5F6FA49B316B}"/>
               </a:ext>
             </a:extLst>
           </p:cNvPr>
@@ -8128,7 +9851,7 @@
           <p:cNvPr id="11" name="Rectangle 10">
             <a:extLst>
               <a:ext uri="{FF2B5EF4-FFF2-40B4-BE49-F238E27FC236}">
-                <a16:creationId xmlns:a16="http://schemas.microsoft.com/office/drawing/2014/main" xmlns="" id="{58913EBB-CC37-45FC-B1EA-8C53E87ED168}"/>
+                <a16:creationId xmlns="" xmlns:a16="http://schemas.microsoft.com/office/drawing/2014/main" id="{58913EBB-CC37-45FC-B1EA-8C53E87ED168}"/>
               </a:ext>
             </a:extLst>
           </p:cNvPr>
@@ -8178,7 +9901,7 @@
           <p:cNvPr id="12" name="Rectangle 11">
             <a:extLst>
               <a:ext uri="{FF2B5EF4-FFF2-40B4-BE49-F238E27FC236}">
-                <a16:creationId xmlns:a16="http://schemas.microsoft.com/office/drawing/2014/main" xmlns="" id="{E723CF2F-C2CA-4D9D-8814-C2A599B6F4C7}"/>
+                <a16:creationId xmlns="" xmlns:a16="http://schemas.microsoft.com/office/drawing/2014/main" id="{E723CF2F-C2CA-4D9D-8814-C2A599B6F4C7}"/>
               </a:ext>
             </a:extLst>
           </p:cNvPr>
@@ -8304,7 +10027,7 @@
           <p:cNvPr id="13" name="TextBox 12">
             <a:extLst>
               <a:ext uri="{FF2B5EF4-FFF2-40B4-BE49-F238E27FC236}">
-                <a16:creationId xmlns:a16="http://schemas.microsoft.com/office/drawing/2014/main" xmlns="" id="{B5068F37-DEE7-4619-B727-1FAF8460DA96}"/>
+                <a16:creationId xmlns="" xmlns:a16="http://schemas.microsoft.com/office/drawing/2014/main" id="{B5068F37-DEE7-4619-B727-1FAF8460DA96}"/>
               </a:ext>
             </a:extLst>
           </p:cNvPr>
@@ -8348,7 +10071,7 @@
           <p:cNvPr id="14" name="TextBox 13">
             <a:extLst>
               <a:ext uri="{FF2B5EF4-FFF2-40B4-BE49-F238E27FC236}">
-                <a16:creationId xmlns:a16="http://schemas.microsoft.com/office/drawing/2014/main" xmlns="" id="{C00E8B8B-340B-4C66-9946-0D8EABE32657}"/>
+                <a16:creationId xmlns="" xmlns:a16="http://schemas.microsoft.com/office/drawing/2014/main" id="{C00E8B8B-340B-4C66-9946-0D8EABE32657}"/>
               </a:ext>
             </a:extLst>
           </p:cNvPr>
@@ -8392,7 +10115,7 @@
           <p:cNvPr id="15" name="TextBox 14">
             <a:extLst>
               <a:ext uri="{FF2B5EF4-FFF2-40B4-BE49-F238E27FC236}">
-                <a16:creationId xmlns:a16="http://schemas.microsoft.com/office/drawing/2014/main" xmlns="" id="{B04BC077-78AE-4D4C-8F15-680B14BD7AE9}"/>
+                <a16:creationId xmlns="" xmlns:a16="http://schemas.microsoft.com/office/drawing/2014/main" id="{B04BC077-78AE-4D4C-8F15-680B14BD7AE9}"/>
               </a:ext>
             </a:extLst>
           </p:cNvPr>
@@ -8436,7 +10159,7 @@
           <p:cNvPr id="16" name="Rectangle 15">
             <a:extLst>
               <a:ext uri="{FF2B5EF4-FFF2-40B4-BE49-F238E27FC236}">
-                <a16:creationId xmlns:a16="http://schemas.microsoft.com/office/drawing/2014/main" xmlns="" id="{304762BD-7BDC-4C97-9538-07C22B003EF7}"/>
+                <a16:creationId xmlns="" xmlns:a16="http://schemas.microsoft.com/office/drawing/2014/main" id="{304762BD-7BDC-4C97-9538-07C22B003EF7}"/>
               </a:ext>
             </a:extLst>
           </p:cNvPr>
@@ -8491,6 +10214,669 @@
   <p:clrMapOvr>
     <a:masterClrMapping/>
   </p:clrMapOvr>
+  <p:transition spd="med">
+    <p:pull/>
+  </p:transition>
+  <p:timing>
+    <p:tnLst>
+      <p:par>
+        <p:cTn id="1" dur="indefinite" restart="never" nodeType="tmRoot">
+          <p:childTnLst>
+            <p:seq concurrent="1" nextAc="seek">
+              <p:cTn id="2" dur="indefinite" nodeType="mainSeq">
+                <p:childTnLst>
+                  <p:par>
+                    <p:cTn id="3" fill="hold">
+                      <p:stCondLst>
+                        <p:cond delay="indefinite"/>
+                      </p:stCondLst>
+                      <p:childTnLst>
+                        <p:par>
+                          <p:cTn id="4" fill="hold">
+                            <p:stCondLst>
+                              <p:cond delay="0"/>
+                            </p:stCondLst>
+                            <p:childTnLst>
+                              <p:par>
+                                <p:cTn id="5" presetID="42" presetClass="entr" presetSubtype="0" fill="hold" grpId="0" nodeType="clickEffect">
+                                  <p:stCondLst>
+                                    <p:cond delay="0"/>
+                                  </p:stCondLst>
+                                  <p:childTnLst>
+                                    <p:set>
+                                      <p:cBhvr>
+                                        <p:cTn id="6" dur="1" fill="hold">
+                                          <p:stCondLst>
+                                            <p:cond delay="0"/>
+                                          </p:stCondLst>
+                                        </p:cTn>
+                                        <p:tgtEl>
+                                          <p:spTgt spid="13"/>
+                                        </p:tgtEl>
+                                        <p:attrNameLst>
+                                          <p:attrName>style.visibility</p:attrName>
+                                        </p:attrNameLst>
+                                      </p:cBhvr>
+                                      <p:to>
+                                        <p:strVal val="visible"/>
+                                      </p:to>
+                                    </p:set>
+                                    <p:animEffect transition="in" filter="fade">
+                                      <p:cBhvr>
+                                        <p:cTn id="7" dur="1000"/>
+                                        <p:tgtEl>
+                                          <p:spTgt spid="13"/>
+                                        </p:tgtEl>
+                                      </p:cBhvr>
+                                    </p:animEffect>
+                                    <p:anim calcmode="lin" valueType="num">
+                                      <p:cBhvr>
+                                        <p:cTn id="8" dur="1000" fill="hold"/>
+                                        <p:tgtEl>
+                                          <p:spTgt spid="13"/>
+                                        </p:tgtEl>
+                                        <p:attrNameLst>
+                                          <p:attrName>ppt_x</p:attrName>
+                                        </p:attrNameLst>
+                                      </p:cBhvr>
+                                      <p:tavLst>
+                                        <p:tav tm="0">
+                                          <p:val>
+                                            <p:strVal val="#ppt_x"/>
+                                          </p:val>
+                                        </p:tav>
+                                        <p:tav tm="100000">
+                                          <p:val>
+                                            <p:strVal val="#ppt_x"/>
+                                          </p:val>
+                                        </p:tav>
+                                      </p:tavLst>
+                                    </p:anim>
+                                    <p:anim calcmode="lin" valueType="num">
+                                      <p:cBhvr>
+                                        <p:cTn id="9" dur="1000" fill="hold"/>
+                                        <p:tgtEl>
+                                          <p:spTgt spid="13"/>
+                                        </p:tgtEl>
+                                        <p:attrNameLst>
+                                          <p:attrName>ppt_y</p:attrName>
+                                        </p:attrNameLst>
+                                      </p:cBhvr>
+                                      <p:tavLst>
+                                        <p:tav tm="0">
+                                          <p:val>
+                                            <p:strVal val="#ppt_y+.1"/>
+                                          </p:val>
+                                        </p:tav>
+                                        <p:tav tm="100000">
+                                          <p:val>
+                                            <p:strVal val="#ppt_y"/>
+                                          </p:val>
+                                        </p:tav>
+                                      </p:tavLst>
+                                    </p:anim>
+                                  </p:childTnLst>
+                                </p:cTn>
+                              </p:par>
+                              <p:par>
+                                <p:cTn id="10" presetID="42" presetClass="entr" presetSubtype="0" fill="hold" grpId="0" nodeType="withEffect">
+                                  <p:stCondLst>
+                                    <p:cond delay="0"/>
+                                  </p:stCondLst>
+                                  <p:childTnLst>
+                                    <p:set>
+                                      <p:cBhvr>
+                                        <p:cTn id="11" dur="1" fill="hold">
+                                          <p:stCondLst>
+                                            <p:cond delay="0"/>
+                                          </p:stCondLst>
+                                        </p:cTn>
+                                        <p:tgtEl>
+                                          <p:spTgt spid="10"/>
+                                        </p:tgtEl>
+                                        <p:attrNameLst>
+                                          <p:attrName>style.visibility</p:attrName>
+                                        </p:attrNameLst>
+                                      </p:cBhvr>
+                                      <p:to>
+                                        <p:strVal val="visible"/>
+                                      </p:to>
+                                    </p:set>
+                                    <p:animEffect transition="in" filter="fade">
+                                      <p:cBhvr>
+                                        <p:cTn id="12" dur="1000"/>
+                                        <p:tgtEl>
+                                          <p:spTgt spid="10"/>
+                                        </p:tgtEl>
+                                      </p:cBhvr>
+                                    </p:animEffect>
+                                    <p:anim calcmode="lin" valueType="num">
+                                      <p:cBhvr>
+                                        <p:cTn id="13" dur="1000" fill="hold"/>
+                                        <p:tgtEl>
+                                          <p:spTgt spid="10"/>
+                                        </p:tgtEl>
+                                        <p:attrNameLst>
+                                          <p:attrName>ppt_x</p:attrName>
+                                        </p:attrNameLst>
+                                      </p:cBhvr>
+                                      <p:tavLst>
+                                        <p:tav tm="0">
+                                          <p:val>
+                                            <p:strVal val="#ppt_x"/>
+                                          </p:val>
+                                        </p:tav>
+                                        <p:tav tm="100000">
+                                          <p:val>
+                                            <p:strVal val="#ppt_x"/>
+                                          </p:val>
+                                        </p:tav>
+                                      </p:tavLst>
+                                    </p:anim>
+                                    <p:anim calcmode="lin" valueType="num">
+                                      <p:cBhvr>
+                                        <p:cTn id="14" dur="1000" fill="hold"/>
+                                        <p:tgtEl>
+                                          <p:spTgt spid="10"/>
+                                        </p:tgtEl>
+                                        <p:attrNameLst>
+                                          <p:attrName>ppt_y</p:attrName>
+                                        </p:attrNameLst>
+                                      </p:cBhvr>
+                                      <p:tavLst>
+                                        <p:tav tm="0">
+                                          <p:val>
+                                            <p:strVal val="#ppt_y+.1"/>
+                                          </p:val>
+                                        </p:tav>
+                                        <p:tav tm="100000">
+                                          <p:val>
+                                            <p:strVal val="#ppt_y"/>
+                                          </p:val>
+                                        </p:tav>
+                                      </p:tavLst>
+                                    </p:anim>
+                                  </p:childTnLst>
+                                </p:cTn>
+                              </p:par>
+                            </p:childTnLst>
+                          </p:cTn>
+                        </p:par>
+                      </p:childTnLst>
+                    </p:cTn>
+                  </p:par>
+                  <p:par>
+                    <p:cTn id="15" fill="hold">
+                      <p:stCondLst>
+                        <p:cond delay="indefinite"/>
+                      </p:stCondLst>
+                      <p:childTnLst>
+                        <p:par>
+                          <p:cTn id="16" fill="hold">
+                            <p:stCondLst>
+                              <p:cond delay="0"/>
+                            </p:stCondLst>
+                            <p:childTnLst>
+                              <p:par>
+                                <p:cTn id="17" presetID="42" presetClass="entr" presetSubtype="0" fill="hold" grpId="0" nodeType="clickEffect">
+                                  <p:stCondLst>
+                                    <p:cond delay="0"/>
+                                  </p:stCondLst>
+                                  <p:childTnLst>
+                                    <p:set>
+                                      <p:cBhvr>
+                                        <p:cTn id="18" dur="1" fill="hold">
+                                          <p:stCondLst>
+                                            <p:cond delay="0"/>
+                                          </p:stCondLst>
+                                        </p:cTn>
+                                        <p:tgtEl>
+                                          <p:spTgt spid="11"/>
+                                        </p:tgtEl>
+                                        <p:attrNameLst>
+                                          <p:attrName>style.visibility</p:attrName>
+                                        </p:attrNameLst>
+                                      </p:cBhvr>
+                                      <p:to>
+                                        <p:strVal val="visible"/>
+                                      </p:to>
+                                    </p:set>
+                                    <p:animEffect transition="in" filter="fade">
+                                      <p:cBhvr>
+                                        <p:cTn id="19" dur="1000"/>
+                                        <p:tgtEl>
+                                          <p:spTgt spid="11"/>
+                                        </p:tgtEl>
+                                      </p:cBhvr>
+                                    </p:animEffect>
+                                    <p:anim calcmode="lin" valueType="num">
+                                      <p:cBhvr>
+                                        <p:cTn id="20" dur="1000" fill="hold"/>
+                                        <p:tgtEl>
+                                          <p:spTgt spid="11"/>
+                                        </p:tgtEl>
+                                        <p:attrNameLst>
+                                          <p:attrName>ppt_x</p:attrName>
+                                        </p:attrNameLst>
+                                      </p:cBhvr>
+                                      <p:tavLst>
+                                        <p:tav tm="0">
+                                          <p:val>
+                                            <p:strVal val="#ppt_x"/>
+                                          </p:val>
+                                        </p:tav>
+                                        <p:tav tm="100000">
+                                          <p:val>
+                                            <p:strVal val="#ppt_x"/>
+                                          </p:val>
+                                        </p:tav>
+                                      </p:tavLst>
+                                    </p:anim>
+                                    <p:anim calcmode="lin" valueType="num">
+                                      <p:cBhvr>
+                                        <p:cTn id="21" dur="1000" fill="hold"/>
+                                        <p:tgtEl>
+                                          <p:spTgt spid="11"/>
+                                        </p:tgtEl>
+                                        <p:attrNameLst>
+                                          <p:attrName>ppt_y</p:attrName>
+                                        </p:attrNameLst>
+                                      </p:cBhvr>
+                                      <p:tavLst>
+                                        <p:tav tm="0">
+                                          <p:val>
+                                            <p:strVal val="#ppt_y+.1"/>
+                                          </p:val>
+                                        </p:tav>
+                                        <p:tav tm="100000">
+                                          <p:val>
+                                            <p:strVal val="#ppt_y"/>
+                                          </p:val>
+                                        </p:tav>
+                                      </p:tavLst>
+                                    </p:anim>
+                                  </p:childTnLst>
+                                </p:cTn>
+                              </p:par>
+                              <p:par>
+                                <p:cTn id="22" presetID="42" presetClass="entr" presetSubtype="0" fill="hold" grpId="0" nodeType="withEffect">
+                                  <p:stCondLst>
+                                    <p:cond delay="0"/>
+                                  </p:stCondLst>
+                                  <p:childTnLst>
+                                    <p:set>
+                                      <p:cBhvr>
+                                        <p:cTn id="23" dur="1" fill="hold">
+                                          <p:stCondLst>
+                                            <p:cond delay="0"/>
+                                          </p:stCondLst>
+                                        </p:cTn>
+                                        <p:tgtEl>
+                                          <p:spTgt spid="14"/>
+                                        </p:tgtEl>
+                                        <p:attrNameLst>
+                                          <p:attrName>style.visibility</p:attrName>
+                                        </p:attrNameLst>
+                                      </p:cBhvr>
+                                      <p:to>
+                                        <p:strVal val="visible"/>
+                                      </p:to>
+                                    </p:set>
+                                    <p:animEffect transition="in" filter="fade">
+                                      <p:cBhvr>
+                                        <p:cTn id="24" dur="1000"/>
+                                        <p:tgtEl>
+                                          <p:spTgt spid="14"/>
+                                        </p:tgtEl>
+                                      </p:cBhvr>
+                                    </p:animEffect>
+                                    <p:anim calcmode="lin" valueType="num">
+                                      <p:cBhvr>
+                                        <p:cTn id="25" dur="1000" fill="hold"/>
+                                        <p:tgtEl>
+                                          <p:spTgt spid="14"/>
+                                        </p:tgtEl>
+                                        <p:attrNameLst>
+                                          <p:attrName>ppt_x</p:attrName>
+                                        </p:attrNameLst>
+                                      </p:cBhvr>
+                                      <p:tavLst>
+                                        <p:tav tm="0">
+                                          <p:val>
+                                            <p:strVal val="#ppt_x"/>
+                                          </p:val>
+                                        </p:tav>
+                                        <p:tav tm="100000">
+                                          <p:val>
+                                            <p:strVal val="#ppt_x"/>
+                                          </p:val>
+                                        </p:tav>
+                                      </p:tavLst>
+                                    </p:anim>
+                                    <p:anim calcmode="lin" valueType="num">
+                                      <p:cBhvr>
+                                        <p:cTn id="26" dur="1000" fill="hold"/>
+                                        <p:tgtEl>
+                                          <p:spTgt spid="14"/>
+                                        </p:tgtEl>
+                                        <p:attrNameLst>
+                                          <p:attrName>ppt_y</p:attrName>
+                                        </p:attrNameLst>
+                                      </p:cBhvr>
+                                      <p:tavLst>
+                                        <p:tav tm="0">
+                                          <p:val>
+                                            <p:strVal val="#ppt_y+.1"/>
+                                          </p:val>
+                                        </p:tav>
+                                        <p:tav tm="100000">
+                                          <p:val>
+                                            <p:strVal val="#ppt_y"/>
+                                          </p:val>
+                                        </p:tav>
+                                      </p:tavLst>
+                                    </p:anim>
+                                  </p:childTnLst>
+                                </p:cTn>
+                              </p:par>
+                            </p:childTnLst>
+                          </p:cTn>
+                        </p:par>
+                      </p:childTnLst>
+                    </p:cTn>
+                  </p:par>
+                  <p:par>
+                    <p:cTn id="27" fill="hold">
+                      <p:stCondLst>
+                        <p:cond delay="indefinite"/>
+                      </p:stCondLst>
+                      <p:childTnLst>
+                        <p:par>
+                          <p:cTn id="28" fill="hold">
+                            <p:stCondLst>
+                              <p:cond delay="0"/>
+                            </p:stCondLst>
+                            <p:childTnLst>
+                              <p:par>
+                                <p:cTn id="29" presetID="42" presetClass="entr" presetSubtype="0" fill="hold" grpId="0" nodeType="clickEffect">
+                                  <p:stCondLst>
+                                    <p:cond delay="0"/>
+                                  </p:stCondLst>
+                                  <p:childTnLst>
+                                    <p:set>
+                                      <p:cBhvr>
+                                        <p:cTn id="30" dur="1" fill="hold">
+                                          <p:stCondLst>
+                                            <p:cond delay="0"/>
+                                          </p:stCondLst>
+                                        </p:cTn>
+                                        <p:tgtEl>
+                                          <p:spTgt spid="12"/>
+                                        </p:tgtEl>
+                                        <p:attrNameLst>
+                                          <p:attrName>style.visibility</p:attrName>
+                                        </p:attrNameLst>
+                                      </p:cBhvr>
+                                      <p:to>
+                                        <p:strVal val="visible"/>
+                                      </p:to>
+                                    </p:set>
+                                    <p:animEffect transition="in" filter="fade">
+                                      <p:cBhvr>
+                                        <p:cTn id="31" dur="1000"/>
+                                        <p:tgtEl>
+                                          <p:spTgt spid="12"/>
+                                        </p:tgtEl>
+                                      </p:cBhvr>
+                                    </p:animEffect>
+                                    <p:anim calcmode="lin" valueType="num">
+                                      <p:cBhvr>
+                                        <p:cTn id="32" dur="1000" fill="hold"/>
+                                        <p:tgtEl>
+                                          <p:spTgt spid="12"/>
+                                        </p:tgtEl>
+                                        <p:attrNameLst>
+                                          <p:attrName>ppt_x</p:attrName>
+                                        </p:attrNameLst>
+                                      </p:cBhvr>
+                                      <p:tavLst>
+                                        <p:tav tm="0">
+                                          <p:val>
+                                            <p:strVal val="#ppt_x"/>
+                                          </p:val>
+                                        </p:tav>
+                                        <p:tav tm="100000">
+                                          <p:val>
+                                            <p:strVal val="#ppt_x"/>
+                                          </p:val>
+                                        </p:tav>
+                                      </p:tavLst>
+                                    </p:anim>
+                                    <p:anim calcmode="lin" valueType="num">
+                                      <p:cBhvr>
+                                        <p:cTn id="33" dur="1000" fill="hold"/>
+                                        <p:tgtEl>
+                                          <p:spTgt spid="12"/>
+                                        </p:tgtEl>
+                                        <p:attrNameLst>
+                                          <p:attrName>ppt_y</p:attrName>
+                                        </p:attrNameLst>
+                                      </p:cBhvr>
+                                      <p:tavLst>
+                                        <p:tav tm="0">
+                                          <p:val>
+                                            <p:strVal val="#ppt_y+.1"/>
+                                          </p:val>
+                                        </p:tav>
+                                        <p:tav tm="100000">
+                                          <p:val>
+                                            <p:strVal val="#ppt_y"/>
+                                          </p:val>
+                                        </p:tav>
+                                      </p:tavLst>
+                                    </p:anim>
+                                  </p:childTnLst>
+                                </p:cTn>
+                              </p:par>
+                              <p:par>
+                                <p:cTn id="34" presetID="42" presetClass="entr" presetSubtype="0" fill="hold" grpId="0" nodeType="withEffect">
+                                  <p:stCondLst>
+                                    <p:cond delay="0"/>
+                                  </p:stCondLst>
+                                  <p:childTnLst>
+                                    <p:set>
+                                      <p:cBhvr>
+                                        <p:cTn id="35" dur="1" fill="hold">
+                                          <p:stCondLst>
+                                            <p:cond delay="0"/>
+                                          </p:stCondLst>
+                                        </p:cTn>
+                                        <p:tgtEl>
+                                          <p:spTgt spid="15"/>
+                                        </p:tgtEl>
+                                        <p:attrNameLst>
+                                          <p:attrName>style.visibility</p:attrName>
+                                        </p:attrNameLst>
+                                      </p:cBhvr>
+                                      <p:to>
+                                        <p:strVal val="visible"/>
+                                      </p:to>
+                                    </p:set>
+                                    <p:animEffect transition="in" filter="fade">
+                                      <p:cBhvr>
+                                        <p:cTn id="36" dur="1000"/>
+                                        <p:tgtEl>
+                                          <p:spTgt spid="15"/>
+                                        </p:tgtEl>
+                                      </p:cBhvr>
+                                    </p:animEffect>
+                                    <p:anim calcmode="lin" valueType="num">
+                                      <p:cBhvr>
+                                        <p:cTn id="37" dur="1000" fill="hold"/>
+                                        <p:tgtEl>
+                                          <p:spTgt spid="15"/>
+                                        </p:tgtEl>
+                                        <p:attrNameLst>
+                                          <p:attrName>ppt_x</p:attrName>
+                                        </p:attrNameLst>
+                                      </p:cBhvr>
+                                      <p:tavLst>
+                                        <p:tav tm="0">
+                                          <p:val>
+                                            <p:strVal val="#ppt_x"/>
+                                          </p:val>
+                                        </p:tav>
+                                        <p:tav tm="100000">
+                                          <p:val>
+                                            <p:strVal val="#ppt_x"/>
+                                          </p:val>
+                                        </p:tav>
+                                      </p:tavLst>
+                                    </p:anim>
+                                    <p:anim calcmode="lin" valueType="num">
+                                      <p:cBhvr>
+                                        <p:cTn id="38" dur="1000" fill="hold"/>
+                                        <p:tgtEl>
+                                          <p:spTgt spid="15"/>
+                                        </p:tgtEl>
+                                        <p:attrNameLst>
+                                          <p:attrName>ppt_y</p:attrName>
+                                        </p:attrNameLst>
+                                      </p:cBhvr>
+                                      <p:tavLst>
+                                        <p:tav tm="0">
+                                          <p:val>
+                                            <p:strVal val="#ppt_y+.1"/>
+                                          </p:val>
+                                        </p:tav>
+                                        <p:tav tm="100000">
+                                          <p:val>
+                                            <p:strVal val="#ppt_y"/>
+                                          </p:val>
+                                        </p:tav>
+                                      </p:tavLst>
+                                    </p:anim>
+                                  </p:childTnLst>
+                                </p:cTn>
+                              </p:par>
+                              <p:par>
+                                <p:cTn id="39" presetID="42" presetClass="entr" presetSubtype="0" fill="hold" grpId="0" nodeType="withEffect">
+                                  <p:stCondLst>
+                                    <p:cond delay="0"/>
+                                  </p:stCondLst>
+                                  <p:childTnLst>
+                                    <p:set>
+                                      <p:cBhvr>
+                                        <p:cTn id="40" dur="1" fill="hold">
+                                          <p:stCondLst>
+                                            <p:cond delay="0"/>
+                                          </p:stCondLst>
+                                        </p:cTn>
+                                        <p:tgtEl>
+                                          <p:spTgt spid="16"/>
+                                        </p:tgtEl>
+                                        <p:attrNameLst>
+                                          <p:attrName>style.visibility</p:attrName>
+                                        </p:attrNameLst>
+                                      </p:cBhvr>
+                                      <p:to>
+                                        <p:strVal val="visible"/>
+                                      </p:to>
+                                    </p:set>
+                                    <p:animEffect transition="in" filter="fade">
+                                      <p:cBhvr>
+                                        <p:cTn id="41" dur="1000"/>
+                                        <p:tgtEl>
+                                          <p:spTgt spid="16"/>
+                                        </p:tgtEl>
+                                      </p:cBhvr>
+                                    </p:animEffect>
+                                    <p:anim calcmode="lin" valueType="num">
+                                      <p:cBhvr>
+                                        <p:cTn id="42" dur="1000" fill="hold"/>
+                                        <p:tgtEl>
+                                          <p:spTgt spid="16"/>
+                                        </p:tgtEl>
+                                        <p:attrNameLst>
+                                          <p:attrName>ppt_x</p:attrName>
+                                        </p:attrNameLst>
+                                      </p:cBhvr>
+                                      <p:tavLst>
+                                        <p:tav tm="0">
+                                          <p:val>
+                                            <p:strVal val="#ppt_x"/>
+                                          </p:val>
+                                        </p:tav>
+                                        <p:tav tm="100000">
+                                          <p:val>
+                                            <p:strVal val="#ppt_x"/>
+                                          </p:val>
+                                        </p:tav>
+                                      </p:tavLst>
+                                    </p:anim>
+                                    <p:anim calcmode="lin" valueType="num">
+                                      <p:cBhvr>
+                                        <p:cTn id="43" dur="1000" fill="hold"/>
+                                        <p:tgtEl>
+                                          <p:spTgt spid="16"/>
+                                        </p:tgtEl>
+                                        <p:attrNameLst>
+                                          <p:attrName>ppt_y</p:attrName>
+                                        </p:attrNameLst>
+                                      </p:cBhvr>
+                                      <p:tavLst>
+                                        <p:tav tm="0">
+                                          <p:val>
+                                            <p:strVal val="#ppt_y+.1"/>
+                                          </p:val>
+                                        </p:tav>
+                                        <p:tav tm="100000">
+                                          <p:val>
+                                            <p:strVal val="#ppt_y"/>
+                                          </p:val>
+                                        </p:tav>
+                                      </p:tavLst>
+                                    </p:anim>
+                                  </p:childTnLst>
+                                </p:cTn>
+                              </p:par>
+                            </p:childTnLst>
+                          </p:cTn>
+                        </p:par>
+                      </p:childTnLst>
+                    </p:cTn>
+                  </p:par>
+                </p:childTnLst>
+              </p:cTn>
+              <p:prevCondLst>
+                <p:cond evt="onPrev" delay="0">
+                  <p:tgtEl>
+                    <p:sldTgt/>
+                  </p:tgtEl>
+                </p:cond>
+              </p:prevCondLst>
+              <p:nextCondLst>
+                <p:cond evt="onNext" delay="0">
+                  <p:tgtEl>
+                    <p:sldTgt/>
+                  </p:tgtEl>
+                </p:cond>
+              </p:nextCondLst>
+            </p:seq>
+          </p:childTnLst>
+        </p:cTn>
+      </p:par>
+    </p:tnLst>
+    <p:bldLst>
+      <p:bldP spid="10" grpId="0"/>
+      <p:bldP spid="11" grpId="0"/>
+      <p:bldP spid="12" grpId="0"/>
+      <p:bldP spid="13" grpId="0"/>
+      <p:bldP spid="14" grpId="0"/>
+      <p:bldP spid="15" grpId="0"/>
+      <p:bldP spid="16" grpId="0"/>
+    </p:bldLst>
+  </p:timing>
 </p:sld>
 </file>
 
@@ -8516,7 +10902,7 @@
           <p:cNvPr id="2" name="Title 1">
             <a:extLst>
               <a:ext uri="{FF2B5EF4-FFF2-40B4-BE49-F238E27FC236}">
-                <a16:creationId xmlns:a16="http://schemas.microsoft.com/office/drawing/2014/main" xmlns="" id="{A099A1FB-912E-4F48-B788-D0FB9686CCD9}"/>
+                <a16:creationId xmlns="" xmlns:a16="http://schemas.microsoft.com/office/drawing/2014/main" id="{A099A1FB-912E-4F48-B788-D0FB9686CCD9}"/>
               </a:ext>
             </a:extLst>
           </p:cNvPr>
@@ -8561,7 +10947,7 @@
           <p:cNvPr id="3" name="Content Placeholder 2">
             <a:extLst>
               <a:ext uri="{FF2B5EF4-FFF2-40B4-BE49-F238E27FC236}">
-                <a16:creationId xmlns:a16="http://schemas.microsoft.com/office/drawing/2014/main" xmlns="" id="{ACD89AA8-2025-4A49-AD74-E08E95BF262D}"/>
+                <a16:creationId xmlns="" xmlns:a16="http://schemas.microsoft.com/office/drawing/2014/main" id="{ACD89AA8-2025-4A49-AD74-E08E95BF262D}"/>
               </a:ext>
             </a:extLst>
           </p:cNvPr>
@@ -8715,7 +11101,7 @@
           <p:cNvPr id="4" name="Picture 3">
             <a:extLst>
               <a:ext uri="{FF2B5EF4-FFF2-40B4-BE49-F238E27FC236}">
-                <a16:creationId xmlns:a16="http://schemas.microsoft.com/office/drawing/2014/main" xmlns="" id="{E450221D-5284-4478-958B-9AB99F505C7B}"/>
+                <a16:creationId xmlns="" xmlns:a16="http://schemas.microsoft.com/office/drawing/2014/main" id="{E450221D-5284-4478-958B-9AB99F505C7B}"/>
               </a:ext>
             </a:extLst>
           </p:cNvPr>
@@ -8749,6 +11135,557 @@
   <p:clrMapOvr>
     <a:masterClrMapping/>
   </p:clrMapOvr>
+  <p:transition spd="med">
+    <p:pull/>
+  </p:transition>
+  <p:timing>
+    <p:tnLst>
+      <p:par>
+        <p:cTn id="1" dur="indefinite" restart="never" nodeType="tmRoot">
+          <p:childTnLst>
+            <p:seq concurrent="1" nextAc="seek">
+              <p:cTn id="2" dur="indefinite" nodeType="mainSeq">
+                <p:childTnLst>
+                  <p:par>
+                    <p:cTn id="3" fill="hold">
+                      <p:stCondLst>
+                        <p:cond delay="indefinite"/>
+                      </p:stCondLst>
+                      <p:childTnLst>
+                        <p:par>
+                          <p:cTn id="4" fill="hold">
+                            <p:stCondLst>
+                              <p:cond delay="0"/>
+                            </p:stCondLst>
+                            <p:childTnLst>
+                              <p:par>
+                                <p:cTn id="5" presetID="2" presetClass="entr" presetSubtype="4" fill="hold" grpId="0" nodeType="clickEffect">
+                                  <p:stCondLst>
+                                    <p:cond delay="0"/>
+                                  </p:stCondLst>
+                                  <p:childTnLst>
+                                    <p:set>
+                                      <p:cBhvr>
+                                        <p:cTn id="6" dur="1" fill="hold">
+                                          <p:stCondLst>
+                                            <p:cond delay="0"/>
+                                          </p:stCondLst>
+                                        </p:cTn>
+                                        <p:tgtEl>
+                                          <p:spTgt spid="3">
+                                            <p:txEl>
+                                              <p:pRg st="0" end="0"/>
+                                            </p:txEl>
+                                          </p:spTgt>
+                                        </p:tgtEl>
+                                        <p:attrNameLst>
+                                          <p:attrName>style.visibility</p:attrName>
+                                        </p:attrNameLst>
+                                      </p:cBhvr>
+                                      <p:to>
+                                        <p:strVal val="visible"/>
+                                      </p:to>
+                                    </p:set>
+                                    <p:anim calcmode="lin" valueType="num">
+                                      <p:cBhvr additive="base">
+                                        <p:cTn id="7" dur="500" fill="hold"/>
+                                        <p:tgtEl>
+                                          <p:spTgt spid="3">
+                                            <p:txEl>
+                                              <p:pRg st="0" end="0"/>
+                                            </p:txEl>
+                                          </p:spTgt>
+                                        </p:tgtEl>
+                                        <p:attrNameLst>
+                                          <p:attrName>ppt_x</p:attrName>
+                                        </p:attrNameLst>
+                                      </p:cBhvr>
+                                      <p:tavLst>
+                                        <p:tav tm="0">
+                                          <p:val>
+                                            <p:strVal val="#ppt_x"/>
+                                          </p:val>
+                                        </p:tav>
+                                        <p:tav tm="100000">
+                                          <p:val>
+                                            <p:strVal val="#ppt_x"/>
+                                          </p:val>
+                                        </p:tav>
+                                      </p:tavLst>
+                                    </p:anim>
+                                    <p:anim calcmode="lin" valueType="num">
+                                      <p:cBhvr additive="base">
+                                        <p:cTn id="8" dur="500" fill="hold"/>
+                                        <p:tgtEl>
+                                          <p:spTgt spid="3">
+                                            <p:txEl>
+                                              <p:pRg st="0" end="0"/>
+                                            </p:txEl>
+                                          </p:spTgt>
+                                        </p:tgtEl>
+                                        <p:attrNameLst>
+                                          <p:attrName>ppt_y</p:attrName>
+                                        </p:attrNameLst>
+                                      </p:cBhvr>
+                                      <p:tavLst>
+                                        <p:tav tm="0">
+                                          <p:val>
+                                            <p:strVal val="1+#ppt_h/2"/>
+                                          </p:val>
+                                        </p:tav>
+                                        <p:tav tm="100000">
+                                          <p:val>
+                                            <p:strVal val="#ppt_y"/>
+                                          </p:val>
+                                        </p:tav>
+                                      </p:tavLst>
+                                    </p:anim>
+                                  </p:childTnLst>
+                                </p:cTn>
+                              </p:par>
+                            </p:childTnLst>
+                          </p:cTn>
+                        </p:par>
+                      </p:childTnLst>
+                    </p:cTn>
+                  </p:par>
+                  <p:par>
+                    <p:cTn id="9" fill="hold">
+                      <p:stCondLst>
+                        <p:cond delay="indefinite"/>
+                      </p:stCondLst>
+                      <p:childTnLst>
+                        <p:par>
+                          <p:cTn id="10" fill="hold">
+                            <p:stCondLst>
+                              <p:cond delay="0"/>
+                            </p:stCondLst>
+                            <p:childTnLst>
+                              <p:par>
+                                <p:cTn id="11" presetID="2" presetClass="entr" presetSubtype="4" fill="hold" grpId="0" nodeType="clickEffect">
+                                  <p:stCondLst>
+                                    <p:cond delay="0"/>
+                                  </p:stCondLst>
+                                  <p:childTnLst>
+                                    <p:set>
+                                      <p:cBhvr>
+                                        <p:cTn id="12" dur="1" fill="hold">
+                                          <p:stCondLst>
+                                            <p:cond delay="0"/>
+                                          </p:stCondLst>
+                                        </p:cTn>
+                                        <p:tgtEl>
+                                          <p:spTgt spid="3">
+                                            <p:txEl>
+                                              <p:pRg st="1" end="1"/>
+                                            </p:txEl>
+                                          </p:spTgt>
+                                        </p:tgtEl>
+                                        <p:attrNameLst>
+                                          <p:attrName>style.visibility</p:attrName>
+                                        </p:attrNameLst>
+                                      </p:cBhvr>
+                                      <p:to>
+                                        <p:strVal val="visible"/>
+                                      </p:to>
+                                    </p:set>
+                                    <p:anim calcmode="lin" valueType="num">
+                                      <p:cBhvr additive="base">
+                                        <p:cTn id="13" dur="500" fill="hold"/>
+                                        <p:tgtEl>
+                                          <p:spTgt spid="3">
+                                            <p:txEl>
+                                              <p:pRg st="1" end="1"/>
+                                            </p:txEl>
+                                          </p:spTgt>
+                                        </p:tgtEl>
+                                        <p:attrNameLst>
+                                          <p:attrName>ppt_x</p:attrName>
+                                        </p:attrNameLst>
+                                      </p:cBhvr>
+                                      <p:tavLst>
+                                        <p:tav tm="0">
+                                          <p:val>
+                                            <p:strVal val="#ppt_x"/>
+                                          </p:val>
+                                        </p:tav>
+                                        <p:tav tm="100000">
+                                          <p:val>
+                                            <p:strVal val="#ppt_x"/>
+                                          </p:val>
+                                        </p:tav>
+                                      </p:tavLst>
+                                    </p:anim>
+                                    <p:anim calcmode="lin" valueType="num">
+                                      <p:cBhvr additive="base">
+                                        <p:cTn id="14" dur="500" fill="hold"/>
+                                        <p:tgtEl>
+                                          <p:spTgt spid="3">
+                                            <p:txEl>
+                                              <p:pRg st="1" end="1"/>
+                                            </p:txEl>
+                                          </p:spTgt>
+                                        </p:tgtEl>
+                                        <p:attrNameLst>
+                                          <p:attrName>ppt_y</p:attrName>
+                                        </p:attrNameLst>
+                                      </p:cBhvr>
+                                      <p:tavLst>
+                                        <p:tav tm="0">
+                                          <p:val>
+                                            <p:strVal val="1+#ppt_h/2"/>
+                                          </p:val>
+                                        </p:tav>
+                                        <p:tav tm="100000">
+                                          <p:val>
+                                            <p:strVal val="#ppt_y"/>
+                                          </p:val>
+                                        </p:tav>
+                                      </p:tavLst>
+                                    </p:anim>
+                                  </p:childTnLst>
+                                </p:cTn>
+                              </p:par>
+                            </p:childTnLst>
+                          </p:cTn>
+                        </p:par>
+                      </p:childTnLst>
+                    </p:cTn>
+                  </p:par>
+                  <p:par>
+                    <p:cTn id="15" fill="hold">
+                      <p:stCondLst>
+                        <p:cond delay="indefinite"/>
+                      </p:stCondLst>
+                      <p:childTnLst>
+                        <p:par>
+                          <p:cTn id="16" fill="hold">
+                            <p:stCondLst>
+                              <p:cond delay="0"/>
+                            </p:stCondLst>
+                            <p:childTnLst>
+                              <p:par>
+                                <p:cTn id="17" presetID="2" presetClass="entr" presetSubtype="4" fill="hold" grpId="0" nodeType="clickEffect">
+                                  <p:stCondLst>
+                                    <p:cond delay="0"/>
+                                  </p:stCondLst>
+                                  <p:childTnLst>
+                                    <p:set>
+                                      <p:cBhvr>
+                                        <p:cTn id="18" dur="1" fill="hold">
+                                          <p:stCondLst>
+                                            <p:cond delay="0"/>
+                                          </p:stCondLst>
+                                        </p:cTn>
+                                        <p:tgtEl>
+                                          <p:spTgt spid="3">
+                                            <p:txEl>
+                                              <p:pRg st="2" end="2"/>
+                                            </p:txEl>
+                                          </p:spTgt>
+                                        </p:tgtEl>
+                                        <p:attrNameLst>
+                                          <p:attrName>style.visibility</p:attrName>
+                                        </p:attrNameLst>
+                                      </p:cBhvr>
+                                      <p:to>
+                                        <p:strVal val="visible"/>
+                                      </p:to>
+                                    </p:set>
+                                    <p:anim calcmode="lin" valueType="num">
+                                      <p:cBhvr additive="base">
+                                        <p:cTn id="19" dur="500" fill="hold"/>
+                                        <p:tgtEl>
+                                          <p:spTgt spid="3">
+                                            <p:txEl>
+                                              <p:pRg st="2" end="2"/>
+                                            </p:txEl>
+                                          </p:spTgt>
+                                        </p:tgtEl>
+                                        <p:attrNameLst>
+                                          <p:attrName>ppt_x</p:attrName>
+                                        </p:attrNameLst>
+                                      </p:cBhvr>
+                                      <p:tavLst>
+                                        <p:tav tm="0">
+                                          <p:val>
+                                            <p:strVal val="#ppt_x"/>
+                                          </p:val>
+                                        </p:tav>
+                                        <p:tav tm="100000">
+                                          <p:val>
+                                            <p:strVal val="#ppt_x"/>
+                                          </p:val>
+                                        </p:tav>
+                                      </p:tavLst>
+                                    </p:anim>
+                                    <p:anim calcmode="lin" valueType="num">
+                                      <p:cBhvr additive="base">
+                                        <p:cTn id="20" dur="500" fill="hold"/>
+                                        <p:tgtEl>
+                                          <p:spTgt spid="3">
+                                            <p:txEl>
+                                              <p:pRg st="2" end="2"/>
+                                            </p:txEl>
+                                          </p:spTgt>
+                                        </p:tgtEl>
+                                        <p:attrNameLst>
+                                          <p:attrName>ppt_y</p:attrName>
+                                        </p:attrNameLst>
+                                      </p:cBhvr>
+                                      <p:tavLst>
+                                        <p:tav tm="0">
+                                          <p:val>
+                                            <p:strVal val="1+#ppt_h/2"/>
+                                          </p:val>
+                                        </p:tav>
+                                        <p:tav tm="100000">
+                                          <p:val>
+                                            <p:strVal val="#ppt_y"/>
+                                          </p:val>
+                                        </p:tav>
+                                      </p:tavLst>
+                                    </p:anim>
+                                  </p:childTnLst>
+                                </p:cTn>
+                              </p:par>
+                            </p:childTnLst>
+                          </p:cTn>
+                        </p:par>
+                      </p:childTnLst>
+                    </p:cTn>
+                  </p:par>
+                  <p:par>
+                    <p:cTn id="21" fill="hold">
+                      <p:stCondLst>
+                        <p:cond delay="indefinite"/>
+                      </p:stCondLst>
+                      <p:childTnLst>
+                        <p:par>
+                          <p:cTn id="22" fill="hold">
+                            <p:stCondLst>
+                              <p:cond delay="0"/>
+                            </p:stCondLst>
+                            <p:childTnLst>
+                              <p:par>
+                                <p:cTn id="23" presetID="2" presetClass="entr" presetSubtype="4" fill="hold" grpId="0" nodeType="clickEffect">
+                                  <p:stCondLst>
+                                    <p:cond delay="0"/>
+                                  </p:stCondLst>
+                                  <p:childTnLst>
+                                    <p:set>
+                                      <p:cBhvr>
+                                        <p:cTn id="24" dur="1" fill="hold">
+                                          <p:stCondLst>
+                                            <p:cond delay="0"/>
+                                          </p:stCondLst>
+                                        </p:cTn>
+                                        <p:tgtEl>
+                                          <p:spTgt spid="3">
+                                            <p:txEl>
+                                              <p:pRg st="3" end="3"/>
+                                            </p:txEl>
+                                          </p:spTgt>
+                                        </p:tgtEl>
+                                        <p:attrNameLst>
+                                          <p:attrName>style.visibility</p:attrName>
+                                        </p:attrNameLst>
+                                      </p:cBhvr>
+                                      <p:to>
+                                        <p:strVal val="visible"/>
+                                      </p:to>
+                                    </p:set>
+                                    <p:anim calcmode="lin" valueType="num">
+                                      <p:cBhvr additive="base">
+                                        <p:cTn id="25" dur="500" fill="hold"/>
+                                        <p:tgtEl>
+                                          <p:spTgt spid="3">
+                                            <p:txEl>
+                                              <p:pRg st="3" end="3"/>
+                                            </p:txEl>
+                                          </p:spTgt>
+                                        </p:tgtEl>
+                                        <p:attrNameLst>
+                                          <p:attrName>ppt_x</p:attrName>
+                                        </p:attrNameLst>
+                                      </p:cBhvr>
+                                      <p:tavLst>
+                                        <p:tav tm="0">
+                                          <p:val>
+                                            <p:strVal val="#ppt_x"/>
+                                          </p:val>
+                                        </p:tav>
+                                        <p:tav tm="100000">
+                                          <p:val>
+                                            <p:strVal val="#ppt_x"/>
+                                          </p:val>
+                                        </p:tav>
+                                      </p:tavLst>
+                                    </p:anim>
+                                    <p:anim calcmode="lin" valueType="num">
+                                      <p:cBhvr additive="base">
+                                        <p:cTn id="26" dur="500" fill="hold"/>
+                                        <p:tgtEl>
+                                          <p:spTgt spid="3">
+                                            <p:txEl>
+                                              <p:pRg st="3" end="3"/>
+                                            </p:txEl>
+                                          </p:spTgt>
+                                        </p:tgtEl>
+                                        <p:attrNameLst>
+                                          <p:attrName>ppt_y</p:attrName>
+                                        </p:attrNameLst>
+                                      </p:cBhvr>
+                                      <p:tavLst>
+                                        <p:tav tm="0">
+                                          <p:val>
+                                            <p:strVal val="1+#ppt_h/2"/>
+                                          </p:val>
+                                        </p:tav>
+                                        <p:tav tm="100000">
+                                          <p:val>
+                                            <p:strVal val="#ppt_y"/>
+                                          </p:val>
+                                        </p:tav>
+                                      </p:tavLst>
+                                    </p:anim>
+                                  </p:childTnLst>
+                                </p:cTn>
+                              </p:par>
+                            </p:childTnLst>
+                          </p:cTn>
+                        </p:par>
+                      </p:childTnLst>
+                    </p:cTn>
+                  </p:par>
+                  <p:par>
+                    <p:cTn id="27" fill="hold">
+                      <p:stCondLst>
+                        <p:cond delay="indefinite"/>
+                      </p:stCondLst>
+                      <p:childTnLst>
+                        <p:par>
+                          <p:cTn id="28" fill="hold">
+                            <p:stCondLst>
+                              <p:cond delay="0"/>
+                            </p:stCondLst>
+                            <p:childTnLst>
+                              <p:par>
+                                <p:cTn id="29" presetID="2" presetClass="entr" presetSubtype="4" fill="hold" grpId="0" nodeType="clickEffect">
+                                  <p:stCondLst>
+                                    <p:cond delay="0"/>
+                                  </p:stCondLst>
+                                  <p:childTnLst>
+                                    <p:set>
+                                      <p:cBhvr>
+                                        <p:cTn id="30" dur="1" fill="hold">
+                                          <p:stCondLst>
+                                            <p:cond delay="0"/>
+                                          </p:stCondLst>
+                                        </p:cTn>
+                                        <p:tgtEl>
+                                          <p:spTgt spid="3">
+                                            <p:txEl>
+                                              <p:pRg st="4" end="4"/>
+                                            </p:txEl>
+                                          </p:spTgt>
+                                        </p:tgtEl>
+                                        <p:attrNameLst>
+                                          <p:attrName>style.visibility</p:attrName>
+                                        </p:attrNameLst>
+                                      </p:cBhvr>
+                                      <p:to>
+                                        <p:strVal val="visible"/>
+                                      </p:to>
+                                    </p:set>
+                                    <p:anim calcmode="lin" valueType="num">
+                                      <p:cBhvr additive="base">
+                                        <p:cTn id="31" dur="500" fill="hold"/>
+                                        <p:tgtEl>
+                                          <p:spTgt spid="3">
+                                            <p:txEl>
+                                              <p:pRg st="4" end="4"/>
+                                            </p:txEl>
+                                          </p:spTgt>
+                                        </p:tgtEl>
+                                        <p:attrNameLst>
+                                          <p:attrName>ppt_x</p:attrName>
+                                        </p:attrNameLst>
+                                      </p:cBhvr>
+                                      <p:tavLst>
+                                        <p:tav tm="0">
+                                          <p:val>
+                                            <p:strVal val="#ppt_x"/>
+                                          </p:val>
+                                        </p:tav>
+                                        <p:tav tm="100000">
+                                          <p:val>
+                                            <p:strVal val="#ppt_x"/>
+                                          </p:val>
+                                        </p:tav>
+                                      </p:tavLst>
+                                    </p:anim>
+                                    <p:anim calcmode="lin" valueType="num">
+                                      <p:cBhvr additive="base">
+                                        <p:cTn id="32" dur="500" fill="hold"/>
+                                        <p:tgtEl>
+                                          <p:spTgt spid="3">
+                                            <p:txEl>
+                                              <p:pRg st="4" end="4"/>
+                                            </p:txEl>
+                                          </p:spTgt>
+                                        </p:tgtEl>
+                                        <p:attrNameLst>
+                                          <p:attrName>ppt_y</p:attrName>
+                                        </p:attrNameLst>
+                                      </p:cBhvr>
+                                      <p:tavLst>
+                                        <p:tav tm="0">
+                                          <p:val>
+                                            <p:strVal val="1+#ppt_h/2"/>
+                                          </p:val>
+                                        </p:tav>
+                                        <p:tav tm="100000">
+                                          <p:val>
+                                            <p:strVal val="#ppt_y"/>
+                                          </p:val>
+                                        </p:tav>
+                                      </p:tavLst>
+                                    </p:anim>
+                                  </p:childTnLst>
+                                </p:cTn>
+                              </p:par>
+                            </p:childTnLst>
+                          </p:cTn>
+                        </p:par>
+                      </p:childTnLst>
+                    </p:cTn>
+                  </p:par>
+                </p:childTnLst>
+              </p:cTn>
+              <p:prevCondLst>
+                <p:cond evt="onPrev" delay="0">
+                  <p:tgtEl>
+                    <p:sldTgt/>
+                  </p:tgtEl>
+                </p:cond>
+              </p:prevCondLst>
+              <p:nextCondLst>
+                <p:cond evt="onNext" delay="0">
+                  <p:tgtEl>
+                    <p:sldTgt/>
+                  </p:tgtEl>
+                </p:cond>
+              </p:nextCondLst>
+            </p:seq>
+          </p:childTnLst>
+        </p:cTn>
+      </p:par>
+    </p:tnLst>
+    <p:bldLst>
+      <p:bldP spid="3" grpId="0" build="p"/>
+    </p:bldLst>
+  </p:timing>
 </p:sld>
 </file>
 
@@ -8774,7 +11711,7 @@
           <p:cNvPr id="2" name="Title 1">
             <a:extLst>
               <a:ext uri="{FF2B5EF4-FFF2-40B4-BE49-F238E27FC236}">
-                <a16:creationId xmlns:a16="http://schemas.microsoft.com/office/drawing/2014/main" xmlns="" id="{A099A1FB-912E-4F48-B788-D0FB9686CCD9}"/>
+                <a16:creationId xmlns="" xmlns:a16="http://schemas.microsoft.com/office/drawing/2014/main" id="{A099A1FB-912E-4F48-B788-D0FB9686CCD9}"/>
               </a:ext>
             </a:extLst>
           </p:cNvPr>
@@ -8812,7 +11749,7 @@
           <p:cNvPr id="3" name="Content Placeholder 2">
             <a:extLst>
               <a:ext uri="{FF2B5EF4-FFF2-40B4-BE49-F238E27FC236}">
-                <a16:creationId xmlns:a16="http://schemas.microsoft.com/office/drawing/2014/main" xmlns="" id="{ACD89AA8-2025-4A49-AD74-E08E95BF262D}"/>
+                <a16:creationId xmlns="" xmlns:a16="http://schemas.microsoft.com/office/drawing/2014/main" id="{ACD89AA8-2025-4A49-AD74-E08E95BF262D}"/>
               </a:ext>
             </a:extLst>
           </p:cNvPr>
@@ -8892,7 +11829,7 @@
           <p:cNvPr id="4" name="Picture 3">
             <a:extLst>
               <a:ext uri="{FF2B5EF4-FFF2-40B4-BE49-F238E27FC236}">
-                <a16:creationId xmlns:a16="http://schemas.microsoft.com/office/drawing/2014/main" xmlns="" id="{E450221D-5284-4478-958B-9AB99F505C7B}"/>
+                <a16:creationId xmlns="" xmlns:a16="http://schemas.microsoft.com/office/drawing/2014/main" id="{E450221D-5284-4478-958B-9AB99F505C7B}"/>
               </a:ext>
             </a:extLst>
           </p:cNvPr>
@@ -8921,7 +11858,7 @@
           <p:cNvPr id="5" name="Rectangle 4">
             <a:extLst>
               <a:ext uri="{FF2B5EF4-FFF2-40B4-BE49-F238E27FC236}">
-                <a16:creationId xmlns:a16="http://schemas.microsoft.com/office/drawing/2014/main" xmlns="" id="{8FE25B4F-6B57-4EC9-8A63-587234E46869}"/>
+                <a16:creationId xmlns="" xmlns:a16="http://schemas.microsoft.com/office/drawing/2014/main" id="{8FE25B4F-6B57-4EC9-8A63-587234E46869}"/>
               </a:ext>
             </a:extLst>
           </p:cNvPr>
@@ -8992,6 +11929,16 @@
   <p:clrMapOvr>
     <a:masterClrMapping/>
   </p:clrMapOvr>
+  <p:transition spd="med">
+    <p:pull/>
+  </p:transition>
+  <p:timing>
+    <p:tnLst>
+      <p:par>
+        <p:cTn id="1" dur="indefinite" restart="never" nodeType="tmRoot"/>
+      </p:par>
+    </p:tnLst>
+  </p:timing>
 </p:sld>
 </file>
 
@@ -9017,7 +11964,7 @@
           <p:cNvPr id="2" name="Title 1">
             <a:extLst>
               <a:ext uri="{FF2B5EF4-FFF2-40B4-BE49-F238E27FC236}">
-                <a16:creationId xmlns:a16="http://schemas.microsoft.com/office/drawing/2014/main" xmlns="" id="{A099A1FB-912E-4F48-B788-D0FB9686CCD9}"/>
+                <a16:creationId xmlns="" xmlns:a16="http://schemas.microsoft.com/office/drawing/2014/main" id="{A099A1FB-912E-4F48-B788-D0FB9686CCD9}"/>
               </a:ext>
             </a:extLst>
           </p:cNvPr>
@@ -9070,7 +12017,7 @@
           <p:cNvPr id="3" name="Content Placeholder 2">
             <a:extLst>
               <a:ext uri="{FF2B5EF4-FFF2-40B4-BE49-F238E27FC236}">
-                <a16:creationId xmlns:a16="http://schemas.microsoft.com/office/drawing/2014/main" xmlns="" id="{ACD89AA8-2025-4A49-AD74-E08E95BF262D}"/>
+                <a16:creationId xmlns="" xmlns:a16="http://schemas.microsoft.com/office/drawing/2014/main" id="{ACD89AA8-2025-4A49-AD74-E08E95BF262D}"/>
               </a:ext>
             </a:extLst>
           </p:cNvPr>
@@ -9081,7 +12028,12 @@
             <p:ph idx="1"/>
           </p:nvPr>
         </p:nvSpPr>
-        <p:spPr/>
+        <p:spPr>
+          <a:xfrm>
+            <a:off x="1312062" y="3651146"/>
+            <a:ext cx="10178322" cy="3593591"/>
+          </a:xfrm>
+        </p:spPr>
         <p:txBody>
           <a:bodyPr/>
           <a:lstStyle/>
@@ -9154,7 +12106,7 @@
           <p:cNvPr id="4" name="Picture 3">
             <a:extLst>
               <a:ext uri="{FF2B5EF4-FFF2-40B4-BE49-F238E27FC236}">
-                <a16:creationId xmlns:a16="http://schemas.microsoft.com/office/drawing/2014/main" xmlns="" id="{E450221D-5284-4478-958B-9AB99F505C7B}"/>
+                <a16:creationId xmlns="" xmlns:a16="http://schemas.microsoft.com/office/drawing/2014/main" id="{E450221D-5284-4478-958B-9AB99F505C7B}"/>
               </a:ext>
             </a:extLst>
           </p:cNvPr>
@@ -9183,7 +12135,7 @@
           <p:cNvPr id="5" name="Arrow: Right 4">
             <a:extLst>
               <a:ext uri="{FF2B5EF4-FFF2-40B4-BE49-F238E27FC236}">
-                <a16:creationId xmlns:a16="http://schemas.microsoft.com/office/drawing/2014/main" xmlns="" id="{91F0879A-B0AD-4F14-8A95-3F00A09DB6DB}"/>
+                <a16:creationId xmlns="" xmlns:a16="http://schemas.microsoft.com/office/drawing/2014/main" id="{91F0879A-B0AD-4F14-8A95-3F00A09DB6DB}"/>
               </a:ext>
             </a:extLst>
           </p:cNvPr>
@@ -9192,7 +12144,7 @@
         </p:nvSpPr>
         <p:spPr>
           <a:xfrm>
-            <a:off x="2911364" y="2441028"/>
+            <a:off x="2954496" y="3786749"/>
             <a:ext cx="593835" cy="173421"/>
           </a:xfrm>
           <a:prstGeom prst="rightArrow">
@@ -9229,7 +12181,7 @@
           <p:cNvPr id="6" name="Arrow: Right 5">
             <a:extLst>
               <a:ext uri="{FF2B5EF4-FFF2-40B4-BE49-F238E27FC236}">
-                <a16:creationId xmlns:a16="http://schemas.microsoft.com/office/drawing/2014/main" xmlns="" id="{3E9614C0-4EB0-4EFA-9544-FE35FD42809B}"/>
+                <a16:creationId xmlns="" xmlns:a16="http://schemas.microsoft.com/office/drawing/2014/main" id="{3E9614C0-4EB0-4EFA-9544-FE35FD42809B}"/>
               </a:ext>
             </a:extLst>
           </p:cNvPr>
@@ -9238,7 +12190,7 @@
         </p:nvSpPr>
         <p:spPr>
           <a:xfrm>
-            <a:off x="2280743" y="2814144"/>
+            <a:off x="2323875" y="4159865"/>
             <a:ext cx="593835" cy="173421"/>
           </a:xfrm>
           <a:prstGeom prst="rightArrow">
@@ -9275,7 +12227,7 @@
           <p:cNvPr id="7" name="Rectangle 6">
             <a:extLst>
               <a:ext uri="{FF2B5EF4-FFF2-40B4-BE49-F238E27FC236}">
-                <a16:creationId xmlns:a16="http://schemas.microsoft.com/office/drawing/2014/main" xmlns="" id="{3580278A-965B-4B8D-B349-3558B9B0DA05}"/>
+                <a16:creationId xmlns="" xmlns:a16="http://schemas.microsoft.com/office/drawing/2014/main" id="{3580278A-965B-4B8D-B349-3558B9B0DA05}"/>
               </a:ext>
             </a:extLst>
           </p:cNvPr>
@@ -9284,7 +12236,7 @@
         </p:nvSpPr>
         <p:spPr>
           <a:xfrm>
-            <a:off x="5164885" y="1959137"/>
+            <a:off x="5164885" y="2339915"/>
             <a:ext cx="6931573" cy="3970318"/>
           </a:xfrm>
           <a:prstGeom prst="rect">
@@ -9586,6 +12538,133 @@
   <p:clrMapOvr>
     <a:masterClrMapping/>
   </p:clrMapOvr>
+  <p:transition spd="med">
+    <p:pull/>
+  </p:transition>
+  <p:timing>
+    <p:tnLst>
+      <p:par>
+        <p:cTn id="1" dur="indefinite" restart="never" nodeType="tmRoot">
+          <p:childTnLst>
+            <p:seq concurrent="1" nextAc="seek">
+              <p:cTn id="2" dur="indefinite" nodeType="mainSeq">
+                <p:childTnLst>
+                  <p:par>
+                    <p:cTn id="3" fill="hold">
+                      <p:stCondLst>
+                        <p:cond delay="indefinite"/>
+                      </p:stCondLst>
+                      <p:childTnLst>
+                        <p:par>
+                          <p:cTn id="4" fill="hold">
+                            <p:stCondLst>
+                              <p:cond delay="0"/>
+                            </p:stCondLst>
+                            <p:childTnLst>
+                              <p:par>
+                                <p:cTn id="5" presetID="2" presetClass="entr" presetSubtype="2" fill="hold" grpId="0" nodeType="clickEffect">
+                                  <p:stCondLst>
+                                    <p:cond delay="0"/>
+                                  </p:stCondLst>
+                                  <p:childTnLst>
+                                    <p:set>
+                                      <p:cBhvr>
+                                        <p:cTn id="6" dur="1" fill="hold">
+                                          <p:stCondLst>
+                                            <p:cond delay="0"/>
+                                          </p:stCondLst>
+                                        </p:cTn>
+                                        <p:tgtEl>
+                                          <p:spTgt spid="7"/>
+                                        </p:tgtEl>
+                                        <p:attrNameLst>
+                                          <p:attrName>style.visibility</p:attrName>
+                                        </p:attrNameLst>
+                                      </p:cBhvr>
+                                      <p:to>
+                                        <p:strVal val="visible"/>
+                                      </p:to>
+                                    </p:set>
+                                    <p:anim calcmode="lin" valueType="num">
+                                      <p:cBhvr additive="base">
+                                        <p:cTn id="7" dur="500" fill="hold"/>
+                                        <p:tgtEl>
+                                          <p:spTgt spid="7"/>
+                                        </p:tgtEl>
+                                        <p:attrNameLst>
+                                          <p:attrName>ppt_x</p:attrName>
+                                        </p:attrNameLst>
+                                      </p:cBhvr>
+                                      <p:tavLst>
+                                        <p:tav tm="0">
+                                          <p:val>
+                                            <p:strVal val="1+#ppt_w/2"/>
+                                          </p:val>
+                                        </p:tav>
+                                        <p:tav tm="100000">
+                                          <p:val>
+                                            <p:strVal val="#ppt_x"/>
+                                          </p:val>
+                                        </p:tav>
+                                      </p:tavLst>
+                                    </p:anim>
+                                    <p:anim calcmode="lin" valueType="num">
+                                      <p:cBhvr additive="base">
+                                        <p:cTn id="8" dur="500" fill="hold"/>
+                                        <p:tgtEl>
+                                          <p:spTgt spid="7"/>
+                                        </p:tgtEl>
+                                        <p:attrNameLst>
+                                          <p:attrName>ppt_y</p:attrName>
+                                        </p:attrNameLst>
+                                      </p:cBhvr>
+                                      <p:tavLst>
+                                        <p:tav tm="0">
+                                          <p:val>
+                                            <p:strVal val="#ppt_y"/>
+                                          </p:val>
+                                        </p:tav>
+                                        <p:tav tm="100000">
+                                          <p:val>
+                                            <p:strVal val="#ppt_y"/>
+                                          </p:val>
+                                        </p:tav>
+                                      </p:tavLst>
+                                    </p:anim>
+                                  </p:childTnLst>
+                                </p:cTn>
+                              </p:par>
+                            </p:childTnLst>
+                          </p:cTn>
+                        </p:par>
+                      </p:childTnLst>
+                    </p:cTn>
+                  </p:par>
+                </p:childTnLst>
+              </p:cTn>
+              <p:prevCondLst>
+                <p:cond evt="onPrev" delay="0">
+                  <p:tgtEl>
+                    <p:sldTgt/>
+                  </p:tgtEl>
+                </p:cond>
+              </p:prevCondLst>
+              <p:nextCondLst>
+                <p:cond evt="onNext" delay="0">
+                  <p:tgtEl>
+                    <p:sldTgt/>
+                  </p:tgtEl>
+                </p:cond>
+              </p:nextCondLst>
+            </p:seq>
+          </p:childTnLst>
+        </p:cTn>
+      </p:par>
+    </p:tnLst>
+    <p:bldLst>
+      <p:bldP spid="7" grpId="0"/>
+    </p:bldLst>
+  </p:timing>
 </p:sld>
 </file>
 
@@ -9611,7 +12690,7 @@
           <p:cNvPr id="2" name="Title 1">
             <a:extLst>
               <a:ext uri="{FF2B5EF4-FFF2-40B4-BE49-F238E27FC236}">
-                <a16:creationId xmlns:a16="http://schemas.microsoft.com/office/drawing/2014/main" xmlns="" id="{A099A1FB-912E-4F48-B788-D0FB9686CCD9}"/>
+                <a16:creationId xmlns="" xmlns:a16="http://schemas.microsoft.com/office/drawing/2014/main" id="{A099A1FB-912E-4F48-B788-D0FB9686CCD9}"/>
               </a:ext>
             </a:extLst>
           </p:cNvPr>
@@ -9664,7 +12743,7 @@
           <p:cNvPr id="3" name="Content Placeholder 2">
             <a:extLst>
               <a:ext uri="{FF2B5EF4-FFF2-40B4-BE49-F238E27FC236}">
-                <a16:creationId xmlns:a16="http://schemas.microsoft.com/office/drawing/2014/main" xmlns="" id="{ACD89AA8-2025-4A49-AD74-E08E95BF262D}"/>
+                <a16:creationId xmlns="" xmlns:a16="http://schemas.microsoft.com/office/drawing/2014/main" id="{ACD89AA8-2025-4A49-AD74-E08E95BF262D}"/>
               </a:ext>
             </a:extLst>
           </p:cNvPr>
@@ -9709,7 +12788,7 @@
           <p:cNvPr id="4" name="Picture 3">
             <a:extLst>
               <a:ext uri="{FF2B5EF4-FFF2-40B4-BE49-F238E27FC236}">
-                <a16:creationId xmlns:a16="http://schemas.microsoft.com/office/drawing/2014/main" xmlns="" id="{E450221D-5284-4478-958B-9AB99F505C7B}"/>
+                <a16:creationId xmlns="" xmlns:a16="http://schemas.microsoft.com/office/drawing/2014/main" id="{E450221D-5284-4478-958B-9AB99F505C7B}"/>
               </a:ext>
             </a:extLst>
           </p:cNvPr>
@@ -9743,6 +12822,387 @@
   <p:clrMapOvr>
     <a:masterClrMapping/>
   </p:clrMapOvr>
+  <p:transition spd="med">
+    <p:pull/>
+  </p:transition>
+  <p:timing>
+    <p:tnLst>
+      <p:par>
+        <p:cTn id="1" dur="indefinite" restart="never" nodeType="tmRoot">
+          <p:childTnLst>
+            <p:seq concurrent="1" nextAc="seek">
+              <p:cTn id="2" dur="indefinite" nodeType="mainSeq">
+                <p:childTnLst>
+                  <p:par>
+                    <p:cTn id="3" fill="hold">
+                      <p:stCondLst>
+                        <p:cond delay="indefinite"/>
+                      </p:stCondLst>
+                      <p:childTnLst>
+                        <p:par>
+                          <p:cTn id="4" fill="hold">
+                            <p:stCondLst>
+                              <p:cond delay="0"/>
+                            </p:stCondLst>
+                            <p:childTnLst>
+                              <p:par>
+                                <p:cTn id="5" presetID="42" presetClass="entr" presetSubtype="0" fill="hold" grpId="0" nodeType="clickEffect">
+                                  <p:stCondLst>
+                                    <p:cond delay="0"/>
+                                  </p:stCondLst>
+                                  <p:childTnLst>
+                                    <p:set>
+                                      <p:cBhvr>
+                                        <p:cTn id="6" dur="1" fill="hold">
+                                          <p:stCondLst>
+                                            <p:cond delay="0"/>
+                                          </p:stCondLst>
+                                        </p:cTn>
+                                        <p:tgtEl>
+                                          <p:spTgt spid="3">
+                                            <p:txEl>
+                                              <p:pRg st="0" end="0"/>
+                                            </p:txEl>
+                                          </p:spTgt>
+                                        </p:tgtEl>
+                                        <p:attrNameLst>
+                                          <p:attrName>style.visibility</p:attrName>
+                                        </p:attrNameLst>
+                                      </p:cBhvr>
+                                      <p:to>
+                                        <p:strVal val="visible"/>
+                                      </p:to>
+                                    </p:set>
+                                    <p:animEffect transition="in" filter="fade">
+                                      <p:cBhvr>
+                                        <p:cTn id="7" dur="250"/>
+                                        <p:tgtEl>
+                                          <p:spTgt spid="3">
+                                            <p:txEl>
+                                              <p:pRg st="0" end="0"/>
+                                            </p:txEl>
+                                          </p:spTgt>
+                                        </p:tgtEl>
+                                      </p:cBhvr>
+                                    </p:animEffect>
+                                    <p:anim calcmode="lin" valueType="num">
+                                      <p:cBhvr>
+                                        <p:cTn id="8" dur="250" fill="hold"/>
+                                        <p:tgtEl>
+                                          <p:spTgt spid="3">
+                                            <p:txEl>
+                                              <p:pRg st="0" end="0"/>
+                                            </p:txEl>
+                                          </p:spTgt>
+                                        </p:tgtEl>
+                                        <p:attrNameLst>
+                                          <p:attrName>ppt_x</p:attrName>
+                                        </p:attrNameLst>
+                                      </p:cBhvr>
+                                      <p:tavLst>
+                                        <p:tav tm="0">
+                                          <p:val>
+                                            <p:strVal val="#ppt_x"/>
+                                          </p:val>
+                                        </p:tav>
+                                        <p:tav tm="100000">
+                                          <p:val>
+                                            <p:strVal val="#ppt_x"/>
+                                          </p:val>
+                                        </p:tav>
+                                      </p:tavLst>
+                                    </p:anim>
+                                    <p:anim calcmode="lin" valueType="num">
+                                      <p:cBhvr>
+                                        <p:cTn id="9" dur="250" fill="hold"/>
+                                        <p:tgtEl>
+                                          <p:spTgt spid="3">
+                                            <p:txEl>
+                                              <p:pRg st="0" end="0"/>
+                                            </p:txEl>
+                                          </p:spTgt>
+                                        </p:tgtEl>
+                                        <p:attrNameLst>
+                                          <p:attrName>ppt_y</p:attrName>
+                                        </p:attrNameLst>
+                                      </p:cBhvr>
+                                      <p:tavLst>
+                                        <p:tav tm="0">
+                                          <p:val>
+                                            <p:strVal val="#ppt_y+.1"/>
+                                          </p:val>
+                                        </p:tav>
+                                        <p:tav tm="100000">
+                                          <p:val>
+                                            <p:strVal val="#ppt_y"/>
+                                          </p:val>
+                                        </p:tav>
+                                      </p:tavLst>
+                                    </p:anim>
+                                  </p:childTnLst>
+                                </p:cTn>
+                              </p:par>
+                            </p:childTnLst>
+                          </p:cTn>
+                        </p:par>
+                      </p:childTnLst>
+                    </p:cTn>
+                  </p:par>
+                  <p:par>
+                    <p:cTn id="10" fill="hold">
+                      <p:stCondLst>
+                        <p:cond delay="indefinite"/>
+                      </p:stCondLst>
+                      <p:childTnLst>
+                        <p:par>
+                          <p:cTn id="11" fill="hold">
+                            <p:stCondLst>
+                              <p:cond delay="0"/>
+                            </p:stCondLst>
+                            <p:childTnLst>
+                              <p:par>
+                                <p:cTn id="12" presetID="42" presetClass="entr" presetSubtype="0" fill="hold" grpId="0" nodeType="clickEffect">
+                                  <p:stCondLst>
+                                    <p:cond delay="0"/>
+                                  </p:stCondLst>
+                                  <p:childTnLst>
+                                    <p:set>
+                                      <p:cBhvr>
+                                        <p:cTn id="13" dur="1" fill="hold">
+                                          <p:stCondLst>
+                                            <p:cond delay="0"/>
+                                          </p:stCondLst>
+                                        </p:cTn>
+                                        <p:tgtEl>
+                                          <p:spTgt spid="3">
+                                            <p:txEl>
+                                              <p:pRg st="1" end="1"/>
+                                            </p:txEl>
+                                          </p:spTgt>
+                                        </p:tgtEl>
+                                        <p:attrNameLst>
+                                          <p:attrName>style.visibility</p:attrName>
+                                        </p:attrNameLst>
+                                      </p:cBhvr>
+                                      <p:to>
+                                        <p:strVal val="visible"/>
+                                      </p:to>
+                                    </p:set>
+                                    <p:animEffect transition="in" filter="fade">
+                                      <p:cBhvr>
+                                        <p:cTn id="14" dur="250"/>
+                                        <p:tgtEl>
+                                          <p:spTgt spid="3">
+                                            <p:txEl>
+                                              <p:pRg st="1" end="1"/>
+                                            </p:txEl>
+                                          </p:spTgt>
+                                        </p:tgtEl>
+                                      </p:cBhvr>
+                                    </p:animEffect>
+                                    <p:anim calcmode="lin" valueType="num">
+                                      <p:cBhvr>
+                                        <p:cTn id="15" dur="250" fill="hold"/>
+                                        <p:tgtEl>
+                                          <p:spTgt spid="3">
+                                            <p:txEl>
+                                              <p:pRg st="1" end="1"/>
+                                            </p:txEl>
+                                          </p:spTgt>
+                                        </p:tgtEl>
+                                        <p:attrNameLst>
+                                          <p:attrName>ppt_x</p:attrName>
+                                        </p:attrNameLst>
+                                      </p:cBhvr>
+                                      <p:tavLst>
+                                        <p:tav tm="0">
+                                          <p:val>
+                                            <p:strVal val="#ppt_x"/>
+                                          </p:val>
+                                        </p:tav>
+                                        <p:tav tm="100000">
+                                          <p:val>
+                                            <p:strVal val="#ppt_x"/>
+                                          </p:val>
+                                        </p:tav>
+                                      </p:tavLst>
+                                    </p:anim>
+                                    <p:anim calcmode="lin" valueType="num">
+                                      <p:cBhvr>
+                                        <p:cTn id="16" dur="250" fill="hold"/>
+                                        <p:tgtEl>
+                                          <p:spTgt spid="3">
+                                            <p:txEl>
+                                              <p:pRg st="1" end="1"/>
+                                            </p:txEl>
+                                          </p:spTgt>
+                                        </p:tgtEl>
+                                        <p:attrNameLst>
+                                          <p:attrName>ppt_y</p:attrName>
+                                        </p:attrNameLst>
+                                      </p:cBhvr>
+                                      <p:tavLst>
+                                        <p:tav tm="0">
+                                          <p:val>
+                                            <p:strVal val="#ppt_y+.1"/>
+                                          </p:val>
+                                        </p:tav>
+                                        <p:tav tm="100000">
+                                          <p:val>
+                                            <p:strVal val="#ppt_y"/>
+                                          </p:val>
+                                        </p:tav>
+                                      </p:tavLst>
+                                    </p:anim>
+                                  </p:childTnLst>
+                                </p:cTn>
+                              </p:par>
+                            </p:childTnLst>
+                          </p:cTn>
+                        </p:par>
+                      </p:childTnLst>
+                    </p:cTn>
+                  </p:par>
+                  <p:par>
+                    <p:cTn id="17" fill="hold">
+                      <p:stCondLst>
+                        <p:cond delay="indefinite"/>
+                      </p:stCondLst>
+                      <p:childTnLst>
+                        <p:par>
+                          <p:cTn id="18" fill="hold">
+                            <p:stCondLst>
+                              <p:cond delay="0"/>
+                            </p:stCondLst>
+                            <p:childTnLst>
+                              <p:par>
+                                <p:cTn id="19" presetID="42" presetClass="entr" presetSubtype="0" fill="hold" grpId="0" nodeType="clickEffect">
+                                  <p:stCondLst>
+                                    <p:cond delay="0"/>
+                                  </p:stCondLst>
+                                  <p:childTnLst>
+                                    <p:set>
+                                      <p:cBhvr>
+                                        <p:cTn id="20" dur="1" fill="hold">
+                                          <p:stCondLst>
+                                            <p:cond delay="0"/>
+                                          </p:stCondLst>
+                                        </p:cTn>
+                                        <p:tgtEl>
+                                          <p:spTgt spid="3">
+                                            <p:txEl>
+                                              <p:pRg st="2" end="2"/>
+                                            </p:txEl>
+                                          </p:spTgt>
+                                        </p:tgtEl>
+                                        <p:attrNameLst>
+                                          <p:attrName>style.visibility</p:attrName>
+                                        </p:attrNameLst>
+                                      </p:cBhvr>
+                                      <p:to>
+                                        <p:strVal val="visible"/>
+                                      </p:to>
+                                    </p:set>
+                                    <p:animEffect transition="in" filter="fade">
+                                      <p:cBhvr>
+                                        <p:cTn id="21" dur="250"/>
+                                        <p:tgtEl>
+                                          <p:spTgt spid="3">
+                                            <p:txEl>
+                                              <p:pRg st="2" end="2"/>
+                                            </p:txEl>
+                                          </p:spTgt>
+                                        </p:tgtEl>
+                                      </p:cBhvr>
+                                    </p:animEffect>
+                                    <p:anim calcmode="lin" valueType="num">
+                                      <p:cBhvr>
+                                        <p:cTn id="22" dur="250" fill="hold"/>
+                                        <p:tgtEl>
+                                          <p:spTgt spid="3">
+                                            <p:txEl>
+                                              <p:pRg st="2" end="2"/>
+                                            </p:txEl>
+                                          </p:spTgt>
+                                        </p:tgtEl>
+                                        <p:attrNameLst>
+                                          <p:attrName>ppt_x</p:attrName>
+                                        </p:attrNameLst>
+                                      </p:cBhvr>
+                                      <p:tavLst>
+                                        <p:tav tm="0">
+                                          <p:val>
+                                            <p:strVal val="#ppt_x"/>
+                                          </p:val>
+                                        </p:tav>
+                                        <p:tav tm="100000">
+                                          <p:val>
+                                            <p:strVal val="#ppt_x"/>
+                                          </p:val>
+                                        </p:tav>
+                                      </p:tavLst>
+                                    </p:anim>
+                                    <p:anim calcmode="lin" valueType="num">
+                                      <p:cBhvr>
+                                        <p:cTn id="23" dur="250" fill="hold"/>
+                                        <p:tgtEl>
+                                          <p:spTgt spid="3">
+                                            <p:txEl>
+                                              <p:pRg st="2" end="2"/>
+                                            </p:txEl>
+                                          </p:spTgt>
+                                        </p:tgtEl>
+                                        <p:attrNameLst>
+                                          <p:attrName>ppt_y</p:attrName>
+                                        </p:attrNameLst>
+                                      </p:cBhvr>
+                                      <p:tavLst>
+                                        <p:tav tm="0">
+                                          <p:val>
+                                            <p:strVal val="#ppt_y+.1"/>
+                                          </p:val>
+                                        </p:tav>
+                                        <p:tav tm="100000">
+                                          <p:val>
+                                            <p:strVal val="#ppt_y"/>
+                                          </p:val>
+                                        </p:tav>
+                                      </p:tavLst>
+                                    </p:anim>
+                                  </p:childTnLst>
+                                </p:cTn>
+                              </p:par>
+                            </p:childTnLst>
+                          </p:cTn>
+                        </p:par>
+                      </p:childTnLst>
+                    </p:cTn>
+                  </p:par>
+                </p:childTnLst>
+              </p:cTn>
+              <p:prevCondLst>
+                <p:cond evt="onPrev" delay="0">
+                  <p:tgtEl>
+                    <p:sldTgt/>
+                  </p:tgtEl>
+                </p:cond>
+              </p:prevCondLst>
+              <p:nextCondLst>
+                <p:cond evt="onNext" delay="0">
+                  <p:tgtEl>
+                    <p:sldTgt/>
+                  </p:tgtEl>
+                </p:cond>
+              </p:nextCondLst>
+            </p:seq>
+          </p:childTnLst>
+        </p:cTn>
+      </p:par>
+    </p:tnLst>
+    <p:bldLst>
+      <p:bldP spid="3" grpId="0" build="p"/>
+    </p:bldLst>
+  </p:timing>
 </p:sld>
 </file>
 
@@ -9768,7 +13228,7 @@
           <p:cNvPr id="2" name="Title 1">
             <a:extLst>
               <a:ext uri="{FF2B5EF4-FFF2-40B4-BE49-F238E27FC236}">
-                <a16:creationId xmlns:a16="http://schemas.microsoft.com/office/drawing/2014/main" xmlns="" id="{2AFFBDE9-A4CA-46D1-9E11-2DC4C4FA8C05}"/>
+                <a16:creationId xmlns="" xmlns:a16="http://schemas.microsoft.com/office/drawing/2014/main" id="{2AFFBDE9-A4CA-46D1-9E11-2DC4C4FA8C05}"/>
               </a:ext>
             </a:extLst>
           </p:cNvPr>
@@ -9802,6 +13262,16 @@
   <p:clrMapOvr>
     <a:masterClrMapping/>
   </p:clrMapOvr>
+  <p:transition spd="slow">
+    <p:push dir="u"/>
+  </p:transition>
+  <p:timing>
+    <p:tnLst>
+      <p:par>
+        <p:cTn id="1" dur="indefinite" restart="never" nodeType="tmRoot"/>
+      </p:par>
+    </p:tnLst>
+  </p:timing>
 </p:sld>
 </file>
 
@@ -9827,7 +13297,7 @@
           <p:cNvPr id="2" name="Title 1">
             <a:extLst>
               <a:ext uri="{FF2B5EF4-FFF2-40B4-BE49-F238E27FC236}">
-                <a16:creationId xmlns:a16="http://schemas.microsoft.com/office/drawing/2014/main" xmlns="" id="{2AFFBDE9-A4CA-46D1-9E11-2DC4C4FA8C05}"/>
+                <a16:creationId xmlns="" xmlns:a16="http://schemas.microsoft.com/office/drawing/2014/main" id="{2AFFBDE9-A4CA-46D1-9E11-2DC4C4FA8C05}"/>
               </a:ext>
             </a:extLst>
           </p:cNvPr>
@@ -9861,6 +13331,16 @@
   <p:clrMapOvr>
     <a:masterClrMapping/>
   </p:clrMapOvr>
+  <p:transition spd="slow">
+    <p:push dir="d"/>
+  </p:transition>
+  <p:timing>
+    <p:tnLst>
+      <p:par>
+        <p:cTn id="1" dur="indefinite" restart="never" nodeType="tmRoot"/>
+      </p:par>
+    </p:tnLst>
+  </p:timing>
 </p:sld>
 </file>
 
@@ -9886,7 +13366,7 @@
           <p:cNvPr id="2" name="Title 1">
             <a:extLst>
               <a:ext uri="{FF2B5EF4-FFF2-40B4-BE49-F238E27FC236}">
-                <a16:creationId xmlns:a16="http://schemas.microsoft.com/office/drawing/2014/main" xmlns="" id="{47CF6173-F168-431D-8389-8B43DCCADF0D}"/>
+                <a16:creationId xmlns="" xmlns:a16="http://schemas.microsoft.com/office/drawing/2014/main" id="{47CF6173-F168-431D-8389-8B43DCCADF0D}"/>
               </a:ext>
             </a:extLst>
           </p:cNvPr>
@@ -9915,7 +13395,7 @@
           <p:cNvPr id="6" name="Content Placeholder 5">
             <a:extLst>
               <a:ext uri="{FF2B5EF4-FFF2-40B4-BE49-F238E27FC236}">
-                <a16:creationId xmlns:a16="http://schemas.microsoft.com/office/drawing/2014/main" xmlns="" id="{2C866883-B63D-4782-A77E-6F765425BEAA}"/>
+                <a16:creationId xmlns="" xmlns:a16="http://schemas.microsoft.com/office/drawing/2014/main" id="{2C866883-B63D-4782-A77E-6F765425BEAA}"/>
               </a:ext>
             </a:extLst>
           </p:cNvPr>
@@ -9972,7 +13452,7 @@
           <p:cNvPr id="7" name="Picture 6">
             <a:extLst>
               <a:ext uri="{FF2B5EF4-FFF2-40B4-BE49-F238E27FC236}">
-                <a16:creationId xmlns:a16="http://schemas.microsoft.com/office/drawing/2014/main" xmlns="" id="{48A7D666-9B08-45C1-A32C-426952F51E5C}"/>
+                <a16:creationId xmlns="" xmlns:a16="http://schemas.microsoft.com/office/drawing/2014/main" id="{48A7D666-9B08-45C1-A32C-426952F51E5C}"/>
               </a:ext>
             </a:extLst>
           </p:cNvPr>
@@ -10006,6 +13486,16 @@
   <p:clrMapOvr>
     <a:masterClrMapping/>
   </p:clrMapOvr>
+  <p:transition spd="med">
+    <p:pull/>
+  </p:transition>
+  <p:timing>
+    <p:tnLst>
+      <p:par>
+        <p:cTn id="1" dur="indefinite" restart="never" nodeType="tmRoot"/>
+      </p:par>
+    </p:tnLst>
+  </p:timing>
 </p:sld>
 </file>
 
@@ -10031,7 +13521,7 @@
           <p:cNvPr id="2" name="Title 1">
             <a:extLst>
               <a:ext uri="{FF2B5EF4-FFF2-40B4-BE49-F238E27FC236}">
-                <a16:creationId xmlns:a16="http://schemas.microsoft.com/office/drawing/2014/main" xmlns="" id="{960700EE-215B-4EC4-8D67-E133EAC00B70}"/>
+                <a16:creationId xmlns="" xmlns:a16="http://schemas.microsoft.com/office/drawing/2014/main" id="{960700EE-215B-4EC4-8D67-E133EAC00B70}"/>
               </a:ext>
             </a:extLst>
           </p:cNvPr>
@@ -10060,7 +13550,7 @@
           <p:cNvPr id="5" name="Content Placeholder 4">
             <a:extLst>
               <a:ext uri="{FF2B5EF4-FFF2-40B4-BE49-F238E27FC236}">
-                <a16:creationId xmlns:a16="http://schemas.microsoft.com/office/drawing/2014/main" xmlns="" id="{F365A603-3097-4C86-904A-18B1C8A977AC}"/>
+                <a16:creationId xmlns="" xmlns:a16="http://schemas.microsoft.com/office/drawing/2014/main" id="{F365A603-3097-4C86-904A-18B1C8A977AC}"/>
               </a:ext>
             </a:extLst>
           </p:cNvPr>
@@ -10071,7 +13561,12 @@
             <p:ph idx="1"/>
           </p:nvPr>
         </p:nvSpPr>
-        <p:spPr/>
+        <p:spPr>
+          <a:xfrm>
+            <a:off x="1251678" y="2286001"/>
+            <a:ext cx="4536647" cy="1656271"/>
+          </a:xfrm>
+        </p:spPr>
         <p:txBody>
           <a:bodyPr/>
           <a:lstStyle/>
@@ -10133,7 +13628,7 @@
           <p:cNvPr id="6" name="Picture 5">
             <a:extLst>
               <a:ext uri="{FF2B5EF4-FFF2-40B4-BE49-F238E27FC236}">
-                <a16:creationId xmlns:a16="http://schemas.microsoft.com/office/drawing/2014/main" xmlns="" id="{AAF649C8-4581-4C35-AD5C-E74E9C304FA0}"/>
+                <a16:creationId xmlns="" xmlns:a16="http://schemas.microsoft.com/office/drawing/2014/main" id="{AAF649C8-4581-4C35-AD5C-E74E9C304FA0}"/>
               </a:ext>
             </a:extLst>
           </p:cNvPr>
@@ -10162,7 +13657,7 @@
           <p:cNvPr id="1026" name="Picture 2" descr="Risultati immagini per account">
             <a:extLst>
               <a:ext uri="{FF2B5EF4-FFF2-40B4-BE49-F238E27FC236}">
-                <a16:creationId xmlns:a16="http://schemas.microsoft.com/office/drawing/2014/main" xmlns="" id="{631DD45E-D2AC-4BC6-80B4-F5FDCAD92F14}"/>
+                <a16:creationId xmlns="" xmlns:a16="http://schemas.microsoft.com/office/drawing/2014/main" id="{631DD45E-D2AC-4BC6-80B4-F5FDCAD92F14}"/>
               </a:ext>
             </a:extLst>
           </p:cNvPr>
@@ -10209,7 +13704,7 @@
           <p:cNvPr id="8" name="Picture 7">
             <a:extLst>
               <a:ext uri="{FF2B5EF4-FFF2-40B4-BE49-F238E27FC236}">
-                <a16:creationId xmlns:a16="http://schemas.microsoft.com/office/drawing/2014/main" xmlns="" id="{DA37FD9E-7577-4D41-ACD7-ED377CD205D8}"/>
+                <a16:creationId xmlns="" xmlns:a16="http://schemas.microsoft.com/office/drawing/2014/main" id="{DA37FD9E-7577-4D41-ACD7-ED377CD205D8}"/>
               </a:ext>
             </a:extLst>
           </p:cNvPr>
@@ -10243,6 +13738,475 @@
   <p:clrMapOvr>
     <a:masterClrMapping/>
   </p:clrMapOvr>
+  <p:transition spd="med">
+    <p:pull/>
+  </p:transition>
+  <p:timing>
+    <p:tnLst>
+      <p:par>
+        <p:cTn id="1" dur="indefinite" restart="never" nodeType="tmRoot">
+          <p:childTnLst>
+            <p:seq concurrent="1" nextAc="seek">
+              <p:cTn id="2" dur="indefinite" nodeType="mainSeq">
+                <p:childTnLst>
+                  <p:par>
+                    <p:cTn id="3" fill="hold">
+                      <p:stCondLst>
+                        <p:cond delay="indefinite"/>
+                      </p:stCondLst>
+                      <p:childTnLst>
+                        <p:par>
+                          <p:cTn id="4" fill="hold">
+                            <p:stCondLst>
+                              <p:cond delay="0"/>
+                            </p:stCondLst>
+                            <p:childTnLst>
+                              <p:par>
+                                <p:cTn id="5" presetID="42" presetClass="entr" presetSubtype="0" fill="hold" grpId="0" nodeType="clickEffect">
+                                  <p:stCondLst>
+                                    <p:cond delay="0"/>
+                                  </p:stCondLst>
+                                  <p:childTnLst>
+                                    <p:set>
+                                      <p:cBhvr>
+                                        <p:cTn id="6" dur="1" fill="hold">
+                                          <p:stCondLst>
+                                            <p:cond delay="0"/>
+                                          </p:stCondLst>
+                                        </p:cTn>
+                                        <p:tgtEl>
+                                          <p:spTgt spid="5">
+                                            <p:txEl>
+                                              <p:pRg st="0" end="0"/>
+                                            </p:txEl>
+                                          </p:spTgt>
+                                        </p:tgtEl>
+                                        <p:attrNameLst>
+                                          <p:attrName>style.visibility</p:attrName>
+                                        </p:attrNameLst>
+                                      </p:cBhvr>
+                                      <p:to>
+                                        <p:strVal val="visible"/>
+                                      </p:to>
+                                    </p:set>
+                                    <p:animEffect transition="in" filter="fade">
+                                      <p:cBhvr>
+                                        <p:cTn id="7" dur="250"/>
+                                        <p:tgtEl>
+                                          <p:spTgt spid="5">
+                                            <p:txEl>
+                                              <p:pRg st="0" end="0"/>
+                                            </p:txEl>
+                                          </p:spTgt>
+                                        </p:tgtEl>
+                                      </p:cBhvr>
+                                    </p:animEffect>
+                                    <p:anim calcmode="lin" valueType="num">
+                                      <p:cBhvr>
+                                        <p:cTn id="8" dur="250" fill="hold"/>
+                                        <p:tgtEl>
+                                          <p:spTgt spid="5">
+                                            <p:txEl>
+                                              <p:pRg st="0" end="0"/>
+                                            </p:txEl>
+                                          </p:spTgt>
+                                        </p:tgtEl>
+                                        <p:attrNameLst>
+                                          <p:attrName>ppt_x</p:attrName>
+                                        </p:attrNameLst>
+                                      </p:cBhvr>
+                                      <p:tavLst>
+                                        <p:tav tm="0">
+                                          <p:val>
+                                            <p:strVal val="#ppt_x"/>
+                                          </p:val>
+                                        </p:tav>
+                                        <p:tav tm="100000">
+                                          <p:val>
+                                            <p:strVal val="#ppt_x"/>
+                                          </p:val>
+                                        </p:tav>
+                                      </p:tavLst>
+                                    </p:anim>
+                                    <p:anim calcmode="lin" valueType="num">
+                                      <p:cBhvr>
+                                        <p:cTn id="9" dur="250" fill="hold"/>
+                                        <p:tgtEl>
+                                          <p:spTgt spid="5">
+                                            <p:txEl>
+                                              <p:pRg st="0" end="0"/>
+                                            </p:txEl>
+                                          </p:spTgt>
+                                        </p:tgtEl>
+                                        <p:attrNameLst>
+                                          <p:attrName>ppt_y</p:attrName>
+                                        </p:attrNameLst>
+                                      </p:cBhvr>
+                                      <p:tavLst>
+                                        <p:tav tm="0">
+                                          <p:val>
+                                            <p:strVal val="#ppt_y+.1"/>
+                                          </p:val>
+                                        </p:tav>
+                                        <p:tav tm="100000">
+                                          <p:val>
+                                            <p:strVal val="#ppt_y"/>
+                                          </p:val>
+                                        </p:tav>
+                                      </p:tavLst>
+                                    </p:anim>
+                                  </p:childTnLst>
+                                </p:cTn>
+                              </p:par>
+                            </p:childTnLst>
+                          </p:cTn>
+                        </p:par>
+                      </p:childTnLst>
+                    </p:cTn>
+                  </p:par>
+                  <p:par>
+                    <p:cTn id="10" fill="hold">
+                      <p:stCondLst>
+                        <p:cond delay="indefinite"/>
+                      </p:stCondLst>
+                      <p:childTnLst>
+                        <p:par>
+                          <p:cTn id="11" fill="hold">
+                            <p:stCondLst>
+                              <p:cond delay="0"/>
+                            </p:stCondLst>
+                            <p:childTnLst>
+                              <p:par>
+                                <p:cTn id="12" presetID="42" presetClass="entr" presetSubtype="0" fill="hold" grpId="0" nodeType="clickEffect">
+                                  <p:stCondLst>
+                                    <p:cond delay="0"/>
+                                  </p:stCondLst>
+                                  <p:childTnLst>
+                                    <p:set>
+                                      <p:cBhvr>
+                                        <p:cTn id="13" dur="1" fill="hold">
+                                          <p:stCondLst>
+                                            <p:cond delay="0"/>
+                                          </p:stCondLst>
+                                        </p:cTn>
+                                        <p:tgtEl>
+                                          <p:spTgt spid="5">
+                                            <p:txEl>
+                                              <p:pRg st="1" end="1"/>
+                                            </p:txEl>
+                                          </p:spTgt>
+                                        </p:tgtEl>
+                                        <p:attrNameLst>
+                                          <p:attrName>style.visibility</p:attrName>
+                                        </p:attrNameLst>
+                                      </p:cBhvr>
+                                      <p:to>
+                                        <p:strVal val="visible"/>
+                                      </p:to>
+                                    </p:set>
+                                    <p:animEffect transition="in" filter="fade">
+                                      <p:cBhvr>
+                                        <p:cTn id="14" dur="250"/>
+                                        <p:tgtEl>
+                                          <p:spTgt spid="5">
+                                            <p:txEl>
+                                              <p:pRg st="1" end="1"/>
+                                            </p:txEl>
+                                          </p:spTgt>
+                                        </p:tgtEl>
+                                      </p:cBhvr>
+                                    </p:animEffect>
+                                    <p:anim calcmode="lin" valueType="num">
+                                      <p:cBhvr>
+                                        <p:cTn id="15" dur="250" fill="hold"/>
+                                        <p:tgtEl>
+                                          <p:spTgt spid="5">
+                                            <p:txEl>
+                                              <p:pRg st="1" end="1"/>
+                                            </p:txEl>
+                                          </p:spTgt>
+                                        </p:tgtEl>
+                                        <p:attrNameLst>
+                                          <p:attrName>ppt_x</p:attrName>
+                                        </p:attrNameLst>
+                                      </p:cBhvr>
+                                      <p:tavLst>
+                                        <p:tav tm="0">
+                                          <p:val>
+                                            <p:strVal val="#ppt_x"/>
+                                          </p:val>
+                                        </p:tav>
+                                        <p:tav tm="100000">
+                                          <p:val>
+                                            <p:strVal val="#ppt_x"/>
+                                          </p:val>
+                                        </p:tav>
+                                      </p:tavLst>
+                                    </p:anim>
+                                    <p:anim calcmode="lin" valueType="num">
+                                      <p:cBhvr>
+                                        <p:cTn id="16" dur="250" fill="hold"/>
+                                        <p:tgtEl>
+                                          <p:spTgt spid="5">
+                                            <p:txEl>
+                                              <p:pRg st="1" end="1"/>
+                                            </p:txEl>
+                                          </p:spTgt>
+                                        </p:tgtEl>
+                                        <p:attrNameLst>
+                                          <p:attrName>ppt_y</p:attrName>
+                                        </p:attrNameLst>
+                                      </p:cBhvr>
+                                      <p:tavLst>
+                                        <p:tav tm="0">
+                                          <p:val>
+                                            <p:strVal val="#ppt_y+.1"/>
+                                          </p:val>
+                                        </p:tav>
+                                        <p:tav tm="100000">
+                                          <p:val>
+                                            <p:strVal val="#ppt_y"/>
+                                          </p:val>
+                                        </p:tav>
+                                      </p:tavLst>
+                                    </p:anim>
+                                  </p:childTnLst>
+                                </p:cTn>
+                              </p:par>
+                            </p:childTnLst>
+                          </p:cTn>
+                        </p:par>
+                      </p:childTnLst>
+                    </p:cTn>
+                  </p:par>
+                  <p:par>
+                    <p:cTn id="17" fill="hold">
+                      <p:stCondLst>
+                        <p:cond delay="indefinite"/>
+                      </p:stCondLst>
+                      <p:childTnLst>
+                        <p:par>
+                          <p:cTn id="18" fill="hold">
+                            <p:stCondLst>
+                              <p:cond delay="0"/>
+                            </p:stCondLst>
+                            <p:childTnLst>
+                              <p:par>
+                                <p:cTn id="19" presetID="42" presetClass="entr" presetSubtype="0" fill="hold" grpId="0" nodeType="clickEffect">
+                                  <p:stCondLst>
+                                    <p:cond delay="0"/>
+                                  </p:stCondLst>
+                                  <p:childTnLst>
+                                    <p:set>
+                                      <p:cBhvr>
+                                        <p:cTn id="20" dur="1" fill="hold">
+                                          <p:stCondLst>
+                                            <p:cond delay="0"/>
+                                          </p:stCondLst>
+                                        </p:cTn>
+                                        <p:tgtEl>
+                                          <p:spTgt spid="5">
+                                            <p:txEl>
+                                              <p:pRg st="2" end="2"/>
+                                            </p:txEl>
+                                          </p:spTgt>
+                                        </p:tgtEl>
+                                        <p:attrNameLst>
+                                          <p:attrName>style.visibility</p:attrName>
+                                        </p:attrNameLst>
+                                      </p:cBhvr>
+                                      <p:to>
+                                        <p:strVal val="visible"/>
+                                      </p:to>
+                                    </p:set>
+                                    <p:animEffect transition="in" filter="fade">
+                                      <p:cBhvr>
+                                        <p:cTn id="21" dur="250"/>
+                                        <p:tgtEl>
+                                          <p:spTgt spid="5">
+                                            <p:txEl>
+                                              <p:pRg st="2" end="2"/>
+                                            </p:txEl>
+                                          </p:spTgt>
+                                        </p:tgtEl>
+                                      </p:cBhvr>
+                                    </p:animEffect>
+                                    <p:anim calcmode="lin" valueType="num">
+                                      <p:cBhvr>
+                                        <p:cTn id="22" dur="250" fill="hold"/>
+                                        <p:tgtEl>
+                                          <p:spTgt spid="5">
+                                            <p:txEl>
+                                              <p:pRg st="2" end="2"/>
+                                            </p:txEl>
+                                          </p:spTgt>
+                                        </p:tgtEl>
+                                        <p:attrNameLst>
+                                          <p:attrName>ppt_x</p:attrName>
+                                        </p:attrNameLst>
+                                      </p:cBhvr>
+                                      <p:tavLst>
+                                        <p:tav tm="0">
+                                          <p:val>
+                                            <p:strVal val="#ppt_x"/>
+                                          </p:val>
+                                        </p:tav>
+                                        <p:tav tm="100000">
+                                          <p:val>
+                                            <p:strVal val="#ppt_x"/>
+                                          </p:val>
+                                        </p:tav>
+                                      </p:tavLst>
+                                    </p:anim>
+                                    <p:anim calcmode="lin" valueType="num">
+                                      <p:cBhvr>
+                                        <p:cTn id="23" dur="250" fill="hold"/>
+                                        <p:tgtEl>
+                                          <p:spTgt spid="5">
+                                            <p:txEl>
+                                              <p:pRg st="2" end="2"/>
+                                            </p:txEl>
+                                          </p:spTgt>
+                                        </p:tgtEl>
+                                        <p:attrNameLst>
+                                          <p:attrName>ppt_y</p:attrName>
+                                        </p:attrNameLst>
+                                      </p:cBhvr>
+                                      <p:tavLst>
+                                        <p:tav tm="0">
+                                          <p:val>
+                                            <p:strVal val="#ppt_y+.1"/>
+                                          </p:val>
+                                        </p:tav>
+                                        <p:tav tm="100000">
+                                          <p:val>
+                                            <p:strVal val="#ppt_y"/>
+                                          </p:val>
+                                        </p:tav>
+                                      </p:tavLst>
+                                    </p:anim>
+                                  </p:childTnLst>
+                                </p:cTn>
+                              </p:par>
+                            </p:childTnLst>
+                          </p:cTn>
+                        </p:par>
+                        <p:par>
+                          <p:cTn id="24" fill="hold">
+                            <p:stCondLst>
+                              <p:cond delay="250"/>
+                            </p:stCondLst>
+                            <p:childTnLst>
+                              <p:par>
+                                <p:cTn id="25" presetID="10" presetClass="entr" presetSubtype="0" fill="hold" nodeType="afterEffect">
+                                  <p:stCondLst>
+                                    <p:cond delay="0"/>
+                                  </p:stCondLst>
+                                  <p:childTnLst>
+                                    <p:set>
+                                      <p:cBhvr>
+                                        <p:cTn id="26" dur="1" fill="hold">
+                                          <p:stCondLst>
+                                            <p:cond delay="0"/>
+                                          </p:stCondLst>
+                                        </p:cTn>
+                                        <p:tgtEl>
+                                          <p:spTgt spid="1026"/>
+                                        </p:tgtEl>
+                                        <p:attrNameLst>
+                                          <p:attrName>style.visibility</p:attrName>
+                                        </p:attrNameLst>
+                                      </p:cBhvr>
+                                      <p:to>
+                                        <p:strVal val="visible"/>
+                                      </p:to>
+                                    </p:set>
+                                    <p:animEffect transition="in" filter="fade">
+                                      <p:cBhvr>
+                                        <p:cTn id="27" dur="500"/>
+                                        <p:tgtEl>
+                                          <p:spTgt spid="1026"/>
+                                        </p:tgtEl>
+                                      </p:cBhvr>
+                                    </p:animEffect>
+                                  </p:childTnLst>
+                                </p:cTn>
+                              </p:par>
+                            </p:childTnLst>
+                          </p:cTn>
+                        </p:par>
+                        <p:par>
+                          <p:cTn id="28" fill="hold">
+                            <p:stCondLst>
+                              <p:cond delay="750"/>
+                            </p:stCondLst>
+                            <p:childTnLst>
+                              <p:par>
+                                <p:cTn id="29" presetID="10" presetClass="entr" presetSubtype="0" fill="hold" nodeType="afterEffect">
+                                  <p:stCondLst>
+                                    <p:cond delay="0"/>
+                                  </p:stCondLst>
+                                  <p:childTnLst>
+                                    <p:set>
+                                      <p:cBhvr>
+                                        <p:cTn id="30" dur="1" fill="hold">
+                                          <p:stCondLst>
+                                            <p:cond delay="0"/>
+                                          </p:stCondLst>
+                                        </p:cTn>
+                                        <p:tgtEl>
+                                          <p:spTgt spid="8"/>
+                                        </p:tgtEl>
+                                        <p:attrNameLst>
+                                          <p:attrName>style.visibility</p:attrName>
+                                        </p:attrNameLst>
+                                      </p:cBhvr>
+                                      <p:to>
+                                        <p:strVal val="visible"/>
+                                      </p:to>
+                                    </p:set>
+                                    <p:animEffect transition="in" filter="fade">
+                                      <p:cBhvr>
+                                        <p:cTn id="31" dur="500"/>
+                                        <p:tgtEl>
+                                          <p:spTgt spid="8"/>
+                                        </p:tgtEl>
+                                      </p:cBhvr>
+                                    </p:animEffect>
+                                  </p:childTnLst>
+                                </p:cTn>
+                              </p:par>
+                            </p:childTnLst>
+                          </p:cTn>
+                        </p:par>
+                      </p:childTnLst>
+                    </p:cTn>
+                  </p:par>
+                </p:childTnLst>
+              </p:cTn>
+              <p:prevCondLst>
+                <p:cond evt="onPrev" delay="0">
+                  <p:tgtEl>
+                    <p:sldTgt/>
+                  </p:tgtEl>
+                </p:cond>
+              </p:prevCondLst>
+              <p:nextCondLst>
+                <p:cond evt="onNext" delay="0">
+                  <p:tgtEl>
+                    <p:sldTgt/>
+                  </p:tgtEl>
+                </p:cond>
+              </p:nextCondLst>
+            </p:seq>
+          </p:childTnLst>
+        </p:cTn>
+      </p:par>
+    </p:tnLst>
+    <p:bldLst>
+      <p:bldP spid="5" grpId="0" build="p"/>
+    </p:bldLst>
+  </p:timing>
 </p:sld>
 </file>
 
@@ -10268,7 +14232,7 @@
           <p:cNvPr id="2" name="Title 1">
             <a:extLst>
               <a:ext uri="{FF2B5EF4-FFF2-40B4-BE49-F238E27FC236}">
-                <a16:creationId xmlns:a16="http://schemas.microsoft.com/office/drawing/2014/main" xmlns="" id="{3CAF610C-2324-475E-A8CB-B47F2555B20B}"/>
+                <a16:creationId xmlns="" xmlns:a16="http://schemas.microsoft.com/office/drawing/2014/main" id="{3CAF610C-2324-475E-A8CB-B47F2555B20B}"/>
               </a:ext>
             </a:extLst>
           </p:cNvPr>
@@ -10302,7 +14266,7 @@
           <p:cNvPr id="3" name="Content Placeholder 2">
             <a:extLst>
               <a:ext uri="{FF2B5EF4-FFF2-40B4-BE49-F238E27FC236}">
-                <a16:creationId xmlns:a16="http://schemas.microsoft.com/office/drawing/2014/main" xmlns="" id="{B77D2A5B-32B1-41F4-B443-B7AC7FE31736}"/>
+                <a16:creationId xmlns="" xmlns:a16="http://schemas.microsoft.com/office/drawing/2014/main" id="{B77D2A5B-32B1-41F4-B443-B7AC7FE31736}"/>
               </a:ext>
             </a:extLst>
           </p:cNvPr>
@@ -10327,7 +14291,7 @@
           <p:cNvPr id="5" name="Picture 4">
             <a:extLst>
               <a:ext uri="{FF2B5EF4-FFF2-40B4-BE49-F238E27FC236}">
-                <a16:creationId xmlns:a16="http://schemas.microsoft.com/office/drawing/2014/main" xmlns="" id="{168D87F8-C75D-4FBE-8DBA-DFD9A425CF79}"/>
+                <a16:creationId xmlns="" xmlns:a16="http://schemas.microsoft.com/office/drawing/2014/main" id="{168D87F8-C75D-4FBE-8DBA-DFD9A425CF79}"/>
               </a:ext>
             </a:extLst>
           </p:cNvPr>
@@ -10356,7 +14320,7 @@
           <p:cNvPr id="6" name="Content Placeholder 4">
             <a:extLst>
               <a:ext uri="{FF2B5EF4-FFF2-40B4-BE49-F238E27FC236}">
-                <a16:creationId xmlns:a16="http://schemas.microsoft.com/office/drawing/2014/main" xmlns="" id="{8C7E422D-9CE7-4BC7-A5A6-25EF5B3ED7E2}"/>
+                <a16:creationId xmlns="" xmlns:a16="http://schemas.microsoft.com/office/drawing/2014/main" id="{8C7E422D-9CE7-4BC7-A5A6-25EF5B3ED7E2}"/>
               </a:ext>
             </a:extLst>
           </p:cNvPr>
@@ -10391,6 +14355,9 @@
   <p:clrMapOvr>
     <a:masterClrMapping/>
   </p:clrMapOvr>
+  <p:transition spd="med">
+    <p:pull/>
+  </p:transition>
   <p:timing>
     <p:tnLst>
       <p:par>
@@ -10545,7 +14512,7 @@
           <p:cNvPr id="2" name="Title 1">
             <a:extLst>
               <a:ext uri="{FF2B5EF4-FFF2-40B4-BE49-F238E27FC236}">
-                <a16:creationId xmlns:a16="http://schemas.microsoft.com/office/drawing/2014/main" xmlns="" id="{07D7043A-92A3-4CEA-93E0-2A4E3D709F2F}"/>
+                <a16:creationId xmlns="" xmlns:a16="http://schemas.microsoft.com/office/drawing/2014/main" id="{07D7043A-92A3-4CEA-93E0-2A4E3D709F2F}"/>
               </a:ext>
             </a:extLst>
           </p:cNvPr>
@@ -10574,7 +14541,7 @@
           <p:cNvPr id="5" name="Content Placeholder 4">
             <a:extLst>
               <a:ext uri="{FF2B5EF4-FFF2-40B4-BE49-F238E27FC236}">
-                <a16:creationId xmlns:a16="http://schemas.microsoft.com/office/drawing/2014/main" xmlns="" id="{DB65960D-9E22-42E8-99D3-01DB1B42D991}"/>
+                <a16:creationId xmlns="" xmlns:a16="http://schemas.microsoft.com/office/drawing/2014/main" id="{DB65960D-9E22-42E8-99D3-01DB1B42D991}"/>
               </a:ext>
             </a:extLst>
           </p:cNvPr>
@@ -10605,7 +14572,7 @@
           <p:cNvPr id="4" name="Picture 3">
             <a:extLst>
               <a:ext uri="{FF2B5EF4-FFF2-40B4-BE49-F238E27FC236}">
-                <a16:creationId xmlns:a16="http://schemas.microsoft.com/office/drawing/2014/main" xmlns="" id="{D685C51E-2F7C-4CBA-8A8B-2F06AC4B57D8}"/>
+                <a16:creationId xmlns="" xmlns:a16="http://schemas.microsoft.com/office/drawing/2014/main" id="{D685C51E-2F7C-4CBA-8A8B-2F06AC4B57D8}"/>
               </a:ext>
             </a:extLst>
           </p:cNvPr>
@@ -10634,7 +14601,7 @@
           <p:cNvPr id="6" name="TextBox 5">
             <a:extLst>
               <a:ext uri="{FF2B5EF4-FFF2-40B4-BE49-F238E27FC236}">
-                <a16:creationId xmlns:a16="http://schemas.microsoft.com/office/drawing/2014/main" xmlns="" id="{E73583F6-F665-4C0C-95B2-1204CB568296}"/>
+                <a16:creationId xmlns="" xmlns:a16="http://schemas.microsoft.com/office/drawing/2014/main" id="{E73583F6-F665-4C0C-95B2-1204CB568296}"/>
               </a:ext>
             </a:extLst>
           </p:cNvPr>
@@ -10678,7 +14645,7 @@
           <p:cNvPr id="7" name="Picture 6">
             <a:extLst>
               <a:ext uri="{FF2B5EF4-FFF2-40B4-BE49-F238E27FC236}">
-                <a16:creationId xmlns:a16="http://schemas.microsoft.com/office/drawing/2014/main" xmlns="" id="{C1801E7E-AF84-4C07-83FB-580B2E0126CD}"/>
+                <a16:creationId xmlns="" xmlns:a16="http://schemas.microsoft.com/office/drawing/2014/main" id="{C1801E7E-AF84-4C07-83FB-580B2E0126CD}"/>
               </a:ext>
             </a:extLst>
           </p:cNvPr>
@@ -10707,7 +14674,7 @@
           <p:cNvPr id="8" name="TextBox 7">
             <a:extLst>
               <a:ext uri="{FF2B5EF4-FFF2-40B4-BE49-F238E27FC236}">
-                <a16:creationId xmlns:a16="http://schemas.microsoft.com/office/drawing/2014/main" xmlns="" id="{304B24B3-76F3-4EFC-8E88-32B50554A005}"/>
+                <a16:creationId xmlns="" xmlns:a16="http://schemas.microsoft.com/office/drawing/2014/main" id="{304B24B3-76F3-4EFC-8E88-32B50554A005}"/>
               </a:ext>
             </a:extLst>
           </p:cNvPr>
@@ -10751,7 +14718,7 @@
           <p:cNvPr id="9" name="Picture 8">
             <a:extLst>
               <a:ext uri="{FF2B5EF4-FFF2-40B4-BE49-F238E27FC236}">
-                <a16:creationId xmlns:a16="http://schemas.microsoft.com/office/drawing/2014/main" xmlns="" id="{636EBA5D-4174-43AA-9EF4-5FFEAB1C91E6}"/>
+                <a16:creationId xmlns="" xmlns:a16="http://schemas.microsoft.com/office/drawing/2014/main" id="{636EBA5D-4174-43AA-9EF4-5FFEAB1C91E6}"/>
               </a:ext>
             </a:extLst>
           </p:cNvPr>
@@ -10780,7 +14747,7 @@
           <p:cNvPr id="10" name="TextBox 9">
             <a:extLst>
               <a:ext uri="{FF2B5EF4-FFF2-40B4-BE49-F238E27FC236}">
-                <a16:creationId xmlns:a16="http://schemas.microsoft.com/office/drawing/2014/main" xmlns="" id="{62EAD19E-9A2A-43A9-9DD2-72812500B3C3}"/>
+                <a16:creationId xmlns="" xmlns:a16="http://schemas.microsoft.com/office/drawing/2014/main" id="{62EAD19E-9A2A-43A9-9DD2-72812500B3C3}"/>
               </a:ext>
             </a:extLst>
           </p:cNvPr>
@@ -10829,6 +14796,584 @@
   <p:clrMapOvr>
     <a:masterClrMapping/>
   </p:clrMapOvr>
+  <p:transition spd="med">
+    <p:pull/>
+  </p:transition>
+  <p:timing>
+    <p:tnLst>
+      <p:par>
+        <p:cTn id="1" dur="indefinite" restart="never" nodeType="tmRoot">
+          <p:childTnLst>
+            <p:seq concurrent="1" nextAc="seek">
+              <p:cTn id="2" dur="indefinite" nodeType="mainSeq">
+                <p:childTnLst>
+                  <p:par>
+                    <p:cTn id="3" fill="hold">
+                      <p:stCondLst>
+                        <p:cond delay="indefinite"/>
+                      </p:stCondLst>
+                      <p:childTnLst>
+                        <p:par>
+                          <p:cTn id="4" fill="hold">
+                            <p:stCondLst>
+                              <p:cond delay="0"/>
+                            </p:stCondLst>
+                            <p:childTnLst>
+                              <p:par>
+                                <p:cTn id="5" presetID="42" presetClass="entr" presetSubtype="0" fill="hold" nodeType="clickEffect">
+                                  <p:stCondLst>
+                                    <p:cond delay="0"/>
+                                  </p:stCondLst>
+                                  <p:childTnLst>
+                                    <p:set>
+                                      <p:cBhvr>
+                                        <p:cTn id="6" dur="1" fill="hold">
+                                          <p:stCondLst>
+                                            <p:cond delay="0"/>
+                                          </p:stCondLst>
+                                        </p:cTn>
+                                        <p:tgtEl>
+                                          <p:spTgt spid="5"/>
+                                        </p:tgtEl>
+                                        <p:attrNameLst>
+                                          <p:attrName>style.visibility</p:attrName>
+                                        </p:attrNameLst>
+                                      </p:cBhvr>
+                                      <p:to>
+                                        <p:strVal val="visible"/>
+                                      </p:to>
+                                    </p:set>
+                                    <p:animEffect transition="in" filter="fade">
+                                      <p:cBhvr>
+                                        <p:cTn id="7" dur="1000"/>
+                                        <p:tgtEl>
+                                          <p:spTgt spid="5"/>
+                                        </p:tgtEl>
+                                      </p:cBhvr>
+                                    </p:animEffect>
+                                    <p:anim calcmode="lin" valueType="num">
+                                      <p:cBhvr>
+                                        <p:cTn id="8" dur="1000" fill="hold"/>
+                                        <p:tgtEl>
+                                          <p:spTgt spid="5"/>
+                                        </p:tgtEl>
+                                        <p:attrNameLst>
+                                          <p:attrName>ppt_x</p:attrName>
+                                        </p:attrNameLst>
+                                      </p:cBhvr>
+                                      <p:tavLst>
+                                        <p:tav tm="0">
+                                          <p:val>
+                                            <p:strVal val="#ppt_x"/>
+                                          </p:val>
+                                        </p:tav>
+                                        <p:tav tm="100000">
+                                          <p:val>
+                                            <p:strVal val="#ppt_x"/>
+                                          </p:val>
+                                        </p:tav>
+                                      </p:tavLst>
+                                    </p:anim>
+                                    <p:anim calcmode="lin" valueType="num">
+                                      <p:cBhvr>
+                                        <p:cTn id="9" dur="1000" fill="hold"/>
+                                        <p:tgtEl>
+                                          <p:spTgt spid="5"/>
+                                        </p:tgtEl>
+                                        <p:attrNameLst>
+                                          <p:attrName>ppt_y</p:attrName>
+                                        </p:attrNameLst>
+                                      </p:cBhvr>
+                                      <p:tavLst>
+                                        <p:tav tm="0">
+                                          <p:val>
+                                            <p:strVal val="#ppt_y+.1"/>
+                                          </p:val>
+                                        </p:tav>
+                                        <p:tav tm="100000">
+                                          <p:val>
+                                            <p:strVal val="#ppt_y"/>
+                                          </p:val>
+                                        </p:tav>
+                                      </p:tavLst>
+                                    </p:anim>
+                                  </p:childTnLst>
+                                </p:cTn>
+                              </p:par>
+                              <p:par>
+                                <p:cTn id="10" presetID="42" presetClass="entr" presetSubtype="0" fill="hold" grpId="0" nodeType="withEffect">
+                                  <p:stCondLst>
+                                    <p:cond delay="0"/>
+                                  </p:stCondLst>
+                                  <p:childTnLst>
+                                    <p:set>
+                                      <p:cBhvr>
+                                        <p:cTn id="11" dur="1" fill="hold">
+                                          <p:stCondLst>
+                                            <p:cond delay="0"/>
+                                          </p:stCondLst>
+                                        </p:cTn>
+                                        <p:tgtEl>
+                                          <p:spTgt spid="6"/>
+                                        </p:tgtEl>
+                                        <p:attrNameLst>
+                                          <p:attrName>style.visibility</p:attrName>
+                                        </p:attrNameLst>
+                                      </p:cBhvr>
+                                      <p:to>
+                                        <p:strVal val="visible"/>
+                                      </p:to>
+                                    </p:set>
+                                    <p:animEffect transition="in" filter="fade">
+                                      <p:cBhvr>
+                                        <p:cTn id="12" dur="1000"/>
+                                        <p:tgtEl>
+                                          <p:spTgt spid="6"/>
+                                        </p:tgtEl>
+                                      </p:cBhvr>
+                                    </p:animEffect>
+                                    <p:anim calcmode="lin" valueType="num">
+                                      <p:cBhvr>
+                                        <p:cTn id="13" dur="1000" fill="hold"/>
+                                        <p:tgtEl>
+                                          <p:spTgt spid="6"/>
+                                        </p:tgtEl>
+                                        <p:attrNameLst>
+                                          <p:attrName>ppt_x</p:attrName>
+                                        </p:attrNameLst>
+                                      </p:cBhvr>
+                                      <p:tavLst>
+                                        <p:tav tm="0">
+                                          <p:val>
+                                            <p:strVal val="#ppt_x"/>
+                                          </p:val>
+                                        </p:tav>
+                                        <p:tav tm="100000">
+                                          <p:val>
+                                            <p:strVal val="#ppt_x"/>
+                                          </p:val>
+                                        </p:tav>
+                                      </p:tavLst>
+                                    </p:anim>
+                                    <p:anim calcmode="lin" valueType="num">
+                                      <p:cBhvr>
+                                        <p:cTn id="14" dur="1000" fill="hold"/>
+                                        <p:tgtEl>
+                                          <p:spTgt spid="6"/>
+                                        </p:tgtEl>
+                                        <p:attrNameLst>
+                                          <p:attrName>ppt_y</p:attrName>
+                                        </p:attrNameLst>
+                                      </p:cBhvr>
+                                      <p:tavLst>
+                                        <p:tav tm="0">
+                                          <p:val>
+                                            <p:strVal val="#ppt_y+.1"/>
+                                          </p:val>
+                                        </p:tav>
+                                        <p:tav tm="100000">
+                                          <p:val>
+                                            <p:strVal val="#ppt_y"/>
+                                          </p:val>
+                                        </p:tav>
+                                      </p:tavLst>
+                                    </p:anim>
+                                  </p:childTnLst>
+                                </p:cTn>
+                              </p:par>
+                            </p:childTnLst>
+                          </p:cTn>
+                        </p:par>
+                      </p:childTnLst>
+                    </p:cTn>
+                  </p:par>
+                  <p:par>
+                    <p:cTn id="15" fill="hold">
+                      <p:stCondLst>
+                        <p:cond delay="indefinite"/>
+                      </p:stCondLst>
+                      <p:childTnLst>
+                        <p:par>
+                          <p:cTn id="16" fill="hold">
+                            <p:stCondLst>
+                              <p:cond delay="0"/>
+                            </p:stCondLst>
+                            <p:childTnLst>
+                              <p:par>
+                                <p:cTn id="17" presetID="42" presetClass="entr" presetSubtype="0" fill="hold" nodeType="clickEffect">
+                                  <p:stCondLst>
+                                    <p:cond delay="0"/>
+                                  </p:stCondLst>
+                                  <p:childTnLst>
+                                    <p:set>
+                                      <p:cBhvr>
+                                        <p:cTn id="18" dur="1" fill="hold">
+                                          <p:stCondLst>
+                                            <p:cond delay="0"/>
+                                          </p:stCondLst>
+                                        </p:cTn>
+                                        <p:tgtEl>
+                                          <p:spTgt spid="7"/>
+                                        </p:tgtEl>
+                                        <p:attrNameLst>
+                                          <p:attrName>style.visibility</p:attrName>
+                                        </p:attrNameLst>
+                                      </p:cBhvr>
+                                      <p:to>
+                                        <p:strVal val="visible"/>
+                                      </p:to>
+                                    </p:set>
+                                    <p:animEffect transition="in" filter="fade">
+                                      <p:cBhvr>
+                                        <p:cTn id="19" dur="1000"/>
+                                        <p:tgtEl>
+                                          <p:spTgt spid="7"/>
+                                        </p:tgtEl>
+                                      </p:cBhvr>
+                                    </p:animEffect>
+                                    <p:anim calcmode="lin" valueType="num">
+                                      <p:cBhvr>
+                                        <p:cTn id="20" dur="1000" fill="hold"/>
+                                        <p:tgtEl>
+                                          <p:spTgt spid="7"/>
+                                        </p:tgtEl>
+                                        <p:attrNameLst>
+                                          <p:attrName>ppt_x</p:attrName>
+                                        </p:attrNameLst>
+                                      </p:cBhvr>
+                                      <p:tavLst>
+                                        <p:tav tm="0">
+                                          <p:val>
+                                            <p:strVal val="#ppt_x"/>
+                                          </p:val>
+                                        </p:tav>
+                                        <p:tav tm="100000">
+                                          <p:val>
+                                            <p:strVal val="#ppt_x"/>
+                                          </p:val>
+                                        </p:tav>
+                                      </p:tavLst>
+                                    </p:anim>
+                                    <p:anim calcmode="lin" valueType="num">
+                                      <p:cBhvr>
+                                        <p:cTn id="21" dur="1000" fill="hold"/>
+                                        <p:tgtEl>
+                                          <p:spTgt spid="7"/>
+                                        </p:tgtEl>
+                                        <p:attrNameLst>
+                                          <p:attrName>ppt_y</p:attrName>
+                                        </p:attrNameLst>
+                                      </p:cBhvr>
+                                      <p:tavLst>
+                                        <p:tav tm="0">
+                                          <p:val>
+                                            <p:strVal val="#ppt_y+.1"/>
+                                          </p:val>
+                                        </p:tav>
+                                        <p:tav tm="100000">
+                                          <p:val>
+                                            <p:strVal val="#ppt_y"/>
+                                          </p:val>
+                                        </p:tav>
+                                      </p:tavLst>
+                                    </p:anim>
+                                  </p:childTnLst>
+                                </p:cTn>
+                              </p:par>
+                              <p:par>
+                                <p:cTn id="22" presetID="42" presetClass="entr" presetSubtype="0" fill="hold" grpId="0" nodeType="withEffect">
+                                  <p:stCondLst>
+                                    <p:cond delay="0"/>
+                                  </p:stCondLst>
+                                  <p:childTnLst>
+                                    <p:set>
+                                      <p:cBhvr>
+                                        <p:cTn id="23" dur="1" fill="hold">
+                                          <p:stCondLst>
+                                            <p:cond delay="0"/>
+                                          </p:stCondLst>
+                                        </p:cTn>
+                                        <p:tgtEl>
+                                          <p:spTgt spid="8"/>
+                                        </p:tgtEl>
+                                        <p:attrNameLst>
+                                          <p:attrName>style.visibility</p:attrName>
+                                        </p:attrNameLst>
+                                      </p:cBhvr>
+                                      <p:to>
+                                        <p:strVal val="visible"/>
+                                      </p:to>
+                                    </p:set>
+                                    <p:animEffect transition="in" filter="fade">
+                                      <p:cBhvr>
+                                        <p:cTn id="24" dur="1000"/>
+                                        <p:tgtEl>
+                                          <p:spTgt spid="8"/>
+                                        </p:tgtEl>
+                                      </p:cBhvr>
+                                    </p:animEffect>
+                                    <p:anim calcmode="lin" valueType="num">
+                                      <p:cBhvr>
+                                        <p:cTn id="25" dur="1000" fill="hold"/>
+                                        <p:tgtEl>
+                                          <p:spTgt spid="8"/>
+                                        </p:tgtEl>
+                                        <p:attrNameLst>
+                                          <p:attrName>ppt_x</p:attrName>
+                                        </p:attrNameLst>
+                                      </p:cBhvr>
+                                      <p:tavLst>
+                                        <p:tav tm="0">
+                                          <p:val>
+                                            <p:strVal val="#ppt_x"/>
+                                          </p:val>
+                                        </p:tav>
+                                        <p:tav tm="100000">
+                                          <p:val>
+                                            <p:strVal val="#ppt_x"/>
+                                          </p:val>
+                                        </p:tav>
+                                      </p:tavLst>
+                                    </p:anim>
+                                    <p:anim calcmode="lin" valueType="num">
+                                      <p:cBhvr>
+                                        <p:cTn id="26" dur="1000" fill="hold"/>
+                                        <p:tgtEl>
+                                          <p:spTgt spid="8"/>
+                                        </p:tgtEl>
+                                        <p:attrNameLst>
+                                          <p:attrName>ppt_y</p:attrName>
+                                        </p:attrNameLst>
+                                      </p:cBhvr>
+                                      <p:tavLst>
+                                        <p:tav tm="0">
+                                          <p:val>
+                                            <p:strVal val="#ppt_y+.1"/>
+                                          </p:val>
+                                        </p:tav>
+                                        <p:tav tm="100000">
+                                          <p:val>
+                                            <p:strVal val="#ppt_y"/>
+                                          </p:val>
+                                        </p:tav>
+                                      </p:tavLst>
+                                    </p:anim>
+                                  </p:childTnLst>
+                                </p:cTn>
+                              </p:par>
+                            </p:childTnLst>
+                          </p:cTn>
+                        </p:par>
+                      </p:childTnLst>
+                    </p:cTn>
+                  </p:par>
+                  <p:par>
+                    <p:cTn id="27" fill="hold">
+                      <p:stCondLst>
+                        <p:cond delay="indefinite"/>
+                      </p:stCondLst>
+                      <p:childTnLst>
+                        <p:par>
+                          <p:cTn id="28" fill="hold">
+                            <p:stCondLst>
+                              <p:cond delay="0"/>
+                            </p:stCondLst>
+                            <p:childTnLst>
+                              <p:par>
+                                <p:cTn id="29" presetID="42" presetClass="entr" presetSubtype="0" fill="hold" nodeType="clickEffect">
+                                  <p:stCondLst>
+                                    <p:cond delay="0"/>
+                                  </p:stCondLst>
+                                  <p:childTnLst>
+                                    <p:set>
+                                      <p:cBhvr>
+                                        <p:cTn id="30" dur="1" fill="hold">
+                                          <p:stCondLst>
+                                            <p:cond delay="0"/>
+                                          </p:stCondLst>
+                                        </p:cTn>
+                                        <p:tgtEl>
+                                          <p:spTgt spid="9"/>
+                                        </p:tgtEl>
+                                        <p:attrNameLst>
+                                          <p:attrName>style.visibility</p:attrName>
+                                        </p:attrNameLst>
+                                      </p:cBhvr>
+                                      <p:to>
+                                        <p:strVal val="visible"/>
+                                      </p:to>
+                                    </p:set>
+                                    <p:animEffect transition="in" filter="fade">
+                                      <p:cBhvr>
+                                        <p:cTn id="31" dur="1000"/>
+                                        <p:tgtEl>
+                                          <p:spTgt spid="9"/>
+                                        </p:tgtEl>
+                                      </p:cBhvr>
+                                    </p:animEffect>
+                                    <p:anim calcmode="lin" valueType="num">
+                                      <p:cBhvr>
+                                        <p:cTn id="32" dur="1000" fill="hold"/>
+                                        <p:tgtEl>
+                                          <p:spTgt spid="9"/>
+                                        </p:tgtEl>
+                                        <p:attrNameLst>
+                                          <p:attrName>ppt_x</p:attrName>
+                                        </p:attrNameLst>
+                                      </p:cBhvr>
+                                      <p:tavLst>
+                                        <p:tav tm="0">
+                                          <p:val>
+                                            <p:strVal val="#ppt_x"/>
+                                          </p:val>
+                                        </p:tav>
+                                        <p:tav tm="100000">
+                                          <p:val>
+                                            <p:strVal val="#ppt_x"/>
+                                          </p:val>
+                                        </p:tav>
+                                      </p:tavLst>
+                                    </p:anim>
+                                    <p:anim calcmode="lin" valueType="num">
+                                      <p:cBhvr>
+                                        <p:cTn id="33" dur="1000" fill="hold"/>
+                                        <p:tgtEl>
+                                          <p:spTgt spid="9"/>
+                                        </p:tgtEl>
+                                        <p:attrNameLst>
+                                          <p:attrName>ppt_y</p:attrName>
+                                        </p:attrNameLst>
+                                      </p:cBhvr>
+                                      <p:tavLst>
+                                        <p:tav tm="0">
+                                          <p:val>
+                                            <p:strVal val="#ppt_y+.1"/>
+                                          </p:val>
+                                        </p:tav>
+                                        <p:tav tm="100000">
+                                          <p:val>
+                                            <p:strVal val="#ppt_y"/>
+                                          </p:val>
+                                        </p:tav>
+                                      </p:tavLst>
+                                    </p:anim>
+                                  </p:childTnLst>
+                                </p:cTn>
+                              </p:par>
+                              <p:par>
+                                <p:cTn id="34" presetID="42" presetClass="entr" presetSubtype="0" fill="hold" grpId="0" nodeType="withEffect">
+                                  <p:stCondLst>
+                                    <p:cond delay="0"/>
+                                  </p:stCondLst>
+                                  <p:childTnLst>
+                                    <p:set>
+                                      <p:cBhvr>
+                                        <p:cTn id="35" dur="1" fill="hold">
+                                          <p:stCondLst>
+                                            <p:cond delay="0"/>
+                                          </p:stCondLst>
+                                        </p:cTn>
+                                        <p:tgtEl>
+                                          <p:spTgt spid="10"/>
+                                        </p:tgtEl>
+                                        <p:attrNameLst>
+                                          <p:attrName>style.visibility</p:attrName>
+                                        </p:attrNameLst>
+                                      </p:cBhvr>
+                                      <p:to>
+                                        <p:strVal val="visible"/>
+                                      </p:to>
+                                    </p:set>
+                                    <p:animEffect transition="in" filter="fade">
+                                      <p:cBhvr>
+                                        <p:cTn id="36" dur="1000"/>
+                                        <p:tgtEl>
+                                          <p:spTgt spid="10"/>
+                                        </p:tgtEl>
+                                      </p:cBhvr>
+                                    </p:animEffect>
+                                    <p:anim calcmode="lin" valueType="num">
+                                      <p:cBhvr>
+                                        <p:cTn id="37" dur="1000" fill="hold"/>
+                                        <p:tgtEl>
+                                          <p:spTgt spid="10"/>
+                                        </p:tgtEl>
+                                        <p:attrNameLst>
+                                          <p:attrName>ppt_x</p:attrName>
+                                        </p:attrNameLst>
+                                      </p:cBhvr>
+                                      <p:tavLst>
+                                        <p:tav tm="0">
+                                          <p:val>
+                                            <p:strVal val="#ppt_x"/>
+                                          </p:val>
+                                        </p:tav>
+                                        <p:tav tm="100000">
+                                          <p:val>
+                                            <p:strVal val="#ppt_x"/>
+                                          </p:val>
+                                        </p:tav>
+                                      </p:tavLst>
+                                    </p:anim>
+                                    <p:anim calcmode="lin" valueType="num">
+                                      <p:cBhvr>
+                                        <p:cTn id="38" dur="1000" fill="hold"/>
+                                        <p:tgtEl>
+                                          <p:spTgt spid="10"/>
+                                        </p:tgtEl>
+                                        <p:attrNameLst>
+                                          <p:attrName>ppt_y</p:attrName>
+                                        </p:attrNameLst>
+                                      </p:cBhvr>
+                                      <p:tavLst>
+                                        <p:tav tm="0">
+                                          <p:val>
+                                            <p:strVal val="#ppt_y+.1"/>
+                                          </p:val>
+                                        </p:tav>
+                                        <p:tav tm="100000">
+                                          <p:val>
+                                            <p:strVal val="#ppt_y"/>
+                                          </p:val>
+                                        </p:tav>
+                                      </p:tavLst>
+                                    </p:anim>
+                                  </p:childTnLst>
+                                </p:cTn>
+                              </p:par>
+                            </p:childTnLst>
+                          </p:cTn>
+                        </p:par>
+                      </p:childTnLst>
+                    </p:cTn>
+                  </p:par>
+                </p:childTnLst>
+              </p:cTn>
+              <p:prevCondLst>
+                <p:cond evt="onPrev" delay="0">
+                  <p:tgtEl>
+                    <p:sldTgt/>
+                  </p:tgtEl>
+                </p:cond>
+              </p:prevCondLst>
+              <p:nextCondLst>
+                <p:cond evt="onNext" delay="0">
+                  <p:tgtEl>
+                    <p:sldTgt/>
+                  </p:tgtEl>
+                </p:cond>
+              </p:nextCondLst>
+            </p:seq>
+          </p:childTnLst>
+        </p:cTn>
+      </p:par>
+    </p:tnLst>
+    <p:bldLst>
+      <p:bldP spid="6" grpId="0"/>
+      <p:bldP spid="8" grpId="0"/>
+      <p:bldP spid="10" grpId="0"/>
+    </p:bldLst>
+  </p:timing>
 </p:sld>
 </file>
 
@@ -10854,7 +15399,7 @@
           <p:cNvPr id="2" name="Title 1">
             <a:extLst>
               <a:ext uri="{FF2B5EF4-FFF2-40B4-BE49-F238E27FC236}">
-                <a16:creationId xmlns:a16="http://schemas.microsoft.com/office/drawing/2014/main" xmlns="" id="{FB989FBD-90AF-4CDE-BA76-A129E9CDC634}"/>
+                <a16:creationId xmlns="" xmlns:a16="http://schemas.microsoft.com/office/drawing/2014/main" id="{FB989FBD-90AF-4CDE-BA76-A129E9CDC634}"/>
               </a:ext>
             </a:extLst>
           </p:cNvPr>
@@ -10883,7 +15428,7 @@
           <p:cNvPr id="3" name="Content Placeholder 2">
             <a:extLst>
               <a:ext uri="{FF2B5EF4-FFF2-40B4-BE49-F238E27FC236}">
-                <a16:creationId xmlns:a16="http://schemas.microsoft.com/office/drawing/2014/main" xmlns="" id="{082D1D18-F9AE-4D47-94FF-7AB45F5A787B}"/>
+                <a16:creationId xmlns="" xmlns:a16="http://schemas.microsoft.com/office/drawing/2014/main" id="{082D1D18-F9AE-4D47-94FF-7AB45F5A787B}"/>
               </a:ext>
             </a:extLst>
           </p:cNvPr>
@@ -10927,7 +15472,7 @@
           <p:cNvPr id="4" name="Picture 3">
             <a:extLst>
               <a:ext uri="{FF2B5EF4-FFF2-40B4-BE49-F238E27FC236}">
-                <a16:creationId xmlns:a16="http://schemas.microsoft.com/office/drawing/2014/main" xmlns="" id="{2253C7E4-9666-4B08-8D83-150A048D4DDF}"/>
+                <a16:creationId xmlns="" xmlns:a16="http://schemas.microsoft.com/office/drawing/2014/main" id="{2253C7E4-9666-4B08-8D83-150A048D4DDF}"/>
               </a:ext>
             </a:extLst>
           </p:cNvPr>
@@ -10956,7 +15501,7 @@
           <p:cNvPr id="2050" name="Picture 2" descr="Risultati immagini per database">
             <a:extLst>
               <a:ext uri="{FF2B5EF4-FFF2-40B4-BE49-F238E27FC236}">
-                <a16:creationId xmlns:a16="http://schemas.microsoft.com/office/drawing/2014/main" xmlns="" id="{2F72B7F7-AE3C-4021-8418-C208F12F8C67}"/>
+                <a16:creationId xmlns="" xmlns:a16="http://schemas.microsoft.com/office/drawing/2014/main" id="{2F72B7F7-AE3C-4021-8418-C208F12F8C67}"/>
               </a:ext>
             </a:extLst>
           </p:cNvPr>
@@ -11008,6 +15553,272 @@
   <p:clrMapOvr>
     <a:masterClrMapping/>
   </p:clrMapOvr>
+  <p:transition spd="slow">
+    <p:push dir="u"/>
+  </p:transition>
+  <p:timing>
+    <p:tnLst>
+      <p:par>
+        <p:cTn id="1" dur="indefinite" restart="never" nodeType="tmRoot">
+          <p:childTnLst>
+            <p:seq concurrent="1" nextAc="seek">
+              <p:cTn id="2" dur="indefinite" nodeType="mainSeq">
+                <p:childTnLst>
+                  <p:par>
+                    <p:cTn id="3" fill="hold">
+                      <p:stCondLst>
+                        <p:cond delay="indefinite"/>
+                      </p:stCondLst>
+                      <p:childTnLst>
+                        <p:par>
+                          <p:cTn id="4" fill="hold">
+                            <p:stCondLst>
+                              <p:cond delay="0"/>
+                            </p:stCondLst>
+                            <p:childTnLst>
+                              <p:par>
+                                <p:cTn id="5" presetID="42" presetClass="entr" presetSubtype="0" fill="hold" grpId="0" nodeType="clickEffect">
+                                  <p:stCondLst>
+                                    <p:cond delay="0"/>
+                                  </p:stCondLst>
+                                  <p:childTnLst>
+                                    <p:set>
+                                      <p:cBhvr>
+                                        <p:cTn id="6" dur="1" fill="hold">
+                                          <p:stCondLst>
+                                            <p:cond delay="0"/>
+                                          </p:stCondLst>
+                                        </p:cTn>
+                                        <p:tgtEl>
+                                          <p:spTgt spid="3">
+                                            <p:txEl>
+                                              <p:pRg st="0" end="0"/>
+                                            </p:txEl>
+                                          </p:spTgt>
+                                        </p:tgtEl>
+                                        <p:attrNameLst>
+                                          <p:attrName>style.visibility</p:attrName>
+                                        </p:attrNameLst>
+                                      </p:cBhvr>
+                                      <p:to>
+                                        <p:strVal val="visible"/>
+                                      </p:to>
+                                    </p:set>
+                                    <p:animEffect transition="in" filter="fade">
+                                      <p:cBhvr>
+                                        <p:cTn id="7" dur="1000"/>
+                                        <p:tgtEl>
+                                          <p:spTgt spid="3">
+                                            <p:txEl>
+                                              <p:pRg st="0" end="0"/>
+                                            </p:txEl>
+                                          </p:spTgt>
+                                        </p:tgtEl>
+                                      </p:cBhvr>
+                                    </p:animEffect>
+                                    <p:anim calcmode="lin" valueType="num">
+                                      <p:cBhvr>
+                                        <p:cTn id="8" dur="1000" fill="hold"/>
+                                        <p:tgtEl>
+                                          <p:spTgt spid="3">
+                                            <p:txEl>
+                                              <p:pRg st="0" end="0"/>
+                                            </p:txEl>
+                                          </p:spTgt>
+                                        </p:tgtEl>
+                                        <p:attrNameLst>
+                                          <p:attrName>ppt_x</p:attrName>
+                                        </p:attrNameLst>
+                                      </p:cBhvr>
+                                      <p:tavLst>
+                                        <p:tav tm="0">
+                                          <p:val>
+                                            <p:strVal val="#ppt_x"/>
+                                          </p:val>
+                                        </p:tav>
+                                        <p:tav tm="100000">
+                                          <p:val>
+                                            <p:strVal val="#ppt_x"/>
+                                          </p:val>
+                                        </p:tav>
+                                      </p:tavLst>
+                                    </p:anim>
+                                    <p:anim calcmode="lin" valueType="num">
+                                      <p:cBhvr>
+                                        <p:cTn id="9" dur="1000" fill="hold"/>
+                                        <p:tgtEl>
+                                          <p:spTgt spid="3">
+                                            <p:txEl>
+                                              <p:pRg st="0" end="0"/>
+                                            </p:txEl>
+                                          </p:spTgt>
+                                        </p:tgtEl>
+                                        <p:attrNameLst>
+                                          <p:attrName>ppt_y</p:attrName>
+                                        </p:attrNameLst>
+                                      </p:cBhvr>
+                                      <p:tavLst>
+                                        <p:tav tm="0">
+                                          <p:val>
+                                            <p:strVal val="#ppt_y+.1"/>
+                                          </p:val>
+                                        </p:tav>
+                                        <p:tav tm="100000">
+                                          <p:val>
+                                            <p:strVal val="#ppt_y"/>
+                                          </p:val>
+                                        </p:tav>
+                                      </p:tavLst>
+                                    </p:anim>
+                                  </p:childTnLst>
+                                </p:cTn>
+                              </p:par>
+                            </p:childTnLst>
+                          </p:cTn>
+                        </p:par>
+                      </p:childTnLst>
+                    </p:cTn>
+                  </p:par>
+                  <p:par>
+                    <p:cTn id="10" fill="hold">
+                      <p:stCondLst>
+                        <p:cond delay="indefinite"/>
+                      </p:stCondLst>
+                      <p:childTnLst>
+                        <p:par>
+                          <p:cTn id="11" fill="hold">
+                            <p:stCondLst>
+                              <p:cond delay="0"/>
+                            </p:stCondLst>
+                            <p:childTnLst>
+                              <p:par>
+                                <p:cTn id="12" presetID="42" presetClass="entr" presetSubtype="0" fill="hold" grpId="0" nodeType="clickEffect">
+                                  <p:stCondLst>
+                                    <p:cond delay="0"/>
+                                  </p:stCondLst>
+                                  <p:childTnLst>
+                                    <p:set>
+                                      <p:cBhvr>
+                                        <p:cTn id="13" dur="1" fill="hold">
+                                          <p:stCondLst>
+                                            <p:cond delay="0"/>
+                                          </p:stCondLst>
+                                        </p:cTn>
+                                        <p:tgtEl>
+                                          <p:spTgt spid="3">
+                                            <p:txEl>
+                                              <p:pRg st="1" end="1"/>
+                                            </p:txEl>
+                                          </p:spTgt>
+                                        </p:tgtEl>
+                                        <p:attrNameLst>
+                                          <p:attrName>style.visibility</p:attrName>
+                                        </p:attrNameLst>
+                                      </p:cBhvr>
+                                      <p:to>
+                                        <p:strVal val="visible"/>
+                                      </p:to>
+                                    </p:set>
+                                    <p:animEffect transition="in" filter="fade">
+                                      <p:cBhvr>
+                                        <p:cTn id="14" dur="1000"/>
+                                        <p:tgtEl>
+                                          <p:spTgt spid="3">
+                                            <p:txEl>
+                                              <p:pRg st="1" end="1"/>
+                                            </p:txEl>
+                                          </p:spTgt>
+                                        </p:tgtEl>
+                                      </p:cBhvr>
+                                    </p:animEffect>
+                                    <p:anim calcmode="lin" valueType="num">
+                                      <p:cBhvr>
+                                        <p:cTn id="15" dur="1000" fill="hold"/>
+                                        <p:tgtEl>
+                                          <p:spTgt spid="3">
+                                            <p:txEl>
+                                              <p:pRg st="1" end="1"/>
+                                            </p:txEl>
+                                          </p:spTgt>
+                                        </p:tgtEl>
+                                        <p:attrNameLst>
+                                          <p:attrName>ppt_x</p:attrName>
+                                        </p:attrNameLst>
+                                      </p:cBhvr>
+                                      <p:tavLst>
+                                        <p:tav tm="0">
+                                          <p:val>
+                                            <p:strVal val="#ppt_x"/>
+                                          </p:val>
+                                        </p:tav>
+                                        <p:tav tm="100000">
+                                          <p:val>
+                                            <p:strVal val="#ppt_x"/>
+                                          </p:val>
+                                        </p:tav>
+                                      </p:tavLst>
+                                    </p:anim>
+                                    <p:anim calcmode="lin" valueType="num">
+                                      <p:cBhvr>
+                                        <p:cTn id="16" dur="1000" fill="hold"/>
+                                        <p:tgtEl>
+                                          <p:spTgt spid="3">
+                                            <p:txEl>
+                                              <p:pRg st="1" end="1"/>
+                                            </p:txEl>
+                                          </p:spTgt>
+                                        </p:tgtEl>
+                                        <p:attrNameLst>
+                                          <p:attrName>ppt_y</p:attrName>
+                                        </p:attrNameLst>
+                                      </p:cBhvr>
+                                      <p:tavLst>
+                                        <p:tav tm="0">
+                                          <p:val>
+                                            <p:strVal val="#ppt_y+.1"/>
+                                          </p:val>
+                                        </p:tav>
+                                        <p:tav tm="100000">
+                                          <p:val>
+                                            <p:strVal val="#ppt_y"/>
+                                          </p:val>
+                                        </p:tav>
+                                      </p:tavLst>
+                                    </p:anim>
+                                  </p:childTnLst>
+                                </p:cTn>
+                              </p:par>
+                            </p:childTnLst>
+                          </p:cTn>
+                        </p:par>
+                      </p:childTnLst>
+                    </p:cTn>
+                  </p:par>
+                </p:childTnLst>
+              </p:cTn>
+              <p:prevCondLst>
+                <p:cond evt="onPrev" delay="0">
+                  <p:tgtEl>
+                    <p:sldTgt/>
+                  </p:tgtEl>
+                </p:cond>
+              </p:prevCondLst>
+              <p:nextCondLst>
+                <p:cond evt="onNext" delay="0">
+                  <p:tgtEl>
+                    <p:sldTgt/>
+                  </p:tgtEl>
+                </p:cond>
+              </p:nextCondLst>
+            </p:seq>
+          </p:childTnLst>
+        </p:cTn>
+      </p:par>
+    </p:tnLst>
+    <p:bldLst>
+      <p:bldP spid="3" grpId="0" build="p"/>
+    </p:bldLst>
+  </p:timing>
 </p:sld>
 </file>
 
@@ -11033,7 +15844,7 @@
           <p:cNvPr id="2" name="Title 1">
             <a:extLst>
               <a:ext uri="{FF2B5EF4-FFF2-40B4-BE49-F238E27FC236}">
-                <a16:creationId xmlns:a16="http://schemas.microsoft.com/office/drawing/2014/main" xmlns="" id="{3FDDD426-DA2C-4187-ACBB-8EB393BA6176}"/>
+                <a16:creationId xmlns="" xmlns:a16="http://schemas.microsoft.com/office/drawing/2014/main" id="{3FDDD426-DA2C-4187-ACBB-8EB393BA6176}"/>
               </a:ext>
             </a:extLst>
           </p:cNvPr>
@@ -11062,7 +15873,7 @@
           <p:cNvPr id="4" name="Picture 3">
             <a:extLst>
               <a:ext uri="{FF2B5EF4-FFF2-40B4-BE49-F238E27FC236}">
-                <a16:creationId xmlns:a16="http://schemas.microsoft.com/office/drawing/2014/main" xmlns="" id="{F59F9067-8F4A-4E1D-960B-1C8D31C14D48}"/>
+                <a16:creationId xmlns="" xmlns:a16="http://schemas.microsoft.com/office/drawing/2014/main" id="{F59F9067-8F4A-4E1D-960B-1C8D31C14D48}"/>
               </a:ext>
             </a:extLst>
           </p:cNvPr>
@@ -11091,7 +15902,7 @@
           <p:cNvPr id="11" name="Picture 2" descr="https://raw.githubusercontent.com/Dominelli/GestioneAppartamenti/master/Documentazione/img/Mockup_Index.JPG">
             <a:extLst>
               <a:ext uri="{FF2B5EF4-FFF2-40B4-BE49-F238E27FC236}">
-                <a16:creationId xmlns:a16="http://schemas.microsoft.com/office/drawing/2014/main" xmlns="" id="{92A9F314-0D1C-43C0-AC8E-EED3209835CD}"/>
+                <a16:creationId xmlns="" xmlns:a16="http://schemas.microsoft.com/office/drawing/2014/main" id="{92A9F314-0D1C-43C0-AC8E-EED3209835CD}"/>
               </a:ext>
             </a:extLst>
           </p:cNvPr>
@@ -11138,7 +15949,7 @@
           <p:cNvPr id="13" name="TextBox 12">
             <a:extLst>
               <a:ext uri="{FF2B5EF4-FFF2-40B4-BE49-F238E27FC236}">
-                <a16:creationId xmlns:a16="http://schemas.microsoft.com/office/drawing/2014/main" xmlns="" id="{8C58DEB0-5F21-415D-8D8A-DECD05791475}"/>
+                <a16:creationId xmlns="" xmlns:a16="http://schemas.microsoft.com/office/drawing/2014/main" id="{8C58DEB0-5F21-415D-8D8A-DECD05791475}"/>
               </a:ext>
             </a:extLst>
           </p:cNvPr>
@@ -11182,7 +15993,7 @@
           <p:cNvPr id="14" name="Content Placeholder 8">
             <a:extLst>
               <a:ext uri="{FF2B5EF4-FFF2-40B4-BE49-F238E27FC236}">
-                <a16:creationId xmlns:a16="http://schemas.microsoft.com/office/drawing/2014/main" xmlns="" id="{0D09D575-C706-489A-995D-A903EA35E83C}"/>
+                <a16:creationId xmlns="" xmlns:a16="http://schemas.microsoft.com/office/drawing/2014/main" id="{0D09D575-C706-489A-995D-A903EA35E83C}"/>
               </a:ext>
             </a:extLst>
           </p:cNvPr>
@@ -11211,7 +16022,7 @@
           <p:cNvPr id="15" name="TextBox 14">
             <a:extLst>
               <a:ext uri="{FF2B5EF4-FFF2-40B4-BE49-F238E27FC236}">
-                <a16:creationId xmlns:a16="http://schemas.microsoft.com/office/drawing/2014/main" xmlns="" id="{9040275E-8205-48FC-8C00-35BA72752EE3}"/>
+                <a16:creationId xmlns="" xmlns:a16="http://schemas.microsoft.com/office/drawing/2014/main" id="{9040275E-8205-48FC-8C00-35BA72752EE3}"/>
               </a:ext>
             </a:extLst>
           </p:cNvPr>
@@ -11260,6 +16071,362 @@
   <p:clrMapOvr>
     <a:masterClrMapping/>
   </p:clrMapOvr>
+  <p:transition spd="med">
+    <p:pull/>
+  </p:transition>
+  <p:timing>
+    <p:tnLst>
+      <p:par>
+        <p:cTn id="1" dur="indefinite" restart="never" nodeType="tmRoot">
+          <p:childTnLst>
+            <p:seq concurrent="1" nextAc="seek">
+              <p:cTn id="2" dur="indefinite" nodeType="mainSeq">
+                <p:childTnLst>
+                  <p:par>
+                    <p:cTn id="3" fill="hold">
+                      <p:stCondLst>
+                        <p:cond delay="indefinite"/>
+                      </p:stCondLst>
+                      <p:childTnLst>
+                        <p:par>
+                          <p:cTn id="4" fill="hold">
+                            <p:stCondLst>
+                              <p:cond delay="0"/>
+                            </p:stCondLst>
+                            <p:childTnLst>
+                              <p:par>
+                                <p:cTn id="5" presetID="2" presetClass="entr" presetSubtype="4" fill="hold" nodeType="clickEffect">
+                                  <p:stCondLst>
+                                    <p:cond delay="0"/>
+                                  </p:stCondLst>
+                                  <p:childTnLst>
+                                    <p:set>
+                                      <p:cBhvr>
+                                        <p:cTn id="6" dur="1" fill="hold">
+                                          <p:stCondLst>
+                                            <p:cond delay="0"/>
+                                          </p:stCondLst>
+                                        </p:cTn>
+                                        <p:tgtEl>
+                                          <p:spTgt spid="11"/>
+                                        </p:tgtEl>
+                                        <p:attrNameLst>
+                                          <p:attrName>style.visibility</p:attrName>
+                                        </p:attrNameLst>
+                                      </p:cBhvr>
+                                      <p:to>
+                                        <p:strVal val="visible"/>
+                                      </p:to>
+                                    </p:set>
+                                    <p:anim calcmode="lin" valueType="num">
+                                      <p:cBhvr additive="base">
+                                        <p:cTn id="7" dur="500" fill="hold"/>
+                                        <p:tgtEl>
+                                          <p:spTgt spid="11"/>
+                                        </p:tgtEl>
+                                        <p:attrNameLst>
+                                          <p:attrName>ppt_x</p:attrName>
+                                        </p:attrNameLst>
+                                      </p:cBhvr>
+                                      <p:tavLst>
+                                        <p:tav tm="0">
+                                          <p:val>
+                                            <p:strVal val="#ppt_x"/>
+                                          </p:val>
+                                        </p:tav>
+                                        <p:tav tm="100000">
+                                          <p:val>
+                                            <p:strVal val="#ppt_x"/>
+                                          </p:val>
+                                        </p:tav>
+                                      </p:tavLst>
+                                    </p:anim>
+                                    <p:anim calcmode="lin" valueType="num">
+                                      <p:cBhvr additive="base">
+                                        <p:cTn id="8" dur="500" fill="hold"/>
+                                        <p:tgtEl>
+                                          <p:spTgt spid="11"/>
+                                        </p:tgtEl>
+                                        <p:attrNameLst>
+                                          <p:attrName>ppt_y</p:attrName>
+                                        </p:attrNameLst>
+                                      </p:cBhvr>
+                                      <p:tavLst>
+                                        <p:tav tm="0">
+                                          <p:val>
+                                            <p:strVal val="1+#ppt_h/2"/>
+                                          </p:val>
+                                        </p:tav>
+                                        <p:tav tm="100000">
+                                          <p:val>
+                                            <p:strVal val="#ppt_y"/>
+                                          </p:val>
+                                        </p:tav>
+                                      </p:tavLst>
+                                    </p:anim>
+                                  </p:childTnLst>
+                                </p:cTn>
+                              </p:par>
+                              <p:par>
+                                <p:cTn id="9" presetID="2" presetClass="entr" presetSubtype="4" fill="hold" grpId="0" nodeType="withEffect">
+                                  <p:stCondLst>
+                                    <p:cond delay="0"/>
+                                  </p:stCondLst>
+                                  <p:childTnLst>
+                                    <p:set>
+                                      <p:cBhvr>
+                                        <p:cTn id="10" dur="1" fill="hold">
+                                          <p:stCondLst>
+                                            <p:cond delay="0"/>
+                                          </p:stCondLst>
+                                        </p:cTn>
+                                        <p:tgtEl>
+                                          <p:spTgt spid="13"/>
+                                        </p:tgtEl>
+                                        <p:attrNameLst>
+                                          <p:attrName>style.visibility</p:attrName>
+                                        </p:attrNameLst>
+                                      </p:cBhvr>
+                                      <p:to>
+                                        <p:strVal val="visible"/>
+                                      </p:to>
+                                    </p:set>
+                                    <p:anim calcmode="lin" valueType="num">
+                                      <p:cBhvr additive="base">
+                                        <p:cTn id="11" dur="500" fill="hold"/>
+                                        <p:tgtEl>
+                                          <p:spTgt spid="13"/>
+                                        </p:tgtEl>
+                                        <p:attrNameLst>
+                                          <p:attrName>ppt_x</p:attrName>
+                                        </p:attrNameLst>
+                                      </p:cBhvr>
+                                      <p:tavLst>
+                                        <p:tav tm="0">
+                                          <p:val>
+                                            <p:strVal val="#ppt_x"/>
+                                          </p:val>
+                                        </p:tav>
+                                        <p:tav tm="100000">
+                                          <p:val>
+                                            <p:strVal val="#ppt_x"/>
+                                          </p:val>
+                                        </p:tav>
+                                      </p:tavLst>
+                                    </p:anim>
+                                    <p:anim calcmode="lin" valueType="num">
+                                      <p:cBhvr additive="base">
+                                        <p:cTn id="12" dur="500" fill="hold"/>
+                                        <p:tgtEl>
+                                          <p:spTgt spid="13"/>
+                                        </p:tgtEl>
+                                        <p:attrNameLst>
+                                          <p:attrName>ppt_y</p:attrName>
+                                        </p:attrNameLst>
+                                      </p:cBhvr>
+                                      <p:tavLst>
+                                        <p:tav tm="0">
+                                          <p:val>
+                                            <p:strVal val="1+#ppt_h/2"/>
+                                          </p:val>
+                                        </p:tav>
+                                        <p:tav tm="100000">
+                                          <p:val>
+                                            <p:strVal val="#ppt_y"/>
+                                          </p:val>
+                                        </p:tav>
+                                      </p:tavLst>
+                                    </p:anim>
+                                  </p:childTnLst>
+                                </p:cTn>
+                              </p:par>
+                            </p:childTnLst>
+                          </p:cTn>
+                        </p:par>
+                        <p:par>
+                          <p:cTn id="13" fill="hold">
+                            <p:stCondLst>
+                              <p:cond delay="500"/>
+                            </p:stCondLst>
+                            <p:childTnLst>
+                              <p:par>
+                                <p:cTn id="14" presetID="2" presetClass="entr" presetSubtype="4" fill="hold" nodeType="afterEffect">
+                                  <p:stCondLst>
+                                    <p:cond delay="0"/>
+                                  </p:stCondLst>
+                                  <p:childTnLst>
+                                    <p:set>
+                                      <p:cBhvr>
+                                        <p:cTn id="15" dur="1" fill="hold">
+                                          <p:stCondLst>
+                                            <p:cond delay="0"/>
+                                          </p:stCondLst>
+                                        </p:cTn>
+                                        <p:tgtEl>
+                                          <p:spTgt spid="14"/>
+                                        </p:tgtEl>
+                                        <p:attrNameLst>
+                                          <p:attrName>style.visibility</p:attrName>
+                                        </p:attrNameLst>
+                                      </p:cBhvr>
+                                      <p:to>
+                                        <p:strVal val="visible"/>
+                                      </p:to>
+                                    </p:set>
+                                    <p:anim calcmode="lin" valueType="num">
+                                      <p:cBhvr additive="base">
+                                        <p:cTn id="16" dur="500" fill="hold"/>
+                                        <p:tgtEl>
+                                          <p:spTgt spid="14"/>
+                                        </p:tgtEl>
+                                        <p:attrNameLst>
+                                          <p:attrName>ppt_x</p:attrName>
+                                        </p:attrNameLst>
+                                      </p:cBhvr>
+                                      <p:tavLst>
+                                        <p:tav tm="0">
+                                          <p:val>
+                                            <p:strVal val="#ppt_x"/>
+                                          </p:val>
+                                        </p:tav>
+                                        <p:tav tm="100000">
+                                          <p:val>
+                                            <p:strVal val="#ppt_x"/>
+                                          </p:val>
+                                        </p:tav>
+                                      </p:tavLst>
+                                    </p:anim>
+                                    <p:anim calcmode="lin" valueType="num">
+                                      <p:cBhvr additive="base">
+                                        <p:cTn id="17" dur="500" fill="hold"/>
+                                        <p:tgtEl>
+                                          <p:spTgt spid="14"/>
+                                        </p:tgtEl>
+                                        <p:attrNameLst>
+                                          <p:attrName>ppt_y</p:attrName>
+                                        </p:attrNameLst>
+                                      </p:cBhvr>
+                                      <p:tavLst>
+                                        <p:tav tm="0">
+                                          <p:val>
+                                            <p:strVal val="1+#ppt_h/2"/>
+                                          </p:val>
+                                        </p:tav>
+                                        <p:tav tm="100000">
+                                          <p:val>
+                                            <p:strVal val="#ppt_y"/>
+                                          </p:val>
+                                        </p:tav>
+                                      </p:tavLst>
+                                    </p:anim>
+                                  </p:childTnLst>
+                                </p:cTn>
+                              </p:par>
+                              <p:par>
+                                <p:cTn id="18" presetID="2" presetClass="entr" presetSubtype="4" fill="hold" grpId="0" nodeType="withEffect">
+                                  <p:stCondLst>
+                                    <p:cond delay="0"/>
+                                  </p:stCondLst>
+                                  <p:childTnLst>
+                                    <p:set>
+                                      <p:cBhvr>
+                                        <p:cTn id="19" dur="1" fill="hold">
+                                          <p:stCondLst>
+                                            <p:cond delay="0"/>
+                                          </p:stCondLst>
+                                        </p:cTn>
+                                        <p:tgtEl>
+                                          <p:spTgt spid="15"/>
+                                        </p:tgtEl>
+                                        <p:attrNameLst>
+                                          <p:attrName>style.visibility</p:attrName>
+                                        </p:attrNameLst>
+                                      </p:cBhvr>
+                                      <p:to>
+                                        <p:strVal val="visible"/>
+                                      </p:to>
+                                    </p:set>
+                                    <p:anim calcmode="lin" valueType="num">
+                                      <p:cBhvr additive="base">
+                                        <p:cTn id="20" dur="500" fill="hold"/>
+                                        <p:tgtEl>
+                                          <p:spTgt spid="15"/>
+                                        </p:tgtEl>
+                                        <p:attrNameLst>
+                                          <p:attrName>ppt_x</p:attrName>
+                                        </p:attrNameLst>
+                                      </p:cBhvr>
+                                      <p:tavLst>
+                                        <p:tav tm="0">
+                                          <p:val>
+                                            <p:strVal val="#ppt_x"/>
+                                          </p:val>
+                                        </p:tav>
+                                        <p:tav tm="100000">
+                                          <p:val>
+                                            <p:strVal val="#ppt_x"/>
+                                          </p:val>
+                                        </p:tav>
+                                      </p:tavLst>
+                                    </p:anim>
+                                    <p:anim calcmode="lin" valueType="num">
+                                      <p:cBhvr additive="base">
+                                        <p:cTn id="21" dur="500" fill="hold"/>
+                                        <p:tgtEl>
+                                          <p:spTgt spid="15"/>
+                                        </p:tgtEl>
+                                        <p:attrNameLst>
+                                          <p:attrName>ppt_y</p:attrName>
+                                        </p:attrNameLst>
+                                      </p:cBhvr>
+                                      <p:tavLst>
+                                        <p:tav tm="0">
+                                          <p:val>
+                                            <p:strVal val="1+#ppt_h/2"/>
+                                          </p:val>
+                                        </p:tav>
+                                        <p:tav tm="100000">
+                                          <p:val>
+                                            <p:strVal val="#ppt_y"/>
+                                          </p:val>
+                                        </p:tav>
+                                      </p:tavLst>
+                                    </p:anim>
+                                  </p:childTnLst>
+                                </p:cTn>
+                              </p:par>
+                            </p:childTnLst>
+                          </p:cTn>
+                        </p:par>
+                      </p:childTnLst>
+                    </p:cTn>
+                  </p:par>
+                </p:childTnLst>
+              </p:cTn>
+              <p:prevCondLst>
+                <p:cond evt="onPrev" delay="0">
+                  <p:tgtEl>
+                    <p:sldTgt/>
+                  </p:tgtEl>
+                </p:cond>
+              </p:prevCondLst>
+              <p:nextCondLst>
+                <p:cond evt="onNext" delay="0">
+                  <p:tgtEl>
+                    <p:sldTgt/>
+                  </p:tgtEl>
+                </p:cond>
+              </p:nextCondLst>
+            </p:seq>
+          </p:childTnLst>
+        </p:cTn>
+      </p:par>
+    </p:tnLst>
+    <p:bldLst>
+      <p:bldP spid="13" grpId="0"/>
+      <p:bldP spid="15" grpId="0"/>
+    </p:bldLst>
+  </p:timing>
 </p:sld>
 </file>
 
@@ -11285,7 +16452,7 @@
           <p:cNvPr id="2" name="Title 1">
             <a:extLst>
               <a:ext uri="{FF2B5EF4-FFF2-40B4-BE49-F238E27FC236}">
-                <a16:creationId xmlns:a16="http://schemas.microsoft.com/office/drawing/2014/main" xmlns="" id="{3FDDD426-DA2C-4187-ACBB-8EB393BA6176}"/>
+                <a16:creationId xmlns="" xmlns:a16="http://schemas.microsoft.com/office/drawing/2014/main" id="{3FDDD426-DA2C-4187-ACBB-8EB393BA6176}"/>
               </a:ext>
             </a:extLst>
           </p:cNvPr>
@@ -11314,7 +16481,7 @@
           <p:cNvPr id="4" name="Picture 3">
             <a:extLst>
               <a:ext uri="{FF2B5EF4-FFF2-40B4-BE49-F238E27FC236}">
-                <a16:creationId xmlns:a16="http://schemas.microsoft.com/office/drawing/2014/main" xmlns="" id="{F59F9067-8F4A-4E1D-960B-1C8D31C14D48}"/>
+                <a16:creationId xmlns="" xmlns:a16="http://schemas.microsoft.com/office/drawing/2014/main" id="{F59F9067-8F4A-4E1D-960B-1C8D31C14D48}"/>
               </a:ext>
             </a:extLst>
           </p:cNvPr>
@@ -11343,7 +16510,7 @@
           <p:cNvPr id="13" name="Content Placeholder 5">
             <a:extLst>
               <a:ext uri="{FF2B5EF4-FFF2-40B4-BE49-F238E27FC236}">
-                <a16:creationId xmlns:a16="http://schemas.microsoft.com/office/drawing/2014/main" xmlns="" id="{93B51870-8A4D-4165-9BD2-83350502FC50}"/>
+                <a16:creationId xmlns="" xmlns:a16="http://schemas.microsoft.com/office/drawing/2014/main" id="{93B51870-8A4D-4165-9BD2-83350502FC50}"/>
               </a:ext>
             </a:extLst>
           </p:cNvPr>
@@ -11373,7 +16540,7 @@
           <p:cNvPr id="14" name="TextBox 13">
             <a:extLst>
               <a:ext uri="{FF2B5EF4-FFF2-40B4-BE49-F238E27FC236}">
-                <a16:creationId xmlns:a16="http://schemas.microsoft.com/office/drawing/2014/main" xmlns="" id="{EDD39198-69D5-4394-ABF1-EAD651671427}"/>
+                <a16:creationId xmlns="" xmlns:a16="http://schemas.microsoft.com/office/drawing/2014/main" id="{EDD39198-69D5-4394-ABF1-EAD651671427}"/>
               </a:ext>
             </a:extLst>
           </p:cNvPr>
@@ -11409,7 +16576,7 @@
           <p:cNvPr id="16" name="Content Placeholder 15">
             <a:extLst>
               <a:ext uri="{FF2B5EF4-FFF2-40B4-BE49-F238E27FC236}">
-                <a16:creationId xmlns:a16="http://schemas.microsoft.com/office/drawing/2014/main" xmlns="" id="{3FE6DCBD-2028-4C53-92E4-1C9088F43D5D}"/>
+                <a16:creationId xmlns="" xmlns:a16="http://schemas.microsoft.com/office/drawing/2014/main" id="{3FE6DCBD-2028-4C53-92E4-1C9088F43D5D}"/>
               </a:ext>
             </a:extLst>
           </p:cNvPr>
@@ -11441,7 +16608,7 @@
           <p:cNvPr id="17" name="TextBox 16">
             <a:extLst>
               <a:ext uri="{FF2B5EF4-FFF2-40B4-BE49-F238E27FC236}">
-                <a16:creationId xmlns:a16="http://schemas.microsoft.com/office/drawing/2014/main" xmlns="" id="{EFAA4984-5825-474E-859D-CE54D6A27E51}"/>
+                <a16:creationId xmlns="" xmlns:a16="http://schemas.microsoft.com/office/drawing/2014/main" id="{EFAA4984-5825-474E-859D-CE54D6A27E51}"/>
               </a:ext>
             </a:extLst>
           </p:cNvPr>
@@ -11482,6 +16649,362 @@
   <p:clrMapOvr>
     <a:masterClrMapping/>
   </p:clrMapOvr>
+  <p:transition spd="med">
+    <p:pull/>
+  </p:transition>
+  <p:timing>
+    <p:tnLst>
+      <p:par>
+        <p:cTn id="1" dur="indefinite" restart="never" nodeType="tmRoot">
+          <p:childTnLst>
+            <p:seq concurrent="1" nextAc="seek">
+              <p:cTn id="2" dur="indefinite" nodeType="mainSeq">
+                <p:childTnLst>
+                  <p:par>
+                    <p:cTn id="3" fill="hold">
+                      <p:stCondLst>
+                        <p:cond delay="indefinite"/>
+                      </p:stCondLst>
+                      <p:childTnLst>
+                        <p:par>
+                          <p:cTn id="4" fill="hold">
+                            <p:stCondLst>
+                              <p:cond delay="0"/>
+                            </p:stCondLst>
+                            <p:childTnLst>
+                              <p:par>
+                                <p:cTn id="5" presetID="2" presetClass="entr" presetSubtype="4" fill="hold" nodeType="clickEffect">
+                                  <p:stCondLst>
+                                    <p:cond delay="0"/>
+                                  </p:stCondLst>
+                                  <p:childTnLst>
+                                    <p:set>
+                                      <p:cBhvr>
+                                        <p:cTn id="6" dur="1" fill="hold">
+                                          <p:stCondLst>
+                                            <p:cond delay="0"/>
+                                          </p:stCondLst>
+                                        </p:cTn>
+                                        <p:tgtEl>
+                                          <p:spTgt spid="16"/>
+                                        </p:tgtEl>
+                                        <p:attrNameLst>
+                                          <p:attrName>style.visibility</p:attrName>
+                                        </p:attrNameLst>
+                                      </p:cBhvr>
+                                      <p:to>
+                                        <p:strVal val="visible"/>
+                                      </p:to>
+                                    </p:set>
+                                    <p:anim calcmode="lin" valueType="num">
+                                      <p:cBhvr additive="base">
+                                        <p:cTn id="7" dur="500" fill="hold"/>
+                                        <p:tgtEl>
+                                          <p:spTgt spid="16"/>
+                                        </p:tgtEl>
+                                        <p:attrNameLst>
+                                          <p:attrName>ppt_x</p:attrName>
+                                        </p:attrNameLst>
+                                      </p:cBhvr>
+                                      <p:tavLst>
+                                        <p:tav tm="0">
+                                          <p:val>
+                                            <p:strVal val="#ppt_x"/>
+                                          </p:val>
+                                        </p:tav>
+                                        <p:tav tm="100000">
+                                          <p:val>
+                                            <p:strVal val="#ppt_x"/>
+                                          </p:val>
+                                        </p:tav>
+                                      </p:tavLst>
+                                    </p:anim>
+                                    <p:anim calcmode="lin" valueType="num">
+                                      <p:cBhvr additive="base">
+                                        <p:cTn id="8" dur="500" fill="hold"/>
+                                        <p:tgtEl>
+                                          <p:spTgt spid="16"/>
+                                        </p:tgtEl>
+                                        <p:attrNameLst>
+                                          <p:attrName>ppt_y</p:attrName>
+                                        </p:attrNameLst>
+                                      </p:cBhvr>
+                                      <p:tavLst>
+                                        <p:tav tm="0">
+                                          <p:val>
+                                            <p:strVal val="1+#ppt_h/2"/>
+                                          </p:val>
+                                        </p:tav>
+                                        <p:tav tm="100000">
+                                          <p:val>
+                                            <p:strVal val="#ppt_y"/>
+                                          </p:val>
+                                        </p:tav>
+                                      </p:tavLst>
+                                    </p:anim>
+                                  </p:childTnLst>
+                                </p:cTn>
+                              </p:par>
+                              <p:par>
+                                <p:cTn id="9" presetID="2" presetClass="entr" presetSubtype="4" fill="hold" grpId="0" nodeType="withEffect">
+                                  <p:stCondLst>
+                                    <p:cond delay="0"/>
+                                  </p:stCondLst>
+                                  <p:childTnLst>
+                                    <p:set>
+                                      <p:cBhvr>
+                                        <p:cTn id="10" dur="1" fill="hold">
+                                          <p:stCondLst>
+                                            <p:cond delay="0"/>
+                                          </p:stCondLst>
+                                        </p:cTn>
+                                        <p:tgtEl>
+                                          <p:spTgt spid="17"/>
+                                        </p:tgtEl>
+                                        <p:attrNameLst>
+                                          <p:attrName>style.visibility</p:attrName>
+                                        </p:attrNameLst>
+                                      </p:cBhvr>
+                                      <p:to>
+                                        <p:strVal val="visible"/>
+                                      </p:to>
+                                    </p:set>
+                                    <p:anim calcmode="lin" valueType="num">
+                                      <p:cBhvr additive="base">
+                                        <p:cTn id="11" dur="500" fill="hold"/>
+                                        <p:tgtEl>
+                                          <p:spTgt spid="17"/>
+                                        </p:tgtEl>
+                                        <p:attrNameLst>
+                                          <p:attrName>ppt_x</p:attrName>
+                                        </p:attrNameLst>
+                                      </p:cBhvr>
+                                      <p:tavLst>
+                                        <p:tav tm="0">
+                                          <p:val>
+                                            <p:strVal val="#ppt_x"/>
+                                          </p:val>
+                                        </p:tav>
+                                        <p:tav tm="100000">
+                                          <p:val>
+                                            <p:strVal val="#ppt_x"/>
+                                          </p:val>
+                                        </p:tav>
+                                      </p:tavLst>
+                                    </p:anim>
+                                    <p:anim calcmode="lin" valueType="num">
+                                      <p:cBhvr additive="base">
+                                        <p:cTn id="12" dur="500" fill="hold"/>
+                                        <p:tgtEl>
+                                          <p:spTgt spid="17"/>
+                                        </p:tgtEl>
+                                        <p:attrNameLst>
+                                          <p:attrName>ppt_y</p:attrName>
+                                        </p:attrNameLst>
+                                      </p:cBhvr>
+                                      <p:tavLst>
+                                        <p:tav tm="0">
+                                          <p:val>
+                                            <p:strVal val="1+#ppt_h/2"/>
+                                          </p:val>
+                                        </p:tav>
+                                        <p:tav tm="100000">
+                                          <p:val>
+                                            <p:strVal val="#ppt_y"/>
+                                          </p:val>
+                                        </p:tav>
+                                      </p:tavLst>
+                                    </p:anim>
+                                  </p:childTnLst>
+                                </p:cTn>
+                              </p:par>
+                            </p:childTnLst>
+                          </p:cTn>
+                        </p:par>
+                        <p:par>
+                          <p:cTn id="13" fill="hold">
+                            <p:stCondLst>
+                              <p:cond delay="500"/>
+                            </p:stCondLst>
+                            <p:childTnLst>
+                              <p:par>
+                                <p:cTn id="14" presetID="2" presetClass="entr" presetSubtype="4" fill="hold" nodeType="afterEffect">
+                                  <p:stCondLst>
+                                    <p:cond delay="0"/>
+                                  </p:stCondLst>
+                                  <p:childTnLst>
+                                    <p:set>
+                                      <p:cBhvr>
+                                        <p:cTn id="15" dur="1" fill="hold">
+                                          <p:stCondLst>
+                                            <p:cond delay="0"/>
+                                          </p:stCondLst>
+                                        </p:cTn>
+                                        <p:tgtEl>
+                                          <p:spTgt spid="13"/>
+                                        </p:tgtEl>
+                                        <p:attrNameLst>
+                                          <p:attrName>style.visibility</p:attrName>
+                                        </p:attrNameLst>
+                                      </p:cBhvr>
+                                      <p:to>
+                                        <p:strVal val="visible"/>
+                                      </p:to>
+                                    </p:set>
+                                    <p:anim calcmode="lin" valueType="num">
+                                      <p:cBhvr additive="base">
+                                        <p:cTn id="16" dur="500" fill="hold"/>
+                                        <p:tgtEl>
+                                          <p:spTgt spid="13"/>
+                                        </p:tgtEl>
+                                        <p:attrNameLst>
+                                          <p:attrName>ppt_x</p:attrName>
+                                        </p:attrNameLst>
+                                      </p:cBhvr>
+                                      <p:tavLst>
+                                        <p:tav tm="0">
+                                          <p:val>
+                                            <p:strVal val="#ppt_x"/>
+                                          </p:val>
+                                        </p:tav>
+                                        <p:tav tm="100000">
+                                          <p:val>
+                                            <p:strVal val="#ppt_x"/>
+                                          </p:val>
+                                        </p:tav>
+                                      </p:tavLst>
+                                    </p:anim>
+                                    <p:anim calcmode="lin" valueType="num">
+                                      <p:cBhvr additive="base">
+                                        <p:cTn id="17" dur="500" fill="hold"/>
+                                        <p:tgtEl>
+                                          <p:spTgt spid="13"/>
+                                        </p:tgtEl>
+                                        <p:attrNameLst>
+                                          <p:attrName>ppt_y</p:attrName>
+                                        </p:attrNameLst>
+                                      </p:cBhvr>
+                                      <p:tavLst>
+                                        <p:tav tm="0">
+                                          <p:val>
+                                            <p:strVal val="1+#ppt_h/2"/>
+                                          </p:val>
+                                        </p:tav>
+                                        <p:tav tm="100000">
+                                          <p:val>
+                                            <p:strVal val="#ppt_y"/>
+                                          </p:val>
+                                        </p:tav>
+                                      </p:tavLst>
+                                    </p:anim>
+                                  </p:childTnLst>
+                                </p:cTn>
+                              </p:par>
+                              <p:par>
+                                <p:cTn id="18" presetID="2" presetClass="entr" presetSubtype="4" fill="hold" grpId="0" nodeType="withEffect">
+                                  <p:stCondLst>
+                                    <p:cond delay="0"/>
+                                  </p:stCondLst>
+                                  <p:childTnLst>
+                                    <p:set>
+                                      <p:cBhvr>
+                                        <p:cTn id="19" dur="1" fill="hold">
+                                          <p:stCondLst>
+                                            <p:cond delay="0"/>
+                                          </p:stCondLst>
+                                        </p:cTn>
+                                        <p:tgtEl>
+                                          <p:spTgt spid="14"/>
+                                        </p:tgtEl>
+                                        <p:attrNameLst>
+                                          <p:attrName>style.visibility</p:attrName>
+                                        </p:attrNameLst>
+                                      </p:cBhvr>
+                                      <p:to>
+                                        <p:strVal val="visible"/>
+                                      </p:to>
+                                    </p:set>
+                                    <p:anim calcmode="lin" valueType="num">
+                                      <p:cBhvr additive="base">
+                                        <p:cTn id="20" dur="500" fill="hold"/>
+                                        <p:tgtEl>
+                                          <p:spTgt spid="14"/>
+                                        </p:tgtEl>
+                                        <p:attrNameLst>
+                                          <p:attrName>ppt_x</p:attrName>
+                                        </p:attrNameLst>
+                                      </p:cBhvr>
+                                      <p:tavLst>
+                                        <p:tav tm="0">
+                                          <p:val>
+                                            <p:strVal val="#ppt_x"/>
+                                          </p:val>
+                                        </p:tav>
+                                        <p:tav tm="100000">
+                                          <p:val>
+                                            <p:strVal val="#ppt_x"/>
+                                          </p:val>
+                                        </p:tav>
+                                      </p:tavLst>
+                                    </p:anim>
+                                    <p:anim calcmode="lin" valueType="num">
+                                      <p:cBhvr additive="base">
+                                        <p:cTn id="21" dur="500" fill="hold"/>
+                                        <p:tgtEl>
+                                          <p:spTgt spid="14"/>
+                                        </p:tgtEl>
+                                        <p:attrNameLst>
+                                          <p:attrName>ppt_y</p:attrName>
+                                        </p:attrNameLst>
+                                      </p:cBhvr>
+                                      <p:tavLst>
+                                        <p:tav tm="0">
+                                          <p:val>
+                                            <p:strVal val="1+#ppt_h/2"/>
+                                          </p:val>
+                                        </p:tav>
+                                        <p:tav tm="100000">
+                                          <p:val>
+                                            <p:strVal val="#ppt_y"/>
+                                          </p:val>
+                                        </p:tav>
+                                      </p:tavLst>
+                                    </p:anim>
+                                  </p:childTnLst>
+                                </p:cTn>
+                              </p:par>
+                            </p:childTnLst>
+                          </p:cTn>
+                        </p:par>
+                      </p:childTnLst>
+                    </p:cTn>
+                  </p:par>
+                </p:childTnLst>
+              </p:cTn>
+              <p:prevCondLst>
+                <p:cond evt="onPrev" delay="0">
+                  <p:tgtEl>
+                    <p:sldTgt/>
+                  </p:tgtEl>
+                </p:cond>
+              </p:prevCondLst>
+              <p:nextCondLst>
+                <p:cond evt="onNext" delay="0">
+                  <p:tgtEl>
+                    <p:sldTgt/>
+                  </p:tgtEl>
+                </p:cond>
+              </p:nextCondLst>
+            </p:seq>
+          </p:childTnLst>
+        </p:cTn>
+      </p:par>
+    </p:tnLst>
+    <p:bldLst>
+      <p:bldP spid="14" grpId="0"/>
+      <p:bldP spid="17" grpId="0"/>
+    </p:bldLst>
+  </p:timing>
 </p:sld>
 </file>
 
@@ -11507,7 +17030,7 @@
           <p:cNvPr id="2" name="Title 1">
             <a:extLst>
               <a:ext uri="{FF2B5EF4-FFF2-40B4-BE49-F238E27FC236}">
-                <a16:creationId xmlns:a16="http://schemas.microsoft.com/office/drawing/2014/main" xmlns="" id="{1E2CC41B-B39A-4F29-BA19-330082D42778}"/>
+                <a16:creationId xmlns="" xmlns:a16="http://schemas.microsoft.com/office/drawing/2014/main" id="{1E2CC41B-B39A-4F29-BA19-330082D42778}"/>
               </a:ext>
             </a:extLst>
           </p:cNvPr>
@@ -11536,7 +17059,7 @@
           <p:cNvPr id="5" name="Content Placeholder 4">
             <a:extLst>
               <a:ext uri="{FF2B5EF4-FFF2-40B4-BE49-F238E27FC236}">
-                <a16:creationId xmlns:a16="http://schemas.microsoft.com/office/drawing/2014/main" xmlns="" id="{D03E67DE-5F48-4C78-A142-FE29952C0046}"/>
+                <a16:creationId xmlns="" xmlns:a16="http://schemas.microsoft.com/office/drawing/2014/main" id="{D03E67DE-5F48-4C78-A142-FE29952C0046}"/>
               </a:ext>
             </a:extLst>
           </p:cNvPr>
@@ -11565,7 +17088,7 @@
           <p:cNvPr id="6" name="TextBox 5">
             <a:extLst>
               <a:ext uri="{FF2B5EF4-FFF2-40B4-BE49-F238E27FC236}">
-                <a16:creationId xmlns:a16="http://schemas.microsoft.com/office/drawing/2014/main" xmlns="" id="{44327F4E-6D39-4622-8C47-4AAFA4BEC4AE}"/>
+                <a16:creationId xmlns="" xmlns:a16="http://schemas.microsoft.com/office/drawing/2014/main" id="{44327F4E-6D39-4622-8C47-4AAFA4BEC4AE}"/>
               </a:ext>
             </a:extLst>
           </p:cNvPr>
@@ -11605,7 +17128,7 @@
           <p:cNvPr id="7" name="TextBox 6">
             <a:extLst>
               <a:ext uri="{FF2B5EF4-FFF2-40B4-BE49-F238E27FC236}">
-                <a16:creationId xmlns:a16="http://schemas.microsoft.com/office/drawing/2014/main" xmlns="" id="{A54B4E45-5A7B-4087-A4C7-EBCD1F3D7798}"/>
+                <a16:creationId xmlns="" xmlns:a16="http://schemas.microsoft.com/office/drawing/2014/main" id="{A54B4E45-5A7B-4087-A4C7-EBCD1F3D7798}"/>
               </a:ext>
             </a:extLst>
           </p:cNvPr>
@@ -11709,7 +17232,7 @@
           <p:cNvPr id="8" name="Picture 7">
             <a:extLst>
               <a:ext uri="{FF2B5EF4-FFF2-40B4-BE49-F238E27FC236}">
-                <a16:creationId xmlns:a16="http://schemas.microsoft.com/office/drawing/2014/main" xmlns="" id="{D2425D5D-BAE9-424A-B741-8C9237A9274F}"/>
+                <a16:creationId xmlns="" xmlns:a16="http://schemas.microsoft.com/office/drawing/2014/main" id="{D2425D5D-BAE9-424A-B741-8C9237A9274F}"/>
               </a:ext>
             </a:extLst>
           </p:cNvPr>
@@ -11743,6 +17266,223 @@
   <p:clrMapOvr>
     <a:masterClrMapping/>
   </p:clrMapOvr>
+  <p:transition spd="med">
+    <p:pull/>
+  </p:transition>
+  <p:timing>
+    <p:tnLst>
+      <p:par>
+        <p:cTn id="1" dur="indefinite" restart="never" nodeType="tmRoot">
+          <p:childTnLst>
+            <p:seq concurrent="1" nextAc="seek">
+              <p:cTn id="2" dur="indefinite" nodeType="mainSeq">
+                <p:childTnLst>
+                  <p:par>
+                    <p:cTn id="3" fill="hold">
+                      <p:stCondLst>
+                        <p:cond delay="indefinite"/>
+                      </p:stCondLst>
+                      <p:childTnLst>
+                        <p:par>
+                          <p:cTn id="4" fill="hold">
+                            <p:stCondLst>
+                              <p:cond delay="0"/>
+                            </p:stCondLst>
+                            <p:childTnLst>
+                              <p:par>
+                                <p:cTn id="5" presetID="42" presetClass="entr" presetSubtype="0" fill="hold" grpId="0" nodeType="clickEffect">
+                                  <p:stCondLst>
+                                    <p:cond delay="0"/>
+                                  </p:stCondLst>
+                                  <p:childTnLst>
+                                    <p:set>
+                                      <p:cBhvr>
+                                        <p:cTn id="6" dur="1" fill="hold">
+                                          <p:stCondLst>
+                                            <p:cond delay="0"/>
+                                          </p:stCondLst>
+                                        </p:cTn>
+                                        <p:tgtEl>
+                                          <p:spTgt spid="7"/>
+                                        </p:tgtEl>
+                                        <p:attrNameLst>
+                                          <p:attrName>style.visibility</p:attrName>
+                                        </p:attrNameLst>
+                                      </p:cBhvr>
+                                      <p:to>
+                                        <p:strVal val="visible"/>
+                                      </p:to>
+                                    </p:set>
+                                    <p:animEffect transition="in" filter="fade">
+                                      <p:cBhvr>
+                                        <p:cTn id="7" dur="1000"/>
+                                        <p:tgtEl>
+                                          <p:spTgt spid="7"/>
+                                        </p:tgtEl>
+                                      </p:cBhvr>
+                                    </p:animEffect>
+                                    <p:anim calcmode="lin" valueType="num">
+                                      <p:cBhvr>
+                                        <p:cTn id="8" dur="1000" fill="hold"/>
+                                        <p:tgtEl>
+                                          <p:spTgt spid="7"/>
+                                        </p:tgtEl>
+                                        <p:attrNameLst>
+                                          <p:attrName>ppt_x</p:attrName>
+                                        </p:attrNameLst>
+                                      </p:cBhvr>
+                                      <p:tavLst>
+                                        <p:tav tm="0">
+                                          <p:val>
+                                            <p:strVal val="#ppt_x"/>
+                                          </p:val>
+                                        </p:tav>
+                                        <p:tav tm="100000">
+                                          <p:val>
+                                            <p:strVal val="#ppt_x"/>
+                                          </p:val>
+                                        </p:tav>
+                                      </p:tavLst>
+                                    </p:anim>
+                                    <p:anim calcmode="lin" valueType="num">
+                                      <p:cBhvr>
+                                        <p:cTn id="9" dur="1000" fill="hold"/>
+                                        <p:tgtEl>
+                                          <p:spTgt spid="7"/>
+                                        </p:tgtEl>
+                                        <p:attrNameLst>
+                                          <p:attrName>ppt_y</p:attrName>
+                                        </p:attrNameLst>
+                                      </p:cBhvr>
+                                      <p:tavLst>
+                                        <p:tav tm="0">
+                                          <p:val>
+                                            <p:strVal val="#ppt_y+.1"/>
+                                          </p:val>
+                                        </p:tav>
+                                        <p:tav tm="100000">
+                                          <p:val>
+                                            <p:strVal val="#ppt_y"/>
+                                          </p:val>
+                                        </p:tav>
+                                      </p:tavLst>
+                                    </p:anim>
+                                  </p:childTnLst>
+                                </p:cTn>
+                              </p:par>
+                            </p:childTnLst>
+                          </p:cTn>
+                        </p:par>
+                        <p:par>
+                          <p:cTn id="10" fill="hold">
+                            <p:stCondLst>
+                              <p:cond delay="1000"/>
+                            </p:stCondLst>
+                            <p:childTnLst>
+                              <p:par>
+                                <p:cTn id="11" presetID="2" presetClass="entr" presetSubtype="2" fill="hold" nodeType="afterEffect">
+                                  <p:stCondLst>
+                                    <p:cond delay="0"/>
+                                  </p:stCondLst>
+                                  <p:childTnLst>
+                                    <p:set>
+                                      <p:cBhvr>
+                                        <p:cTn id="12" dur="1" fill="hold">
+                                          <p:stCondLst>
+                                            <p:cond delay="0"/>
+                                          </p:stCondLst>
+                                        </p:cTn>
+                                        <p:tgtEl>
+                                          <p:spTgt spid="5"/>
+                                        </p:tgtEl>
+                                        <p:attrNameLst>
+                                          <p:attrName>style.visibility</p:attrName>
+                                        </p:attrNameLst>
+                                      </p:cBhvr>
+                                      <p:to>
+                                        <p:strVal val="visible"/>
+                                      </p:to>
+                                    </p:set>
+                                    <p:anim calcmode="lin" valueType="num">
+                                      <p:cBhvr additive="base">
+                                        <p:cTn id="13" dur="500" fill="hold"/>
+                                        <p:tgtEl>
+                                          <p:spTgt spid="5"/>
+                                        </p:tgtEl>
+                                        <p:attrNameLst>
+                                          <p:attrName>ppt_x</p:attrName>
+                                        </p:attrNameLst>
+                                      </p:cBhvr>
+                                      <p:tavLst>
+                                        <p:tav tm="0">
+                                          <p:val>
+                                            <p:strVal val="1+#ppt_w/2"/>
+                                          </p:val>
+                                        </p:tav>
+                                        <p:tav tm="100000">
+                                          <p:val>
+                                            <p:strVal val="#ppt_x"/>
+                                          </p:val>
+                                        </p:tav>
+                                      </p:tavLst>
+                                    </p:anim>
+                                    <p:anim calcmode="lin" valueType="num">
+                                      <p:cBhvr additive="base">
+                                        <p:cTn id="14" dur="500" fill="hold"/>
+                                        <p:tgtEl>
+                                          <p:spTgt spid="5"/>
+                                        </p:tgtEl>
+                                        <p:attrNameLst>
+                                          <p:attrName>ppt_y</p:attrName>
+                                        </p:attrNameLst>
+                                      </p:cBhvr>
+                                      <p:tavLst>
+                                        <p:tav tm="0">
+                                          <p:val>
+                                            <p:strVal val="#ppt_y"/>
+                                          </p:val>
+                                        </p:tav>
+                                        <p:tav tm="100000">
+                                          <p:val>
+                                            <p:strVal val="#ppt_y"/>
+                                          </p:val>
+                                        </p:tav>
+                                      </p:tavLst>
+                                    </p:anim>
+                                  </p:childTnLst>
+                                </p:cTn>
+                              </p:par>
+                            </p:childTnLst>
+                          </p:cTn>
+                        </p:par>
+                      </p:childTnLst>
+                    </p:cTn>
+                  </p:par>
+                </p:childTnLst>
+              </p:cTn>
+              <p:prevCondLst>
+                <p:cond evt="onPrev" delay="0">
+                  <p:tgtEl>
+                    <p:sldTgt/>
+                  </p:tgtEl>
+                </p:cond>
+              </p:prevCondLst>
+              <p:nextCondLst>
+                <p:cond evt="onNext" delay="0">
+                  <p:tgtEl>
+                    <p:sldTgt/>
+                  </p:tgtEl>
+                </p:cond>
+              </p:nextCondLst>
+            </p:seq>
+          </p:childTnLst>
+        </p:cTn>
+      </p:par>
+    </p:tnLst>
+    <p:bldLst>
+      <p:bldP spid="7" grpId="0"/>
+    </p:bldLst>
+  </p:timing>
 </p:sld>
 </file>
 
